--- a/docs/Diagrams.pptx
+++ b/docs/Diagrams.pptx
@@ -5,14 +5,15 @@
     <p:sldMasterId id="2147483648" r:id="rId1"/>
   </p:sldMasterIdLst>
   <p:notesMasterIdLst>
-    <p:notesMasterId r:id="rId7"/>
+    <p:notesMasterId r:id="rId8"/>
   </p:notesMasterIdLst>
   <p:sldIdLst>
     <p:sldId id="256" r:id="rId2"/>
     <p:sldId id="257" r:id="rId3"/>
-    <p:sldId id="259" r:id="rId4"/>
-    <p:sldId id="258" r:id="rId5"/>
-    <p:sldId id="260" r:id="rId6"/>
+    <p:sldId id="261" r:id="rId4"/>
+    <p:sldId id="259" r:id="rId5"/>
+    <p:sldId id="258" r:id="rId6"/>
+    <p:sldId id="260" r:id="rId7"/>
   </p:sldIdLst>
   <p:sldSz cx="9144000" cy="6858000" type="screen4x3"/>
   <p:notesSz cx="6858000" cy="9144000"/>
@@ -212,7 +213,7 @@
           <a:p>
             <a:fld id="{F5CC4B3F-88C1-4FFA-B1B6-F41C21DC6924}" type="datetimeFigureOut">
               <a:rPr lang="en-US" smtClean="0"/>
-              <a:t>10/4/2018</a:t>
+              <a:t>11/11/2018</a:t>
             </a:fld>
             <a:endParaRPr lang="en-US"/>
           </a:p>
@@ -563,6 +564,100 @@
 </p:notes>
 </file>
 
+<file path=ppt/notesSlides/notesSlide2.xml><?xml version="1.0" encoding="utf-8"?>
+<p:notes xmlns:a="http://schemas.openxmlformats.org/drawingml/2006/main" xmlns:r="http://schemas.openxmlformats.org/officeDocument/2006/relationships" xmlns:p="http://schemas.openxmlformats.org/presentationml/2006/main">
+  <p:cSld>
+    <p:spTree>
+      <p:nvGrpSpPr>
+        <p:cNvPr id="1" name=""/>
+        <p:cNvGrpSpPr/>
+        <p:nvPr/>
+      </p:nvGrpSpPr>
+      <p:grpSpPr>
+        <a:xfrm>
+          <a:off x="0" y="0"/>
+          <a:ext cx="0" cy="0"/>
+          <a:chOff x="0" y="0"/>
+          <a:chExt cx="0" cy="0"/>
+        </a:xfrm>
+      </p:grpSpPr>
+      <p:sp>
+        <p:nvSpPr>
+          <p:cNvPr id="2" name="Slide Image Placeholder 1"/>
+          <p:cNvSpPr>
+            <a:spLocks noGrp="1" noRot="1" noChangeAspect="1"/>
+          </p:cNvSpPr>
+          <p:nvPr>
+            <p:ph type="sldImg"/>
+          </p:nvPr>
+        </p:nvSpPr>
+        <p:spPr/>
+      </p:sp>
+      <p:sp>
+        <p:nvSpPr>
+          <p:cNvPr id="3" name="Notes Placeholder 2"/>
+          <p:cNvSpPr>
+            <a:spLocks noGrp="1"/>
+          </p:cNvSpPr>
+          <p:nvPr>
+            <p:ph type="body" idx="1"/>
+          </p:nvPr>
+        </p:nvSpPr>
+        <p:spPr/>
+        <p:txBody>
+          <a:bodyPr/>
+          <a:lstStyle/>
+          <a:p>
+            <a:r>
+              <a:rPr lang="en-US" dirty="0"/>
+              <a:t>Password </a:t>
+            </a:r>
+            <a:r>
+              <a:rPr lang="en-US" dirty="0">
+                <a:sym typeface="Wingdings" panose="05000000000000000000" pitchFamily="2" charset="2"/>
+              </a:rPr>
+              <a:t> Hashing function </a:t>
+            </a:r>
+            <a:endParaRPr lang="en-US" dirty="0"/>
+          </a:p>
+        </p:txBody>
+      </p:sp>
+      <p:sp>
+        <p:nvSpPr>
+          <p:cNvPr id="4" name="Slide Number Placeholder 3"/>
+          <p:cNvSpPr>
+            <a:spLocks noGrp="1"/>
+          </p:cNvSpPr>
+          <p:nvPr>
+            <p:ph type="sldNum" sz="quarter" idx="10"/>
+          </p:nvPr>
+        </p:nvSpPr>
+        <p:spPr/>
+        <p:txBody>
+          <a:bodyPr/>
+          <a:lstStyle/>
+          <a:p>
+            <a:fld id="{5A7AB025-77E3-4BD1-A2FD-B3183DBA47A3}" type="slidenum">
+              <a:rPr lang="en-US" smtClean="0"/>
+              <a:t>3</a:t>
+            </a:fld>
+            <a:endParaRPr lang="en-US"/>
+          </a:p>
+        </p:txBody>
+      </p:sp>
+    </p:spTree>
+    <p:extLst>
+      <p:ext uri="{BB962C8B-B14F-4D97-AF65-F5344CB8AC3E}">
+        <p14:creationId xmlns:p14="http://schemas.microsoft.com/office/powerpoint/2010/main" val="3408670412"/>
+      </p:ext>
+    </p:extLst>
+  </p:cSld>
+  <p:clrMapOvr>
+    <a:masterClrMapping/>
+  </p:clrMapOvr>
+</p:notes>
+</file>
+
 <file path=ppt/slideLayouts/slideLayout1.xml><?xml version="1.0" encoding="utf-8"?>
 <p:sldLayout xmlns:a="http://schemas.openxmlformats.org/drawingml/2006/main" xmlns:r="http://schemas.openxmlformats.org/officeDocument/2006/relationships" xmlns:p="http://schemas.openxmlformats.org/presentationml/2006/main" type="title" preserve="1">
   <p:cSld name="Title Slide">
@@ -742,7 +837,7 @@
           <a:p>
             <a:fld id="{78C97017-6FC3-485B-9764-EAC9E56C1D49}" type="datetimeFigureOut">
               <a:rPr lang="en-US" smtClean="0"/>
-              <a:t>10/4/2018</a:t>
+              <a:t>11/11/2018</a:t>
             </a:fld>
             <a:endParaRPr lang="en-US"/>
           </a:p>
@@ -910,7 +1005,7 @@
           <a:p>
             <a:fld id="{78C97017-6FC3-485B-9764-EAC9E56C1D49}" type="datetimeFigureOut">
               <a:rPr lang="en-US" smtClean="0"/>
-              <a:t>10/4/2018</a:t>
+              <a:t>11/11/2018</a:t>
             </a:fld>
             <a:endParaRPr lang="en-US"/>
           </a:p>
@@ -1088,7 +1183,7 @@
           <a:p>
             <a:fld id="{78C97017-6FC3-485B-9764-EAC9E56C1D49}" type="datetimeFigureOut">
               <a:rPr lang="en-US" smtClean="0"/>
-              <a:t>10/4/2018</a:t>
+              <a:t>11/11/2018</a:t>
             </a:fld>
             <a:endParaRPr lang="en-US"/>
           </a:p>
@@ -1256,7 +1351,7 @@
           <a:p>
             <a:fld id="{78C97017-6FC3-485B-9764-EAC9E56C1D49}" type="datetimeFigureOut">
               <a:rPr lang="en-US" smtClean="0"/>
-              <a:t>10/4/2018</a:t>
+              <a:t>11/11/2018</a:t>
             </a:fld>
             <a:endParaRPr lang="en-US"/>
           </a:p>
@@ -1501,7 +1596,7 @@
           <a:p>
             <a:fld id="{78C97017-6FC3-485B-9764-EAC9E56C1D49}" type="datetimeFigureOut">
               <a:rPr lang="en-US" smtClean="0"/>
-              <a:t>10/4/2018</a:t>
+              <a:t>11/11/2018</a:t>
             </a:fld>
             <a:endParaRPr lang="en-US"/>
           </a:p>
@@ -1786,7 +1881,7 @@
           <a:p>
             <a:fld id="{78C97017-6FC3-485B-9764-EAC9E56C1D49}" type="datetimeFigureOut">
               <a:rPr lang="en-US" smtClean="0"/>
-              <a:t>10/4/2018</a:t>
+              <a:t>11/11/2018</a:t>
             </a:fld>
             <a:endParaRPr lang="en-US"/>
           </a:p>
@@ -2205,7 +2300,7 @@
           <a:p>
             <a:fld id="{78C97017-6FC3-485B-9764-EAC9E56C1D49}" type="datetimeFigureOut">
               <a:rPr lang="en-US" smtClean="0"/>
-              <a:t>10/4/2018</a:t>
+              <a:t>11/11/2018</a:t>
             </a:fld>
             <a:endParaRPr lang="en-US"/>
           </a:p>
@@ -2322,7 +2417,7 @@
           <a:p>
             <a:fld id="{78C97017-6FC3-485B-9764-EAC9E56C1D49}" type="datetimeFigureOut">
               <a:rPr lang="en-US" smtClean="0"/>
-              <a:t>10/4/2018</a:t>
+              <a:t>11/11/2018</a:t>
             </a:fld>
             <a:endParaRPr lang="en-US"/>
           </a:p>
@@ -2417,7 +2512,7 @@
           <a:p>
             <a:fld id="{78C97017-6FC3-485B-9764-EAC9E56C1D49}" type="datetimeFigureOut">
               <a:rPr lang="en-US" smtClean="0"/>
-              <a:t>10/4/2018</a:t>
+              <a:t>11/11/2018</a:t>
             </a:fld>
             <a:endParaRPr lang="en-US"/>
           </a:p>
@@ -2692,7 +2787,7 @@
           <a:p>
             <a:fld id="{78C97017-6FC3-485B-9764-EAC9E56C1D49}" type="datetimeFigureOut">
               <a:rPr lang="en-US" smtClean="0"/>
-              <a:t>10/4/2018</a:t>
+              <a:t>11/11/2018</a:t>
             </a:fld>
             <a:endParaRPr lang="en-US"/>
           </a:p>
@@ -2944,7 +3039,7 @@
           <a:p>
             <a:fld id="{78C97017-6FC3-485B-9764-EAC9E56C1D49}" type="datetimeFigureOut">
               <a:rPr lang="en-US" smtClean="0"/>
-              <a:t>10/4/2018</a:t>
+              <a:t>11/11/2018</a:t>
             </a:fld>
             <a:endParaRPr lang="en-US"/>
           </a:p>
@@ -3155,7 +3250,7 @@
           <a:p>
             <a:fld id="{78C97017-6FC3-485B-9764-EAC9E56C1D49}" type="datetimeFigureOut">
               <a:rPr lang="en-US" smtClean="0"/>
-              <a:t>10/4/2018</a:t>
+              <a:t>11/11/2018</a:t>
             </a:fld>
             <a:endParaRPr lang="en-US"/>
           </a:p>
@@ -3615,6 +3710,47 @@
       </p:grpSpPr>
       <p:cxnSp>
         <p:nvCxnSpPr>
+          <p:cNvPr id="67" name="Elbow Connector 66"/>
+          <p:cNvCxnSpPr>
+            <a:cxnSpLocks/>
+          </p:cNvCxnSpPr>
+          <p:nvPr/>
+        </p:nvCxnSpPr>
+        <p:spPr>
+          <a:xfrm rot="5400000" flipH="1" flipV="1">
+            <a:off x="2922972" y="2062094"/>
+            <a:ext cx="1412641" cy="711571"/>
+          </a:xfrm>
+          <a:prstGeom prst="bentConnector2">
+            <a:avLst/>
+          </a:prstGeom>
+          <a:ln w="19050">
+            <a:solidFill>
+              <a:srgbClr val="0070C0"/>
+            </a:solidFill>
+            <a:prstDash val="dash"/>
+            <a:headEnd type="none" w="med" len="med"/>
+            <a:tailEnd type="arrow" w="med" len="med"/>
+          </a:ln>
+          <a:effectLst/>
+        </p:spPr>
+        <p:style>
+          <a:lnRef idx="1">
+            <a:schemeClr val="accent2"/>
+          </a:lnRef>
+          <a:fillRef idx="2">
+            <a:schemeClr val="accent2"/>
+          </a:fillRef>
+          <a:effectRef idx="1">
+            <a:schemeClr val="accent2"/>
+          </a:effectRef>
+          <a:fontRef idx="minor">
+            <a:schemeClr val="dk1"/>
+          </a:fontRef>
+        </p:style>
+      </p:cxnSp>
+      <p:cxnSp>
+        <p:nvCxnSpPr>
           <p:cNvPr id="114" name="Elbow Connector 135">
             <a:extLst>
               <a:ext uri="{FF2B5EF4-FFF2-40B4-BE49-F238E27FC236}">
@@ -3670,7 +3806,7 @@
         </p:nvSpPr>
         <p:spPr>
           <a:xfrm>
-            <a:off x="411820" y="3920440"/>
+            <a:off x="339022" y="3929555"/>
             <a:ext cx="400979" cy="346760"/>
           </a:xfrm>
           <a:prstGeom prst="rect">
@@ -3843,7 +3979,7 @@
         </p:nvSpPr>
         <p:spPr>
           <a:xfrm>
-            <a:off x="2743200" y="3006040"/>
+            <a:off x="2956145" y="2991149"/>
             <a:ext cx="634723" cy="346760"/>
           </a:xfrm>
           <a:prstGeom prst="rect">
@@ -4195,8 +4331,8 @@
         </p:nvCxnSpPr>
         <p:spPr>
           <a:xfrm rot="10800000" flipV="1">
-            <a:off x="812799" y="4087188"/>
-            <a:ext cx="331174" cy="6631"/>
+            <a:off x="740001" y="4087189"/>
+            <a:ext cx="403972" cy="15746"/>
           </a:xfrm>
           <a:prstGeom prst="bentConnector3">
             <a:avLst>
@@ -4235,7 +4371,7 @@
         </p:nvCxnSpPr>
         <p:spPr>
           <a:xfrm rot="5400000" flipH="1" flipV="1">
-            <a:off x="2793471" y="3541515"/>
+            <a:off x="2962964" y="3498849"/>
             <a:ext cx="342611" cy="12700"/>
           </a:xfrm>
           <a:prstGeom prst="bentConnector3">
@@ -4248,49 +4384,6 @@
               <a:srgbClr val="0070C0"/>
             </a:solidFill>
             <a:prstDash val="dash"/>
-            <a:headEnd type="none" w="med" len="med"/>
-            <a:tailEnd type="arrow" w="med" len="med"/>
-          </a:ln>
-          <a:effectLst/>
-        </p:spPr>
-        <p:style>
-          <a:lnRef idx="1">
-            <a:schemeClr val="accent2"/>
-          </a:lnRef>
-          <a:fillRef idx="2">
-            <a:schemeClr val="accent2"/>
-          </a:fillRef>
-          <a:effectRef idx="1">
-            <a:schemeClr val="accent2"/>
-          </a:effectRef>
-          <a:fontRef idx="minor">
-            <a:schemeClr val="dk1"/>
-          </a:fontRef>
-        </p:style>
-      </p:cxnSp>
-      <p:cxnSp>
-        <p:nvCxnSpPr>
-          <p:cNvPr id="41" name="Elbow Connector 40"/>
-          <p:cNvCxnSpPr>
-            <a:stCxn id="66" idx="2"/>
-            <a:endCxn id="23" idx="0"/>
-          </p:cNvCxnSpPr>
-          <p:nvPr/>
-        </p:nvCxnSpPr>
-        <p:spPr>
-          <a:xfrm rot="5400000">
-            <a:off x="2646817" y="4301983"/>
-            <a:ext cx="316975" cy="12700"/>
-          </a:xfrm>
-          <a:prstGeom prst="bentConnector3">
-            <a:avLst>
-              <a:gd name="adj1" fmla="val 50000"/>
-            </a:avLst>
-          </a:prstGeom>
-          <a:ln w="19050">
-            <a:solidFill>
-              <a:srgbClr val="0070C0"/>
-            </a:solidFill>
             <a:headEnd type="none" w="med" len="med"/>
             <a:tailEnd type="arrow" w="med" len="med"/>
           </a:ln>
@@ -5316,60 +5409,19 @@
       </p:cxnSp>
       <p:cxnSp>
         <p:nvCxnSpPr>
-          <p:cNvPr id="67" name="Elbow Connector 66"/>
+          <p:cNvPr id="70" name="Elbow Connector 69"/>
           <p:cNvCxnSpPr>
-            <a:endCxn id="46" idx="1"/>
+            <a:cxnSpLocks/>
           </p:cNvCxnSpPr>
           <p:nvPr/>
         </p:nvCxnSpPr>
         <p:spPr>
           <a:xfrm rot="5400000" flipH="1" flipV="1">
-            <a:off x="2764336" y="1785299"/>
-            <a:ext cx="1427532" cy="1013951"/>
+            <a:off x="2379866" y="2052366"/>
+            <a:ext cx="2132160" cy="1078307"/>
           </a:xfrm>
           <a:prstGeom prst="bentConnector2">
             <a:avLst/>
-          </a:prstGeom>
-          <a:ln w="19050">
-            <a:solidFill>
-              <a:srgbClr val="0070C0"/>
-            </a:solidFill>
-            <a:prstDash val="dash"/>
-            <a:headEnd type="none" w="med" len="med"/>
-            <a:tailEnd type="arrow" w="med" len="med"/>
-          </a:ln>
-          <a:effectLst/>
-        </p:spPr>
-        <p:style>
-          <a:lnRef idx="1">
-            <a:schemeClr val="accent2"/>
-          </a:lnRef>
-          <a:fillRef idx="2">
-            <a:schemeClr val="accent2"/>
-          </a:fillRef>
-          <a:effectRef idx="1">
-            <a:schemeClr val="accent2"/>
-          </a:effectRef>
-          <a:fontRef idx="minor">
-            <a:schemeClr val="dk1"/>
-          </a:fontRef>
-        </p:style>
-      </p:cxnSp>
-      <p:cxnSp>
-        <p:nvCxnSpPr>
-          <p:cNvPr id="70" name="Elbow Connector 69"/>
-          <p:cNvCxnSpPr/>
-          <p:nvPr/>
-        </p:nvCxnSpPr>
-        <p:spPr>
-          <a:xfrm rot="5400000" flipH="1" flipV="1">
-            <a:off x="2182965" y="1908384"/>
-            <a:ext cx="2256600" cy="1347626"/>
-          </a:xfrm>
-          <a:prstGeom prst="bentConnector3">
-            <a:avLst>
-              <a:gd name="adj1" fmla="val 99901"/>
-            </a:avLst>
           </a:prstGeom>
           <a:ln w="19050">
             <a:solidFill>
@@ -6234,7 +6286,7 @@
         </p:nvCxnSpPr>
         <p:spPr>
           <a:xfrm rot="5400000" flipH="1" flipV="1">
-            <a:off x="161393" y="3469523"/>
+            <a:off x="88595" y="3478638"/>
             <a:ext cx="901834" cy="1"/>
           </a:xfrm>
           <a:prstGeom prst="bentConnector3">
@@ -6329,15 +6381,15 @@
         <p:nvCxnSpPr>
           <p:cNvPr id="76" name="Straight Arrow Connector 75"/>
           <p:cNvCxnSpPr>
-            <a:stCxn id="66" idx="3"/>
-            <a:endCxn id="13" idx="1"/>
+            <a:cxnSpLocks/>
+            <a:endCxn id="23" idx="0"/>
           </p:cNvCxnSpPr>
           <p:nvPr/>
         </p:nvCxnSpPr>
         <p:spPr>
-          <a:xfrm flipV="1">
-            <a:off x="3200400" y="3920440"/>
-            <a:ext cx="282698" cy="1750"/>
+          <a:xfrm>
+            <a:off x="2803553" y="4125851"/>
+            <a:ext cx="1751" cy="334620"/>
           </a:xfrm>
           <a:prstGeom prst="straightConnector1">
             <a:avLst/>
@@ -6374,7 +6426,7 @@
         </p:nvSpPr>
         <p:spPr>
           <a:xfrm>
-            <a:off x="986679" y="1995549"/>
+            <a:off x="386361" y="1995549"/>
             <a:ext cx="756639" cy="346760"/>
           </a:xfrm>
           <a:prstGeom prst="rect">
@@ -6420,7 +6472,7 @@
         </p:nvCxnSpPr>
         <p:spPr>
           <a:xfrm rot="16200000" flipV="1">
-            <a:off x="1201266" y="2506042"/>
+            <a:off x="600948" y="2506042"/>
             <a:ext cx="336300" cy="8834"/>
           </a:xfrm>
           <a:prstGeom prst="bentConnector3">
@@ -6461,7 +6513,7 @@
         </p:nvSpPr>
         <p:spPr>
           <a:xfrm>
-            <a:off x="838200" y="3214749"/>
+            <a:off x="581345" y="3214165"/>
             <a:ext cx="1071262" cy="346760"/>
           </a:xfrm>
           <a:prstGeom prst="rect">
@@ -6514,7 +6566,7 @@
         </p:nvCxnSpPr>
         <p:spPr>
           <a:xfrm rot="5400000" flipH="1" flipV="1">
-            <a:off x="1281047" y="3114967"/>
+            <a:off x="1024192" y="3114383"/>
             <a:ext cx="192567" cy="6999"/>
           </a:xfrm>
           <a:prstGeom prst="bentConnector3">
@@ -6613,50 +6665,6 @@
             <a:prstDash val="dash"/>
             <a:headEnd type="none" w="med" len="med"/>
             <a:tailEnd type="none" w="med" len="med"/>
-          </a:ln>
-          <a:effectLst/>
-        </p:spPr>
-        <p:style>
-          <a:lnRef idx="1">
-            <a:schemeClr val="accent2"/>
-          </a:lnRef>
-          <a:fillRef idx="2">
-            <a:schemeClr val="accent2"/>
-          </a:fillRef>
-          <a:effectRef idx="1">
-            <a:schemeClr val="accent2"/>
-          </a:effectRef>
-          <a:fontRef idx="minor">
-            <a:schemeClr val="dk1"/>
-          </a:fontRef>
-        </p:style>
-      </p:cxnSp>
-      <p:cxnSp>
-        <p:nvCxnSpPr>
-          <p:cNvPr id="113" name="Elbow Connector 112"/>
-          <p:cNvCxnSpPr>
-            <a:stCxn id="63" idx="3"/>
-            <a:endCxn id="66" idx="1"/>
-          </p:cNvCxnSpPr>
-          <p:nvPr/>
-        </p:nvCxnSpPr>
-        <p:spPr>
-          <a:xfrm>
-            <a:off x="1974786" y="2830178"/>
-            <a:ext cx="435422" cy="1092012"/>
-          </a:xfrm>
-          <a:prstGeom prst="bentConnector3">
-            <a:avLst>
-              <a:gd name="adj1" fmla="val 50000"/>
-            </a:avLst>
-          </a:prstGeom>
-          <a:ln w="19050">
-            <a:solidFill>
-              <a:srgbClr val="C00000"/>
-            </a:solidFill>
-            <a:prstDash val="solid"/>
-            <a:headEnd type="none" w="med" len="med"/>
-            <a:tailEnd type="arrow" w="med" len="med"/>
           </a:ln>
           <a:effectLst/>
         </p:spPr>
@@ -7268,6 +7276,1004 @@
               </a:rPr>
               <a:t>*</a:t>
             </a:r>
+          </a:p>
+        </p:txBody>
+      </p:sp>
+      <p:sp>
+        <p:nvSpPr>
+          <p:cNvPr id="116" name="Rectangle 115">
+            <a:extLst>
+              <a:ext uri="{FF2B5EF4-FFF2-40B4-BE49-F238E27FC236}">
+                <a16:creationId xmlns:a16="http://schemas.microsoft.com/office/drawing/2014/main" id="{756AED43-61C0-4611-97F1-29E5E0FAD6A0}"/>
+              </a:ext>
+            </a:extLst>
+          </p:cNvPr>
+          <p:cNvSpPr/>
+          <p:nvPr/>
+        </p:nvSpPr>
+        <p:spPr>
+          <a:xfrm>
+            <a:off x="485525" y="1060250"/>
+            <a:ext cx="803413" cy="395870"/>
+          </a:xfrm>
+          <a:prstGeom prst="rect">
+            <a:avLst/>
+          </a:prstGeom>
+          <a:solidFill>
+            <a:srgbClr val="FF0000"/>
+          </a:solidFill>
+          <a:ln w="19050">
+            <a:solidFill>
+              <a:srgbClr val="FF0000"/>
+            </a:solidFill>
+          </a:ln>
+          <a:effectLst/>
+        </p:spPr>
+        <p:style>
+          <a:lnRef idx="1">
+            <a:schemeClr val="accent2"/>
+          </a:lnRef>
+          <a:fillRef idx="2">
+            <a:schemeClr val="accent2"/>
+          </a:fillRef>
+          <a:effectRef idx="1">
+            <a:schemeClr val="accent2"/>
+          </a:effectRef>
+          <a:fontRef idx="minor">
+            <a:schemeClr val="dk1"/>
+          </a:fontRef>
+        </p:style>
+        <p:txBody>
+          <a:bodyPr rtlCol="0" anchor="ctr"/>
+          <a:lstStyle/>
+          <a:p>
+            <a:pPr algn="ctr"/>
+            <a:r>
+              <a:rPr lang="en-US" sz="1050" dirty="0">
+                <a:solidFill>
+                  <a:schemeClr val="bg1"/>
+                </a:solidFill>
+              </a:rPr>
+              <a:t>Password</a:t>
+            </a:r>
+            <a:endParaRPr lang="en-SG" sz="1050" dirty="0">
+              <a:solidFill>
+                <a:schemeClr val="bg1"/>
+              </a:solidFill>
+            </a:endParaRPr>
+          </a:p>
+        </p:txBody>
+      </p:sp>
+      <p:cxnSp>
+        <p:nvCxnSpPr>
+          <p:cNvPr id="124" name="Elbow Connector 63">
+            <a:extLst>
+              <a:ext uri="{FF2B5EF4-FFF2-40B4-BE49-F238E27FC236}">
+                <a16:creationId xmlns:a16="http://schemas.microsoft.com/office/drawing/2014/main" id="{538D549B-7655-4448-9D7C-6075B6DC9567}"/>
+              </a:ext>
+            </a:extLst>
+          </p:cNvPr>
+          <p:cNvCxnSpPr>
+            <a:cxnSpLocks/>
+            <a:endCxn id="116" idx="2"/>
+          </p:cNvCxnSpPr>
+          <p:nvPr/>
+        </p:nvCxnSpPr>
+        <p:spPr>
+          <a:xfrm rot="16200000" flipV="1">
+            <a:off x="447775" y="1895577"/>
+            <a:ext cx="1210880" cy="331966"/>
+          </a:xfrm>
+          <a:prstGeom prst="bentConnector3">
+            <a:avLst>
+              <a:gd name="adj1" fmla="val 63379"/>
+            </a:avLst>
+          </a:prstGeom>
+          <a:ln w="19050">
+            <a:solidFill>
+              <a:srgbClr val="C00000"/>
+            </a:solidFill>
+            <a:headEnd type="none" w="med" len="med"/>
+            <a:tailEnd type="arrow" w="med" len="med"/>
+          </a:ln>
+          <a:effectLst/>
+        </p:spPr>
+        <p:style>
+          <a:lnRef idx="1">
+            <a:schemeClr val="accent2"/>
+          </a:lnRef>
+          <a:fillRef idx="2">
+            <a:schemeClr val="accent2"/>
+          </a:fillRef>
+          <a:effectRef idx="1">
+            <a:schemeClr val="accent2"/>
+          </a:effectRef>
+          <a:fontRef idx="minor">
+            <a:schemeClr val="dk1"/>
+          </a:fontRef>
+        </p:style>
+      </p:cxnSp>
+      <p:sp>
+        <p:nvSpPr>
+          <p:cNvPr id="125" name="Rectangle 124">
+            <a:extLst>
+              <a:ext uri="{FF2B5EF4-FFF2-40B4-BE49-F238E27FC236}">
+                <a16:creationId xmlns:a16="http://schemas.microsoft.com/office/drawing/2014/main" id="{76764DAB-6FDE-4FB4-9F87-CAC553A7459C}"/>
+              </a:ext>
+            </a:extLst>
+          </p:cNvPr>
+          <p:cNvSpPr/>
+          <p:nvPr/>
+        </p:nvSpPr>
+        <p:spPr>
+          <a:xfrm>
+            <a:off x="1797214" y="2208798"/>
+            <a:ext cx="859535" cy="395870"/>
+          </a:xfrm>
+          <a:prstGeom prst="rect">
+            <a:avLst/>
+          </a:prstGeom>
+          <a:solidFill>
+            <a:srgbClr val="00B0F0"/>
+          </a:solidFill>
+          <a:ln w="19050">
+            <a:solidFill>
+              <a:srgbClr val="0070C0"/>
+            </a:solidFill>
+          </a:ln>
+          <a:effectLst/>
+        </p:spPr>
+        <p:style>
+          <a:lnRef idx="1">
+            <a:schemeClr val="accent2"/>
+          </a:lnRef>
+          <a:fillRef idx="2">
+            <a:schemeClr val="accent2"/>
+          </a:fillRef>
+          <a:effectRef idx="1">
+            <a:schemeClr val="accent2"/>
+          </a:effectRef>
+          <a:fontRef idx="minor">
+            <a:schemeClr val="dk1"/>
+          </a:fontRef>
+        </p:style>
+        <p:txBody>
+          <a:bodyPr rtlCol="0" anchor="ctr"/>
+          <a:lstStyle/>
+          <a:p>
+            <a:pPr algn="ctr"/>
+            <a:r>
+              <a:rPr lang="en-US" sz="1050" dirty="0">
+                <a:solidFill>
+                  <a:schemeClr val="bg1"/>
+                </a:solidFill>
+              </a:rPr>
+              <a:t>Check Distance</a:t>
+            </a:r>
+            <a:endParaRPr lang="en-SG" sz="1050" dirty="0">
+              <a:solidFill>
+                <a:schemeClr val="bg1"/>
+              </a:solidFill>
+            </a:endParaRPr>
+          </a:p>
+        </p:txBody>
+      </p:sp>
+      <p:cxnSp>
+        <p:nvCxnSpPr>
+          <p:cNvPr id="126" name="Elbow Connector 63">
+            <a:extLst>
+              <a:ext uri="{FF2B5EF4-FFF2-40B4-BE49-F238E27FC236}">
+                <a16:creationId xmlns:a16="http://schemas.microsoft.com/office/drawing/2014/main" id="{CDF2CCBC-FE3F-48BB-98EC-88CA905597BE}"/>
+              </a:ext>
+            </a:extLst>
+          </p:cNvPr>
+          <p:cNvCxnSpPr>
+            <a:cxnSpLocks/>
+          </p:cNvCxnSpPr>
+          <p:nvPr/>
+        </p:nvCxnSpPr>
+        <p:spPr>
+          <a:xfrm rot="16200000" flipH="1">
+            <a:off x="1614453" y="3036140"/>
+            <a:ext cx="896894" cy="681401"/>
+          </a:xfrm>
+          <a:prstGeom prst="bentConnector2">
+            <a:avLst/>
+          </a:prstGeom>
+          <a:ln w="19050">
+            <a:solidFill>
+              <a:srgbClr val="C00000"/>
+            </a:solidFill>
+            <a:headEnd type="none" w="med" len="med"/>
+            <a:tailEnd type="arrow" w="med" len="med"/>
+          </a:ln>
+          <a:effectLst/>
+        </p:spPr>
+        <p:style>
+          <a:lnRef idx="1">
+            <a:schemeClr val="accent2"/>
+          </a:lnRef>
+          <a:fillRef idx="2">
+            <a:schemeClr val="accent2"/>
+          </a:fillRef>
+          <a:effectRef idx="1">
+            <a:schemeClr val="accent2"/>
+          </a:effectRef>
+          <a:fontRef idx="minor">
+            <a:schemeClr val="dk1"/>
+          </a:fontRef>
+        </p:style>
+      </p:cxnSp>
+      <p:cxnSp>
+        <p:nvCxnSpPr>
+          <p:cNvPr id="134" name="Elbow Connector 40">
+            <a:extLst>
+              <a:ext uri="{FF2B5EF4-FFF2-40B4-BE49-F238E27FC236}">
+                <a16:creationId xmlns:a16="http://schemas.microsoft.com/office/drawing/2014/main" id="{4C8E131E-55D3-46D7-8169-D4EBE6D64937}"/>
+              </a:ext>
+            </a:extLst>
+          </p:cNvPr>
+          <p:cNvCxnSpPr>
+            <a:cxnSpLocks/>
+            <a:endCxn id="23" idx="1"/>
+          </p:cNvCxnSpPr>
+          <p:nvPr/>
+        </p:nvCxnSpPr>
+        <p:spPr>
+          <a:xfrm rot="16200000" flipH="1">
+            <a:off x="1614772" y="3838415"/>
+            <a:ext cx="1141903" cy="448967"/>
+          </a:xfrm>
+          <a:prstGeom prst="bentConnector2">
+            <a:avLst/>
+          </a:prstGeom>
+          <a:ln w="19050">
+            <a:solidFill>
+              <a:srgbClr val="00B0F0"/>
+            </a:solidFill>
+            <a:headEnd type="none" w="med" len="med"/>
+            <a:tailEnd type="arrow" w="med" len="med"/>
+          </a:ln>
+          <a:effectLst/>
+        </p:spPr>
+        <p:style>
+          <a:lnRef idx="1">
+            <a:schemeClr val="accent2"/>
+          </a:lnRef>
+          <a:fillRef idx="2">
+            <a:schemeClr val="accent2"/>
+          </a:fillRef>
+          <a:effectRef idx="1">
+            <a:schemeClr val="accent2"/>
+          </a:effectRef>
+          <a:fontRef idx="minor">
+            <a:schemeClr val="dk1"/>
+          </a:fontRef>
+        </p:style>
+      </p:cxnSp>
+      <p:sp>
+        <p:nvSpPr>
+          <p:cNvPr id="137" name="Rectangle 136">
+            <a:extLst>
+              <a:ext uri="{FF2B5EF4-FFF2-40B4-BE49-F238E27FC236}">
+                <a16:creationId xmlns:a16="http://schemas.microsoft.com/office/drawing/2014/main" id="{886B3EAF-AC80-4AA4-A268-2E53A03D3269}"/>
+              </a:ext>
+            </a:extLst>
+          </p:cNvPr>
+          <p:cNvSpPr/>
+          <p:nvPr/>
+        </p:nvSpPr>
+        <p:spPr>
+          <a:xfrm>
+            <a:off x="1619032" y="4912420"/>
+            <a:ext cx="790193" cy="346760"/>
+          </a:xfrm>
+          <a:prstGeom prst="rect">
+            <a:avLst/>
+          </a:prstGeom>
+          <a:solidFill>
+            <a:srgbClr val="00B050"/>
+          </a:solidFill>
+          <a:ln w="19050">
+            <a:solidFill>
+              <a:srgbClr val="00B050"/>
+            </a:solidFill>
+          </a:ln>
+          <a:effectLst/>
+        </p:spPr>
+        <p:style>
+          <a:lnRef idx="1">
+            <a:schemeClr val="accent2"/>
+          </a:lnRef>
+          <a:fillRef idx="2">
+            <a:schemeClr val="accent2"/>
+          </a:fillRef>
+          <a:effectRef idx="1">
+            <a:schemeClr val="accent2"/>
+          </a:effectRef>
+          <a:fontRef idx="minor">
+            <a:schemeClr val="dk1"/>
+          </a:fontRef>
+        </p:style>
+        <p:txBody>
+          <a:bodyPr rtlCol="0" anchor="ctr"/>
+          <a:lstStyle/>
+          <a:p>
+            <a:pPr algn="ctr"/>
+            <a:r>
+              <a:rPr lang="en-US" sz="1050" dirty="0">
+                <a:solidFill>
+                  <a:schemeClr val="bg1"/>
+                </a:solidFill>
+              </a:rPr>
+              <a:t>Password Storage</a:t>
+            </a:r>
+            <a:endParaRPr lang="en-SG" sz="1050" dirty="0">
+              <a:solidFill>
+                <a:schemeClr val="bg1"/>
+              </a:solidFill>
+            </a:endParaRPr>
+          </a:p>
+        </p:txBody>
+      </p:sp>
+      <p:sp>
+        <p:nvSpPr>
+          <p:cNvPr id="138" name="Rectangle 137">
+            <a:extLst>
+              <a:ext uri="{FF2B5EF4-FFF2-40B4-BE49-F238E27FC236}">
+                <a16:creationId xmlns:a16="http://schemas.microsoft.com/office/drawing/2014/main" id="{02539E5F-2913-4920-9B82-C426F0CB58AD}"/>
+              </a:ext>
+            </a:extLst>
+          </p:cNvPr>
+          <p:cNvSpPr/>
+          <p:nvPr/>
+        </p:nvSpPr>
+        <p:spPr>
+          <a:xfrm>
+            <a:off x="2979453" y="4916258"/>
+            <a:ext cx="790193" cy="346760"/>
+          </a:xfrm>
+          <a:prstGeom prst="rect">
+            <a:avLst/>
+          </a:prstGeom>
+          <a:solidFill>
+            <a:srgbClr val="00B050"/>
+          </a:solidFill>
+          <a:ln w="19050">
+            <a:solidFill>
+              <a:srgbClr val="00B050"/>
+            </a:solidFill>
+          </a:ln>
+          <a:effectLst/>
+        </p:spPr>
+        <p:style>
+          <a:lnRef idx="1">
+            <a:schemeClr val="accent2"/>
+          </a:lnRef>
+          <a:fillRef idx="2">
+            <a:schemeClr val="accent2"/>
+          </a:fillRef>
+          <a:effectRef idx="1">
+            <a:schemeClr val="accent2"/>
+          </a:effectRef>
+          <a:fontRef idx="minor">
+            <a:schemeClr val="dk1"/>
+          </a:fontRef>
+        </p:style>
+        <p:txBody>
+          <a:bodyPr rtlCol="0" anchor="ctr"/>
+          <a:lstStyle/>
+          <a:p>
+            <a:pPr algn="ctr"/>
+            <a:r>
+              <a:rPr lang="en-US" sz="1050" dirty="0">
+                <a:solidFill>
+                  <a:schemeClr val="bg1"/>
+                </a:solidFill>
+              </a:rPr>
+              <a:t>Inbox Messages</a:t>
+            </a:r>
+            <a:endParaRPr lang="en-SG" sz="1050" dirty="0">
+              <a:solidFill>
+                <a:schemeClr val="bg1"/>
+              </a:solidFill>
+            </a:endParaRPr>
+          </a:p>
+        </p:txBody>
+      </p:sp>
+      <p:cxnSp>
+        <p:nvCxnSpPr>
+          <p:cNvPr id="139" name="Elbow Connector 40">
+            <a:extLst>
+              <a:ext uri="{FF2B5EF4-FFF2-40B4-BE49-F238E27FC236}">
+                <a16:creationId xmlns:a16="http://schemas.microsoft.com/office/drawing/2014/main" id="{CCA98FBA-B1F2-4A2C-BC56-A455A4D1E03A}"/>
+              </a:ext>
+            </a:extLst>
+          </p:cNvPr>
+          <p:cNvCxnSpPr>
+            <a:cxnSpLocks/>
+            <a:stCxn id="66" idx="3"/>
+            <a:endCxn id="138" idx="0"/>
+          </p:cNvCxnSpPr>
+          <p:nvPr/>
+        </p:nvCxnSpPr>
+        <p:spPr>
+          <a:xfrm>
+            <a:off x="3200400" y="3922190"/>
+            <a:ext cx="174150" cy="994068"/>
+          </a:xfrm>
+          <a:prstGeom prst="bentConnector2">
+            <a:avLst/>
+          </a:prstGeom>
+          <a:ln w="19050">
+            <a:solidFill>
+              <a:srgbClr val="0070C0"/>
+            </a:solidFill>
+            <a:headEnd type="none" w="med" len="med"/>
+            <a:tailEnd type="arrow" w="med" len="med"/>
+          </a:ln>
+          <a:effectLst/>
+        </p:spPr>
+        <p:style>
+          <a:lnRef idx="1">
+            <a:schemeClr val="accent2"/>
+          </a:lnRef>
+          <a:fillRef idx="2">
+            <a:schemeClr val="accent2"/>
+          </a:fillRef>
+          <a:effectRef idx="1">
+            <a:schemeClr val="accent2"/>
+          </a:effectRef>
+          <a:fontRef idx="minor">
+            <a:schemeClr val="dk1"/>
+          </a:fontRef>
+        </p:style>
+      </p:cxnSp>
+      <p:cxnSp>
+        <p:nvCxnSpPr>
+          <p:cNvPr id="141" name="Elbow Connector 63">
+            <a:extLst>
+              <a:ext uri="{FF2B5EF4-FFF2-40B4-BE49-F238E27FC236}">
+                <a16:creationId xmlns:a16="http://schemas.microsoft.com/office/drawing/2014/main" id="{9C7F430F-C17D-49F7-BCE4-973D8442FBED}"/>
+              </a:ext>
+            </a:extLst>
+          </p:cNvPr>
+          <p:cNvCxnSpPr>
+            <a:cxnSpLocks/>
+            <a:stCxn id="116" idx="1"/>
+            <a:endCxn id="137" idx="1"/>
+          </p:cNvCxnSpPr>
+          <p:nvPr/>
+        </p:nvCxnSpPr>
+        <p:spPr>
+          <a:xfrm rot="10800000" flipH="1" flipV="1">
+            <a:off x="485524" y="1258184"/>
+            <a:ext cx="1133507" cy="3827615"/>
+          </a:xfrm>
+          <a:prstGeom prst="bentConnector3">
+            <a:avLst>
+              <a:gd name="adj1" fmla="val -31601"/>
+            </a:avLst>
+          </a:prstGeom>
+          <a:ln w="19050">
+            <a:solidFill>
+              <a:srgbClr val="FF0000"/>
+            </a:solidFill>
+            <a:headEnd type="none" w="med" len="med"/>
+            <a:tailEnd type="arrow" w="med" len="med"/>
+          </a:ln>
+          <a:effectLst/>
+        </p:spPr>
+        <p:style>
+          <a:lnRef idx="1">
+            <a:schemeClr val="accent2"/>
+          </a:lnRef>
+          <a:fillRef idx="2">
+            <a:schemeClr val="accent2"/>
+          </a:fillRef>
+          <a:effectRef idx="1">
+            <a:schemeClr val="accent2"/>
+          </a:effectRef>
+          <a:fontRef idx="minor">
+            <a:schemeClr val="dk1"/>
+          </a:fontRef>
+        </p:style>
+      </p:cxnSp>
+      <p:cxnSp>
+        <p:nvCxnSpPr>
+          <p:cNvPr id="146" name="Elbow Connector 63">
+            <a:extLst>
+              <a:ext uri="{FF2B5EF4-FFF2-40B4-BE49-F238E27FC236}">
+                <a16:creationId xmlns:a16="http://schemas.microsoft.com/office/drawing/2014/main" id="{55FB5088-BA54-492D-BB1F-B8809010F38B}"/>
+              </a:ext>
+            </a:extLst>
+          </p:cNvPr>
+          <p:cNvCxnSpPr>
+            <a:cxnSpLocks/>
+            <a:endCxn id="161" idx="0"/>
+          </p:cNvCxnSpPr>
+          <p:nvPr/>
+        </p:nvCxnSpPr>
+        <p:spPr>
+          <a:xfrm rot="5400000" flipH="1" flipV="1">
+            <a:off x="1318343" y="1780688"/>
+            <a:ext cx="1303641" cy="489717"/>
+          </a:xfrm>
+          <a:prstGeom prst="bentConnector3">
+            <a:avLst>
+              <a:gd name="adj1" fmla="val 117536"/>
+            </a:avLst>
+          </a:prstGeom>
+          <a:ln w="19050">
+            <a:solidFill>
+              <a:srgbClr val="C00000"/>
+            </a:solidFill>
+            <a:headEnd type="none" w="med" len="med"/>
+            <a:tailEnd type="arrow" w="med" len="med"/>
+          </a:ln>
+          <a:effectLst/>
+        </p:spPr>
+        <p:style>
+          <a:lnRef idx="1">
+            <a:schemeClr val="accent2"/>
+          </a:lnRef>
+          <a:fillRef idx="2">
+            <a:schemeClr val="accent2"/>
+          </a:fillRef>
+          <a:effectRef idx="1">
+            <a:schemeClr val="accent2"/>
+          </a:effectRef>
+          <a:fontRef idx="minor">
+            <a:schemeClr val="dk1"/>
+          </a:fontRef>
+        </p:style>
+      </p:cxnSp>
+      <p:sp>
+        <p:nvSpPr>
+          <p:cNvPr id="147" name="Rectangle 146">
+            <a:extLst>
+              <a:ext uri="{FF2B5EF4-FFF2-40B4-BE49-F238E27FC236}">
+                <a16:creationId xmlns:a16="http://schemas.microsoft.com/office/drawing/2014/main" id="{3941AAFB-54C0-439C-AAE9-8F529EF29FE0}"/>
+              </a:ext>
+            </a:extLst>
+          </p:cNvPr>
+          <p:cNvSpPr/>
+          <p:nvPr/>
+        </p:nvSpPr>
+        <p:spPr>
+          <a:xfrm>
+            <a:off x="1799268" y="3081186"/>
+            <a:ext cx="859535" cy="395870"/>
+          </a:xfrm>
+          <a:prstGeom prst="rect">
+            <a:avLst/>
+          </a:prstGeom>
+          <a:solidFill>
+            <a:srgbClr val="00B0F0"/>
+          </a:solidFill>
+          <a:ln w="19050">
+            <a:solidFill>
+              <a:srgbClr val="0070C0"/>
+            </a:solidFill>
+          </a:ln>
+          <a:effectLst/>
+        </p:spPr>
+        <p:style>
+          <a:lnRef idx="1">
+            <a:schemeClr val="accent2"/>
+          </a:lnRef>
+          <a:fillRef idx="2">
+            <a:schemeClr val="accent2"/>
+          </a:fillRef>
+          <a:effectRef idx="1">
+            <a:schemeClr val="accent2"/>
+          </a:effectRef>
+          <a:fontRef idx="minor">
+            <a:schemeClr val="dk1"/>
+          </a:fontRef>
+        </p:style>
+        <p:txBody>
+          <a:bodyPr rtlCol="0" anchor="ctr"/>
+          <a:lstStyle/>
+          <a:p>
+            <a:pPr algn="ctr"/>
+            <a:r>
+              <a:rPr lang="en-US" sz="1050" dirty="0">
+                <a:solidFill>
+                  <a:schemeClr val="bg1"/>
+                </a:solidFill>
+              </a:rPr>
+              <a:t>Dictionary</a:t>
+            </a:r>
+            <a:endParaRPr lang="en-SG" sz="1050" dirty="0">
+              <a:solidFill>
+                <a:schemeClr val="bg1"/>
+              </a:solidFill>
+            </a:endParaRPr>
+          </a:p>
+        </p:txBody>
+      </p:sp>
+      <p:cxnSp>
+        <p:nvCxnSpPr>
+          <p:cNvPr id="154" name="Straight Arrow Connector 153">
+            <a:extLst>
+              <a:ext uri="{FF2B5EF4-FFF2-40B4-BE49-F238E27FC236}">
+                <a16:creationId xmlns:a16="http://schemas.microsoft.com/office/drawing/2014/main" id="{59212921-A71B-4FDF-8711-34FAA2A534F1}"/>
+              </a:ext>
+            </a:extLst>
+          </p:cNvPr>
+          <p:cNvCxnSpPr>
+            <a:cxnSpLocks/>
+            <a:stCxn id="125" idx="2"/>
+            <a:endCxn id="147" idx="0"/>
+          </p:cNvCxnSpPr>
+          <p:nvPr/>
+        </p:nvCxnSpPr>
+        <p:spPr>
+          <a:xfrm>
+            <a:off x="2226982" y="2604668"/>
+            <a:ext cx="2054" cy="476518"/>
+          </a:xfrm>
+          <a:prstGeom prst="straightConnector1">
+            <a:avLst/>
+          </a:prstGeom>
+          <a:ln w="19050">
+            <a:solidFill>
+              <a:srgbClr val="00B0F0"/>
+            </a:solidFill>
+            <a:headEnd type="none" w="med" len="med"/>
+            <a:tailEnd type="arrow" w="med" len="med"/>
+          </a:ln>
+          <a:effectLst/>
+        </p:spPr>
+        <p:style>
+          <a:lnRef idx="1">
+            <a:schemeClr val="accent2"/>
+          </a:lnRef>
+          <a:fillRef idx="2">
+            <a:schemeClr val="accent2"/>
+          </a:fillRef>
+          <a:effectRef idx="1">
+            <a:schemeClr val="accent2"/>
+          </a:effectRef>
+          <a:fontRef idx="minor">
+            <a:schemeClr val="dk1"/>
+          </a:fontRef>
+        </p:style>
+      </p:cxnSp>
+      <p:sp>
+        <p:nvSpPr>
+          <p:cNvPr id="161" name="Rectangle 160">
+            <a:extLst>
+              <a:ext uri="{FF2B5EF4-FFF2-40B4-BE49-F238E27FC236}">
+                <a16:creationId xmlns:a16="http://schemas.microsoft.com/office/drawing/2014/main" id="{F262929D-0F5B-408F-BD25-66D752AC53B1}"/>
+              </a:ext>
+            </a:extLst>
+          </p:cNvPr>
+          <p:cNvSpPr/>
+          <p:nvPr/>
+        </p:nvSpPr>
+        <p:spPr>
+          <a:xfrm>
+            <a:off x="1785254" y="1373725"/>
+            <a:ext cx="859535" cy="395870"/>
+          </a:xfrm>
+          <a:prstGeom prst="rect">
+            <a:avLst/>
+          </a:prstGeom>
+          <a:solidFill>
+            <a:srgbClr val="00B0F0"/>
+          </a:solidFill>
+          <a:ln w="19050">
+            <a:solidFill>
+              <a:srgbClr val="0070C0"/>
+            </a:solidFill>
+          </a:ln>
+          <a:effectLst/>
+        </p:spPr>
+        <p:style>
+          <a:lnRef idx="1">
+            <a:schemeClr val="accent2"/>
+          </a:lnRef>
+          <a:fillRef idx="2">
+            <a:schemeClr val="accent2"/>
+          </a:fillRef>
+          <a:effectRef idx="1">
+            <a:schemeClr val="accent2"/>
+          </a:effectRef>
+          <a:fontRef idx="minor">
+            <a:schemeClr val="dk1"/>
+          </a:fontRef>
+        </p:style>
+        <p:txBody>
+          <a:bodyPr rtlCol="0" anchor="ctr"/>
+          <a:lstStyle/>
+          <a:p>
+            <a:pPr algn="ctr"/>
+            <a:r>
+              <a:rPr lang="en-US" sz="1050" dirty="0">
+                <a:solidFill>
+                  <a:schemeClr val="bg1"/>
+                </a:solidFill>
+              </a:rPr>
+              <a:t>Autocorrect</a:t>
+            </a:r>
+            <a:endParaRPr lang="en-SG" sz="1050" dirty="0">
+              <a:solidFill>
+                <a:schemeClr val="bg1"/>
+              </a:solidFill>
+            </a:endParaRPr>
+          </a:p>
+        </p:txBody>
+      </p:sp>
+      <p:cxnSp>
+        <p:nvCxnSpPr>
+          <p:cNvPr id="170" name="Straight Arrow Connector 169">
+            <a:extLst>
+              <a:ext uri="{FF2B5EF4-FFF2-40B4-BE49-F238E27FC236}">
+                <a16:creationId xmlns:a16="http://schemas.microsoft.com/office/drawing/2014/main" id="{D46716A6-E0F0-4C2B-8832-F1AD9412BD03}"/>
+              </a:ext>
+            </a:extLst>
+          </p:cNvPr>
+          <p:cNvCxnSpPr>
+            <a:cxnSpLocks/>
+          </p:cNvCxnSpPr>
+          <p:nvPr/>
+        </p:nvCxnSpPr>
+        <p:spPr>
+          <a:xfrm>
+            <a:off x="2207746" y="1733282"/>
+            <a:ext cx="2054" cy="476518"/>
+          </a:xfrm>
+          <a:prstGeom prst="straightConnector1">
+            <a:avLst/>
+          </a:prstGeom>
+          <a:ln w="19050">
+            <a:solidFill>
+              <a:srgbClr val="00B0F0"/>
+            </a:solidFill>
+            <a:headEnd type="none" w="med" len="med"/>
+            <a:tailEnd type="arrow" w="med" len="med"/>
+          </a:ln>
+          <a:effectLst/>
+        </p:spPr>
+        <p:style>
+          <a:lnRef idx="1">
+            <a:schemeClr val="accent2"/>
+          </a:lnRef>
+          <a:fillRef idx="2">
+            <a:schemeClr val="accent2"/>
+          </a:fillRef>
+          <a:effectRef idx="1">
+            <a:schemeClr val="accent2"/>
+          </a:effectRef>
+          <a:fontRef idx="minor">
+            <a:schemeClr val="dk1"/>
+          </a:fontRef>
+        </p:style>
+      </p:cxnSp>
+      <p:cxnSp>
+        <p:nvCxnSpPr>
+          <p:cNvPr id="176" name="Elbow Connector 40">
+            <a:extLst>
+              <a:ext uri="{FF2B5EF4-FFF2-40B4-BE49-F238E27FC236}">
+                <a16:creationId xmlns:a16="http://schemas.microsoft.com/office/drawing/2014/main" id="{4B6002E8-2BBF-43A2-9F84-FA270CC59D5B}"/>
+              </a:ext>
+            </a:extLst>
+          </p:cNvPr>
+          <p:cNvCxnSpPr>
+            <a:cxnSpLocks/>
+            <a:stCxn id="161" idx="3"/>
+            <a:endCxn id="66" idx="0"/>
+          </p:cNvCxnSpPr>
+          <p:nvPr/>
+        </p:nvCxnSpPr>
+        <p:spPr>
+          <a:xfrm>
+            <a:off x="2644789" y="1571660"/>
+            <a:ext cx="160515" cy="2129224"/>
+          </a:xfrm>
+          <a:prstGeom prst="bentConnector2">
+            <a:avLst/>
+          </a:prstGeom>
+          <a:ln w="19050">
+            <a:solidFill>
+              <a:srgbClr val="00B0F0"/>
+            </a:solidFill>
+            <a:headEnd type="none" w="med" len="med"/>
+            <a:tailEnd type="arrow" w="med" len="med"/>
+          </a:ln>
+          <a:effectLst/>
+        </p:spPr>
+        <p:style>
+          <a:lnRef idx="1">
+            <a:schemeClr val="accent2"/>
+          </a:lnRef>
+          <a:fillRef idx="2">
+            <a:schemeClr val="accent2"/>
+          </a:fillRef>
+          <a:effectRef idx="1">
+            <a:schemeClr val="accent2"/>
+          </a:effectRef>
+          <a:fontRef idx="minor">
+            <a:schemeClr val="dk1"/>
+          </a:fontRef>
+        </p:style>
+      </p:cxnSp>
+      <p:sp>
+        <p:nvSpPr>
+          <p:cNvPr id="181" name="Rectangle 180">
+            <a:extLst>
+              <a:ext uri="{FF2B5EF4-FFF2-40B4-BE49-F238E27FC236}">
+                <a16:creationId xmlns:a16="http://schemas.microsoft.com/office/drawing/2014/main" id="{933999DB-6FC9-474F-AE64-603C0725812B}"/>
+              </a:ext>
+            </a:extLst>
+          </p:cNvPr>
+          <p:cNvSpPr/>
+          <p:nvPr/>
+        </p:nvSpPr>
+        <p:spPr>
+          <a:xfrm>
+            <a:off x="4589077" y="2208511"/>
+            <a:ext cx="634723" cy="346760"/>
+          </a:xfrm>
+          <a:prstGeom prst="rect">
+            <a:avLst/>
+          </a:prstGeom>
+          <a:solidFill>
+            <a:schemeClr val="bg2">
+              <a:lumMod val="50000"/>
+            </a:schemeClr>
+          </a:solidFill>
+          <a:ln>
+            <a:solidFill>
+              <a:srgbClr val="0070C0"/>
+            </a:solidFill>
+          </a:ln>
+          <a:effectLst/>
+        </p:spPr>
+        <p:style>
+          <a:lnRef idx="1">
+            <a:schemeClr val="accent1"/>
+          </a:lnRef>
+          <a:fillRef idx="2">
+            <a:schemeClr val="accent1"/>
+          </a:fillRef>
+          <a:effectRef idx="1">
+            <a:schemeClr val="accent1"/>
+          </a:effectRef>
+          <a:fontRef idx="minor">
+            <a:schemeClr val="dk1"/>
+          </a:fontRef>
+        </p:style>
+        <p:txBody>
+          <a:bodyPr rtlCol="0" anchor="ctr"/>
+          <a:lstStyle/>
+          <a:p>
+            <a:pPr algn="ctr"/>
+            <a:r>
+              <a:rPr lang="en-US" sz="1050" dirty="0"/>
+              <a:t>Inbox</a:t>
+            </a:r>
+            <a:endParaRPr lang="en-SG" sz="1050" dirty="0"/>
+          </a:p>
+        </p:txBody>
+      </p:sp>
+      <p:sp>
+        <p:nvSpPr>
+          <p:cNvPr id="182" name="Rectangle 181">
+            <a:extLst>
+              <a:ext uri="{FF2B5EF4-FFF2-40B4-BE49-F238E27FC236}">
+                <a16:creationId xmlns:a16="http://schemas.microsoft.com/office/drawing/2014/main" id="{A76A99B9-7426-4334-A679-6C00851B243C}"/>
+              </a:ext>
+            </a:extLst>
+          </p:cNvPr>
+          <p:cNvSpPr/>
+          <p:nvPr/>
+        </p:nvSpPr>
+        <p:spPr>
+          <a:xfrm>
+            <a:off x="3445946" y="5340161"/>
+            <a:ext cx="881210" cy="346760"/>
+          </a:xfrm>
+          <a:prstGeom prst="rect">
+            <a:avLst/>
+          </a:prstGeom>
+          <a:solidFill>
+            <a:schemeClr val="bg2">
+              <a:lumMod val="50000"/>
+            </a:schemeClr>
+          </a:solidFill>
+          <a:ln>
+            <a:solidFill>
+              <a:srgbClr val="0070C0"/>
+            </a:solidFill>
+          </a:ln>
+          <a:effectLst/>
+        </p:spPr>
+        <p:style>
+          <a:lnRef idx="1">
+            <a:schemeClr val="accent1"/>
+          </a:lnRef>
+          <a:fillRef idx="2">
+            <a:schemeClr val="accent1"/>
+          </a:fillRef>
+          <a:effectRef idx="1">
+            <a:schemeClr val="accent1"/>
+          </a:effectRef>
+          <a:fontRef idx="minor">
+            <a:schemeClr val="dk1"/>
+          </a:fontRef>
+        </p:style>
+        <p:txBody>
+          <a:bodyPr rtlCol="0" anchor="ctr"/>
+          <a:lstStyle/>
+          <a:p>
+            <a:pPr algn="ctr"/>
+            <a:r>
+              <a:rPr lang="en-US" sz="1050" dirty="0"/>
+              <a:t>Notification Reader</a:t>
+            </a:r>
+            <a:endParaRPr lang="en-SG" sz="1050" dirty="0"/>
+          </a:p>
+        </p:txBody>
+      </p:sp>
+      <p:sp>
+        <p:nvSpPr>
+          <p:cNvPr id="183" name="Rectangle 182">
+            <a:extLst>
+              <a:ext uri="{FF2B5EF4-FFF2-40B4-BE49-F238E27FC236}">
+                <a16:creationId xmlns:a16="http://schemas.microsoft.com/office/drawing/2014/main" id="{919DB4B5-E78F-4067-A00F-D22CEA443BDC}"/>
+              </a:ext>
+            </a:extLst>
+          </p:cNvPr>
+          <p:cNvSpPr/>
+          <p:nvPr/>
+        </p:nvSpPr>
+        <p:spPr>
+          <a:xfrm>
+            <a:off x="4461001" y="5297318"/>
+            <a:ext cx="984677" cy="346760"/>
+          </a:xfrm>
+          <a:prstGeom prst="rect">
+            <a:avLst/>
+          </a:prstGeom>
+          <a:solidFill>
+            <a:schemeClr val="bg2">
+              <a:lumMod val="50000"/>
+            </a:schemeClr>
+          </a:solidFill>
+          <a:ln>
+            <a:solidFill>
+              <a:srgbClr val="0070C0"/>
+            </a:solidFill>
+          </a:ln>
+          <a:effectLst/>
+        </p:spPr>
+        <p:style>
+          <a:lnRef idx="1">
+            <a:schemeClr val="accent1"/>
+          </a:lnRef>
+          <a:fillRef idx="2">
+            <a:schemeClr val="accent1"/>
+          </a:fillRef>
+          <a:effectRef idx="1">
+            <a:schemeClr val="accent1"/>
+          </a:effectRef>
+          <a:fontRef idx="minor">
+            <a:schemeClr val="dk1"/>
+          </a:fontRef>
+        </p:style>
+        <p:txBody>
+          <a:bodyPr rtlCol="0" anchor="ctr"/>
+          <a:lstStyle/>
+          <a:p>
+            <a:pPr algn="ctr"/>
+            <a:r>
+              <a:rPr lang="en-US" sz="1050" dirty="0"/>
+              <a:t>Notification Writer</a:t>
+            </a:r>
+            <a:endParaRPr lang="en-SG" sz="1050" dirty="0"/>
           </a:p>
         </p:txBody>
       </p:sp>
@@ -7301,16 +8307,576 @@
           <a:chExt cx="0" cy="0"/>
         </a:xfrm>
       </p:grpSpPr>
-      <p:sp>
-        <p:nvSpPr>
-          <p:cNvPr id="2" name="Rectangle 18"/>
+      <p:cxnSp>
+        <p:nvCxnSpPr>
+          <p:cNvPr id="775" name="Elbow Connector 40">
+            <a:extLst>
+              <a:ext uri="{FF2B5EF4-FFF2-40B4-BE49-F238E27FC236}">
+                <a16:creationId xmlns:a16="http://schemas.microsoft.com/office/drawing/2014/main" id="{1FCEA98F-FD9B-426A-B726-9B42E231FD16}"/>
+              </a:ext>
+            </a:extLst>
+          </p:cNvPr>
+          <p:cNvCxnSpPr>
+            <a:cxnSpLocks/>
+            <a:endCxn id="772" idx="2"/>
+          </p:cNvCxnSpPr>
+          <p:nvPr/>
+        </p:nvCxnSpPr>
+        <p:spPr>
+          <a:xfrm flipV="1">
+            <a:off x="3001630" y="2998480"/>
+            <a:ext cx="293554" cy="125720"/>
+          </a:xfrm>
+          <a:prstGeom prst="bentConnector2">
+            <a:avLst/>
+          </a:prstGeom>
+          <a:ln w="19050">
+            <a:solidFill>
+              <a:schemeClr val="bg2">
+                <a:lumMod val="50000"/>
+              </a:schemeClr>
+            </a:solidFill>
+            <a:prstDash val="dash"/>
+            <a:headEnd type="none" w="med" len="med"/>
+            <a:tailEnd type="arrow" w="med" len="med"/>
+          </a:ln>
+          <a:effectLst/>
+        </p:spPr>
+        <p:style>
+          <a:lnRef idx="1">
+            <a:schemeClr val="accent2"/>
+          </a:lnRef>
+          <a:fillRef idx="2">
+            <a:schemeClr val="accent2"/>
+          </a:fillRef>
+          <a:effectRef idx="1">
+            <a:schemeClr val="accent2"/>
+          </a:effectRef>
+          <a:fontRef idx="minor">
+            <a:schemeClr val="dk1"/>
+          </a:fontRef>
+        </p:style>
+      </p:cxnSp>
+      <p:cxnSp>
+        <p:nvCxnSpPr>
+          <p:cNvPr id="831" name="Elbow Connector 40">
+            <a:extLst>
+              <a:ext uri="{FF2B5EF4-FFF2-40B4-BE49-F238E27FC236}">
+                <a16:creationId xmlns:a16="http://schemas.microsoft.com/office/drawing/2014/main" id="{7DC4F02B-F79E-40EC-831D-0B4A527BF370}"/>
+              </a:ext>
+            </a:extLst>
+          </p:cNvPr>
+          <p:cNvCxnSpPr>
+            <a:cxnSpLocks/>
+            <a:endCxn id="779" idx="2"/>
+          </p:cNvCxnSpPr>
+          <p:nvPr/>
+        </p:nvCxnSpPr>
+        <p:spPr>
+          <a:xfrm rot="10800000" flipV="1">
+            <a:off x="3931661" y="3286637"/>
+            <a:ext cx="673034" cy="134688"/>
+          </a:xfrm>
+          <a:prstGeom prst="bentConnector4">
+            <a:avLst>
+              <a:gd name="adj1" fmla="val 47884"/>
+              <a:gd name="adj2" fmla="val 217866"/>
+            </a:avLst>
+          </a:prstGeom>
+          <a:ln w="19050">
+            <a:solidFill>
+              <a:srgbClr val="0070C0"/>
+            </a:solidFill>
+            <a:headEnd type="none" w="med" len="med"/>
+            <a:tailEnd type="arrow" w="med" len="med"/>
+          </a:ln>
+          <a:effectLst/>
+        </p:spPr>
+        <p:style>
+          <a:lnRef idx="1">
+            <a:schemeClr val="accent2"/>
+          </a:lnRef>
+          <a:fillRef idx="2">
+            <a:schemeClr val="accent2"/>
+          </a:fillRef>
+          <a:effectRef idx="1">
+            <a:schemeClr val="accent2"/>
+          </a:effectRef>
+          <a:fontRef idx="minor">
+            <a:schemeClr val="dk1"/>
+          </a:fontRef>
+        </p:style>
+      </p:cxnSp>
+      <p:cxnSp>
+        <p:nvCxnSpPr>
+          <p:cNvPr id="834" name="Elbow Connector 40">
+            <a:extLst>
+              <a:ext uri="{FF2B5EF4-FFF2-40B4-BE49-F238E27FC236}">
+                <a16:creationId xmlns:a16="http://schemas.microsoft.com/office/drawing/2014/main" id="{FA3A7B40-6B97-4E58-90A8-3716C14C64D2}"/>
+              </a:ext>
+            </a:extLst>
+          </p:cNvPr>
+          <p:cNvCxnSpPr>
+            <a:cxnSpLocks/>
+            <a:endCxn id="779" idx="2"/>
+          </p:cNvCxnSpPr>
+          <p:nvPr/>
+        </p:nvCxnSpPr>
+        <p:spPr>
+          <a:xfrm rot="10800000">
+            <a:off x="3931661" y="3421325"/>
+            <a:ext cx="673034" cy="161554"/>
+          </a:xfrm>
+          <a:prstGeom prst="bentConnector2">
+            <a:avLst/>
+          </a:prstGeom>
+          <a:ln w="19050">
+            <a:solidFill>
+              <a:srgbClr val="0070C0"/>
+            </a:solidFill>
+            <a:headEnd type="none" w="med" len="med"/>
+            <a:tailEnd type="arrow" w="med" len="med"/>
+          </a:ln>
+          <a:effectLst/>
+        </p:spPr>
+        <p:style>
+          <a:lnRef idx="1">
+            <a:schemeClr val="accent2"/>
+          </a:lnRef>
+          <a:fillRef idx="2">
+            <a:schemeClr val="accent2"/>
+          </a:fillRef>
+          <a:effectRef idx="1">
+            <a:schemeClr val="accent2"/>
+          </a:effectRef>
+          <a:fontRef idx="minor">
+            <a:schemeClr val="dk1"/>
+          </a:fontRef>
+        </p:style>
+      </p:cxnSp>
+      <p:cxnSp>
+        <p:nvCxnSpPr>
+          <p:cNvPr id="113" name="Elbow Connector 63">
+            <a:extLst>
+              <a:ext uri="{FF2B5EF4-FFF2-40B4-BE49-F238E27FC236}">
+                <a16:creationId xmlns:a16="http://schemas.microsoft.com/office/drawing/2014/main" id="{CEBEE258-253A-4076-899F-8041E1C4C63D}"/>
+              </a:ext>
+            </a:extLst>
+          </p:cNvPr>
+          <p:cNvCxnSpPr/>
+          <p:nvPr/>
+        </p:nvCxnSpPr>
+        <p:spPr>
+          <a:xfrm rot="5400000" flipH="1" flipV="1">
+            <a:off x="1483237" y="2630634"/>
+            <a:ext cx="676376" cy="1"/>
+          </a:xfrm>
+          <a:prstGeom prst="bentConnector3">
+            <a:avLst>
+              <a:gd name="adj1" fmla="val 50000"/>
+            </a:avLst>
+          </a:prstGeom>
+          <a:ln w="19050">
+            <a:solidFill>
+              <a:srgbClr val="C00000"/>
+            </a:solidFill>
+            <a:headEnd type="none" w="med" len="med"/>
+            <a:tailEnd type="arrow" w="med" len="med"/>
+          </a:ln>
+          <a:effectLst/>
+        </p:spPr>
+        <p:style>
+          <a:lnRef idx="1">
+            <a:schemeClr val="accent2"/>
+          </a:lnRef>
+          <a:fillRef idx="2">
+            <a:schemeClr val="accent2"/>
+          </a:fillRef>
+          <a:effectRef idx="1">
+            <a:schemeClr val="accent2"/>
+          </a:effectRef>
+          <a:fontRef idx="minor">
+            <a:schemeClr val="dk1"/>
+          </a:fontRef>
+        </p:style>
+      </p:cxnSp>
+      <p:cxnSp>
+        <p:nvCxnSpPr>
+          <p:cNvPr id="67" name="Elbow Connector 66"/>
+          <p:cNvCxnSpPr>
+            <a:cxnSpLocks/>
+            <a:stCxn id="14" idx="3"/>
+          </p:cNvCxnSpPr>
+          <p:nvPr/>
+        </p:nvCxnSpPr>
+        <p:spPr>
+          <a:xfrm>
+            <a:off x="3602504" y="2165896"/>
+            <a:ext cx="211370" cy="9488"/>
+          </a:xfrm>
+          <a:prstGeom prst="bentConnector3">
+            <a:avLst>
+              <a:gd name="adj1" fmla="val 50000"/>
+            </a:avLst>
+          </a:prstGeom>
+          <a:ln w="19050">
+            <a:solidFill>
+              <a:srgbClr val="0070C0"/>
+            </a:solidFill>
+            <a:prstDash val="dash"/>
+            <a:headEnd type="none" w="med" len="med"/>
+            <a:tailEnd type="arrow" w="med" len="med"/>
+          </a:ln>
+          <a:effectLst/>
+        </p:spPr>
+        <p:style>
+          <a:lnRef idx="1">
+            <a:schemeClr val="accent2"/>
+          </a:lnRef>
+          <a:fillRef idx="2">
+            <a:schemeClr val="accent2"/>
+          </a:fillRef>
+          <a:effectRef idx="1">
+            <a:schemeClr val="accent2"/>
+          </a:effectRef>
+          <a:fontRef idx="minor">
+            <a:schemeClr val="dk1"/>
+          </a:fontRef>
+        </p:style>
+      </p:cxnSp>
+      <p:cxnSp>
+        <p:nvCxnSpPr>
+          <p:cNvPr id="114" name="Elbow Connector 135">
+            <a:extLst>
+              <a:ext uri="{FF2B5EF4-FFF2-40B4-BE49-F238E27FC236}">
+                <a16:creationId xmlns:a16="http://schemas.microsoft.com/office/drawing/2014/main" id="{93C7F346-F928-49EC-9F0E-652A5CF8E8FF}"/>
+              </a:ext>
+            </a:extLst>
+          </p:cNvPr>
+          <p:cNvCxnSpPr>
+            <a:cxnSpLocks/>
+            <a:stCxn id="105" idx="2"/>
+            <a:endCxn id="112" idx="3"/>
+          </p:cNvCxnSpPr>
+          <p:nvPr/>
+        </p:nvCxnSpPr>
+        <p:spPr>
+          <a:xfrm rot="5400000">
+            <a:off x="7633248" y="1683896"/>
+            <a:ext cx="81899" cy="32285"/>
+          </a:xfrm>
+          <a:prstGeom prst="bentConnector3">
+            <a:avLst>
+              <a:gd name="adj1" fmla="val 50000"/>
+            </a:avLst>
+          </a:prstGeom>
+          <a:ln w="19050">
+            <a:solidFill>
+              <a:srgbClr val="7030A0"/>
+            </a:solidFill>
+            <a:prstDash val="dash"/>
+            <a:headEnd type="none" w="med" len="med"/>
+            <a:tailEnd type="none" w="med" len="med"/>
+          </a:ln>
+          <a:effectLst/>
+        </p:spPr>
+        <p:style>
+          <a:lnRef idx="1">
+            <a:schemeClr val="accent6"/>
+          </a:lnRef>
+          <a:fillRef idx="2">
+            <a:schemeClr val="accent6"/>
+          </a:fillRef>
+          <a:effectRef idx="1">
+            <a:schemeClr val="accent6"/>
+          </a:effectRef>
+          <a:fontRef idx="minor">
+            <a:schemeClr val="dk1"/>
+          </a:fontRef>
+        </p:style>
+      </p:cxnSp>
+      <p:sp>
+        <p:nvSpPr>
+          <p:cNvPr id="9" name="Rectangle 8"/>
           <p:cNvSpPr/>
           <p:nvPr/>
         </p:nvSpPr>
         <p:spPr>
           <a:xfrm>
-            <a:off x="6637708" y="4352685"/>
-            <a:ext cx="929296" cy="346760"/>
+            <a:off x="1097791" y="1582873"/>
+            <a:ext cx="322645" cy="260070"/>
+          </a:xfrm>
+          <a:prstGeom prst="rect">
+            <a:avLst/>
+          </a:prstGeom>
+          <a:solidFill>
+            <a:srgbClr val="C00000"/>
+          </a:solidFill>
+          <a:ln w="19050">
+            <a:solidFill>
+              <a:srgbClr val="C00000"/>
+            </a:solidFill>
+          </a:ln>
+          <a:effectLst/>
+        </p:spPr>
+        <p:style>
+          <a:lnRef idx="1">
+            <a:schemeClr val="accent2"/>
+          </a:lnRef>
+          <a:fillRef idx="2">
+            <a:schemeClr val="accent2"/>
+          </a:fillRef>
+          <a:effectRef idx="1">
+            <a:schemeClr val="accent2"/>
+          </a:effectRef>
+          <a:fontRef idx="minor">
+            <a:schemeClr val="dk1"/>
+          </a:fontRef>
+        </p:style>
+        <p:txBody>
+          <a:bodyPr rtlCol="0" anchor="ctr"/>
+          <a:lstStyle/>
+          <a:p>
+            <a:pPr algn="ctr"/>
+            <a:r>
+              <a:rPr lang="en-US" sz="788" dirty="0" err="1">
+                <a:solidFill>
+                  <a:schemeClr val="bg1"/>
+                </a:solidFill>
+              </a:rPr>
+              <a:t>Gui</a:t>
+            </a:r>
+            <a:endParaRPr lang="en-SG" sz="788" dirty="0">
+              <a:solidFill>
+                <a:schemeClr val="bg1"/>
+              </a:solidFill>
+            </a:endParaRPr>
+          </a:p>
+        </p:txBody>
+      </p:sp>
+      <p:sp>
+        <p:nvSpPr>
+          <p:cNvPr id="12" name="Rectangle 11"/>
+          <p:cNvSpPr/>
+          <p:nvPr/>
+        </p:nvSpPr>
+        <p:spPr>
+          <a:xfrm>
+            <a:off x="1606043" y="1580420"/>
+            <a:ext cx="435998" cy="260070"/>
+          </a:xfrm>
+          <a:prstGeom prst="rect">
+            <a:avLst/>
+          </a:prstGeom>
+          <a:solidFill>
+            <a:srgbClr val="C00000"/>
+          </a:solidFill>
+          <a:ln w="19050">
+            <a:solidFill>
+              <a:srgbClr val="C00000"/>
+            </a:solidFill>
+          </a:ln>
+          <a:effectLst/>
+        </p:spPr>
+        <p:style>
+          <a:lnRef idx="1">
+            <a:schemeClr val="accent2"/>
+          </a:lnRef>
+          <a:fillRef idx="2">
+            <a:schemeClr val="accent2"/>
+          </a:fillRef>
+          <a:effectRef idx="1">
+            <a:schemeClr val="accent2"/>
+          </a:effectRef>
+          <a:fontRef idx="minor">
+            <a:schemeClr val="dk1"/>
+          </a:fontRef>
+        </p:style>
+        <p:txBody>
+          <a:bodyPr rtlCol="0" anchor="ctr"/>
+          <a:lstStyle/>
+          <a:p>
+            <a:pPr algn="ctr"/>
+            <a:r>
+              <a:rPr lang="en-US" sz="788" dirty="0">
+                <a:solidFill>
+                  <a:schemeClr val="bg1"/>
+                </a:solidFill>
+              </a:rPr>
+              <a:t>Main</a:t>
+            </a:r>
+            <a:endParaRPr lang="en-SG" sz="788" dirty="0">
+              <a:solidFill>
+                <a:schemeClr val="bg1"/>
+              </a:solidFill>
+            </a:endParaRPr>
+          </a:p>
+        </p:txBody>
+      </p:sp>
+      <p:sp>
+        <p:nvSpPr>
+          <p:cNvPr id="13" name="Rectangle 12"/>
+          <p:cNvSpPr/>
+          <p:nvPr/>
+        </p:nvSpPr>
+        <p:spPr>
+          <a:xfrm>
+            <a:off x="4800600" y="1394628"/>
+            <a:ext cx="761711" cy="260070"/>
+          </a:xfrm>
+          <a:prstGeom prst="rect">
+            <a:avLst/>
+          </a:prstGeom>
+          <a:solidFill>
+            <a:schemeClr val="accent6"/>
+          </a:solidFill>
+          <a:ln w="19050"/>
+          <a:effectLst/>
+        </p:spPr>
+        <p:style>
+          <a:lnRef idx="1">
+            <a:schemeClr val="accent6"/>
+          </a:lnRef>
+          <a:fillRef idx="2">
+            <a:schemeClr val="accent6"/>
+          </a:fillRef>
+          <a:effectRef idx="1">
+            <a:schemeClr val="accent6"/>
+          </a:effectRef>
+          <a:fontRef idx="minor">
+            <a:schemeClr val="dk1"/>
+          </a:fontRef>
+        </p:style>
+        <p:txBody>
+          <a:bodyPr rtlCol="0" anchor="ctr"/>
+          <a:lstStyle/>
+          <a:p>
+            <a:pPr algn="ctr"/>
+            <a:r>
+              <a:rPr lang="en-US" sz="788" dirty="0" err="1">
+                <a:solidFill>
+                  <a:schemeClr val="bg1"/>
+                </a:solidFill>
+              </a:rPr>
+              <a:t>AddressBook</a:t>
+            </a:r>
+            <a:endParaRPr lang="en-SG" sz="788" dirty="0">
+              <a:solidFill>
+                <a:schemeClr val="bg1"/>
+              </a:solidFill>
+            </a:endParaRPr>
+          </a:p>
+        </p:txBody>
+      </p:sp>
+      <p:sp>
+        <p:nvSpPr>
+          <p:cNvPr id="14" name="Rectangle 13"/>
+          <p:cNvSpPr/>
+          <p:nvPr/>
+        </p:nvSpPr>
+        <p:spPr>
+          <a:xfrm>
+            <a:off x="3126462" y="2035861"/>
+            <a:ext cx="476042" cy="260070"/>
+          </a:xfrm>
+          <a:prstGeom prst="rect">
+            <a:avLst/>
+          </a:prstGeom>
+          <a:ln>
+            <a:solidFill>
+              <a:srgbClr val="0070C0"/>
+            </a:solidFill>
+          </a:ln>
+          <a:effectLst/>
+        </p:spPr>
+        <p:style>
+          <a:lnRef idx="1">
+            <a:schemeClr val="accent1"/>
+          </a:lnRef>
+          <a:fillRef idx="2">
+            <a:schemeClr val="accent1"/>
+          </a:fillRef>
+          <a:effectRef idx="1">
+            <a:schemeClr val="accent1"/>
+          </a:effectRef>
+          <a:fontRef idx="minor">
+            <a:schemeClr val="dk1"/>
+          </a:fontRef>
+        </p:style>
+        <p:txBody>
+          <a:bodyPr rtlCol="0" anchor="ctr"/>
+          <a:lstStyle/>
+          <a:p>
+            <a:pPr algn="ctr"/>
+            <a:r>
+              <a:rPr lang="en-US" sz="788" dirty="0"/>
+              <a:t>Parser</a:t>
+            </a:r>
+            <a:endParaRPr lang="en-SG" sz="788" dirty="0"/>
+          </a:p>
+        </p:txBody>
+      </p:sp>
+      <p:sp>
+        <p:nvSpPr>
+          <p:cNvPr id="16" name="Rectangle 15"/>
+          <p:cNvSpPr/>
+          <p:nvPr/>
+        </p:nvSpPr>
+        <p:spPr>
+          <a:xfrm>
+            <a:off x="6007946" y="2807616"/>
+            <a:ext cx="854117" cy="260070"/>
+          </a:xfrm>
+          <a:prstGeom prst="rect">
+            <a:avLst/>
+          </a:prstGeom>
+          <a:ln w="19050"/>
+          <a:effectLst/>
+        </p:spPr>
+        <p:style>
+          <a:lnRef idx="1">
+            <a:schemeClr val="accent6"/>
+          </a:lnRef>
+          <a:fillRef idx="2">
+            <a:schemeClr val="accent6"/>
+          </a:fillRef>
+          <a:effectRef idx="1">
+            <a:schemeClr val="accent6"/>
+          </a:effectRef>
+          <a:fontRef idx="minor">
+            <a:schemeClr val="dk1"/>
+          </a:fontRef>
+        </p:style>
+        <p:txBody>
+          <a:bodyPr rtlCol="0" anchor="ctr"/>
+          <a:lstStyle/>
+          <a:p>
+            <a:pPr algn="ctr"/>
+            <a:r>
+              <a:rPr lang="en-US" sz="788" dirty="0"/>
+              <a:t>Unique</a:t>
+            </a:r>
+            <a:br>
+              <a:rPr lang="en-US" sz="788" dirty="0"/>
+            </a:br>
+            <a:r>
+              <a:rPr lang="en-US" sz="788" dirty="0" err="1"/>
+              <a:t>PersonList</a:t>
+            </a:r>
+            <a:endParaRPr lang="en-SG" sz="788" dirty="0"/>
+          </a:p>
+        </p:txBody>
+      </p:sp>
+      <p:sp>
+        <p:nvSpPr>
+          <p:cNvPr id="19" name="Rectangle 18"/>
+          <p:cNvSpPr/>
+          <p:nvPr/>
+        </p:nvSpPr>
+        <p:spPr>
+          <a:xfrm>
+            <a:off x="7316076" y="2354309"/>
+            <a:ext cx="696972" cy="260070"/>
           </a:xfrm>
           <a:prstGeom prst="rect">
             <a:avLst/>
@@ -7345,14 +8911,14 @@
           <a:p>
             <a:pPr algn="ctr"/>
             <a:r>
-              <a:rPr lang="en-US" sz="1050" dirty="0">
+              <a:rPr lang="en-US" sz="788" dirty="0">
                 <a:solidFill>
                   <a:schemeClr val="bg1"/>
                 </a:solidFill>
               </a:rPr>
               <a:t>Person</a:t>
             </a:r>
-            <a:endParaRPr lang="en-SG" sz="1050" dirty="0">
+            <a:endParaRPr lang="en-SG" sz="788" dirty="0">
               <a:solidFill>
                 <a:schemeClr val="bg1"/>
               </a:solidFill>
@@ -7362,14 +8928,14 @@
       </p:sp>
       <p:sp>
         <p:nvSpPr>
-          <p:cNvPr id="3" name="Rectangle 128"/>
+          <p:cNvPr id="20" name="Rectangle 19"/>
           <p:cNvSpPr/>
           <p:nvPr/>
         </p:nvSpPr>
         <p:spPr>
           <a:xfrm>
-            <a:off x="6363802" y="5140408"/>
-            <a:ext cx="1408598" cy="346760"/>
+            <a:off x="7190168" y="3604423"/>
+            <a:ext cx="696972" cy="260070"/>
           </a:xfrm>
           <a:prstGeom prst="rect">
             <a:avLst/>
@@ -7397,115 +8963,172 @@
           <a:p>
             <a:pPr algn="ctr"/>
             <a:r>
-              <a:rPr lang="en-US" sz="1050" dirty="0"/>
-              <a:t>&lt;&lt;interface&gt;&gt;</a:t>
-            </a:r>
-          </a:p>
+              <a:rPr lang="en-US" sz="788" dirty="0"/>
+              <a:t>Name</a:t>
+            </a:r>
+            <a:endParaRPr lang="en-SG" sz="788" dirty="0"/>
+          </a:p>
+        </p:txBody>
+      </p:sp>
+      <p:sp>
+        <p:nvSpPr>
+          <p:cNvPr id="21" name="Rectangle 20"/>
+          <p:cNvSpPr/>
+          <p:nvPr/>
+        </p:nvSpPr>
+        <p:spPr>
+          <a:xfrm>
+            <a:off x="7190168" y="3949065"/>
+            <a:ext cx="696972" cy="260070"/>
+          </a:xfrm>
+          <a:prstGeom prst="rect">
+            <a:avLst/>
+          </a:prstGeom>
+          <a:ln w="19050"/>
+          <a:effectLst/>
+        </p:spPr>
+        <p:style>
+          <a:lnRef idx="1">
+            <a:schemeClr val="accent4"/>
+          </a:lnRef>
+          <a:fillRef idx="2">
+            <a:schemeClr val="accent4"/>
+          </a:fillRef>
+          <a:effectRef idx="1">
+            <a:schemeClr val="accent4"/>
+          </a:effectRef>
+          <a:fontRef idx="minor">
+            <a:schemeClr val="dk1"/>
+          </a:fontRef>
+        </p:style>
+        <p:txBody>
+          <a:bodyPr rtlCol="0" anchor="ctr"/>
+          <a:lstStyle/>
           <a:p>
             <a:pPr algn="ctr"/>
             <a:r>
-              <a:rPr lang="en-US" sz="1050" dirty="0" err="1"/>
-              <a:t>ReadOnlyPerson</a:t>
-            </a:r>
-            <a:endParaRPr lang="en-SG" sz="1050" dirty="0"/>
+              <a:rPr lang="en-US" sz="788" dirty="0"/>
+              <a:t>NRIC</a:t>
+            </a:r>
+            <a:endParaRPr lang="en-SG" sz="788" dirty="0"/>
+          </a:p>
+        </p:txBody>
+      </p:sp>
+      <p:sp>
+        <p:nvSpPr>
+          <p:cNvPr id="22" name="Rectangle 21"/>
+          <p:cNvSpPr/>
+          <p:nvPr/>
+        </p:nvSpPr>
+        <p:spPr>
+          <a:xfrm>
+            <a:off x="7190168" y="4291965"/>
+            <a:ext cx="696972" cy="260070"/>
+          </a:xfrm>
+          <a:prstGeom prst="rect">
+            <a:avLst/>
+          </a:prstGeom>
+          <a:ln w="19050"/>
+          <a:effectLst/>
+        </p:spPr>
+        <p:style>
+          <a:lnRef idx="1">
+            <a:schemeClr val="accent4"/>
+          </a:lnRef>
+          <a:fillRef idx="2">
+            <a:schemeClr val="accent4"/>
+          </a:fillRef>
+          <a:effectRef idx="1">
+            <a:schemeClr val="accent4"/>
+          </a:effectRef>
+          <a:fontRef idx="minor">
+            <a:schemeClr val="dk1"/>
+          </a:fontRef>
+        </p:style>
+        <p:txBody>
+          <a:bodyPr rtlCol="0" anchor="ctr"/>
+          <a:lstStyle/>
+          <a:p>
+            <a:pPr algn="ctr"/>
+            <a:r>
+              <a:rPr lang="en-US" sz="788" dirty="0"/>
+              <a:t>Address</a:t>
+            </a:r>
+            <a:endParaRPr lang="en-SG" sz="788" dirty="0"/>
+          </a:p>
+        </p:txBody>
+      </p:sp>
+      <p:sp>
+        <p:nvSpPr>
+          <p:cNvPr id="23" name="Rectangle 22"/>
+          <p:cNvSpPr/>
+          <p:nvPr/>
+        </p:nvSpPr>
+        <p:spPr>
+          <a:xfrm>
+            <a:off x="2115504" y="4201784"/>
+            <a:ext cx="638001" cy="260070"/>
+          </a:xfrm>
+          <a:prstGeom prst="rect">
+            <a:avLst/>
+          </a:prstGeom>
+          <a:solidFill>
+            <a:srgbClr val="00B050"/>
+          </a:solidFill>
+          <a:ln w="19050">
+            <a:solidFill>
+              <a:srgbClr val="00B050"/>
+            </a:solidFill>
+          </a:ln>
+          <a:effectLst/>
+        </p:spPr>
+        <p:style>
+          <a:lnRef idx="1">
+            <a:schemeClr val="accent2"/>
+          </a:lnRef>
+          <a:fillRef idx="2">
+            <a:schemeClr val="accent2"/>
+          </a:fillRef>
+          <a:effectRef idx="1">
+            <a:schemeClr val="accent2"/>
+          </a:effectRef>
+          <a:fontRef idx="minor">
+            <a:schemeClr val="dk1"/>
+          </a:fontRef>
+        </p:style>
+        <p:txBody>
+          <a:bodyPr rtlCol="0" anchor="ctr"/>
+          <a:lstStyle/>
+          <a:p>
+            <a:pPr algn="ctr"/>
+            <a:r>
+              <a:rPr lang="en-US" sz="788" dirty="0" err="1">
+                <a:solidFill>
+                  <a:schemeClr val="bg1"/>
+                </a:solidFill>
+              </a:rPr>
+              <a:t>StorageFile</a:t>
+            </a:r>
+            <a:endParaRPr lang="en-SG" sz="788" dirty="0">
+              <a:solidFill>
+                <a:schemeClr val="bg1"/>
+              </a:solidFill>
+            </a:endParaRPr>
           </a:p>
         </p:txBody>
       </p:sp>
       <p:cxnSp>
         <p:nvCxnSpPr>
-          <p:cNvPr id="4" name="Elbow Connector 131"/>
+          <p:cNvPr id="35" name="Elbow Connector 34"/>
           <p:cNvCxnSpPr>
-            <a:stCxn id="7" idx="2"/>
-            <a:endCxn id="3" idx="1"/>
+            <a:cxnSpLocks/>
           </p:cNvCxnSpPr>
           <p:nvPr/>
         </p:nvCxnSpPr>
         <p:spPr>
-          <a:xfrm rot="16200000" flipH="1">
-            <a:off x="5136573" y="4086558"/>
-            <a:ext cx="614343" cy="1840116"/>
-          </a:xfrm>
-          <a:prstGeom prst="bentConnector2">
-            <a:avLst/>
-          </a:prstGeom>
-          <a:ln w="19050">
-            <a:solidFill>
-              <a:srgbClr val="C00000"/>
-            </a:solidFill>
-            <a:prstDash val="dash"/>
-            <a:headEnd type="none" w="med" len="med"/>
-            <a:tailEnd type="arrow" w="med" len="med"/>
-          </a:ln>
-          <a:effectLst/>
-        </p:spPr>
-        <p:style>
-          <a:lnRef idx="1">
-            <a:schemeClr val="accent2"/>
-          </a:lnRef>
-          <a:fillRef idx="2">
-            <a:schemeClr val="accent2"/>
-          </a:fillRef>
-          <a:effectRef idx="1">
-            <a:schemeClr val="accent2"/>
-          </a:effectRef>
-          <a:fontRef idx="minor">
-            <a:schemeClr val="dk1"/>
-          </a:fontRef>
-        </p:style>
-      </p:cxnSp>
-      <p:sp>
-        <p:nvSpPr>
-          <p:cNvPr id="5" name="Isosceles Triangle 134"/>
-          <p:cNvSpPr/>
-          <p:nvPr/>
-        </p:nvSpPr>
-        <p:spPr>
-          <a:xfrm rot="10800000">
-            <a:off x="6964221" y="4953000"/>
-            <a:ext cx="270504" cy="175523"/>
-          </a:xfrm>
-          <a:prstGeom prst="triangle">
-            <a:avLst/>
-          </a:prstGeom>
-          <a:ln w="19050"/>
-          <a:effectLst/>
-        </p:spPr>
-        <p:style>
-          <a:lnRef idx="1">
-            <a:schemeClr val="accent4"/>
-          </a:lnRef>
-          <a:fillRef idx="2">
-            <a:schemeClr val="accent4"/>
-          </a:fillRef>
-          <a:effectRef idx="1">
-            <a:schemeClr val="accent4"/>
-          </a:effectRef>
-          <a:fontRef idx="minor">
-            <a:schemeClr val="dk1"/>
-          </a:fontRef>
-        </p:style>
-        <p:txBody>
-          <a:bodyPr rtlCol="0" anchor="ctr"/>
-          <a:lstStyle/>
-          <a:p>
-            <a:pPr algn="ctr"/>
-            <a:endParaRPr lang="en-SG" sz="1050"/>
-          </a:p>
-        </p:txBody>
-      </p:sp>
-      <p:cxnSp>
-        <p:nvCxnSpPr>
-          <p:cNvPr id="6" name="Elbow Connector 135"/>
-          <p:cNvCxnSpPr>
-            <a:stCxn id="2" idx="2"/>
-            <a:endCxn id="5" idx="3"/>
-          </p:cNvCxnSpPr>
-          <p:nvPr/>
-        </p:nvCxnSpPr>
-        <p:spPr>
-          <a:xfrm rot="5400000">
-            <a:off x="6974138" y="4824781"/>
-            <a:ext cx="253555" cy="2883"/>
+          <a:xfrm rot="10800000" flipV="1">
+            <a:off x="1398527" y="1643367"/>
+            <a:ext cx="207517" cy="2453"/>
           </a:xfrm>
           <a:prstGeom prst="bentConnector3">
             <a:avLst>
@@ -7514,6 +9137,486 @@
           </a:prstGeom>
           <a:ln w="19050">
             <a:solidFill>
+              <a:srgbClr val="C00000"/>
+            </a:solidFill>
+            <a:headEnd type="none" w="med" len="med"/>
+            <a:tailEnd type="arrow" w="med" len="med"/>
+          </a:ln>
+          <a:effectLst/>
+        </p:spPr>
+        <p:style>
+          <a:lnRef idx="1">
+            <a:schemeClr val="accent2"/>
+          </a:lnRef>
+          <a:fillRef idx="2">
+            <a:schemeClr val="accent2"/>
+          </a:fillRef>
+          <a:effectRef idx="1">
+            <a:schemeClr val="accent2"/>
+          </a:effectRef>
+          <a:fontRef idx="minor">
+            <a:schemeClr val="dk1"/>
+          </a:fontRef>
+        </p:style>
+      </p:cxnSp>
+      <p:cxnSp>
+        <p:nvCxnSpPr>
+          <p:cNvPr id="38" name="Elbow Connector 37"/>
+          <p:cNvCxnSpPr>
+            <a:cxnSpLocks/>
+            <a:endCxn id="14" idx="1"/>
+          </p:cNvCxnSpPr>
+          <p:nvPr/>
+        </p:nvCxnSpPr>
+        <p:spPr>
+          <a:xfrm>
+            <a:off x="2902489" y="2165144"/>
+            <a:ext cx="223973" cy="752"/>
+          </a:xfrm>
+          <a:prstGeom prst="bentConnector3">
+            <a:avLst>
+              <a:gd name="adj1" fmla="val 50000"/>
+            </a:avLst>
+          </a:prstGeom>
+          <a:ln w="19050">
+            <a:solidFill>
+              <a:srgbClr val="0070C0"/>
+            </a:solidFill>
+            <a:prstDash val="dash"/>
+            <a:headEnd type="none" w="med" len="med"/>
+            <a:tailEnd type="arrow" w="med" len="med"/>
+          </a:ln>
+          <a:effectLst/>
+        </p:spPr>
+        <p:style>
+          <a:lnRef idx="1">
+            <a:schemeClr val="accent2"/>
+          </a:lnRef>
+          <a:fillRef idx="2">
+            <a:schemeClr val="accent2"/>
+          </a:fillRef>
+          <a:effectRef idx="1">
+            <a:schemeClr val="accent2"/>
+          </a:effectRef>
+          <a:fontRef idx="minor">
+            <a:schemeClr val="dk1"/>
+          </a:fontRef>
+        </p:style>
+      </p:cxnSp>
+      <p:cxnSp>
+        <p:nvCxnSpPr>
+          <p:cNvPr id="51" name="Elbow Connector 50"/>
+          <p:cNvCxnSpPr>
+            <a:cxnSpLocks/>
+            <a:stCxn id="106" idx="3"/>
+            <a:endCxn id="16" idx="1"/>
+          </p:cNvCxnSpPr>
+          <p:nvPr/>
+        </p:nvCxnSpPr>
+        <p:spPr>
+          <a:xfrm>
+            <a:off x="5755613" y="1523784"/>
+            <a:ext cx="252333" cy="1413867"/>
+          </a:xfrm>
+          <a:prstGeom prst="bentConnector3">
+            <a:avLst>
+              <a:gd name="adj1" fmla="val 50000"/>
+            </a:avLst>
+          </a:prstGeom>
+          <a:ln w="19050">
+            <a:headEnd type="none" w="med" len="med"/>
+            <a:tailEnd type="arrow" w="med" len="med"/>
+          </a:ln>
+          <a:effectLst/>
+        </p:spPr>
+        <p:style>
+          <a:lnRef idx="1">
+            <a:schemeClr val="accent6"/>
+          </a:lnRef>
+          <a:fillRef idx="2">
+            <a:schemeClr val="accent6"/>
+          </a:fillRef>
+          <a:effectRef idx="1">
+            <a:schemeClr val="accent6"/>
+          </a:effectRef>
+          <a:fontRef idx="minor">
+            <a:schemeClr val="dk1"/>
+          </a:fontRef>
+        </p:style>
+      </p:cxnSp>
+      <p:cxnSp>
+        <p:nvCxnSpPr>
+          <p:cNvPr id="62" name="Elbow Connector 61"/>
+          <p:cNvCxnSpPr>
+            <a:cxnSpLocks/>
+            <a:stCxn id="90" idx="3"/>
+            <a:endCxn id="92" idx="3"/>
+          </p:cNvCxnSpPr>
+          <p:nvPr/>
+        </p:nvCxnSpPr>
+        <p:spPr>
+          <a:xfrm rot="5400000">
+            <a:off x="7670932" y="3026668"/>
+            <a:ext cx="551371" cy="118954"/>
+          </a:xfrm>
+          <a:prstGeom prst="bentConnector2">
+            <a:avLst/>
+          </a:prstGeom>
+          <a:ln w="19050">
+            <a:solidFill>
+              <a:srgbClr val="7030A0"/>
+            </a:solidFill>
+            <a:headEnd type="none" w="med" len="med"/>
+            <a:tailEnd type="arrow" w="med" len="med"/>
+          </a:ln>
+          <a:effectLst/>
+        </p:spPr>
+        <p:style>
+          <a:lnRef idx="1">
+            <a:schemeClr val="accent6"/>
+          </a:lnRef>
+          <a:fillRef idx="2">
+            <a:schemeClr val="accent6"/>
+          </a:fillRef>
+          <a:effectRef idx="1">
+            <a:schemeClr val="accent6"/>
+          </a:effectRef>
+          <a:fontRef idx="minor">
+            <a:schemeClr val="dk1"/>
+          </a:fontRef>
+        </p:style>
+      </p:cxnSp>
+      <p:cxnSp>
+        <p:nvCxnSpPr>
+          <p:cNvPr id="71" name="Elbow Connector 70"/>
+          <p:cNvCxnSpPr>
+            <a:cxnSpLocks/>
+            <a:stCxn id="90" idx="3"/>
+            <a:endCxn id="77" idx="3"/>
+          </p:cNvCxnSpPr>
+          <p:nvPr/>
+        </p:nvCxnSpPr>
+        <p:spPr>
+          <a:xfrm rot="5400000">
+            <a:off x="7863735" y="2833865"/>
+            <a:ext cx="165764" cy="118954"/>
+          </a:xfrm>
+          <a:prstGeom prst="bentConnector2">
+            <a:avLst/>
+          </a:prstGeom>
+          <a:ln w="19050">
+            <a:solidFill>
+              <a:srgbClr val="7030A0"/>
+            </a:solidFill>
+            <a:headEnd type="none" w="med" len="med"/>
+            <a:tailEnd type="arrow" w="med" len="med"/>
+          </a:ln>
+          <a:effectLst/>
+        </p:spPr>
+        <p:style>
+          <a:lnRef idx="1">
+            <a:schemeClr val="accent6"/>
+          </a:lnRef>
+          <a:fillRef idx="2">
+            <a:schemeClr val="accent6"/>
+          </a:fillRef>
+          <a:effectRef idx="1">
+            <a:schemeClr val="accent6"/>
+          </a:effectRef>
+          <a:fontRef idx="minor">
+            <a:schemeClr val="dk1"/>
+          </a:fontRef>
+        </p:style>
+      </p:cxnSp>
+      <p:sp>
+        <p:nvSpPr>
+          <p:cNvPr id="90" name="Flowchart: Decision 89"/>
+          <p:cNvSpPr/>
+          <p:nvPr/>
+        </p:nvSpPr>
+        <p:spPr>
+          <a:xfrm rot="5400000">
+            <a:off x="7917575" y="2656924"/>
+            <a:ext cx="177036" cy="130035"/>
+          </a:xfrm>
+          <a:prstGeom prst="flowChartDecision">
+            <a:avLst/>
+          </a:prstGeom>
+          <a:solidFill>
+            <a:srgbClr val="7030A0"/>
+          </a:solidFill>
+          <a:ln w="19050">
+            <a:solidFill>
+              <a:srgbClr val="7030A0"/>
+            </a:solidFill>
+          </a:ln>
+          <a:effectLst/>
+        </p:spPr>
+        <p:style>
+          <a:lnRef idx="1">
+            <a:schemeClr val="accent6"/>
+          </a:lnRef>
+          <a:fillRef idx="2">
+            <a:schemeClr val="accent6"/>
+          </a:fillRef>
+          <a:effectRef idx="1">
+            <a:schemeClr val="accent6"/>
+          </a:effectRef>
+          <a:fontRef idx="minor">
+            <a:schemeClr val="dk1"/>
+          </a:fontRef>
+        </p:style>
+        <p:txBody>
+          <a:bodyPr rtlCol="0" anchor="ctr"/>
+          <a:lstStyle/>
+          <a:p>
+            <a:pPr algn="ctr"/>
+            <a:endParaRPr lang="en-US" sz="788"/>
+          </a:p>
+        </p:txBody>
+      </p:sp>
+      <p:sp>
+        <p:nvSpPr>
+          <p:cNvPr id="100" name="Flowchart: Decision 99"/>
+          <p:cNvSpPr/>
+          <p:nvPr/>
+        </p:nvSpPr>
+        <p:spPr>
+          <a:xfrm>
+            <a:off x="6867038" y="2874501"/>
+            <a:ext cx="177036" cy="130035"/>
+          </a:xfrm>
+          <a:prstGeom prst="flowChartDecision">
+            <a:avLst/>
+          </a:prstGeom>
+          <a:noFill/>
+          <a:ln w="19050"/>
+          <a:effectLst/>
+        </p:spPr>
+        <p:style>
+          <a:lnRef idx="1">
+            <a:schemeClr val="accent6"/>
+          </a:lnRef>
+          <a:fillRef idx="2">
+            <a:schemeClr val="accent6"/>
+          </a:fillRef>
+          <a:effectRef idx="1">
+            <a:schemeClr val="accent6"/>
+          </a:effectRef>
+          <a:fontRef idx="minor">
+            <a:schemeClr val="dk1"/>
+          </a:fontRef>
+        </p:style>
+        <p:txBody>
+          <a:bodyPr rtlCol="0" anchor="ctr"/>
+          <a:lstStyle/>
+          <a:p>
+            <a:pPr algn="ctr"/>
+            <a:endParaRPr lang="en-US" sz="788"/>
+          </a:p>
+        </p:txBody>
+      </p:sp>
+      <p:sp>
+        <p:nvSpPr>
+          <p:cNvPr id="106" name="Flowchart: Decision 105"/>
+          <p:cNvSpPr/>
+          <p:nvPr/>
+        </p:nvSpPr>
+        <p:spPr>
+          <a:xfrm>
+            <a:off x="5578577" y="1458767"/>
+            <a:ext cx="177036" cy="130035"/>
+          </a:xfrm>
+          <a:prstGeom prst="flowChartDecision">
+            <a:avLst/>
+          </a:prstGeom>
+          <a:solidFill>
+            <a:schemeClr val="accent6"/>
+          </a:solidFill>
+          <a:ln w="19050"/>
+          <a:effectLst/>
+        </p:spPr>
+        <p:style>
+          <a:lnRef idx="1">
+            <a:schemeClr val="accent6"/>
+          </a:lnRef>
+          <a:fillRef idx="2">
+            <a:schemeClr val="accent6"/>
+          </a:fillRef>
+          <a:effectRef idx="1">
+            <a:schemeClr val="accent6"/>
+          </a:effectRef>
+          <a:fontRef idx="minor">
+            <a:schemeClr val="dk1"/>
+          </a:fontRef>
+        </p:style>
+        <p:txBody>
+          <a:bodyPr rtlCol="0" anchor="ctr"/>
+          <a:lstStyle/>
+          <a:p>
+            <a:pPr algn="ctr"/>
+            <a:endParaRPr lang="en-US" sz="788"/>
+          </a:p>
+        </p:txBody>
+      </p:sp>
+      <p:sp>
+        <p:nvSpPr>
+          <p:cNvPr id="129" name="Rectangle 128"/>
+          <p:cNvSpPr/>
+          <p:nvPr/>
+        </p:nvSpPr>
+        <p:spPr>
+          <a:xfrm>
+            <a:off x="6386642" y="4650130"/>
+            <a:ext cx="1056449" cy="260070"/>
+          </a:xfrm>
+          <a:prstGeom prst="rect">
+            <a:avLst/>
+          </a:prstGeom>
+          <a:ln w="19050"/>
+          <a:effectLst/>
+        </p:spPr>
+        <p:style>
+          <a:lnRef idx="1">
+            <a:schemeClr val="accent4"/>
+          </a:lnRef>
+          <a:fillRef idx="2">
+            <a:schemeClr val="accent4"/>
+          </a:fillRef>
+          <a:effectRef idx="1">
+            <a:schemeClr val="accent4"/>
+          </a:effectRef>
+          <a:fontRef idx="minor">
+            <a:schemeClr val="dk1"/>
+          </a:fontRef>
+        </p:style>
+        <p:txBody>
+          <a:bodyPr rtlCol="0" anchor="ctr"/>
+          <a:lstStyle/>
+          <a:p>
+            <a:pPr algn="ctr"/>
+            <a:r>
+              <a:rPr lang="en-US" sz="788" dirty="0"/>
+              <a:t>&lt;&lt;interface&gt;&gt;</a:t>
+            </a:r>
+          </a:p>
+          <a:p>
+            <a:pPr algn="ctr"/>
+            <a:r>
+              <a:rPr lang="en-US" sz="788" dirty="0" err="1"/>
+              <a:t>ReadOnlyPerson</a:t>
+            </a:r>
+            <a:endParaRPr lang="en-SG" sz="788" dirty="0"/>
+          </a:p>
+        </p:txBody>
+      </p:sp>
+      <p:cxnSp>
+        <p:nvCxnSpPr>
+          <p:cNvPr id="132" name="Elbow Connector 131"/>
+          <p:cNvCxnSpPr>
+            <a:cxnSpLocks/>
+            <a:endCxn id="129" idx="2"/>
+          </p:cNvCxnSpPr>
+          <p:nvPr/>
+        </p:nvCxnSpPr>
+        <p:spPr>
+          <a:xfrm>
+            <a:off x="1842391" y="3049355"/>
+            <a:ext cx="5072476" cy="1860845"/>
+          </a:xfrm>
+          <a:prstGeom prst="bentConnector4">
+            <a:avLst>
+              <a:gd name="adj1" fmla="val -15709"/>
+              <a:gd name="adj2" fmla="val 108480"/>
+            </a:avLst>
+          </a:prstGeom>
+          <a:ln w="19050">
+            <a:solidFill>
+              <a:srgbClr val="C00000"/>
+            </a:solidFill>
+            <a:prstDash val="dash"/>
+            <a:headEnd type="none" w="med" len="med"/>
+            <a:tailEnd type="arrow" w="med" len="med"/>
+          </a:ln>
+          <a:effectLst/>
+        </p:spPr>
+        <p:style>
+          <a:lnRef idx="1">
+            <a:schemeClr val="accent2"/>
+          </a:lnRef>
+          <a:fillRef idx="2">
+            <a:schemeClr val="accent2"/>
+          </a:fillRef>
+          <a:effectRef idx="1">
+            <a:schemeClr val="accent2"/>
+          </a:effectRef>
+          <a:fontRef idx="minor">
+            <a:schemeClr val="dk1"/>
+          </a:fontRef>
+        </p:style>
+      </p:cxnSp>
+      <p:sp>
+        <p:nvSpPr>
+          <p:cNvPr id="135" name="Isosceles Triangle 134"/>
+          <p:cNvSpPr/>
+          <p:nvPr/>
+        </p:nvSpPr>
+        <p:spPr>
+          <a:xfrm rot="16200000">
+            <a:off x="7405040" y="4714344"/>
+            <a:ext cx="202878" cy="131642"/>
+          </a:xfrm>
+          <a:prstGeom prst="triangle">
+            <a:avLst/>
+          </a:prstGeom>
+          <a:ln w="19050"/>
+          <a:effectLst/>
+        </p:spPr>
+        <p:style>
+          <a:lnRef idx="1">
+            <a:schemeClr val="accent4"/>
+          </a:lnRef>
+          <a:fillRef idx="2">
+            <a:schemeClr val="accent4"/>
+          </a:fillRef>
+          <a:effectRef idx="1">
+            <a:schemeClr val="accent4"/>
+          </a:effectRef>
+          <a:fontRef idx="minor">
+            <a:schemeClr val="dk1"/>
+          </a:fontRef>
+        </p:style>
+        <p:txBody>
+          <a:bodyPr rtlCol="0" anchor="ctr"/>
+          <a:lstStyle/>
+          <a:p>
+            <a:pPr algn="ctr"/>
+            <a:endParaRPr lang="en-SG" sz="788"/>
+          </a:p>
+        </p:txBody>
+      </p:sp>
+      <p:cxnSp>
+        <p:nvCxnSpPr>
+          <p:cNvPr id="136" name="Elbow Connector 135"/>
+          <p:cNvCxnSpPr>
+            <a:cxnSpLocks/>
+            <a:stCxn id="19" idx="3"/>
+            <a:endCxn id="135" idx="3"/>
+          </p:cNvCxnSpPr>
+          <p:nvPr/>
+        </p:nvCxnSpPr>
+        <p:spPr>
+          <a:xfrm flipH="1">
+            <a:off x="7572300" y="2484344"/>
+            <a:ext cx="440748" cy="2295821"/>
+          </a:xfrm>
+          <a:prstGeom prst="bentConnector3">
+            <a:avLst>
+              <a:gd name="adj1" fmla="val -51866"/>
+            </a:avLst>
+          </a:prstGeom>
+          <a:ln w="19050">
+            <a:solidFill>
               <a:srgbClr val="7030A0"/>
             </a:solidFill>
             <a:prstDash val="dash"/>
@@ -7539,14 +9642,738 @@
       </p:cxnSp>
       <p:sp>
         <p:nvSpPr>
-          <p:cNvPr id="7" name="Rectangle 62"/>
+          <p:cNvPr id="46" name="Rectangle 45"/>
           <p:cNvSpPr/>
           <p:nvPr/>
         </p:nvSpPr>
         <p:spPr>
           <a:xfrm>
-            <a:off x="3650593" y="4352685"/>
-            <a:ext cx="1746186" cy="346760"/>
+            <a:off x="3811770" y="1874391"/>
+            <a:ext cx="1208900" cy="333480"/>
+          </a:xfrm>
+          <a:prstGeom prst="rect">
+            <a:avLst/>
+          </a:prstGeom>
+          <a:solidFill>
+            <a:schemeClr val="accent5"/>
+          </a:solidFill>
+          <a:ln w="19050">
+            <a:solidFill>
+              <a:schemeClr val="accent5"/>
+            </a:solidFill>
+          </a:ln>
+          <a:effectLst/>
+        </p:spPr>
+        <p:style>
+          <a:lnRef idx="1">
+            <a:schemeClr val="accent5"/>
+          </a:lnRef>
+          <a:fillRef idx="2">
+            <a:schemeClr val="accent5"/>
+          </a:fillRef>
+          <a:effectRef idx="1">
+            <a:schemeClr val="accent5"/>
+          </a:effectRef>
+          <a:fontRef idx="minor">
+            <a:schemeClr val="dk1"/>
+          </a:fontRef>
+        </p:style>
+        <p:txBody>
+          <a:bodyPr rtlCol="0" anchor="ctr"/>
+          <a:lstStyle/>
+          <a:p>
+            <a:pPr algn="ctr"/>
+            <a:r>
+              <a:rPr lang="en-US" sz="788" dirty="0">
+                <a:solidFill>
+                  <a:schemeClr val="bg1"/>
+                </a:solidFill>
+              </a:rPr>
+              <a:t>{abstract}</a:t>
+            </a:r>
+            <a:br>
+              <a:rPr lang="en-US" sz="788" dirty="0">
+                <a:solidFill>
+                  <a:schemeClr val="bg1"/>
+                </a:solidFill>
+              </a:rPr>
+            </a:br>
+            <a:r>
+              <a:rPr lang="en-US" sz="788" dirty="0">
+                <a:solidFill>
+                  <a:schemeClr val="bg1"/>
+                </a:solidFill>
+              </a:rPr>
+              <a:t>Command</a:t>
+            </a:r>
+            <a:endParaRPr lang="en-SG" sz="788" dirty="0">
+              <a:solidFill>
+                <a:schemeClr val="bg1"/>
+              </a:solidFill>
+            </a:endParaRPr>
+          </a:p>
+        </p:txBody>
+      </p:sp>
+      <p:sp>
+        <p:nvSpPr>
+          <p:cNvPr id="50" name="Rectangle 49"/>
+          <p:cNvSpPr/>
+          <p:nvPr/>
+        </p:nvSpPr>
+        <p:spPr>
+          <a:xfrm flipH="1">
+            <a:off x="4477347" y="2263676"/>
+            <a:ext cx="1053082" cy="260070"/>
+          </a:xfrm>
+          <a:prstGeom prst="rect">
+            <a:avLst/>
+          </a:prstGeom>
+          <a:ln w="19050"/>
+          <a:effectLst/>
+        </p:spPr>
+        <p:style>
+          <a:lnRef idx="1">
+            <a:schemeClr val="accent5"/>
+          </a:lnRef>
+          <a:fillRef idx="2">
+            <a:schemeClr val="accent5"/>
+          </a:fillRef>
+          <a:effectRef idx="1">
+            <a:schemeClr val="accent5"/>
+          </a:effectRef>
+          <a:fontRef idx="minor">
+            <a:schemeClr val="dk1"/>
+          </a:fontRef>
+        </p:style>
+        <p:txBody>
+          <a:bodyPr rtlCol="0" anchor="ctr"/>
+          <a:lstStyle/>
+          <a:p>
+            <a:pPr algn="ctr"/>
+            <a:r>
+              <a:rPr lang="en-US" sz="788" dirty="0" err="1"/>
+              <a:t>AddCommand</a:t>
+            </a:r>
+            <a:endParaRPr lang="en-SG" sz="788" dirty="0"/>
+          </a:p>
+        </p:txBody>
+      </p:sp>
+      <p:sp>
+        <p:nvSpPr>
+          <p:cNvPr id="52" name="Rectangle 51"/>
+          <p:cNvSpPr/>
+          <p:nvPr/>
+        </p:nvSpPr>
+        <p:spPr>
+          <a:xfrm flipH="1">
+            <a:off x="4477347" y="2559916"/>
+            <a:ext cx="1053082" cy="260070"/>
+          </a:xfrm>
+          <a:prstGeom prst="rect">
+            <a:avLst/>
+          </a:prstGeom>
+          <a:ln w="19050"/>
+          <a:effectLst/>
+        </p:spPr>
+        <p:style>
+          <a:lnRef idx="1">
+            <a:schemeClr val="accent5"/>
+          </a:lnRef>
+          <a:fillRef idx="2">
+            <a:schemeClr val="accent5"/>
+          </a:fillRef>
+          <a:effectRef idx="1">
+            <a:schemeClr val="accent5"/>
+          </a:effectRef>
+          <a:fontRef idx="minor">
+            <a:schemeClr val="dk1"/>
+          </a:fontRef>
+        </p:style>
+        <p:txBody>
+          <a:bodyPr rtlCol="0" anchor="ctr"/>
+          <a:lstStyle/>
+          <a:p>
+            <a:pPr algn="ctr"/>
+            <a:r>
+              <a:rPr lang="en-US" sz="788" dirty="0" err="1"/>
+              <a:t>CrearCommand</a:t>
+            </a:r>
+            <a:endParaRPr lang="en-SG" sz="788" dirty="0"/>
+          </a:p>
+        </p:txBody>
+      </p:sp>
+      <p:sp>
+        <p:nvSpPr>
+          <p:cNvPr id="53" name="Rectangle 52"/>
+          <p:cNvSpPr/>
+          <p:nvPr/>
+        </p:nvSpPr>
+        <p:spPr>
+          <a:xfrm flipH="1">
+            <a:off x="4477347" y="2856156"/>
+            <a:ext cx="1053082" cy="260070"/>
+          </a:xfrm>
+          <a:prstGeom prst="rect">
+            <a:avLst/>
+          </a:prstGeom>
+          <a:ln w="19050"/>
+          <a:effectLst/>
+        </p:spPr>
+        <p:style>
+          <a:lnRef idx="1">
+            <a:schemeClr val="accent5"/>
+          </a:lnRef>
+          <a:fillRef idx="2">
+            <a:schemeClr val="accent5"/>
+          </a:fillRef>
+          <a:effectRef idx="1">
+            <a:schemeClr val="accent5"/>
+          </a:effectRef>
+          <a:fontRef idx="minor">
+            <a:schemeClr val="dk1"/>
+          </a:fontRef>
+        </p:style>
+        <p:txBody>
+          <a:bodyPr rtlCol="0" anchor="ctr"/>
+          <a:lstStyle/>
+          <a:p>
+            <a:pPr algn="ctr"/>
+            <a:r>
+              <a:rPr lang="en-US" sz="788" dirty="0" err="1"/>
+              <a:t>IncorrectCommand</a:t>
+            </a:r>
+            <a:endParaRPr lang="en-SG" sz="788" dirty="0"/>
+          </a:p>
+        </p:txBody>
+      </p:sp>
+      <p:sp>
+        <p:nvSpPr>
+          <p:cNvPr id="54" name="Isosceles Triangle 53"/>
+          <p:cNvSpPr/>
+          <p:nvPr/>
+        </p:nvSpPr>
+        <p:spPr>
+          <a:xfrm rot="16200000">
+            <a:off x="5001407" y="1979909"/>
+            <a:ext cx="202878" cy="131642"/>
+          </a:xfrm>
+          <a:prstGeom prst="triangle">
+            <a:avLst/>
+          </a:prstGeom>
+          <a:ln w="19050"/>
+          <a:effectLst/>
+        </p:spPr>
+        <p:style>
+          <a:lnRef idx="1">
+            <a:schemeClr val="accent5"/>
+          </a:lnRef>
+          <a:fillRef idx="2">
+            <a:schemeClr val="accent5"/>
+          </a:fillRef>
+          <a:effectRef idx="1">
+            <a:schemeClr val="accent5"/>
+          </a:effectRef>
+          <a:fontRef idx="minor">
+            <a:schemeClr val="dk1"/>
+          </a:fontRef>
+        </p:style>
+        <p:txBody>
+          <a:bodyPr rtlCol="0" anchor="ctr"/>
+          <a:lstStyle/>
+          <a:p>
+            <a:pPr algn="ctr"/>
+            <a:endParaRPr lang="en-SG" sz="788"/>
+          </a:p>
+        </p:txBody>
+      </p:sp>
+      <p:sp>
+        <p:nvSpPr>
+          <p:cNvPr id="59" name="Rectangle 58"/>
+          <p:cNvSpPr/>
+          <p:nvPr/>
+        </p:nvSpPr>
+        <p:spPr>
+          <a:xfrm flipH="1">
+            <a:off x="4478654" y="4664834"/>
+            <a:ext cx="1053082" cy="260070"/>
+          </a:xfrm>
+          <a:prstGeom prst="rect">
+            <a:avLst/>
+          </a:prstGeom>
+          <a:ln w="19050"/>
+          <a:effectLst/>
+        </p:spPr>
+        <p:style>
+          <a:lnRef idx="1">
+            <a:schemeClr val="accent5"/>
+          </a:lnRef>
+          <a:fillRef idx="2">
+            <a:schemeClr val="accent5"/>
+          </a:fillRef>
+          <a:effectRef idx="1">
+            <a:schemeClr val="accent5"/>
+          </a:effectRef>
+          <a:fontRef idx="minor">
+            <a:schemeClr val="dk1"/>
+          </a:fontRef>
+        </p:style>
+        <p:txBody>
+          <a:bodyPr rtlCol="0" anchor="ctr"/>
+          <a:lstStyle/>
+          <a:p>
+            <a:pPr algn="ctr"/>
+            <a:r>
+              <a:rPr lang="en-US" sz="788" dirty="0"/>
+              <a:t>…Command</a:t>
+            </a:r>
+            <a:endParaRPr lang="en-SG" sz="788" dirty="0"/>
+          </a:p>
+        </p:txBody>
+      </p:sp>
+      <p:cxnSp>
+        <p:nvCxnSpPr>
+          <p:cNvPr id="60" name="Elbow Connector 59"/>
+          <p:cNvCxnSpPr>
+            <a:cxnSpLocks/>
+            <a:stCxn id="54" idx="3"/>
+            <a:endCxn id="59" idx="1"/>
+          </p:cNvCxnSpPr>
+          <p:nvPr/>
+        </p:nvCxnSpPr>
+        <p:spPr>
+          <a:xfrm>
+            <a:off x="5168668" y="2045730"/>
+            <a:ext cx="363068" cy="2749139"/>
+          </a:xfrm>
+          <a:prstGeom prst="bentConnector3">
+            <a:avLst>
+              <a:gd name="adj1" fmla="val 127984"/>
+            </a:avLst>
+          </a:prstGeom>
+          <a:noFill/>
+          <a:ln w="19050"/>
+          <a:effectLst/>
+        </p:spPr>
+        <p:style>
+          <a:lnRef idx="1">
+            <a:schemeClr val="accent5"/>
+          </a:lnRef>
+          <a:fillRef idx="2">
+            <a:schemeClr val="accent5"/>
+          </a:fillRef>
+          <a:effectRef idx="1">
+            <a:schemeClr val="accent5"/>
+          </a:effectRef>
+          <a:fontRef idx="minor">
+            <a:schemeClr val="dk1"/>
+          </a:fontRef>
+        </p:style>
+      </p:cxnSp>
+      <p:cxnSp>
+        <p:nvCxnSpPr>
+          <p:cNvPr id="70" name="Elbow Connector 69"/>
+          <p:cNvCxnSpPr>
+            <a:cxnSpLocks/>
+          </p:cNvCxnSpPr>
+          <p:nvPr/>
+        </p:nvCxnSpPr>
+        <p:spPr>
+          <a:xfrm>
+            <a:off x="2912274" y="2001331"/>
+            <a:ext cx="899512" cy="9525"/>
+          </a:xfrm>
+          <a:prstGeom prst="bentConnector3">
+            <a:avLst>
+              <a:gd name="adj1" fmla="val 50000"/>
+            </a:avLst>
+          </a:prstGeom>
+          <a:ln w="19050">
+            <a:solidFill>
+              <a:srgbClr val="0070C0"/>
+            </a:solidFill>
+            <a:prstDash val="dash"/>
+            <a:headEnd type="none" w="med" len="med"/>
+            <a:tailEnd type="arrow" w="med" len="med"/>
+          </a:ln>
+          <a:effectLst/>
+        </p:spPr>
+        <p:style>
+          <a:lnRef idx="1">
+            <a:schemeClr val="accent2"/>
+          </a:lnRef>
+          <a:fillRef idx="2">
+            <a:schemeClr val="accent2"/>
+          </a:fillRef>
+          <a:effectRef idx="1">
+            <a:schemeClr val="accent2"/>
+          </a:effectRef>
+          <a:fontRef idx="minor">
+            <a:schemeClr val="dk1"/>
+          </a:fontRef>
+        </p:style>
+      </p:cxnSp>
+      <p:cxnSp>
+        <p:nvCxnSpPr>
+          <p:cNvPr id="73" name="Elbow Connector 72"/>
+          <p:cNvCxnSpPr>
+            <a:cxnSpLocks/>
+            <a:endCxn id="13" idx="1"/>
+          </p:cNvCxnSpPr>
+          <p:nvPr/>
+        </p:nvCxnSpPr>
+        <p:spPr>
+          <a:xfrm rot="5400000" flipH="1" flipV="1">
+            <a:off x="4495745" y="1566885"/>
+            <a:ext cx="347077" cy="262634"/>
+          </a:xfrm>
+          <a:prstGeom prst="bentConnector2">
+            <a:avLst/>
+          </a:prstGeom>
+          <a:ln w="19050">
+            <a:solidFill>
+              <a:schemeClr val="accent5"/>
+            </a:solidFill>
+            <a:prstDash val="dash"/>
+            <a:headEnd type="none" w="med" len="med"/>
+            <a:tailEnd type="arrow" w="med" len="med"/>
+          </a:ln>
+          <a:effectLst/>
+        </p:spPr>
+        <p:style>
+          <a:lnRef idx="1">
+            <a:schemeClr val="accent2"/>
+          </a:lnRef>
+          <a:fillRef idx="2">
+            <a:schemeClr val="accent2"/>
+          </a:fillRef>
+          <a:effectRef idx="1">
+            <a:schemeClr val="accent2"/>
+          </a:effectRef>
+          <a:fontRef idx="minor">
+            <a:schemeClr val="dk1"/>
+          </a:fontRef>
+        </p:style>
+      </p:cxnSp>
+      <p:sp>
+        <p:nvSpPr>
+          <p:cNvPr id="81" name="Rectangle 80"/>
+          <p:cNvSpPr/>
+          <p:nvPr/>
+        </p:nvSpPr>
+        <p:spPr>
+          <a:xfrm flipH="1">
+            <a:off x="2801049" y="1397280"/>
+            <a:ext cx="1053082" cy="260070"/>
+          </a:xfrm>
+          <a:prstGeom prst="rect">
+            <a:avLst/>
+          </a:prstGeom>
+          <a:ln w="19050"/>
+          <a:effectLst/>
+        </p:spPr>
+        <p:style>
+          <a:lnRef idx="1">
+            <a:schemeClr val="accent5"/>
+          </a:lnRef>
+          <a:fillRef idx="2">
+            <a:schemeClr val="accent5"/>
+          </a:fillRef>
+          <a:effectRef idx="1">
+            <a:schemeClr val="accent5"/>
+          </a:effectRef>
+          <a:fontRef idx="minor">
+            <a:schemeClr val="dk1"/>
+          </a:fontRef>
+        </p:style>
+        <p:txBody>
+          <a:bodyPr rtlCol="0" anchor="ctr"/>
+          <a:lstStyle/>
+          <a:p>
+            <a:pPr algn="ctr"/>
+            <a:r>
+              <a:rPr lang="en-US" sz="788" dirty="0" err="1"/>
+              <a:t>CommandResult</a:t>
+            </a:r>
+            <a:endParaRPr lang="en-SG" sz="788" dirty="0"/>
+          </a:p>
+        </p:txBody>
+      </p:sp>
+      <p:cxnSp>
+        <p:nvCxnSpPr>
+          <p:cNvPr id="82" name="Elbow Connector 81"/>
+          <p:cNvCxnSpPr>
+            <a:stCxn id="46" idx="0"/>
+            <a:endCxn id="81" idx="1"/>
+          </p:cNvCxnSpPr>
+          <p:nvPr/>
+        </p:nvCxnSpPr>
+        <p:spPr>
+          <a:xfrm rot="16200000" flipV="1">
+            <a:off x="3961637" y="1419809"/>
+            <a:ext cx="347076" cy="562090"/>
+          </a:xfrm>
+          <a:prstGeom prst="bentConnector2">
+            <a:avLst/>
+          </a:prstGeom>
+          <a:ln w="19050">
+            <a:solidFill>
+              <a:schemeClr val="accent5"/>
+            </a:solidFill>
+            <a:prstDash val="dash"/>
+            <a:headEnd type="none" w="med" len="med"/>
+            <a:tailEnd type="arrow" w="med" len="med"/>
+          </a:ln>
+          <a:effectLst/>
+        </p:spPr>
+        <p:style>
+          <a:lnRef idx="1">
+            <a:schemeClr val="accent2"/>
+          </a:lnRef>
+          <a:fillRef idx="2">
+            <a:schemeClr val="accent2"/>
+          </a:fillRef>
+          <a:effectRef idx="1">
+            <a:schemeClr val="accent2"/>
+          </a:effectRef>
+          <a:fontRef idx="minor">
+            <a:schemeClr val="dk1"/>
+          </a:fontRef>
+        </p:style>
+      </p:cxnSp>
+      <p:cxnSp>
+        <p:nvCxnSpPr>
+          <p:cNvPr id="84" name="Elbow Connector 83"/>
+          <p:cNvCxnSpPr>
+            <a:endCxn id="81" idx="3"/>
+          </p:cNvCxnSpPr>
+          <p:nvPr/>
+        </p:nvCxnSpPr>
+        <p:spPr>
+          <a:xfrm flipV="1">
+            <a:off x="1051560" y="1527315"/>
+            <a:ext cx="1749488" cy="1322534"/>
+          </a:xfrm>
+          <a:prstGeom prst="bentConnector3">
+            <a:avLst>
+              <a:gd name="adj1" fmla="val 109"/>
+            </a:avLst>
+          </a:prstGeom>
+          <a:ln w="19050">
+            <a:solidFill>
+              <a:srgbClr val="C00000"/>
+            </a:solidFill>
+            <a:prstDash val="dash"/>
+            <a:headEnd type="none" w="med" len="med"/>
+            <a:tailEnd type="arrow" w="med" len="med"/>
+          </a:ln>
+          <a:effectLst/>
+        </p:spPr>
+        <p:style>
+          <a:lnRef idx="1">
+            <a:schemeClr val="accent2"/>
+          </a:lnRef>
+          <a:fillRef idx="2">
+            <a:schemeClr val="accent2"/>
+          </a:fillRef>
+          <a:effectRef idx="1">
+            <a:schemeClr val="accent2"/>
+          </a:effectRef>
+          <a:fontRef idx="minor">
+            <a:schemeClr val="dk1"/>
+          </a:fontRef>
+        </p:style>
+      </p:cxnSp>
+      <p:sp>
+        <p:nvSpPr>
+          <p:cNvPr id="92" name="Rectangle 91"/>
+          <p:cNvSpPr/>
+          <p:nvPr/>
+        </p:nvSpPr>
+        <p:spPr>
+          <a:xfrm>
+            <a:off x="7190168" y="3231795"/>
+            <a:ext cx="696972" cy="260070"/>
+          </a:xfrm>
+          <a:prstGeom prst="rect">
+            <a:avLst/>
+          </a:prstGeom>
+          <a:ln w="19050"/>
+          <a:effectLst/>
+        </p:spPr>
+        <p:style>
+          <a:lnRef idx="1">
+            <a:schemeClr val="accent4"/>
+          </a:lnRef>
+          <a:fillRef idx="2">
+            <a:schemeClr val="accent4"/>
+          </a:fillRef>
+          <a:effectRef idx="1">
+            <a:schemeClr val="accent4"/>
+          </a:effectRef>
+          <a:fontRef idx="minor">
+            <a:schemeClr val="dk1"/>
+          </a:fontRef>
+        </p:style>
+        <p:txBody>
+          <a:bodyPr rtlCol="0" anchor="ctr"/>
+          <a:lstStyle/>
+          <a:p>
+            <a:pPr algn="ctr"/>
+            <a:r>
+              <a:rPr lang="en-US" sz="788" dirty="0"/>
+              <a:t>Past Offences</a:t>
+            </a:r>
+            <a:endParaRPr lang="en-SG" sz="788" dirty="0"/>
+          </a:p>
+        </p:txBody>
+      </p:sp>
+      <p:sp>
+        <p:nvSpPr>
+          <p:cNvPr id="99" name="Rectangle 98"/>
+          <p:cNvSpPr/>
+          <p:nvPr/>
+        </p:nvSpPr>
+        <p:spPr>
+          <a:xfrm>
+            <a:off x="6001278" y="1874391"/>
+            <a:ext cx="854117" cy="260070"/>
+          </a:xfrm>
+          <a:prstGeom prst="rect">
+            <a:avLst/>
+          </a:prstGeom>
+          <a:ln w="19050"/>
+          <a:effectLst/>
+        </p:spPr>
+        <p:style>
+          <a:lnRef idx="1">
+            <a:schemeClr val="accent6"/>
+          </a:lnRef>
+          <a:fillRef idx="2">
+            <a:schemeClr val="accent6"/>
+          </a:fillRef>
+          <a:effectRef idx="1">
+            <a:schemeClr val="accent6"/>
+          </a:effectRef>
+          <a:fontRef idx="minor">
+            <a:schemeClr val="dk1"/>
+          </a:fontRef>
+        </p:style>
+        <p:txBody>
+          <a:bodyPr rtlCol="0" anchor="ctr"/>
+          <a:lstStyle/>
+          <a:p>
+            <a:pPr algn="ctr"/>
+            <a:r>
+              <a:rPr lang="en-US" sz="788" dirty="0"/>
+              <a:t>…Exception</a:t>
+            </a:r>
+            <a:endParaRPr lang="en-SG" sz="788" dirty="0"/>
+          </a:p>
+        </p:txBody>
+      </p:sp>
+      <p:sp>
+        <p:nvSpPr>
+          <p:cNvPr id="101" name="Rectangle 100"/>
+          <p:cNvSpPr/>
+          <p:nvPr/>
+        </p:nvSpPr>
+        <p:spPr>
+          <a:xfrm>
+            <a:off x="2082800" y="3797490"/>
+            <a:ext cx="696972" cy="260070"/>
+          </a:xfrm>
+          <a:prstGeom prst="rect">
+            <a:avLst/>
+          </a:prstGeom>
+          <a:ln>
+            <a:solidFill>
+              <a:srgbClr val="00B050"/>
+            </a:solidFill>
+          </a:ln>
+          <a:effectLst/>
+        </p:spPr>
+        <p:style>
+          <a:lnRef idx="1">
+            <a:schemeClr val="accent3"/>
+          </a:lnRef>
+          <a:fillRef idx="2">
+            <a:schemeClr val="accent3"/>
+          </a:fillRef>
+          <a:effectRef idx="1">
+            <a:schemeClr val="accent3"/>
+          </a:effectRef>
+          <a:fontRef idx="minor">
+            <a:schemeClr val="dk1"/>
+          </a:fontRef>
+        </p:style>
+        <p:txBody>
+          <a:bodyPr rtlCol="0" anchor="ctr"/>
+          <a:lstStyle/>
+          <a:p>
+            <a:pPr algn="ctr"/>
+            <a:r>
+              <a:rPr lang="en-US" sz="788" dirty="0"/>
+              <a:t>Adapted…</a:t>
+            </a:r>
+            <a:endParaRPr lang="en-SG" sz="788" dirty="0"/>
+          </a:p>
+        </p:txBody>
+      </p:sp>
+      <p:cxnSp>
+        <p:nvCxnSpPr>
+          <p:cNvPr id="102" name="Elbow Connector 101"/>
+          <p:cNvCxnSpPr>
+            <a:cxnSpLocks/>
+            <a:stCxn id="23" idx="0"/>
+            <a:endCxn id="101" idx="2"/>
+          </p:cNvCxnSpPr>
+          <p:nvPr/>
+        </p:nvCxnSpPr>
+        <p:spPr>
+          <a:xfrm rot="16200000" flipV="1">
+            <a:off x="2360784" y="4128062"/>
+            <a:ext cx="144224" cy="3219"/>
+          </a:xfrm>
+          <a:prstGeom prst="bentConnector3">
+            <a:avLst>
+              <a:gd name="adj1" fmla="val 50000"/>
+            </a:avLst>
+          </a:prstGeom>
+          <a:ln w="19050">
+            <a:solidFill>
+              <a:srgbClr val="00B050"/>
+            </a:solidFill>
+            <a:prstDash val="dash"/>
+            <a:headEnd type="none" w="med" len="med"/>
+            <a:tailEnd type="arrow" w="med" len="med"/>
+          </a:ln>
+          <a:effectLst/>
+        </p:spPr>
+        <p:style>
+          <a:lnRef idx="1">
+            <a:schemeClr val="accent2"/>
+          </a:lnRef>
+          <a:fillRef idx="2">
+            <a:schemeClr val="accent2"/>
+          </a:fillRef>
+          <a:effectRef idx="1">
+            <a:schemeClr val="accent2"/>
+          </a:effectRef>
+          <a:fontRef idx="minor">
+            <a:schemeClr val="dk1"/>
+          </a:fontRef>
+        </p:style>
+      </p:cxnSp>
+      <p:sp>
+        <p:nvSpPr>
+          <p:cNvPr id="63" name="Rectangle 62"/>
+          <p:cNvSpPr/>
+          <p:nvPr/>
+        </p:nvSpPr>
+        <p:spPr>
+          <a:xfrm>
+            <a:off x="994410" y="2849849"/>
+            <a:ext cx="1309640" cy="260070"/>
           </a:xfrm>
           <a:prstGeom prst="rect">
             <a:avLst/>
@@ -7581,14 +10408,14 @@
           <a:p>
             <a:pPr algn="ctr"/>
             <a:r>
-              <a:rPr lang="en-US" sz="1050" dirty="0" err="1">
+              <a:rPr lang="en-US" sz="788" dirty="0" err="1">
                 <a:solidFill>
                   <a:schemeClr val="bg1"/>
                 </a:solidFill>
               </a:rPr>
               <a:t>MainWindow</a:t>
             </a:r>
-            <a:endParaRPr lang="en-SG" sz="1050" dirty="0">
+            <a:endParaRPr lang="en-SG" sz="788" dirty="0">
               <a:solidFill>
                 <a:schemeClr val="bg1"/>
               </a:solidFill>
@@ -7596,10 +10423,5047 @@
           </a:p>
         </p:txBody>
       </p:sp>
+      <p:sp>
+        <p:nvSpPr>
+          <p:cNvPr id="66" name="Rectangle 65"/>
+          <p:cNvSpPr/>
+          <p:nvPr/>
+        </p:nvSpPr>
+        <p:spPr>
+          <a:xfrm>
+            <a:off x="2272874" y="1939319"/>
+            <a:ext cx="592644" cy="331959"/>
+          </a:xfrm>
+          <a:prstGeom prst="rect">
+            <a:avLst/>
+          </a:prstGeom>
+          <a:solidFill>
+            <a:srgbClr val="0070C0"/>
+          </a:solidFill>
+          <a:ln w="19050">
+            <a:solidFill>
+              <a:srgbClr val="0070C0"/>
+            </a:solidFill>
+          </a:ln>
+          <a:effectLst/>
+        </p:spPr>
+        <p:style>
+          <a:lnRef idx="1">
+            <a:schemeClr val="accent2"/>
+          </a:lnRef>
+          <a:fillRef idx="2">
+            <a:schemeClr val="accent2"/>
+          </a:fillRef>
+          <a:effectRef idx="1">
+            <a:schemeClr val="accent2"/>
+          </a:effectRef>
+          <a:fontRef idx="minor">
+            <a:schemeClr val="dk1"/>
+          </a:fontRef>
+        </p:style>
+        <p:txBody>
+          <a:bodyPr rtlCol="0" anchor="ctr"/>
+          <a:lstStyle/>
+          <a:p>
+            <a:pPr algn="ctr"/>
+            <a:r>
+              <a:rPr lang="en-US" sz="788" dirty="0">
+                <a:solidFill>
+                  <a:schemeClr val="bg1"/>
+                </a:solidFill>
+              </a:rPr>
+              <a:t>Logic</a:t>
+            </a:r>
+            <a:endParaRPr lang="en-SG" sz="788" dirty="0">
+              <a:solidFill>
+                <a:schemeClr val="bg1"/>
+              </a:solidFill>
+            </a:endParaRPr>
+          </a:p>
+        </p:txBody>
+      </p:sp>
+      <p:cxnSp>
+        <p:nvCxnSpPr>
+          <p:cNvPr id="76" name="Straight Arrow Connector 75"/>
+          <p:cNvCxnSpPr>
+            <a:cxnSpLocks/>
+          </p:cNvCxnSpPr>
+          <p:nvPr/>
+        </p:nvCxnSpPr>
+        <p:spPr>
+          <a:xfrm>
+            <a:off x="2569197" y="2259848"/>
+            <a:ext cx="1550" cy="122433"/>
+          </a:xfrm>
+          <a:prstGeom prst="straightConnector1">
+            <a:avLst/>
+          </a:prstGeom>
+          <a:ln w="19050">
+            <a:solidFill>
+              <a:srgbClr val="0070C0"/>
+            </a:solidFill>
+            <a:prstDash val="dash"/>
+            <a:headEnd type="none" w="med" len="med"/>
+            <a:tailEnd type="arrow" w="med" len="med"/>
+          </a:ln>
+          <a:effectLst/>
+        </p:spPr>
+        <p:style>
+          <a:lnRef idx="1">
+            <a:schemeClr val="accent2"/>
+          </a:lnRef>
+          <a:fillRef idx="2">
+            <a:schemeClr val="accent2"/>
+          </a:fillRef>
+          <a:effectRef idx="1">
+            <a:schemeClr val="accent2"/>
+          </a:effectRef>
+          <a:fontRef idx="minor">
+            <a:schemeClr val="dk1"/>
+          </a:fontRef>
+        </p:style>
+      </p:cxnSp>
+      <p:sp>
+        <p:nvSpPr>
+          <p:cNvPr id="85" name="Rectangle 84"/>
+          <p:cNvSpPr/>
+          <p:nvPr/>
+        </p:nvSpPr>
+        <p:spPr>
+          <a:xfrm>
+            <a:off x="1166887" y="2415636"/>
+            <a:ext cx="603390" cy="260070"/>
+          </a:xfrm>
+          <a:prstGeom prst="rect">
+            <a:avLst/>
+          </a:prstGeom>
+          <a:ln w="19050"/>
+          <a:effectLst/>
+        </p:spPr>
+        <p:style>
+          <a:lnRef idx="1">
+            <a:schemeClr val="accent2"/>
+          </a:lnRef>
+          <a:fillRef idx="2">
+            <a:schemeClr val="accent2"/>
+          </a:fillRef>
+          <a:effectRef idx="1">
+            <a:schemeClr val="accent2"/>
+          </a:effectRef>
+          <a:fontRef idx="minor">
+            <a:schemeClr val="dk1"/>
+          </a:fontRef>
+        </p:style>
+        <p:txBody>
+          <a:bodyPr rtlCol="0" anchor="ctr"/>
+          <a:lstStyle/>
+          <a:p>
+            <a:pPr algn="ctr"/>
+            <a:r>
+              <a:rPr lang="en-US" sz="788" dirty="0"/>
+              <a:t>Formatter</a:t>
+            </a:r>
+            <a:endParaRPr lang="en-SG" sz="788" dirty="0"/>
+          </a:p>
+        </p:txBody>
+      </p:sp>
+      <p:cxnSp>
+        <p:nvCxnSpPr>
+          <p:cNvPr id="86" name="Elbow Connector 85"/>
+          <p:cNvCxnSpPr>
+            <a:cxnSpLocks/>
+            <a:endCxn id="85" idx="2"/>
+          </p:cNvCxnSpPr>
+          <p:nvPr/>
+        </p:nvCxnSpPr>
+        <p:spPr>
+          <a:xfrm rot="16200000" flipV="1">
+            <a:off x="1354759" y="2789529"/>
+            <a:ext cx="252226" cy="24580"/>
+          </a:xfrm>
+          <a:prstGeom prst="bentConnector3">
+            <a:avLst>
+              <a:gd name="adj1" fmla="val 50000"/>
+            </a:avLst>
+          </a:prstGeom>
+          <a:ln w="19050">
+            <a:solidFill>
+              <a:srgbClr val="C00000"/>
+            </a:solidFill>
+            <a:prstDash val="dash"/>
+            <a:headEnd type="none" w="med" len="med"/>
+            <a:tailEnd type="arrow" w="med" len="med"/>
+          </a:ln>
+          <a:effectLst/>
+        </p:spPr>
+        <p:style>
+          <a:lnRef idx="1">
+            <a:schemeClr val="accent2"/>
+          </a:lnRef>
+          <a:fillRef idx="2">
+            <a:schemeClr val="accent2"/>
+          </a:fillRef>
+          <a:effectRef idx="1">
+            <a:schemeClr val="accent2"/>
+          </a:effectRef>
+          <a:fontRef idx="minor">
+            <a:schemeClr val="dk1"/>
+          </a:fontRef>
+        </p:style>
+      </p:cxnSp>
+      <p:sp>
+        <p:nvSpPr>
+          <p:cNvPr id="89" name="Rectangle 88"/>
+          <p:cNvSpPr/>
+          <p:nvPr/>
+        </p:nvSpPr>
+        <p:spPr>
+          <a:xfrm>
+            <a:off x="1238594" y="2032486"/>
+            <a:ext cx="803447" cy="260070"/>
+          </a:xfrm>
+          <a:prstGeom prst="rect">
+            <a:avLst/>
+          </a:prstGeom>
+          <a:ln w="19050"/>
+          <a:effectLst/>
+        </p:spPr>
+        <p:style>
+          <a:lnRef idx="1">
+            <a:schemeClr val="accent2"/>
+          </a:lnRef>
+          <a:fillRef idx="2">
+            <a:schemeClr val="accent2"/>
+          </a:fillRef>
+          <a:effectRef idx="1">
+            <a:schemeClr val="accent2"/>
+          </a:effectRef>
+          <a:fontRef idx="minor">
+            <a:schemeClr val="dk1"/>
+          </a:fontRef>
+        </p:style>
+        <p:txBody>
+          <a:bodyPr rtlCol="0" anchor="ctr"/>
+          <a:lstStyle/>
+          <a:p>
+            <a:pPr algn="ctr"/>
+            <a:r>
+              <a:rPr lang="en-US" sz="788" dirty="0"/>
+              <a:t>&lt;&lt;interface&gt;&gt;</a:t>
+            </a:r>
+          </a:p>
+          <a:p>
+            <a:pPr algn="ctr"/>
+            <a:r>
+              <a:rPr lang="en-US" sz="788" dirty="0"/>
+              <a:t>Stoppable</a:t>
+            </a:r>
+            <a:endParaRPr lang="en-SG" sz="788" dirty="0"/>
+          </a:p>
+        </p:txBody>
+      </p:sp>
+      <p:sp>
+        <p:nvSpPr>
+          <p:cNvPr id="103" name="Isosceles Triangle 102"/>
+          <p:cNvSpPr/>
+          <p:nvPr/>
+        </p:nvSpPr>
+        <p:spPr>
+          <a:xfrm flipV="1">
+            <a:off x="1411043" y="1896868"/>
+            <a:ext cx="202878" cy="131642"/>
+          </a:xfrm>
+          <a:prstGeom prst="triangle">
+            <a:avLst/>
+          </a:prstGeom>
+          <a:ln w="19050"/>
+          <a:effectLst/>
+        </p:spPr>
+        <p:style>
+          <a:lnRef idx="1">
+            <a:schemeClr val="accent2"/>
+          </a:lnRef>
+          <a:fillRef idx="2">
+            <a:schemeClr val="accent2"/>
+          </a:fillRef>
+          <a:effectRef idx="1">
+            <a:schemeClr val="accent2"/>
+          </a:effectRef>
+          <a:fontRef idx="minor">
+            <a:schemeClr val="dk1"/>
+          </a:fontRef>
+        </p:style>
+        <p:txBody>
+          <a:bodyPr rtlCol="0" anchor="ctr"/>
+          <a:lstStyle/>
+          <a:p>
+            <a:pPr algn="ctr"/>
+            <a:endParaRPr lang="en-SG" sz="788"/>
+          </a:p>
+        </p:txBody>
+      </p:sp>
+      <p:cxnSp>
+        <p:nvCxnSpPr>
+          <p:cNvPr id="104" name="Elbow Connector 103"/>
+          <p:cNvCxnSpPr>
+            <a:cxnSpLocks/>
+            <a:stCxn id="12" idx="1"/>
+            <a:endCxn id="103" idx="3"/>
+          </p:cNvCxnSpPr>
+          <p:nvPr/>
+        </p:nvCxnSpPr>
+        <p:spPr>
+          <a:xfrm rot="10800000" flipV="1">
+            <a:off x="1512482" y="1710455"/>
+            <a:ext cx="93561" cy="186412"/>
+          </a:xfrm>
+          <a:prstGeom prst="bentConnector2">
+            <a:avLst/>
+          </a:prstGeom>
+          <a:ln w="19050">
+            <a:solidFill>
+              <a:srgbClr val="C00000"/>
+            </a:solidFill>
+            <a:prstDash val="dash"/>
+            <a:headEnd type="none" w="med" len="med"/>
+            <a:tailEnd type="none" w="med" len="med"/>
+          </a:ln>
+          <a:effectLst/>
+        </p:spPr>
+        <p:style>
+          <a:lnRef idx="1">
+            <a:schemeClr val="accent2"/>
+          </a:lnRef>
+          <a:fillRef idx="2">
+            <a:schemeClr val="accent2"/>
+          </a:fillRef>
+          <a:effectRef idx="1">
+            <a:schemeClr val="accent2"/>
+          </a:effectRef>
+          <a:fontRef idx="minor">
+            <a:schemeClr val="dk1"/>
+          </a:fontRef>
+        </p:style>
+      </p:cxnSp>
+      <p:cxnSp>
+        <p:nvCxnSpPr>
+          <p:cNvPr id="123" name="Elbow Connector 122"/>
+          <p:cNvCxnSpPr>
+            <a:cxnSpLocks/>
+            <a:endCxn id="66" idx="0"/>
+          </p:cNvCxnSpPr>
+          <p:nvPr/>
+        </p:nvCxnSpPr>
+        <p:spPr>
+          <a:xfrm>
+            <a:off x="2004521" y="1690578"/>
+            <a:ext cx="564676" cy="248741"/>
+          </a:xfrm>
+          <a:prstGeom prst="bentConnector2">
+            <a:avLst/>
+          </a:prstGeom>
+          <a:ln w="19050">
+            <a:solidFill>
+              <a:srgbClr val="C00000"/>
+            </a:solidFill>
+            <a:prstDash val="dash"/>
+            <a:headEnd type="none" w="med" len="med"/>
+            <a:tailEnd type="arrow" w="med" len="med"/>
+          </a:ln>
+          <a:effectLst/>
+        </p:spPr>
+        <p:style>
+          <a:lnRef idx="1">
+            <a:schemeClr val="accent2"/>
+          </a:lnRef>
+          <a:fillRef idx="2">
+            <a:schemeClr val="accent2"/>
+          </a:fillRef>
+          <a:effectRef idx="1">
+            <a:schemeClr val="accent2"/>
+          </a:effectRef>
+          <a:fontRef idx="minor">
+            <a:schemeClr val="dk1"/>
+          </a:fontRef>
+        </p:style>
+      </p:cxnSp>
+      <p:sp>
+        <p:nvSpPr>
+          <p:cNvPr id="77" name="Rectangle 76">
+            <a:extLst>
+              <a:ext uri="{FF2B5EF4-FFF2-40B4-BE49-F238E27FC236}">
+                <a16:creationId xmlns:a16="http://schemas.microsoft.com/office/drawing/2014/main" id="{EB1C6FCB-4308-4137-9E99-0864906A5EF4}"/>
+              </a:ext>
+            </a:extLst>
+          </p:cNvPr>
+          <p:cNvSpPr/>
+          <p:nvPr/>
+        </p:nvSpPr>
+        <p:spPr>
+          <a:xfrm>
+            <a:off x="7190168" y="2846188"/>
+            <a:ext cx="696972" cy="260070"/>
+          </a:xfrm>
+          <a:prstGeom prst="rect">
+            <a:avLst/>
+          </a:prstGeom>
+          <a:ln w="19050"/>
+          <a:effectLst/>
+        </p:spPr>
+        <p:style>
+          <a:lnRef idx="1">
+            <a:schemeClr val="accent4"/>
+          </a:lnRef>
+          <a:fillRef idx="2">
+            <a:schemeClr val="accent4"/>
+          </a:fillRef>
+          <a:effectRef idx="1">
+            <a:schemeClr val="accent4"/>
+          </a:effectRef>
+          <a:fontRef idx="minor">
+            <a:schemeClr val="dk1"/>
+          </a:fontRef>
+        </p:style>
+        <p:txBody>
+          <a:bodyPr rtlCol="0" anchor="ctr"/>
+          <a:lstStyle/>
+          <a:p>
+            <a:pPr algn="ctr"/>
+            <a:r>
+              <a:rPr lang="en-US" sz="788" dirty="0"/>
+              <a:t>Status</a:t>
+            </a:r>
+            <a:endParaRPr lang="en-SG" sz="788" dirty="0"/>
+          </a:p>
+        </p:txBody>
+      </p:sp>
+      <p:sp>
+        <p:nvSpPr>
+          <p:cNvPr id="72" name="TextBox 71">
+            <a:extLst>
+              <a:ext uri="{FF2B5EF4-FFF2-40B4-BE49-F238E27FC236}">
+                <a16:creationId xmlns:a16="http://schemas.microsoft.com/office/drawing/2014/main" id="{2FD86085-ECFA-4F1D-8A0B-F61793DE7381}"/>
+              </a:ext>
+            </a:extLst>
+          </p:cNvPr>
+          <p:cNvSpPr txBox="1"/>
+          <p:nvPr/>
+        </p:nvSpPr>
+        <p:spPr>
+          <a:xfrm>
+            <a:off x="7861300" y="2743200"/>
+            <a:ext cx="66174" cy="300082"/>
+          </a:xfrm>
+          <a:prstGeom prst="rect">
+            <a:avLst/>
+          </a:prstGeom>
+          <a:noFill/>
+        </p:spPr>
+        <p:txBody>
+          <a:bodyPr wrap="square" rtlCol="0">
+            <a:spAutoFit/>
+          </a:bodyPr>
+          <a:lstStyle/>
+          <a:p>
+            <a:r>
+              <a:rPr lang="en-US" sz="1350" dirty="0">
+                <a:solidFill>
+                  <a:srgbClr val="7030A0"/>
+                </a:solidFill>
+              </a:rPr>
+              <a:t>*</a:t>
+            </a:r>
+          </a:p>
+        </p:txBody>
+      </p:sp>
+      <p:sp>
+        <p:nvSpPr>
+          <p:cNvPr id="74" name="Rectangle 73">
+            <a:extLst>
+              <a:ext uri="{FF2B5EF4-FFF2-40B4-BE49-F238E27FC236}">
+                <a16:creationId xmlns:a16="http://schemas.microsoft.com/office/drawing/2014/main" id="{D25AB4B6-2E13-4B4E-AE7E-F98A8BF1D462}"/>
+              </a:ext>
+            </a:extLst>
+          </p:cNvPr>
+          <p:cNvSpPr/>
+          <p:nvPr/>
+        </p:nvSpPr>
+        <p:spPr>
+          <a:xfrm>
+            <a:off x="7314330" y="1880821"/>
+            <a:ext cx="696972" cy="260070"/>
+          </a:xfrm>
+          <a:prstGeom prst="rect">
+            <a:avLst/>
+          </a:prstGeom>
+          <a:solidFill>
+            <a:schemeClr val="accent4">
+              <a:lumMod val="75000"/>
+            </a:schemeClr>
+          </a:solidFill>
+          <a:ln w="19050">
+            <a:solidFill>
+              <a:srgbClr val="7030A0"/>
+            </a:solidFill>
+          </a:ln>
+          <a:effectLst/>
+        </p:spPr>
+        <p:style>
+          <a:lnRef idx="1">
+            <a:schemeClr val="accent6"/>
+          </a:lnRef>
+          <a:fillRef idx="2">
+            <a:schemeClr val="accent6"/>
+          </a:fillRef>
+          <a:effectRef idx="1">
+            <a:schemeClr val="accent6"/>
+          </a:effectRef>
+          <a:fontRef idx="minor">
+            <a:schemeClr val="dk1"/>
+          </a:fontRef>
+        </p:style>
+        <p:txBody>
+          <a:bodyPr rtlCol="0" anchor="ctr"/>
+          <a:lstStyle/>
+          <a:p>
+            <a:pPr algn="ctr"/>
+            <a:r>
+              <a:rPr lang="en-US" sz="788" dirty="0">
+                <a:solidFill>
+                  <a:schemeClr val="bg1"/>
+                </a:solidFill>
+              </a:rPr>
+              <a:t>Police Officer</a:t>
+            </a:r>
+            <a:endParaRPr lang="en-SG" sz="788" dirty="0">
+              <a:solidFill>
+                <a:schemeClr val="bg1"/>
+              </a:solidFill>
+            </a:endParaRPr>
+          </a:p>
+        </p:txBody>
+      </p:sp>
+      <p:cxnSp>
+        <p:nvCxnSpPr>
+          <p:cNvPr id="78" name="Elbow Connector 72">
+            <a:extLst>
+              <a:ext uri="{FF2B5EF4-FFF2-40B4-BE49-F238E27FC236}">
+                <a16:creationId xmlns:a16="http://schemas.microsoft.com/office/drawing/2014/main" id="{16A2E046-8DF3-4B0C-96A2-FDDE18F42E91}"/>
+              </a:ext>
+            </a:extLst>
+          </p:cNvPr>
+          <p:cNvCxnSpPr>
+            <a:cxnSpLocks/>
+            <a:stCxn id="74" idx="2"/>
+            <a:endCxn id="19" idx="0"/>
+          </p:cNvCxnSpPr>
+          <p:nvPr/>
+        </p:nvCxnSpPr>
+        <p:spPr>
+          <a:xfrm rot="16200000" flipH="1">
+            <a:off x="7556981" y="2246726"/>
+            <a:ext cx="213418" cy="1746"/>
+          </a:xfrm>
+          <a:prstGeom prst="bentConnector3">
+            <a:avLst>
+              <a:gd name="adj1" fmla="val 50000"/>
+            </a:avLst>
+          </a:prstGeom>
+          <a:ln w="19050">
+            <a:solidFill>
+              <a:srgbClr val="7030A0"/>
+            </a:solidFill>
+            <a:prstDash val="dash"/>
+            <a:headEnd type="none" w="med" len="med"/>
+            <a:tailEnd type="arrow" w="med" len="med"/>
+          </a:ln>
+          <a:effectLst/>
+        </p:spPr>
+        <p:style>
+          <a:lnRef idx="1">
+            <a:schemeClr val="accent2"/>
+          </a:lnRef>
+          <a:fillRef idx="2">
+            <a:schemeClr val="accent2"/>
+          </a:fillRef>
+          <a:effectRef idx="1">
+            <a:schemeClr val="accent2"/>
+          </a:effectRef>
+          <a:fontRef idx="minor">
+            <a:schemeClr val="dk1"/>
+          </a:fontRef>
+        </p:style>
+      </p:cxnSp>
+      <p:cxnSp>
+        <p:nvCxnSpPr>
+          <p:cNvPr id="80" name="Elbow Connector 50">
+            <a:extLst>
+              <a:ext uri="{FF2B5EF4-FFF2-40B4-BE49-F238E27FC236}">
+                <a16:creationId xmlns:a16="http://schemas.microsoft.com/office/drawing/2014/main" id="{4F9137F4-4271-4989-B320-96363D919FB2}"/>
+              </a:ext>
+            </a:extLst>
+          </p:cNvPr>
+          <p:cNvCxnSpPr>
+            <a:cxnSpLocks/>
+            <a:stCxn id="106" idx="3"/>
+            <a:endCxn id="88" idx="1"/>
+          </p:cNvCxnSpPr>
+          <p:nvPr/>
+        </p:nvCxnSpPr>
+        <p:spPr>
+          <a:xfrm>
+            <a:off x="5755614" y="1523784"/>
+            <a:ext cx="260870" cy="30"/>
+          </a:xfrm>
+          <a:prstGeom prst="bentConnector3">
+            <a:avLst>
+              <a:gd name="adj1" fmla="val 50000"/>
+            </a:avLst>
+          </a:prstGeom>
+          <a:ln w="19050">
+            <a:headEnd type="none" w="med" len="med"/>
+            <a:tailEnd type="arrow" w="med" len="med"/>
+          </a:ln>
+          <a:effectLst/>
+        </p:spPr>
+        <p:style>
+          <a:lnRef idx="1">
+            <a:schemeClr val="accent6"/>
+          </a:lnRef>
+          <a:fillRef idx="2">
+            <a:schemeClr val="accent6"/>
+          </a:fillRef>
+          <a:effectRef idx="1">
+            <a:schemeClr val="accent6"/>
+          </a:effectRef>
+          <a:fontRef idx="minor">
+            <a:schemeClr val="dk1"/>
+          </a:fontRef>
+        </p:style>
+      </p:cxnSp>
+      <p:sp>
+        <p:nvSpPr>
+          <p:cNvPr id="88" name="Rectangle 87">
+            <a:extLst>
+              <a:ext uri="{FF2B5EF4-FFF2-40B4-BE49-F238E27FC236}">
+                <a16:creationId xmlns:a16="http://schemas.microsoft.com/office/drawing/2014/main" id="{2A7039A0-835D-4B08-BDF5-523F0B1A0C09}"/>
+              </a:ext>
+            </a:extLst>
+          </p:cNvPr>
+          <p:cNvSpPr/>
+          <p:nvPr/>
+        </p:nvSpPr>
+        <p:spPr>
+          <a:xfrm>
+            <a:off x="6016483" y="1381874"/>
+            <a:ext cx="854117" cy="283880"/>
+          </a:xfrm>
+          <a:prstGeom prst="rect">
+            <a:avLst/>
+          </a:prstGeom>
+          <a:ln w="19050"/>
+          <a:effectLst/>
+        </p:spPr>
+        <p:style>
+          <a:lnRef idx="1">
+            <a:schemeClr val="accent6"/>
+          </a:lnRef>
+          <a:fillRef idx="2">
+            <a:schemeClr val="accent6"/>
+          </a:fillRef>
+          <a:effectRef idx="1">
+            <a:schemeClr val="accent6"/>
+          </a:effectRef>
+          <a:fontRef idx="minor">
+            <a:schemeClr val="dk1"/>
+          </a:fontRef>
+        </p:style>
+        <p:txBody>
+          <a:bodyPr rtlCol="0" anchor="ctr"/>
+          <a:lstStyle/>
+          <a:p>
+            <a:pPr algn="ctr"/>
+            <a:r>
+              <a:rPr lang="en-US" sz="788" dirty="0"/>
+              <a:t>Patrol Resource Status</a:t>
+            </a:r>
+            <a:endParaRPr lang="en-SG" sz="788" dirty="0"/>
+          </a:p>
+        </p:txBody>
+      </p:sp>
+      <p:sp>
+        <p:nvSpPr>
+          <p:cNvPr id="94" name="Flowchart: Decision 93">
+            <a:extLst>
+              <a:ext uri="{FF2B5EF4-FFF2-40B4-BE49-F238E27FC236}">
+                <a16:creationId xmlns:a16="http://schemas.microsoft.com/office/drawing/2014/main" id="{B74FEDD0-2E47-4DCA-A619-CE60AB0A6028}"/>
+              </a:ext>
+            </a:extLst>
+          </p:cNvPr>
+          <p:cNvSpPr/>
+          <p:nvPr/>
+        </p:nvSpPr>
+        <p:spPr>
+          <a:xfrm>
+            <a:off x="6890143" y="1380101"/>
+            <a:ext cx="177036" cy="130035"/>
+          </a:xfrm>
+          <a:prstGeom prst="flowChartDecision">
+            <a:avLst/>
+          </a:prstGeom>
+          <a:noFill/>
+          <a:ln w="19050"/>
+          <a:effectLst/>
+        </p:spPr>
+        <p:style>
+          <a:lnRef idx="1">
+            <a:schemeClr val="accent6"/>
+          </a:lnRef>
+          <a:fillRef idx="2">
+            <a:schemeClr val="accent6"/>
+          </a:fillRef>
+          <a:effectRef idx="1">
+            <a:schemeClr val="accent6"/>
+          </a:effectRef>
+          <a:fontRef idx="minor">
+            <a:schemeClr val="dk1"/>
+          </a:fontRef>
+        </p:style>
+        <p:txBody>
+          <a:bodyPr rtlCol="0" anchor="ctr"/>
+          <a:lstStyle/>
+          <a:p>
+            <a:pPr algn="ctr"/>
+            <a:endParaRPr lang="en-US" sz="788"/>
+          </a:p>
+        </p:txBody>
+      </p:sp>
+      <p:cxnSp>
+        <p:nvCxnSpPr>
+          <p:cNvPr id="97" name="Elbow Connector 50">
+            <a:extLst>
+              <a:ext uri="{FF2B5EF4-FFF2-40B4-BE49-F238E27FC236}">
+                <a16:creationId xmlns:a16="http://schemas.microsoft.com/office/drawing/2014/main" id="{A968DDFA-83A8-4905-982D-7B493FE350BC}"/>
+              </a:ext>
+            </a:extLst>
+          </p:cNvPr>
+          <p:cNvCxnSpPr>
+            <a:cxnSpLocks/>
+            <a:stCxn id="94" idx="3"/>
+          </p:cNvCxnSpPr>
+          <p:nvPr/>
+        </p:nvCxnSpPr>
+        <p:spPr>
+          <a:xfrm flipV="1">
+            <a:off x="7067179" y="1444096"/>
+            <a:ext cx="242389" cy="1022"/>
+          </a:xfrm>
+          <a:prstGeom prst="bentConnector3">
+            <a:avLst>
+              <a:gd name="adj1" fmla="val 50000"/>
+            </a:avLst>
+          </a:prstGeom>
+          <a:ln w="19050">
+            <a:headEnd type="none" w="med" len="med"/>
+            <a:tailEnd type="arrow" w="med" len="med"/>
+          </a:ln>
+          <a:effectLst/>
+        </p:spPr>
+        <p:style>
+          <a:lnRef idx="1">
+            <a:schemeClr val="accent6"/>
+          </a:lnRef>
+          <a:fillRef idx="2">
+            <a:schemeClr val="accent6"/>
+          </a:fillRef>
+          <a:effectRef idx="1">
+            <a:schemeClr val="accent6"/>
+          </a:effectRef>
+          <a:fontRef idx="minor">
+            <a:schemeClr val="dk1"/>
+          </a:fontRef>
+        </p:style>
+      </p:cxnSp>
+      <p:sp>
+        <p:nvSpPr>
+          <p:cNvPr id="105" name="Rectangle 104">
+            <a:extLst>
+              <a:ext uri="{FF2B5EF4-FFF2-40B4-BE49-F238E27FC236}">
+                <a16:creationId xmlns:a16="http://schemas.microsoft.com/office/drawing/2014/main" id="{097DF590-D5A6-4E3D-AC7E-F2CB3B52798A}"/>
+              </a:ext>
+            </a:extLst>
+          </p:cNvPr>
+          <p:cNvSpPr/>
+          <p:nvPr/>
+        </p:nvSpPr>
+        <p:spPr>
+          <a:xfrm>
+            <a:off x="7309567" y="1399019"/>
+            <a:ext cx="761543" cy="260070"/>
+          </a:xfrm>
+          <a:prstGeom prst="rect">
+            <a:avLst/>
+          </a:prstGeom>
+          <a:solidFill>
+            <a:schemeClr val="tx2">
+              <a:lumMod val="60000"/>
+              <a:lumOff val="40000"/>
+            </a:schemeClr>
+          </a:solidFill>
+          <a:ln w="19050">
+            <a:solidFill>
+              <a:srgbClr val="7030A0"/>
+            </a:solidFill>
+          </a:ln>
+          <a:effectLst/>
+        </p:spPr>
+        <p:style>
+          <a:lnRef idx="1">
+            <a:schemeClr val="accent6"/>
+          </a:lnRef>
+          <a:fillRef idx="2">
+            <a:schemeClr val="accent6"/>
+          </a:fillRef>
+          <a:effectRef idx="1">
+            <a:schemeClr val="accent6"/>
+          </a:effectRef>
+          <a:fontRef idx="minor">
+            <a:schemeClr val="dk1"/>
+          </a:fontRef>
+        </p:style>
+        <p:txBody>
+          <a:bodyPr rtlCol="0" anchor="ctr"/>
+          <a:lstStyle/>
+          <a:p>
+            <a:pPr algn="ctr"/>
+            <a:r>
+              <a:rPr lang="en-US" sz="788" dirty="0">
+                <a:solidFill>
+                  <a:schemeClr val="bg1"/>
+                </a:solidFill>
+              </a:rPr>
+              <a:t>Headquarters Personnel</a:t>
+            </a:r>
+            <a:endParaRPr lang="en-SG" sz="788" dirty="0">
+              <a:solidFill>
+                <a:schemeClr val="bg1"/>
+              </a:solidFill>
+            </a:endParaRPr>
+          </a:p>
+        </p:txBody>
+      </p:sp>
+      <p:sp>
+        <p:nvSpPr>
+          <p:cNvPr id="112" name="Isosceles Triangle 111">
+            <a:extLst>
+              <a:ext uri="{FF2B5EF4-FFF2-40B4-BE49-F238E27FC236}">
+                <a16:creationId xmlns:a16="http://schemas.microsoft.com/office/drawing/2014/main" id="{F965785F-F654-463C-9276-EF6EB9BF87AE}"/>
+              </a:ext>
+            </a:extLst>
+          </p:cNvPr>
+          <p:cNvSpPr/>
+          <p:nvPr/>
+        </p:nvSpPr>
+        <p:spPr>
+          <a:xfrm rot="10800000">
+            <a:off x="7556615" y="1740988"/>
+            <a:ext cx="202878" cy="131642"/>
+          </a:xfrm>
+          <a:prstGeom prst="triangle">
+            <a:avLst/>
+          </a:prstGeom>
+          <a:ln w="19050"/>
+          <a:effectLst/>
+        </p:spPr>
+        <p:style>
+          <a:lnRef idx="1">
+            <a:schemeClr val="accent4"/>
+          </a:lnRef>
+          <a:fillRef idx="2">
+            <a:schemeClr val="accent4"/>
+          </a:fillRef>
+          <a:effectRef idx="1">
+            <a:schemeClr val="accent4"/>
+          </a:effectRef>
+          <a:fontRef idx="minor">
+            <a:schemeClr val="dk1"/>
+          </a:fontRef>
+        </p:style>
+        <p:txBody>
+          <a:bodyPr rtlCol="0" anchor="ctr"/>
+          <a:lstStyle/>
+          <a:p>
+            <a:pPr algn="ctr"/>
+            <a:endParaRPr lang="en-SG" sz="788"/>
+          </a:p>
+        </p:txBody>
+      </p:sp>
+      <p:sp>
+        <p:nvSpPr>
+          <p:cNvPr id="83" name="TextBox 82">
+            <a:extLst>
+              <a:ext uri="{FF2B5EF4-FFF2-40B4-BE49-F238E27FC236}">
+                <a16:creationId xmlns:a16="http://schemas.microsoft.com/office/drawing/2014/main" id="{D3AE25A4-587A-4584-BD16-A911D24ACD4E}"/>
+              </a:ext>
+            </a:extLst>
+          </p:cNvPr>
+          <p:cNvSpPr txBox="1"/>
+          <p:nvPr/>
+        </p:nvSpPr>
+        <p:spPr>
+          <a:xfrm>
+            <a:off x="7865993" y="3124200"/>
+            <a:ext cx="66174" cy="300082"/>
+          </a:xfrm>
+          <a:prstGeom prst="rect">
+            <a:avLst/>
+          </a:prstGeom>
+          <a:noFill/>
+        </p:spPr>
+        <p:txBody>
+          <a:bodyPr wrap="square" rtlCol="0">
+            <a:spAutoFit/>
+          </a:bodyPr>
+          <a:lstStyle/>
+          <a:p>
+            <a:r>
+              <a:rPr lang="en-US" sz="1350" dirty="0">
+                <a:solidFill>
+                  <a:srgbClr val="7030A0"/>
+                </a:solidFill>
+              </a:rPr>
+              <a:t>*</a:t>
+            </a:r>
+          </a:p>
+        </p:txBody>
+      </p:sp>
+      <p:sp>
+        <p:nvSpPr>
+          <p:cNvPr id="116" name="Rectangle 115">
+            <a:extLst>
+              <a:ext uri="{FF2B5EF4-FFF2-40B4-BE49-F238E27FC236}">
+                <a16:creationId xmlns:a16="http://schemas.microsoft.com/office/drawing/2014/main" id="{756AED43-61C0-4611-97F1-29E5E0FAD6A0}"/>
+              </a:ext>
+            </a:extLst>
+          </p:cNvPr>
+          <p:cNvSpPr/>
+          <p:nvPr/>
+        </p:nvSpPr>
+        <p:spPr>
+          <a:xfrm>
+            <a:off x="1119158" y="4578817"/>
+            <a:ext cx="602560" cy="296903"/>
+          </a:xfrm>
+          <a:prstGeom prst="rect">
+            <a:avLst/>
+          </a:prstGeom>
+          <a:solidFill>
+            <a:srgbClr val="FF0000"/>
+          </a:solidFill>
+          <a:ln w="19050">
+            <a:solidFill>
+              <a:srgbClr val="FF0000"/>
+            </a:solidFill>
+          </a:ln>
+          <a:effectLst/>
+        </p:spPr>
+        <p:style>
+          <a:lnRef idx="1">
+            <a:schemeClr val="accent2"/>
+          </a:lnRef>
+          <a:fillRef idx="2">
+            <a:schemeClr val="accent2"/>
+          </a:fillRef>
+          <a:effectRef idx="1">
+            <a:schemeClr val="accent2"/>
+          </a:effectRef>
+          <a:fontRef idx="minor">
+            <a:schemeClr val="dk1"/>
+          </a:fontRef>
+        </p:style>
+        <p:txBody>
+          <a:bodyPr rtlCol="0" anchor="ctr"/>
+          <a:lstStyle/>
+          <a:p>
+            <a:pPr algn="ctr"/>
+            <a:r>
+              <a:rPr lang="en-US" sz="788" dirty="0">
+                <a:solidFill>
+                  <a:schemeClr val="bg1"/>
+                </a:solidFill>
+              </a:rPr>
+              <a:t>Password</a:t>
+            </a:r>
+            <a:endParaRPr lang="en-SG" sz="788" dirty="0">
+              <a:solidFill>
+                <a:schemeClr val="bg1"/>
+              </a:solidFill>
+            </a:endParaRPr>
+          </a:p>
+        </p:txBody>
+      </p:sp>
+      <p:cxnSp>
+        <p:nvCxnSpPr>
+          <p:cNvPr id="124" name="Elbow Connector 63">
+            <a:extLst>
+              <a:ext uri="{FF2B5EF4-FFF2-40B4-BE49-F238E27FC236}">
+                <a16:creationId xmlns:a16="http://schemas.microsoft.com/office/drawing/2014/main" id="{538D549B-7655-4448-9D7C-6075B6DC9567}"/>
+              </a:ext>
+            </a:extLst>
+          </p:cNvPr>
+          <p:cNvCxnSpPr>
+            <a:cxnSpLocks/>
+          </p:cNvCxnSpPr>
+          <p:nvPr/>
+        </p:nvCxnSpPr>
+        <p:spPr>
+          <a:xfrm rot="16200000" flipH="1">
+            <a:off x="428951" y="3846566"/>
+            <a:ext cx="1462860" cy="1642"/>
+          </a:xfrm>
+          <a:prstGeom prst="bentConnector3">
+            <a:avLst>
+              <a:gd name="adj1" fmla="val 50000"/>
+            </a:avLst>
+          </a:prstGeom>
+          <a:ln w="19050">
+            <a:solidFill>
+              <a:srgbClr val="C00000"/>
+            </a:solidFill>
+            <a:headEnd type="none" w="med" len="med"/>
+            <a:tailEnd type="arrow" w="med" len="med"/>
+          </a:ln>
+          <a:effectLst/>
+        </p:spPr>
+        <p:style>
+          <a:lnRef idx="1">
+            <a:schemeClr val="accent2"/>
+          </a:lnRef>
+          <a:fillRef idx="2">
+            <a:schemeClr val="accent2"/>
+          </a:fillRef>
+          <a:effectRef idx="1">
+            <a:schemeClr val="accent2"/>
+          </a:effectRef>
+          <a:fontRef idx="minor">
+            <a:schemeClr val="dk1"/>
+          </a:fontRef>
+        </p:style>
+      </p:cxnSp>
+      <p:sp>
+        <p:nvSpPr>
+          <p:cNvPr id="125" name="Rectangle 124">
+            <a:extLst>
+              <a:ext uri="{FF2B5EF4-FFF2-40B4-BE49-F238E27FC236}">
+                <a16:creationId xmlns:a16="http://schemas.microsoft.com/office/drawing/2014/main" id="{76764DAB-6FDE-4FB4-9F87-CAC553A7459C}"/>
+              </a:ext>
+            </a:extLst>
+          </p:cNvPr>
+          <p:cNvSpPr/>
+          <p:nvPr/>
+        </p:nvSpPr>
+        <p:spPr>
+          <a:xfrm>
+            <a:off x="1235449" y="3759200"/>
+            <a:ext cx="644651" cy="296903"/>
+          </a:xfrm>
+          <a:prstGeom prst="rect">
+            <a:avLst/>
+          </a:prstGeom>
+          <a:solidFill>
+            <a:srgbClr val="00B0F0"/>
+          </a:solidFill>
+          <a:ln w="19050">
+            <a:solidFill>
+              <a:srgbClr val="0070C0"/>
+            </a:solidFill>
+          </a:ln>
+          <a:effectLst/>
+        </p:spPr>
+        <p:style>
+          <a:lnRef idx="1">
+            <a:schemeClr val="accent2"/>
+          </a:lnRef>
+          <a:fillRef idx="2">
+            <a:schemeClr val="accent2"/>
+          </a:fillRef>
+          <a:effectRef idx="1">
+            <a:schemeClr val="accent2"/>
+          </a:effectRef>
+          <a:fontRef idx="minor">
+            <a:schemeClr val="dk1"/>
+          </a:fontRef>
+        </p:style>
+        <p:txBody>
+          <a:bodyPr rtlCol="0" anchor="ctr"/>
+          <a:lstStyle/>
+          <a:p>
+            <a:pPr algn="ctr"/>
+            <a:r>
+              <a:rPr lang="en-US" sz="788" dirty="0">
+                <a:solidFill>
+                  <a:schemeClr val="bg1"/>
+                </a:solidFill>
+              </a:rPr>
+              <a:t>Check Distance</a:t>
+            </a:r>
+            <a:endParaRPr lang="en-SG" sz="788" dirty="0">
+              <a:solidFill>
+                <a:schemeClr val="bg1"/>
+              </a:solidFill>
+            </a:endParaRPr>
+          </a:p>
+        </p:txBody>
+      </p:sp>
+      <p:cxnSp>
+        <p:nvCxnSpPr>
+          <p:cNvPr id="126" name="Elbow Connector 63">
+            <a:extLst>
+              <a:ext uri="{FF2B5EF4-FFF2-40B4-BE49-F238E27FC236}">
+                <a16:creationId xmlns:a16="http://schemas.microsoft.com/office/drawing/2014/main" id="{CDF2CCBC-FE3F-48BB-98EC-88CA905597BE}"/>
+              </a:ext>
+            </a:extLst>
+          </p:cNvPr>
+          <p:cNvCxnSpPr>
+            <a:cxnSpLocks/>
+            <a:endCxn id="66" idx="1"/>
+          </p:cNvCxnSpPr>
+          <p:nvPr/>
+        </p:nvCxnSpPr>
+        <p:spPr>
+          <a:xfrm rot="5400000" flipH="1" flipV="1">
+            <a:off x="1809698" y="2416947"/>
+            <a:ext cx="774824" cy="151529"/>
+          </a:xfrm>
+          <a:prstGeom prst="bentConnector2">
+            <a:avLst/>
+          </a:prstGeom>
+          <a:ln w="19050">
+            <a:solidFill>
+              <a:srgbClr val="C00000"/>
+            </a:solidFill>
+            <a:headEnd type="none" w="med" len="med"/>
+            <a:tailEnd type="arrow" w="med" len="med"/>
+          </a:ln>
+          <a:effectLst/>
+        </p:spPr>
+        <p:style>
+          <a:lnRef idx="1">
+            <a:schemeClr val="accent2"/>
+          </a:lnRef>
+          <a:fillRef idx="2">
+            <a:schemeClr val="accent2"/>
+          </a:fillRef>
+          <a:effectRef idx="1">
+            <a:schemeClr val="accent2"/>
+          </a:effectRef>
+          <a:fontRef idx="minor">
+            <a:schemeClr val="dk1"/>
+          </a:fontRef>
+        </p:style>
+      </p:cxnSp>
+      <p:cxnSp>
+        <p:nvCxnSpPr>
+          <p:cNvPr id="134" name="Elbow Connector 40">
+            <a:extLst>
+              <a:ext uri="{FF2B5EF4-FFF2-40B4-BE49-F238E27FC236}">
+                <a16:creationId xmlns:a16="http://schemas.microsoft.com/office/drawing/2014/main" id="{4C8E131E-55D3-46D7-8169-D4EBE6D64937}"/>
+              </a:ext>
+            </a:extLst>
+          </p:cNvPr>
+          <p:cNvCxnSpPr>
+            <a:cxnSpLocks/>
+            <a:endCxn id="23" idx="2"/>
+          </p:cNvCxnSpPr>
+          <p:nvPr/>
+        </p:nvCxnSpPr>
+        <p:spPr>
+          <a:xfrm>
+            <a:off x="1840094" y="4438863"/>
+            <a:ext cx="594411" cy="22991"/>
+          </a:xfrm>
+          <a:prstGeom prst="bentConnector4">
+            <a:avLst>
+              <a:gd name="adj1" fmla="val 23167"/>
+              <a:gd name="adj2" fmla="val 693819"/>
+            </a:avLst>
+          </a:prstGeom>
+          <a:ln w="19050">
+            <a:solidFill>
+              <a:srgbClr val="00B0F0"/>
+            </a:solidFill>
+            <a:headEnd type="none" w="med" len="med"/>
+            <a:tailEnd type="arrow" w="med" len="med"/>
+          </a:ln>
+          <a:effectLst/>
+        </p:spPr>
+        <p:style>
+          <a:lnRef idx="1">
+            <a:schemeClr val="accent2"/>
+          </a:lnRef>
+          <a:fillRef idx="2">
+            <a:schemeClr val="accent2"/>
+          </a:fillRef>
+          <a:effectRef idx="1">
+            <a:schemeClr val="accent2"/>
+          </a:effectRef>
+          <a:fontRef idx="minor">
+            <a:schemeClr val="dk1"/>
+          </a:fontRef>
+        </p:style>
+      </p:cxnSp>
+      <p:sp>
+        <p:nvSpPr>
+          <p:cNvPr id="137" name="Rectangle 136">
+            <a:extLst>
+              <a:ext uri="{FF2B5EF4-FFF2-40B4-BE49-F238E27FC236}">
+                <a16:creationId xmlns:a16="http://schemas.microsoft.com/office/drawing/2014/main" id="{886B3EAF-AC80-4AA4-A268-2E53A03D3269}"/>
+              </a:ext>
+            </a:extLst>
+          </p:cNvPr>
+          <p:cNvSpPr/>
+          <p:nvPr/>
+        </p:nvSpPr>
+        <p:spPr>
+          <a:xfrm>
+            <a:off x="2791905" y="4201784"/>
+            <a:ext cx="592645" cy="260070"/>
+          </a:xfrm>
+          <a:prstGeom prst="rect">
+            <a:avLst/>
+          </a:prstGeom>
+          <a:solidFill>
+            <a:srgbClr val="00B050"/>
+          </a:solidFill>
+          <a:ln w="19050">
+            <a:solidFill>
+              <a:srgbClr val="00B050"/>
+            </a:solidFill>
+          </a:ln>
+          <a:effectLst/>
+        </p:spPr>
+        <p:style>
+          <a:lnRef idx="1">
+            <a:schemeClr val="accent2"/>
+          </a:lnRef>
+          <a:fillRef idx="2">
+            <a:schemeClr val="accent2"/>
+          </a:fillRef>
+          <a:effectRef idx="1">
+            <a:schemeClr val="accent2"/>
+          </a:effectRef>
+          <a:fontRef idx="minor">
+            <a:schemeClr val="dk1"/>
+          </a:fontRef>
+        </p:style>
+        <p:txBody>
+          <a:bodyPr rtlCol="0" anchor="ctr"/>
+          <a:lstStyle/>
+          <a:p>
+            <a:pPr algn="ctr"/>
+            <a:r>
+              <a:rPr lang="en-US" sz="788" dirty="0">
+                <a:solidFill>
+                  <a:schemeClr val="bg1"/>
+                </a:solidFill>
+              </a:rPr>
+              <a:t>Password Storage</a:t>
+            </a:r>
+            <a:endParaRPr lang="en-SG" sz="788" dirty="0">
+              <a:solidFill>
+                <a:schemeClr val="bg1"/>
+              </a:solidFill>
+            </a:endParaRPr>
+          </a:p>
+        </p:txBody>
+      </p:sp>
+      <p:sp>
+        <p:nvSpPr>
+          <p:cNvPr id="138" name="Rectangle 137">
+            <a:extLst>
+              <a:ext uri="{FF2B5EF4-FFF2-40B4-BE49-F238E27FC236}">
+                <a16:creationId xmlns:a16="http://schemas.microsoft.com/office/drawing/2014/main" id="{02539E5F-2913-4920-9B82-C426F0CB58AD}"/>
+              </a:ext>
+            </a:extLst>
+          </p:cNvPr>
+          <p:cNvSpPr/>
+          <p:nvPr/>
+        </p:nvSpPr>
+        <p:spPr>
+          <a:xfrm>
+            <a:off x="2552154" y="2378585"/>
+            <a:ext cx="799168" cy="247958"/>
+          </a:xfrm>
+          <a:prstGeom prst="rect">
+            <a:avLst/>
+          </a:prstGeom>
+          <a:solidFill>
+            <a:srgbClr val="00B050"/>
+          </a:solidFill>
+          <a:ln w="19050">
+            <a:solidFill>
+              <a:srgbClr val="00B050"/>
+            </a:solidFill>
+          </a:ln>
+          <a:effectLst/>
+        </p:spPr>
+        <p:style>
+          <a:lnRef idx="1">
+            <a:schemeClr val="accent2"/>
+          </a:lnRef>
+          <a:fillRef idx="2">
+            <a:schemeClr val="accent2"/>
+          </a:fillRef>
+          <a:effectRef idx="1">
+            <a:schemeClr val="accent2"/>
+          </a:effectRef>
+          <a:fontRef idx="minor">
+            <a:schemeClr val="dk1"/>
+          </a:fontRef>
+        </p:style>
+        <p:txBody>
+          <a:bodyPr rtlCol="0" anchor="ctr"/>
+          <a:lstStyle/>
+          <a:p>
+            <a:pPr algn="ctr"/>
+            <a:r>
+              <a:rPr lang="en-US" sz="788" dirty="0">
+                <a:solidFill>
+                  <a:schemeClr val="bg1"/>
+                </a:solidFill>
+              </a:rPr>
+              <a:t>Inbox Messages File</a:t>
+            </a:r>
+            <a:endParaRPr lang="en-SG" sz="788" dirty="0">
+              <a:solidFill>
+                <a:schemeClr val="bg1"/>
+              </a:solidFill>
+            </a:endParaRPr>
+          </a:p>
+        </p:txBody>
+      </p:sp>
+      <p:cxnSp>
+        <p:nvCxnSpPr>
+          <p:cNvPr id="139" name="Elbow Connector 40">
+            <a:extLst>
+              <a:ext uri="{FF2B5EF4-FFF2-40B4-BE49-F238E27FC236}">
+                <a16:creationId xmlns:a16="http://schemas.microsoft.com/office/drawing/2014/main" id="{CCA98FBA-B1F2-4A2C-BC56-A455A4D1E03A}"/>
+              </a:ext>
+            </a:extLst>
+          </p:cNvPr>
+          <p:cNvCxnSpPr>
+            <a:cxnSpLocks/>
+            <a:endCxn id="23" idx="1"/>
+          </p:cNvCxnSpPr>
+          <p:nvPr/>
+        </p:nvCxnSpPr>
+        <p:spPr>
+          <a:xfrm rot="5400000">
+            <a:off x="1231596" y="3155188"/>
+            <a:ext cx="2060540" cy="292723"/>
+          </a:xfrm>
+          <a:prstGeom prst="bentConnector4">
+            <a:avLst>
+              <a:gd name="adj1" fmla="val 65335"/>
+              <a:gd name="adj2" fmla="val 142300"/>
+            </a:avLst>
+          </a:prstGeom>
+          <a:ln w="19050">
+            <a:solidFill>
+              <a:srgbClr val="0070C0"/>
+            </a:solidFill>
+            <a:headEnd type="none" w="med" len="med"/>
+            <a:tailEnd type="arrow" w="med" len="med"/>
+          </a:ln>
+          <a:effectLst/>
+        </p:spPr>
+        <p:style>
+          <a:lnRef idx="1">
+            <a:schemeClr val="accent2"/>
+          </a:lnRef>
+          <a:fillRef idx="2">
+            <a:schemeClr val="accent2"/>
+          </a:fillRef>
+          <a:effectRef idx="1">
+            <a:schemeClr val="accent2"/>
+          </a:effectRef>
+          <a:fontRef idx="minor">
+            <a:schemeClr val="dk1"/>
+          </a:fontRef>
+        </p:style>
+      </p:cxnSp>
+      <p:cxnSp>
+        <p:nvCxnSpPr>
+          <p:cNvPr id="141" name="Elbow Connector 63">
+            <a:extLst>
+              <a:ext uri="{FF2B5EF4-FFF2-40B4-BE49-F238E27FC236}">
+                <a16:creationId xmlns:a16="http://schemas.microsoft.com/office/drawing/2014/main" id="{9C7F430F-C17D-49F7-BCE4-973D8442FBED}"/>
+              </a:ext>
+            </a:extLst>
+          </p:cNvPr>
+          <p:cNvCxnSpPr>
+            <a:cxnSpLocks/>
+            <a:endCxn id="137" idx="2"/>
+          </p:cNvCxnSpPr>
+          <p:nvPr/>
+        </p:nvCxnSpPr>
+        <p:spPr>
+          <a:xfrm flipV="1">
+            <a:off x="1742736" y="4461854"/>
+            <a:ext cx="1345492" cy="204444"/>
+          </a:xfrm>
+          <a:prstGeom prst="bentConnector2">
+            <a:avLst/>
+          </a:prstGeom>
+          <a:ln w="19050">
+            <a:solidFill>
+              <a:srgbClr val="FF0000"/>
+            </a:solidFill>
+            <a:prstDash val="dash"/>
+            <a:headEnd type="none" w="med" len="med"/>
+            <a:tailEnd type="arrow" w="med" len="med"/>
+          </a:ln>
+          <a:effectLst/>
+        </p:spPr>
+        <p:style>
+          <a:lnRef idx="1">
+            <a:schemeClr val="accent2"/>
+          </a:lnRef>
+          <a:fillRef idx="2">
+            <a:schemeClr val="accent2"/>
+          </a:fillRef>
+          <a:effectRef idx="1">
+            <a:schemeClr val="accent2"/>
+          </a:effectRef>
+          <a:fontRef idx="minor">
+            <a:schemeClr val="dk1"/>
+          </a:fontRef>
+        </p:style>
+      </p:cxnSp>
+      <p:sp>
+        <p:nvSpPr>
+          <p:cNvPr id="147" name="Rectangle 146">
+            <a:extLst>
+              <a:ext uri="{FF2B5EF4-FFF2-40B4-BE49-F238E27FC236}">
+                <a16:creationId xmlns:a16="http://schemas.microsoft.com/office/drawing/2014/main" id="{3941AAFB-54C0-439C-AAE9-8F529EF29FE0}"/>
+              </a:ext>
+            </a:extLst>
+          </p:cNvPr>
+          <p:cNvSpPr/>
+          <p:nvPr/>
+        </p:nvSpPr>
+        <p:spPr>
+          <a:xfrm>
+            <a:off x="1236937" y="4184284"/>
+            <a:ext cx="644651" cy="296903"/>
+          </a:xfrm>
+          <a:prstGeom prst="rect">
+            <a:avLst/>
+          </a:prstGeom>
+          <a:solidFill>
+            <a:srgbClr val="00B0F0"/>
+          </a:solidFill>
+          <a:ln w="19050">
+            <a:solidFill>
+              <a:srgbClr val="0070C0"/>
+            </a:solidFill>
+          </a:ln>
+          <a:effectLst/>
+        </p:spPr>
+        <p:style>
+          <a:lnRef idx="1">
+            <a:schemeClr val="accent2"/>
+          </a:lnRef>
+          <a:fillRef idx="2">
+            <a:schemeClr val="accent2"/>
+          </a:fillRef>
+          <a:effectRef idx="1">
+            <a:schemeClr val="accent2"/>
+          </a:effectRef>
+          <a:fontRef idx="minor">
+            <a:schemeClr val="dk1"/>
+          </a:fontRef>
+        </p:style>
+        <p:txBody>
+          <a:bodyPr rtlCol="0" anchor="ctr"/>
+          <a:lstStyle/>
+          <a:p>
+            <a:pPr algn="ctr"/>
+            <a:r>
+              <a:rPr lang="en-US" sz="788" dirty="0">
+                <a:solidFill>
+                  <a:schemeClr val="bg1"/>
+                </a:solidFill>
+              </a:rPr>
+              <a:t>Dictionary</a:t>
+            </a:r>
+            <a:endParaRPr lang="en-SG" sz="788" dirty="0">
+              <a:solidFill>
+                <a:schemeClr val="bg1"/>
+              </a:solidFill>
+            </a:endParaRPr>
+          </a:p>
+        </p:txBody>
+      </p:sp>
+      <p:cxnSp>
+        <p:nvCxnSpPr>
+          <p:cNvPr id="154" name="Straight Arrow Connector 153">
+            <a:extLst>
+              <a:ext uri="{FF2B5EF4-FFF2-40B4-BE49-F238E27FC236}">
+                <a16:creationId xmlns:a16="http://schemas.microsoft.com/office/drawing/2014/main" id="{59212921-A71B-4FDF-8711-34FAA2A534F1}"/>
+              </a:ext>
+            </a:extLst>
+          </p:cNvPr>
+          <p:cNvCxnSpPr>
+            <a:cxnSpLocks/>
+            <a:stCxn id="125" idx="2"/>
+            <a:endCxn id="147" idx="0"/>
+          </p:cNvCxnSpPr>
+          <p:nvPr/>
+        </p:nvCxnSpPr>
+        <p:spPr>
+          <a:xfrm>
+            <a:off x="1557775" y="4056103"/>
+            <a:ext cx="1488" cy="128181"/>
+          </a:xfrm>
+          <a:prstGeom prst="straightConnector1">
+            <a:avLst/>
+          </a:prstGeom>
+          <a:ln w="19050">
+            <a:solidFill>
+              <a:srgbClr val="00B0F0"/>
+            </a:solidFill>
+            <a:headEnd type="none" w="med" len="med"/>
+            <a:tailEnd type="arrow" w="med" len="med"/>
+          </a:ln>
+          <a:effectLst/>
+        </p:spPr>
+        <p:style>
+          <a:lnRef idx="1">
+            <a:schemeClr val="accent2"/>
+          </a:lnRef>
+          <a:fillRef idx="2">
+            <a:schemeClr val="accent2"/>
+          </a:fillRef>
+          <a:effectRef idx="1">
+            <a:schemeClr val="accent2"/>
+          </a:effectRef>
+          <a:fontRef idx="minor">
+            <a:schemeClr val="dk1"/>
+          </a:fontRef>
+        </p:style>
+      </p:cxnSp>
+      <p:sp>
+        <p:nvSpPr>
+          <p:cNvPr id="161" name="Rectangle 160">
+            <a:extLst>
+              <a:ext uri="{FF2B5EF4-FFF2-40B4-BE49-F238E27FC236}">
+                <a16:creationId xmlns:a16="http://schemas.microsoft.com/office/drawing/2014/main" id="{F262929D-0F5B-408F-BD25-66D752AC53B1}"/>
+              </a:ext>
+            </a:extLst>
+          </p:cNvPr>
+          <p:cNvSpPr/>
+          <p:nvPr/>
+        </p:nvSpPr>
+        <p:spPr>
+          <a:xfrm>
+            <a:off x="1235630" y="3340516"/>
+            <a:ext cx="644651" cy="296903"/>
+          </a:xfrm>
+          <a:prstGeom prst="rect">
+            <a:avLst/>
+          </a:prstGeom>
+          <a:solidFill>
+            <a:srgbClr val="00B0F0"/>
+          </a:solidFill>
+          <a:ln w="19050">
+            <a:solidFill>
+              <a:srgbClr val="0070C0"/>
+            </a:solidFill>
+          </a:ln>
+          <a:effectLst/>
+        </p:spPr>
+        <p:style>
+          <a:lnRef idx="1">
+            <a:schemeClr val="accent2"/>
+          </a:lnRef>
+          <a:fillRef idx="2">
+            <a:schemeClr val="accent2"/>
+          </a:fillRef>
+          <a:effectRef idx="1">
+            <a:schemeClr val="accent2"/>
+          </a:effectRef>
+          <a:fontRef idx="minor">
+            <a:schemeClr val="dk1"/>
+          </a:fontRef>
+        </p:style>
+        <p:txBody>
+          <a:bodyPr rtlCol="0" anchor="ctr"/>
+          <a:lstStyle/>
+          <a:p>
+            <a:pPr algn="ctr"/>
+            <a:r>
+              <a:rPr lang="en-US" sz="788" dirty="0">
+                <a:solidFill>
+                  <a:schemeClr val="bg1"/>
+                </a:solidFill>
+              </a:rPr>
+              <a:t>Autocorrect</a:t>
+            </a:r>
+            <a:endParaRPr lang="en-SG" sz="788" dirty="0">
+              <a:solidFill>
+                <a:schemeClr val="bg1"/>
+              </a:solidFill>
+            </a:endParaRPr>
+          </a:p>
+        </p:txBody>
+      </p:sp>
+      <p:cxnSp>
+        <p:nvCxnSpPr>
+          <p:cNvPr id="170" name="Straight Arrow Connector 169">
+            <a:extLst>
+              <a:ext uri="{FF2B5EF4-FFF2-40B4-BE49-F238E27FC236}">
+                <a16:creationId xmlns:a16="http://schemas.microsoft.com/office/drawing/2014/main" id="{D46716A6-E0F0-4C2B-8832-F1AD9412BD03}"/>
+              </a:ext>
+            </a:extLst>
+          </p:cNvPr>
+          <p:cNvCxnSpPr>
+            <a:cxnSpLocks/>
+            <a:stCxn id="161" idx="2"/>
+            <a:endCxn id="125" idx="0"/>
+          </p:cNvCxnSpPr>
+          <p:nvPr/>
+        </p:nvCxnSpPr>
+        <p:spPr>
+          <a:xfrm flipH="1">
+            <a:off x="1557775" y="3637419"/>
+            <a:ext cx="181" cy="121781"/>
+          </a:xfrm>
+          <a:prstGeom prst="straightConnector1">
+            <a:avLst/>
+          </a:prstGeom>
+          <a:ln w="19050">
+            <a:solidFill>
+              <a:srgbClr val="00B0F0"/>
+            </a:solidFill>
+            <a:headEnd type="none" w="med" len="med"/>
+            <a:tailEnd type="arrow" w="med" len="med"/>
+          </a:ln>
+          <a:effectLst/>
+        </p:spPr>
+        <p:style>
+          <a:lnRef idx="1">
+            <a:schemeClr val="accent2"/>
+          </a:lnRef>
+          <a:fillRef idx="2">
+            <a:schemeClr val="accent2"/>
+          </a:fillRef>
+          <a:effectRef idx="1">
+            <a:schemeClr val="accent2"/>
+          </a:effectRef>
+          <a:fontRef idx="minor">
+            <a:schemeClr val="dk1"/>
+          </a:fontRef>
+        </p:style>
+      </p:cxnSp>
+      <p:cxnSp>
+        <p:nvCxnSpPr>
+          <p:cNvPr id="176" name="Elbow Connector 40">
+            <a:extLst>
+              <a:ext uri="{FF2B5EF4-FFF2-40B4-BE49-F238E27FC236}">
+                <a16:creationId xmlns:a16="http://schemas.microsoft.com/office/drawing/2014/main" id="{4B6002E8-2BBF-43A2-9F84-FA270CC59D5B}"/>
+              </a:ext>
+            </a:extLst>
+          </p:cNvPr>
+          <p:cNvCxnSpPr>
+            <a:cxnSpLocks/>
+            <a:stCxn id="161" idx="3"/>
+          </p:cNvCxnSpPr>
+          <p:nvPr/>
+        </p:nvCxnSpPr>
+        <p:spPr>
+          <a:xfrm flipV="1">
+            <a:off x="1880281" y="2275254"/>
+            <a:ext cx="472826" cy="1213713"/>
+          </a:xfrm>
+          <a:prstGeom prst="bentConnector2">
+            <a:avLst/>
+          </a:prstGeom>
+          <a:ln w="19050">
+            <a:solidFill>
+              <a:srgbClr val="00B0F0"/>
+            </a:solidFill>
+            <a:headEnd type="none" w="med" len="med"/>
+            <a:tailEnd type="arrow" w="med" len="med"/>
+          </a:ln>
+          <a:effectLst/>
+        </p:spPr>
+        <p:style>
+          <a:lnRef idx="1">
+            <a:schemeClr val="accent2"/>
+          </a:lnRef>
+          <a:fillRef idx="2">
+            <a:schemeClr val="accent2"/>
+          </a:fillRef>
+          <a:effectRef idx="1">
+            <a:schemeClr val="accent2"/>
+          </a:effectRef>
+          <a:fontRef idx="minor">
+            <a:schemeClr val="dk1"/>
+          </a:fontRef>
+        </p:style>
+      </p:cxnSp>
+      <p:cxnSp>
+        <p:nvCxnSpPr>
+          <p:cNvPr id="118" name="Elbow Connector 63">
+            <a:extLst>
+              <a:ext uri="{FF2B5EF4-FFF2-40B4-BE49-F238E27FC236}">
+                <a16:creationId xmlns:a16="http://schemas.microsoft.com/office/drawing/2014/main" id="{129EA775-3C5D-4522-910D-0631AFDB59F2}"/>
+              </a:ext>
+            </a:extLst>
+          </p:cNvPr>
+          <p:cNvCxnSpPr>
+            <a:cxnSpLocks/>
+          </p:cNvCxnSpPr>
+          <p:nvPr/>
+        </p:nvCxnSpPr>
+        <p:spPr>
+          <a:xfrm rot="5400000">
+            <a:off x="624566" y="2356410"/>
+            <a:ext cx="1009219" cy="2"/>
+          </a:xfrm>
+          <a:prstGeom prst="bentConnector3">
+            <a:avLst>
+              <a:gd name="adj1" fmla="val 50000"/>
+            </a:avLst>
+          </a:prstGeom>
+          <a:ln w="19050">
+            <a:solidFill>
+              <a:srgbClr val="C00000"/>
+            </a:solidFill>
+            <a:headEnd type="none" w="med" len="med"/>
+            <a:tailEnd type="arrow" w="med" len="med"/>
+          </a:ln>
+          <a:effectLst/>
+        </p:spPr>
+        <p:style>
+          <a:lnRef idx="1">
+            <a:schemeClr val="accent2"/>
+          </a:lnRef>
+          <a:fillRef idx="2">
+            <a:schemeClr val="accent2"/>
+          </a:fillRef>
+          <a:effectRef idx="1">
+            <a:schemeClr val="accent2"/>
+          </a:effectRef>
+          <a:fontRef idx="minor">
+            <a:schemeClr val="dk1"/>
+          </a:fontRef>
+        </p:style>
+      </p:cxnSp>
+      <p:cxnSp>
+        <p:nvCxnSpPr>
+          <p:cNvPr id="152" name="Elbow Connector 63">
+            <a:extLst>
+              <a:ext uri="{FF2B5EF4-FFF2-40B4-BE49-F238E27FC236}">
+                <a16:creationId xmlns:a16="http://schemas.microsoft.com/office/drawing/2014/main" id="{90889FA5-A8DA-4C4B-B812-4DCAAB44E3EB}"/>
+              </a:ext>
+            </a:extLst>
+          </p:cNvPr>
+          <p:cNvCxnSpPr>
+            <a:cxnSpLocks/>
+            <a:endCxn id="161" idx="0"/>
+          </p:cNvCxnSpPr>
+          <p:nvPr/>
+        </p:nvCxnSpPr>
+        <p:spPr>
+          <a:xfrm rot="16200000" flipH="1">
+            <a:off x="1453096" y="3235657"/>
+            <a:ext cx="209537" cy="182"/>
+          </a:xfrm>
+          <a:prstGeom prst="bentConnector3">
+            <a:avLst>
+              <a:gd name="adj1" fmla="val 50000"/>
+            </a:avLst>
+          </a:prstGeom>
+          <a:ln w="19050">
+            <a:solidFill>
+              <a:srgbClr val="C00000"/>
+            </a:solidFill>
+            <a:headEnd type="none" w="med" len="med"/>
+            <a:tailEnd type="arrow" w="med" len="med"/>
+          </a:ln>
+          <a:effectLst/>
+        </p:spPr>
+        <p:style>
+          <a:lnRef idx="1">
+            <a:schemeClr val="accent2"/>
+          </a:lnRef>
+          <a:fillRef idx="2">
+            <a:schemeClr val="accent2"/>
+          </a:fillRef>
+          <a:effectRef idx="1">
+            <a:schemeClr val="accent2"/>
+          </a:effectRef>
+          <a:fontRef idx="minor">
+            <a:schemeClr val="dk1"/>
+          </a:fontRef>
+        </p:style>
+      </p:cxnSp>
+      <p:cxnSp>
+        <p:nvCxnSpPr>
+          <p:cNvPr id="153" name="Elbow Connector 61">
+            <a:extLst>
+              <a:ext uri="{FF2B5EF4-FFF2-40B4-BE49-F238E27FC236}">
+                <a16:creationId xmlns:a16="http://schemas.microsoft.com/office/drawing/2014/main" id="{87CF6A7E-C229-4CC5-9E59-423806701597}"/>
+              </a:ext>
+            </a:extLst>
+          </p:cNvPr>
+          <p:cNvCxnSpPr>
+            <a:cxnSpLocks/>
+            <a:stCxn id="90" idx="3"/>
+            <a:endCxn id="20" idx="3"/>
+          </p:cNvCxnSpPr>
+          <p:nvPr/>
+        </p:nvCxnSpPr>
+        <p:spPr>
+          <a:xfrm rot="5400000">
+            <a:off x="7484617" y="3212982"/>
+            <a:ext cx="923999" cy="118954"/>
+          </a:xfrm>
+          <a:prstGeom prst="bentConnector2">
+            <a:avLst/>
+          </a:prstGeom>
+          <a:ln w="19050">
+            <a:solidFill>
+              <a:srgbClr val="7030A0"/>
+            </a:solidFill>
+            <a:headEnd type="none" w="med" len="med"/>
+            <a:tailEnd type="arrow" w="med" len="med"/>
+          </a:ln>
+          <a:effectLst/>
+        </p:spPr>
+        <p:style>
+          <a:lnRef idx="1">
+            <a:schemeClr val="accent6"/>
+          </a:lnRef>
+          <a:fillRef idx="2">
+            <a:schemeClr val="accent6"/>
+          </a:fillRef>
+          <a:effectRef idx="1">
+            <a:schemeClr val="accent6"/>
+          </a:effectRef>
+          <a:fontRef idx="minor">
+            <a:schemeClr val="dk1"/>
+          </a:fontRef>
+        </p:style>
+      </p:cxnSp>
+      <p:cxnSp>
+        <p:nvCxnSpPr>
+          <p:cNvPr id="155" name="Elbow Connector 61">
+            <a:extLst>
+              <a:ext uri="{FF2B5EF4-FFF2-40B4-BE49-F238E27FC236}">
+                <a16:creationId xmlns:a16="http://schemas.microsoft.com/office/drawing/2014/main" id="{323F4700-4F03-471A-8BAA-8E71D12E5285}"/>
+              </a:ext>
+            </a:extLst>
+          </p:cNvPr>
+          <p:cNvCxnSpPr>
+            <a:cxnSpLocks/>
+            <a:stCxn id="90" idx="3"/>
+            <a:endCxn id="21" idx="3"/>
+          </p:cNvCxnSpPr>
+          <p:nvPr/>
+        </p:nvCxnSpPr>
+        <p:spPr>
+          <a:xfrm rot="5400000">
+            <a:off x="7312297" y="3385303"/>
+            <a:ext cx="1268641" cy="118954"/>
+          </a:xfrm>
+          <a:prstGeom prst="bentConnector2">
+            <a:avLst/>
+          </a:prstGeom>
+          <a:ln w="19050">
+            <a:solidFill>
+              <a:srgbClr val="7030A0"/>
+            </a:solidFill>
+            <a:headEnd type="none" w="med" len="med"/>
+            <a:tailEnd type="arrow" w="med" len="med"/>
+          </a:ln>
+          <a:effectLst/>
+        </p:spPr>
+        <p:style>
+          <a:lnRef idx="1">
+            <a:schemeClr val="accent6"/>
+          </a:lnRef>
+          <a:fillRef idx="2">
+            <a:schemeClr val="accent6"/>
+          </a:fillRef>
+          <a:effectRef idx="1">
+            <a:schemeClr val="accent6"/>
+          </a:effectRef>
+          <a:fontRef idx="minor">
+            <a:schemeClr val="dk1"/>
+          </a:fontRef>
+        </p:style>
+      </p:cxnSp>
+      <p:cxnSp>
+        <p:nvCxnSpPr>
+          <p:cNvPr id="158" name="Elbow Connector 61">
+            <a:extLst>
+              <a:ext uri="{FF2B5EF4-FFF2-40B4-BE49-F238E27FC236}">
+                <a16:creationId xmlns:a16="http://schemas.microsoft.com/office/drawing/2014/main" id="{D9D1E73F-0F45-4D61-8346-BE718CAD17BE}"/>
+              </a:ext>
+            </a:extLst>
+          </p:cNvPr>
+          <p:cNvCxnSpPr>
+            <a:cxnSpLocks/>
+            <a:stCxn id="90" idx="3"/>
+            <a:endCxn id="22" idx="3"/>
+          </p:cNvCxnSpPr>
+          <p:nvPr/>
+        </p:nvCxnSpPr>
+        <p:spPr>
+          <a:xfrm rot="5400000">
+            <a:off x="7140847" y="3556753"/>
+            <a:ext cx="1611541" cy="118954"/>
+          </a:xfrm>
+          <a:prstGeom prst="bentConnector2">
+            <a:avLst/>
+          </a:prstGeom>
+          <a:ln w="19050">
+            <a:solidFill>
+              <a:srgbClr val="7030A0"/>
+            </a:solidFill>
+            <a:headEnd type="none" w="med" len="med"/>
+            <a:tailEnd type="arrow" w="med" len="med"/>
+          </a:ln>
+          <a:effectLst/>
+        </p:spPr>
+        <p:style>
+          <a:lnRef idx="1">
+            <a:schemeClr val="accent6"/>
+          </a:lnRef>
+          <a:fillRef idx="2">
+            <a:schemeClr val="accent6"/>
+          </a:fillRef>
+          <a:effectRef idx="1">
+            <a:schemeClr val="accent6"/>
+          </a:effectRef>
+          <a:fontRef idx="minor">
+            <a:schemeClr val="dk1"/>
+          </a:fontRef>
+        </p:style>
+      </p:cxnSp>
+      <p:cxnSp>
+        <p:nvCxnSpPr>
+          <p:cNvPr id="165" name="Elbow Connector 50">
+            <a:extLst>
+              <a:ext uri="{FF2B5EF4-FFF2-40B4-BE49-F238E27FC236}">
+                <a16:creationId xmlns:a16="http://schemas.microsoft.com/office/drawing/2014/main" id="{8E7B69FE-8A05-42A6-AEAC-479C94729CA6}"/>
+              </a:ext>
+            </a:extLst>
+          </p:cNvPr>
+          <p:cNvCxnSpPr>
+            <a:cxnSpLocks/>
+            <a:stCxn id="94" idx="3"/>
+            <a:endCxn id="74" idx="1"/>
+          </p:cNvCxnSpPr>
+          <p:nvPr/>
+        </p:nvCxnSpPr>
+        <p:spPr>
+          <a:xfrm>
+            <a:off x="7067179" y="1445118"/>
+            <a:ext cx="247151" cy="565738"/>
+          </a:xfrm>
+          <a:prstGeom prst="bentConnector3">
+            <a:avLst>
+              <a:gd name="adj1" fmla="val 50000"/>
+            </a:avLst>
+          </a:prstGeom>
+          <a:ln w="19050">
+            <a:headEnd type="none" w="med" len="med"/>
+            <a:tailEnd type="arrow" w="med" len="med"/>
+          </a:ln>
+          <a:effectLst/>
+        </p:spPr>
+        <p:style>
+          <a:lnRef idx="1">
+            <a:schemeClr val="accent6"/>
+          </a:lnRef>
+          <a:fillRef idx="2">
+            <a:schemeClr val="accent6"/>
+          </a:fillRef>
+          <a:effectRef idx="1">
+            <a:schemeClr val="accent6"/>
+          </a:effectRef>
+          <a:fontRef idx="minor">
+            <a:schemeClr val="dk1"/>
+          </a:fontRef>
+        </p:style>
+      </p:cxnSp>
+      <p:cxnSp>
+        <p:nvCxnSpPr>
+          <p:cNvPr id="193" name="Elbow Connector 81">
+            <a:extLst>
+              <a:ext uri="{FF2B5EF4-FFF2-40B4-BE49-F238E27FC236}">
+                <a16:creationId xmlns:a16="http://schemas.microsoft.com/office/drawing/2014/main" id="{001BB046-DA01-4112-9CE8-5B99A40D0CD6}"/>
+              </a:ext>
+            </a:extLst>
+          </p:cNvPr>
+          <p:cNvCxnSpPr>
+            <a:cxnSpLocks/>
+            <a:endCxn id="116" idx="2"/>
+          </p:cNvCxnSpPr>
+          <p:nvPr/>
+        </p:nvCxnSpPr>
+        <p:spPr>
+          <a:xfrm rot="10800000" flipV="1">
+            <a:off x="1420439" y="1920970"/>
+            <a:ext cx="3541703" cy="2954750"/>
+          </a:xfrm>
+          <a:prstGeom prst="bentConnector4">
+            <a:avLst>
+              <a:gd name="adj1" fmla="val -21577"/>
+              <a:gd name="adj2" fmla="val 104191"/>
+            </a:avLst>
+          </a:prstGeom>
+          <a:ln w="19050">
+            <a:solidFill>
+              <a:schemeClr val="accent5"/>
+            </a:solidFill>
+            <a:prstDash val="dash"/>
+            <a:headEnd type="none" w="med" len="med"/>
+            <a:tailEnd type="arrow" w="med" len="med"/>
+          </a:ln>
+          <a:effectLst/>
+        </p:spPr>
+        <p:style>
+          <a:lnRef idx="1">
+            <a:schemeClr val="accent2"/>
+          </a:lnRef>
+          <a:fillRef idx="2">
+            <a:schemeClr val="accent2"/>
+          </a:fillRef>
+          <a:effectRef idx="1">
+            <a:schemeClr val="accent2"/>
+          </a:effectRef>
+          <a:fontRef idx="minor">
+            <a:schemeClr val="dk1"/>
+          </a:fontRef>
+        </p:style>
+      </p:cxnSp>
+      <p:sp>
+        <p:nvSpPr>
+          <p:cNvPr id="251" name="Rectangle 250">
+            <a:extLst>
+              <a:ext uri="{FF2B5EF4-FFF2-40B4-BE49-F238E27FC236}">
+                <a16:creationId xmlns:a16="http://schemas.microsoft.com/office/drawing/2014/main" id="{2ECE4D25-97A0-4298-BCEF-62BAE69620B1}"/>
+              </a:ext>
+            </a:extLst>
+          </p:cNvPr>
+          <p:cNvSpPr/>
+          <p:nvPr/>
+        </p:nvSpPr>
+        <p:spPr>
+          <a:xfrm flipH="1">
+            <a:off x="4481817" y="3156600"/>
+            <a:ext cx="1053082" cy="260070"/>
+          </a:xfrm>
+          <a:prstGeom prst="rect">
+            <a:avLst/>
+          </a:prstGeom>
+          <a:ln w="19050"/>
+          <a:effectLst/>
+        </p:spPr>
+        <p:style>
+          <a:lnRef idx="1">
+            <a:schemeClr val="accent5"/>
+          </a:lnRef>
+          <a:fillRef idx="2">
+            <a:schemeClr val="accent5"/>
+          </a:fillRef>
+          <a:effectRef idx="1">
+            <a:schemeClr val="accent5"/>
+          </a:effectRef>
+          <a:fontRef idx="minor">
+            <a:schemeClr val="dk1"/>
+          </a:fontRef>
+        </p:style>
+        <p:txBody>
+          <a:bodyPr rtlCol="0" anchor="ctr"/>
+          <a:lstStyle/>
+          <a:p>
+            <a:pPr algn="ctr"/>
+            <a:r>
+              <a:rPr lang="en-US" sz="788" dirty="0" err="1"/>
+              <a:t>RequestBackup</a:t>
+            </a:r>
+            <a:r>
+              <a:rPr lang="en-US" sz="788" dirty="0"/>
+              <a:t> (</a:t>
+            </a:r>
+            <a:r>
+              <a:rPr lang="en-US" sz="788" dirty="0" err="1"/>
+              <a:t>rb</a:t>
+            </a:r>
+            <a:r>
+              <a:rPr lang="en-US" sz="788" dirty="0"/>
+              <a:t>) Command</a:t>
+            </a:r>
+            <a:endParaRPr lang="en-SG" sz="788" dirty="0"/>
+          </a:p>
+        </p:txBody>
+      </p:sp>
+      <p:sp>
+        <p:nvSpPr>
+          <p:cNvPr id="252" name="Rectangle 251">
+            <a:extLst>
+              <a:ext uri="{FF2B5EF4-FFF2-40B4-BE49-F238E27FC236}">
+                <a16:creationId xmlns:a16="http://schemas.microsoft.com/office/drawing/2014/main" id="{8DCAADDC-A4EE-4139-A8A4-16E18C1ED447}"/>
+              </a:ext>
+            </a:extLst>
+          </p:cNvPr>
+          <p:cNvSpPr/>
+          <p:nvPr/>
+        </p:nvSpPr>
+        <p:spPr>
+          <a:xfrm flipH="1">
+            <a:off x="4481817" y="3452840"/>
+            <a:ext cx="1053082" cy="260070"/>
+          </a:xfrm>
+          <a:prstGeom prst="rect">
+            <a:avLst/>
+          </a:prstGeom>
+          <a:ln w="19050"/>
+          <a:effectLst/>
+        </p:spPr>
+        <p:style>
+          <a:lnRef idx="1">
+            <a:schemeClr val="accent5"/>
+          </a:lnRef>
+          <a:fillRef idx="2">
+            <a:schemeClr val="accent5"/>
+          </a:fillRef>
+          <a:effectRef idx="1">
+            <a:schemeClr val="accent5"/>
+          </a:effectRef>
+          <a:fontRef idx="minor">
+            <a:schemeClr val="dk1"/>
+          </a:fontRef>
+        </p:style>
+        <p:txBody>
+          <a:bodyPr rtlCol="0" anchor="ctr"/>
+          <a:lstStyle/>
+          <a:p>
+            <a:pPr algn="ctr"/>
+            <a:r>
+              <a:rPr lang="en-SG" sz="788" dirty="0" err="1"/>
+              <a:t>DispatchCommand</a:t>
+            </a:r>
+            <a:endParaRPr lang="en-SG" sz="788" dirty="0"/>
+          </a:p>
+        </p:txBody>
+      </p:sp>
+      <p:sp>
+        <p:nvSpPr>
+          <p:cNvPr id="253" name="Rectangle 252">
+            <a:extLst>
+              <a:ext uri="{FF2B5EF4-FFF2-40B4-BE49-F238E27FC236}">
+                <a16:creationId xmlns:a16="http://schemas.microsoft.com/office/drawing/2014/main" id="{EB4953A1-1BF6-4063-9E8F-3520E130B28C}"/>
+              </a:ext>
+            </a:extLst>
+          </p:cNvPr>
+          <p:cNvSpPr/>
+          <p:nvPr/>
+        </p:nvSpPr>
+        <p:spPr>
+          <a:xfrm flipH="1">
+            <a:off x="4481817" y="3749081"/>
+            <a:ext cx="1053082" cy="260070"/>
+          </a:xfrm>
+          <a:prstGeom prst="rect">
+            <a:avLst/>
+          </a:prstGeom>
+          <a:ln w="19050"/>
+          <a:effectLst/>
+        </p:spPr>
+        <p:style>
+          <a:lnRef idx="1">
+            <a:schemeClr val="accent5"/>
+          </a:lnRef>
+          <a:fillRef idx="2">
+            <a:schemeClr val="accent5"/>
+          </a:fillRef>
+          <a:effectRef idx="1">
+            <a:schemeClr val="accent5"/>
+          </a:effectRef>
+          <a:fontRef idx="minor">
+            <a:schemeClr val="dk1"/>
+          </a:fontRef>
+        </p:style>
+        <p:txBody>
+          <a:bodyPr rtlCol="0" anchor="ctr"/>
+          <a:lstStyle/>
+          <a:p>
+            <a:pPr algn="ctr"/>
+            <a:r>
+              <a:rPr lang="en-SG" sz="788" dirty="0" err="1"/>
+              <a:t>ShowUnread</a:t>
+            </a:r>
+            <a:r>
+              <a:rPr lang="en-SG" sz="788" dirty="0"/>
+              <a:t> Command</a:t>
+            </a:r>
+          </a:p>
+        </p:txBody>
+      </p:sp>
+      <p:sp>
+        <p:nvSpPr>
+          <p:cNvPr id="254" name="Rectangle 253">
+            <a:extLst>
+              <a:ext uri="{FF2B5EF4-FFF2-40B4-BE49-F238E27FC236}">
+                <a16:creationId xmlns:a16="http://schemas.microsoft.com/office/drawing/2014/main" id="{699091B0-A5F3-41B8-BD4F-41E24CB2B842}"/>
+              </a:ext>
+            </a:extLst>
+          </p:cNvPr>
+          <p:cNvSpPr/>
+          <p:nvPr/>
+        </p:nvSpPr>
+        <p:spPr>
+          <a:xfrm flipH="1">
+            <a:off x="4474563" y="4066146"/>
+            <a:ext cx="1053082" cy="260070"/>
+          </a:xfrm>
+          <a:prstGeom prst="rect">
+            <a:avLst/>
+          </a:prstGeom>
+          <a:ln w="19050"/>
+          <a:effectLst/>
+        </p:spPr>
+        <p:style>
+          <a:lnRef idx="1">
+            <a:schemeClr val="accent5"/>
+          </a:lnRef>
+          <a:fillRef idx="2">
+            <a:schemeClr val="accent5"/>
+          </a:fillRef>
+          <a:effectRef idx="1">
+            <a:schemeClr val="accent5"/>
+          </a:effectRef>
+          <a:fontRef idx="minor">
+            <a:schemeClr val="dk1"/>
+          </a:fontRef>
+        </p:style>
+        <p:txBody>
+          <a:bodyPr rtlCol="0" anchor="ctr"/>
+          <a:lstStyle/>
+          <a:p>
+            <a:pPr algn="ctr"/>
+            <a:r>
+              <a:rPr lang="en-SG" sz="788" dirty="0" err="1"/>
+              <a:t>InboxCommand</a:t>
+            </a:r>
+            <a:endParaRPr lang="en-SG" sz="788" dirty="0"/>
+          </a:p>
+        </p:txBody>
+      </p:sp>
+      <p:sp>
+        <p:nvSpPr>
+          <p:cNvPr id="259" name="Rectangle 258">
+            <a:extLst>
+              <a:ext uri="{FF2B5EF4-FFF2-40B4-BE49-F238E27FC236}">
+                <a16:creationId xmlns:a16="http://schemas.microsoft.com/office/drawing/2014/main" id="{2DE5B1C6-BD01-464B-86E8-F0BBE713C497}"/>
+              </a:ext>
+            </a:extLst>
+          </p:cNvPr>
+          <p:cNvSpPr/>
+          <p:nvPr/>
+        </p:nvSpPr>
+        <p:spPr>
+          <a:xfrm flipH="1">
+            <a:off x="4474716" y="4365566"/>
+            <a:ext cx="1053082" cy="260070"/>
+          </a:xfrm>
+          <a:prstGeom prst="rect">
+            <a:avLst/>
+          </a:prstGeom>
+          <a:ln w="19050"/>
+          <a:effectLst/>
+        </p:spPr>
+        <p:style>
+          <a:lnRef idx="1">
+            <a:schemeClr val="accent5"/>
+          </a:lnRef>
+          <a:fillRef idx="2">
+            <a:schemeClr val="accent5"/>
+          </a:fillRef>
+          <a:effectRef idx="1">
+            <a:schemeClr val="accent5"/>
+          </a:effectRef>
+          <a:fontRef idx="minor">
+            <a:schemeClr val="dk1"/>
+          </a:fontRef>
+        </p:style>
+        <p:txBody>
+          <a:bodyPr rtlCol="0" anchor="ctr"/>
+          <a:lstStyle/>
+          <a:p>
+            <a:pPr algn="ctr"/>
+            <a:r>
+              <a:rPr lang="en-SG" sz="788" dirty="0" err="1"/>
+              <a:t>ReadCommand</a:t>
+            </a:r>
+            <a:endParaRPr lang="en-SG" sz="788" dirty="0"/>
+          </a:p>
+        </p:txBody>
+      </p:sp>
+      <p:sp>
+        <p:nvSpPr>
+          <p:cNvPr id="451" name="Rectangle 450">
+            <a:extLst>
+              <a:ext uri="{FF2B5EF4-FFF2-40B4-BE49-F238E27FC236}">
+                <a16:creationId xmlns:a16="http://schemas.microsoft.com/office/drawing/2014/main" id="{020F3A7E-B1E6-475D-9D02-C0A17A8E6E07}"/>
+              </a:ext>
+            </a:extLst>
+          </p:cNvPr>
+          <p:cNvSpPr/>
+          <p:nvPr/>
+        </p:nvSpPr>
+        <p:spPr>
+          <a:xfrm>
+            <a:off x="3249262" y="3489843"/>
+            <a:ext cx="476042" cy="260070"/>
+          </a:xfrm>
+          <a:prstGeom prst="rect">
+            <a:avLst/>
+          </a:prstGeom>
+          <a:solidFill>
+            <a:schemeClr val="bg2">
+              <a:lumMod val="50000"/>
+            </a:schemeClr>
+          </a:solidFill>
+          <a:ln>
+            <a:solidFill>
+              <a:srgbClr val="0070C0"/>
+            </a:solidFill>
+          </a:ln>
+          <a:effectLst/>
+        </p:spPr>
+        <p:style>
+          <a:lnRef idx="1">
+            <a:schemeClr val="accent1"/>
+          </a:lnRef>
+          <a:fillRef idx="2">
+            <a:schemeClr val="accent1"/>
+          </a:fillRef>
+          <a:effectRef idx="1">
+            <a:schemeClr val="accent1"/>
+          </a:effectRef>
+          <a:fontRef idx="minor">
+            <a:schemeClr val="dk1"/>
+          </a:fontRef>
+        </p:style>
+        <p:txBody>
+          <a:bodyPr rtlCol="0" anchor="ctr"/>
+          <a:lstStyle/>
+          <a:p>
+            <a:pPr algn="ctr"/>
+            <a:r>
+              <a:rPr lang="en-US" sz="788" dirty="0"/>
+              <a:t>Inbox</a:t>
+            </a:r>
+            <a:endParaRPr lang="en-SG" sz="788" dirty="0"/>
+          </a:p>
+        </p:txBody>
+      </p:sp>
+      <p:sp>
+        <p:nvSpPr>
+          <p:cNvPr id="452" name="Rectangle 451">
+            <a:extLst>
+              <a:ext uri="{FF2B5EF4-FFF2-40B4-BE49-F238E27FC236}">
+                <a16:creationId xmlns:a16="http://schemas.microsoft.com/office/drawing/2014/main" id="{36EC675E-DADF-44C7-84CA-7D4477FFF818}"/>
+              </a:ext>
+            </a:extLst>
+          </p:cNvPr>
+          <p:cNvSpPr/>
+          <p:nvPr/>
+        </p:nvSpPr>
+        <p:spPr>
+          <a:xfrm>
+            <a:off x="2522485" y="3025066"/>
+            <a:ext cx="660908" cy="260070"/>
+          </a:xfrm>
+          <a:prstGeom prst="rect">
+            <a:avLst/>
+          </a:prstGeom>
+          <a:solidFill>
+            <a:schemeClr val="bg2">
+              <a:lumMod val="50000"/>
+            </a:schemeClr>
+          </a:solidFill>
+          <a:ln>
+            <a:solidFill>
+              <a:srgbClr val="0070C0"/>
+            </a:solidFill>
+          </a:ln>
+          <a:effectLst/>
+        </p:spPr>
+        <p:style>
+          <a:lnRef idx="1">
+            <a:schemeClr val="accent1"/>
+          </a:lnRef>
+          <a:fillRef idx="2">
+            <a:schemeClr val="accent1"/>
+          </a:fillRef>
+          <a:effectRef idx="1">
+            <a:schemeClr val="accent1"/>
+          </a:effectRef>
+          <a:fontRef idx="minor">
+            <a:schemeClr val="dk1"/>
+          </a:fontRef>
+        </p:style>
+        <p:txBody>
+          <a:bodyPr rtlCol="0" anchor="ctr"/>
+          <a:lstStyle/>
+          <a:p>
+            <a:pPr algn="ctr"/>
+            <a:r>
+              <a:rPr lang="en-US" sz="788" dirty="0"/>
+              <a:t>Notification Reader</a:t>
+            </a:r>
+            <a:endParaRPr lang="en-SG" sz="788" dirty="0"/>
+          </a:p>
+        </p:txBody>
+      </p:sp>
+      <p:sp>
+        <p:nvSpPr>
+          <p:cNvPr id="453" name="Rectangle 452">
+            <a:extLst>
+              <a:ext uri="{FF2B5EF4-FFF2-40B4-BE49-F238E27FC236}">
+                <a16:creationId xmlns:a16="http://schemas.microsoft.com/office/drawing/2014/main" id="{8CB72416-1BFA-4E4D-9262-D5538892AE34}"/>
+              </a:ext>
+            </a:extLst>
+          </p:cNvPr>
+          <p:cNvSpPr/>
+          <p:nvPr/>
+        </p:nvSpPr>
+        <p:spPr>
+          <a:xfrm>
+            <a:off x="3507555" y="2373553"/>
+            <a:ext cx="738508" cy="260070"/>
+          </a:xfrm>
+          <a:prstGeom prst="rect">
+            <a:avLst/>
+          </a:prstGeom>
+          <a:solidFill>
+            <a:schemeClr val="bg2">
+              <a:lumMod val="50000"/>
+            </a:schemeClr>
+          </a:solidFill>
+          <a:ln>
+            <a:solidFill>
+              <a:srgbClr val="0070C0"/>
+            </a:solidFill>
+          </a:ln>
+          <a:effectLst/>
+        </p:spPr>
+        <p:style>
+          <a:lnRef idx="1">
+            <a:schemeClr val="accent1"/>
+          </a:lnRef>
+          <a:fillRef idx="2">
+            <a:schemeClr val="accent1"/>
+          </a:fillRef>
+          <a:effectRef idx="1">
+            <a:schemeClr val="accent1"/>
+          </a:effectRef>
+          <a:fontRef idx="minor">
+            <a:schemeClr val="dk1"/>
+          </a:fontRef>
+        </p:style>
+        <p:txBody>
+          <a:bodyPr rtlCol="0" anchor="ctr"/>
+          <a:lstStyle/>
+          <a:p>
+            <a:pPr algn="ctr"/>
+            <a:r>
+              <a:rPr lang="en-US" sz="788" dirty="0"/>
+              <a:t>Notification Writer</a:t>
+            </a:r>
+            <a:endParaRPr lang="en-SG" sz="788" dirty="0"/>
+          </a:p>
+        </p:txBody>
+      </p:sp>
+      <p:cxnSp>
+        <p:nvCxnSpPr>
+          <p:cNvPr id="454" name="Elbow Connector 40">
+            <a:extLst>
+              <a:ext uri="{FF2B5EF4-FFF2-40B4-BE49-F238E27FC236}">
+                <a16:creationId xmlns:a16="http://schemas.microsoft.com/office/drawing/2014/main" id="{368B6B2F-5137-4955-8AFB-0B2B3C1C9FC2}"/>
+              </a:ext>
+            </a:extLst>
+          </p:cNvPr>
+          <p:cNvCxnSpPr>
+            <a:cxnSpLocks/>
+            <a:stCxn id="452" idx="0"/>
+          </p:cNvCxnSpPr>
+          <p:nvPr/>
+        </p:nvCxnSpPr>
+        <p:spPr>
+          <a:xfrm rot="16200000" flipV="1">
+            <a:off x="2607401" y="2779528"/>
+            <a:ext cx="391643" cy="99434"/>
+          </a:xfrm>
+          <a:prstGeom prst="bentConnector3">
+            <a:avLst>
+              <a:gd name="adj1" fmla="val 50000"/>
+            </a:avLst>
+          </a:prstGeom>
+          <a:ln w="19050">
+            <a:solidFill>
+              <a:schemeClr val="bg2">
+                <a:lumMod val="50000"/>
+              </a:schemeClr>
+            </a:solidFill>
+            <a:prstDash val="dash"/>
+            <a:headEnd type="none" w="med" len="med"/>
+            <a:tailEnd type="arrow" w="med" len="med"/>
+          </a:ln>
+          <a:effectLst/>
+        </p:spPr>
+        <p:style>
+          <a:lnRef idx="1">
+            <a:schemeClr val="accent2"/>
+          </a:lnRef>
+          <a:fillRef idx="2">
+            <a:schemeClr val="accent2"/>
+          </a:fillRef>
+          <a:effectRef idx="1">
+            <a:schemeClr val="accent2"/>
+          </a:effectRef>
+          <a:fontRef idx="minor">
+            <a:schemeClr val="dk1"/>
+          </a:fontRef>
+        </p:style>
+      </p:cxnSp>
+      <p:cxnSp>
+        <p:nvCxnSpPr>
+          <p:cNvPr id="544" name="Elbow Connector 40">
+            <a:extLst>
+              <a:ext uri="{FF2B5EF4-FFF2-40B4-BE49-F238E27FC236}">
+                <a16:creationId xmlns:a16="http://schemas.microsoft.com/office/drawing/2014/main" id="{20C57D41-1A75-42EC-9C3F-6CADD393DB52}"/>
+              </a:ext>
+            </a:extLst>
+          </p:cNvPr>
+          <p:cNvCxnSpPr>
+            <a:cxnSpLocks/>
+          </p:cNvCxnSpPr>
+          <p:nvPr/>
+        </p:nvCxnSpPr>
+        <p:spPr>
+          <a:xfrm rot="10800000">
+            <a:off x="4246064" y="2426437"/>
+            <a:ext cx="235754" cy="783047"/>
+          </a:xfrm>
+          <a:prstGeom prst="bentConnector3">
+            <a:avLst>
+              <a:gd name="adj1" fmla="val 28183"/>
+            </a:avLst>
+          </a:prstGeom>
+          <a:ln w="19050">
+            <a:solidFill>
+              <a:srgbClr val="0070C0"/>
+            </a:solidFill>
+            <a:headEnd type="none" w="med" len="med"/>
+            <a:tailEnd type="arrow" w="med" len="med"/>
+          </a:ln>
+          <a:effectLst/>
+        </p:spPr>
+        <p:style>
+          <a:lnRef idx="1">
+            <a:schemeClr val="accent2"/>
+          </a:lnRef>
+          <a:fillRef idx="2">
+            <a:schemeClr val="accent2"/>
+          </a:fillRef>
+          <a:effectRef idx="1">
+            <a:schemeClr val="accent2"/>
+          </a:effectRef>
+          <a:fontRef idx="minor">
+            <a:schemeClr val="dk1"/>
+          </a:fontRef>
+        </p:style>
+      </p:cxnSp>
+      <p:cxnSp>
+        <p:nvCxnSpPr>
+          <p:cNvPr id="550" name="Elbow Connector 40">
+            <a:extLst>
+              <a:ext uri="{FF2B5EF4-FFF2-40B4-BE49-F238E27FC236}">
+                <a16:creationId xmlns:a16="http://schemas.microsoft.com/office/drawing/2014/main" id="{2D072B35-DD3B-4E55-88B6-3800FEBB508E}"/>
+              </a:ext>
+            </a:extLst>
+          </p:cNvPr>
+          <p:cNvCxnSpPr>
+            <a:cxnSpLocks/>
+            <a:stCxn id="253" idx="3"/>
+            <a:endCxn id="451" idx="2"/>
+          </p:cNvCxnSpPr>
+          <p:nvPr/>
+        </p:nvCxnSpPr>
+        <p:spPr>
+          <a:xfrm rot="10800000">
+            <a:off x="3487284" y="3749913"/>
+            <a:ext cx="994534" cy="129203"/>
+          </a:xfrm>
+          <a:prstGeom prst="bentConnector2">
+            <a:avLst/>
+          </a:prstGeom>
+          <a:ln w="19050">
+            <a:solidFill>
+              <a:srgbClr val="0070C0"/>
+            </a:solidFill>
+            <a:headEnd type="none" w="med" len="med"/>
+            <a:tailEnd type="arrow" w="med" len="med"/>
+          </a:ln>
+          <a:effectLst/>
+        </p:spPr>
+        <p:style>
+          <a:lnRef idx="1">
+            <a:schemeClr val="accent2"/>
+          </a:lnRef>
+          <a:fillRef idx="2">
+            <a:schemeClr val="accent2"/>
+          </a:fillRef>
+          <a:effectRef idx="1">
+            <a:schemeClr val="accent2"/>
+          </a:effectRef>
+          <a:fontRef idx="minor">
+            <a:schemeClr val="dk1"/>
+          </a:fontRef>
+        </p:style>
+      </p:cxnSp>
+      <p:sp>
+        <p:nvSpPr>
+          <p:cNvPr id="574" name="Rectangle 573">
+            <a:extLst>
+              <a:ext uri="{FF2B5EF4-FFF2-40B4-BE49-F238E27FC236}">
+                <a16:creationId xmlns:a16="http://schemas.microsoft.com/office/drawing/2014/main" id="{48FD1869-A6A0-4F69-A1CE-0B6AE72FE232}"/>
+              </a:ext>
+            </a:extLst>
+          </p:cNvPr>
+          <p:cNvSpPr/>
+          <p:nvPr/>
+        </p:nvSpPr>
+        <p:spPr>
+          <a:xfrm>
+            <a:off x="6006081" y="2340188"/>
+            <a:ext cx="854117" cy="260070"/>
+          </a:xfrm>
+          <a:prstGeom prst="rect">
+            <a:avLst/>
+          </a:prstGeom>
+          <a:solidFill>
+            <a:srgbClr val="00B050"/>
+          </a:solidFill>
+          <a:ln w="19050">
+            <a:solidFill>
+              <a:srgbClr val="00B050"/>
+            </a:solidFill>
+          </a:ln>
+          <a:effectLst/>
+        </p:spPr>
+        <p:style>
+          <a:lnRef idx="1">
+            <a:schemeClr val="accent2"/>
+          </a:lnRef>
+          <a:fillRef idx="2">
+            <a:schemeClr val="accent2"/>
+          </a:fillRef>
+          <a:effectRef idx="1">
+            <a:schemeClr val="accent2"/>
+          </a:effectRef>
+          <a:fontRef idx="minor">
+            <a:schemeClr val="dk1"/>
+          </a:fontRef>
+        </p:style>
+        <p:txBody>
+          <a:bodyPr rtlCol="0" anchor="ctr"/>
+          <a:lstStyle/>
+          <a:p>
+            <a:pPr algn="ctr"/>
+            <a:r>
+              <a:rPr lang="en-US" sz="788" dirty="0">
+                <a:solidFill>
+                  <a:schemeClr val="bg1"/>
+                </a:solidFill>
+              </a:rPr>
+              <a:t>Screening History</a:t>
+            </a:r>
+            <a:endParaRPr lang="en-SG" sz="788" dirty="0">
+              <a:solidFill>
+                <a:schemeClr val="bg1"/>
+              </a:solidFill>
+            </a:endParaRPr>
+          </a:p>
+        </p:txBody>
+      </p:sp>
+      <p:cxnSp>
+        <p:nvCxnSpPr>
+          <p:cNvPr id="698" name="Elbow Connector 40">
+            <a:extLst>
+              <a:ext uri="{FF2B5EF4-FFF2-40B4-BE49-F238E27FC236}">
+                <a16:creationId xmlns:a16="http://schemas.microsoft.com/office/drawing/2014/main" id="{350C8353-3F58-4384-9614-91473435ECF6}"/>
+              </a:ext>
+            </a:extLst>
+          </p:cNvPr>
+          <p:cNvCxnSpPr>
+            <a:cxnSpLocks/>
+            <a:stCxn id="254" idx="3"/>
+            <a:endCxn id="451" idx="2"/>
+          </p:cNvCxnSpPr>
+          <p:nvPr/>
+        </p:nvCxnSpPr>
+        <p:spPr>
+          <a:xfrm rot="10800000">
+            <a:off x="3487283" y="3749913"/>
+            <a:ext cx="987279" cy="446268"/>
+          </a:xfrm>
+          <a:prstGeom prst="bentConnector2">
+            <a:avLst/>
+          </a:prstGeom>
+          <a:ln w="19050">
+            <a:solidFill>
+              <a:srgbClr val="0070C0"/>
+            </a:solidFill>
+            <a:headEnd type="none" w="med" len="med"/>
+            <a:tailEnd type="arrow" w="med" len="med"/>
+          </a:ln>
+          <a:effectLst/>
+        </p:spPr>
+        <p:style>
+          <a:lnRef idx="1">
+            <a:schemeClr val="accent2"/>
+          </a:lnRef>
+          <a:fillRef idx="2">
+            <a:schemeClr val="accent2"/>
+          </a:fillRef>
+          <a:effectRef idx="1">
+            <a:schemeClr val="accent2"/>
+          </a:effectRef>
+          <a:fontRef idx="minor">
+            <a:schemeClr val="dk1"/>
+          </a:fontRef>
+        </p:style>
+      </p:cxnSp>
+      <p:cxnSp>
+        <p:nvCxnSpPr>
+          <p:cNvPr id="701" name="Elbow Connector 40">
+            <a:extLst>
+              <a:ext uri="{FF2B5EF4-FFF2-40B4-BE49-F238E27FC236}">
+                <a16:creationId xmlns:a16="http://schemas.microsoft.com/office/drawing/2014/main" id="{00FA2144-A4DC-4A94-BF44-A6D396D22EAA}"/>
+              </a:ext>
+            </a:extLst>
+          </p:cNvPr>
+          <p:cNvCxnSpPr>
+            <a:cxnSpLocks/>
+            <a:stCxn id="259" idx="3"/>
+            <a:endCxn id="451" idx="2"/>
+          </p:cNvCxnSpPr>
+          <p:nvPr/>
+        </p:nvCxnSpPr>
+        <p:spPr>
+          <a:xfrm rot="10800000">
+            <a:off x="3487283" y="3749914"/>
+            <a:ext cx="987432" cy="745688"/>
+          </a:xfrm>
+          <a:prstGeom prst="bentConnector2">
+            <a:avLst/>
+          </a:prstGeom>
+          <a:ln w="19050">
+            <a:solidFill>
+              <a:srgbClr val="0070C0"/>
+            </a:solidFill>
+            <a:headEnd type="none" w="med" len="med"/>
+            <a:tailEnd type="arrow" w="med" len="med"/>
+          </a:ln>
+          <a:effectLst/>
+        </p:spPr>
+        <p:style>
+          <a:lnRef idx="1">
+            <a:schemeClr val="accent2"/>
+          </a:lnRef>
+          <a:fillRef idx="2">
+            <a:schemeClr val="accent2"/>
+          </a:fillRef>
+          <a:effectRef idx="1">
+            <a:schemeClr val="accent2"/>
+          </a:effectRef>
+          <a:fontRef idx="minor">
+            <a:schemeClr val="dk1"/>
+          </a:fontRef>
+        </p:style>
+      </p:cxnSp>
+      <p:cxnSp>
+        <p:nvCxnSpPr>
+          <p:cNvPr id="707" name="Elbow Connector 40">
+            <a:extLst>
+              <a:ext uri="{FF2B5EF4-FFF2-40B4-BE49-F238E27FC236}">
+                <a16:creationId xmlns:a16="http://schemas.microsoft.com/office/drawing/2014/main" id="{BFAED6C5-EFE5-4C39-953A-942F3FB41429}"/>
+              </a:ext>
+            </a:extLst>
+          </p:cNvPr>
+          <p:cNvCxnSpPr>
+            <a:cxnSpLocks/>
+            <a:stCxn id="453" idx="1"/>
+            <a:endCxn id="138" idx="3"/>
+          </p:cNvCxnSpPr>
+          <p:nvPr/>
+        </p:nvCxnSpPr>
+        <p:spPr>
+          <a:xfrm rot="10800000">
+            <a:off x="3351323" y="2502565"/>
+            <a:ext cx="156233" cy="1024"/>
+          </a:xfrm>
+          <a:prstGeom prst="bentConnector3">
+            <a:avLst>
+              <a:gd name="adj1" fmla="val 50000"/>
+            </a:avLst>
+          </a:prstGeom>
+          <a:ln w="19050">
+            <a:solidFill>
+              <a:schemeClr val="bg2">
+                <a:lumMod val="50000"/>
+              </a:schemeClr>
+            </a:solidFill>
+            <a:prstDash val="dash"/>
+            <a:headEnd type="none" w="med" len="med"/>
+            <a:tailEnd type="arrow" w="med" len="med"/>
+          </a:ln>
+          <a:effectLst/>
+        </p:spPr>
+        <p:style>
+          <a:lnRef idx="1">
+            <a:schemeClr val="accent2"/>
+          </a:lnRef>
+          <a:fillRef idx="2">
+            <a:schemeClr val="accent2"/>
+          </a:fillRef>
+          <a:effectRef idx="1">
+            <a:schemeClr val="accent2"/>
+          </a:effectRef>
+          <a:fontRef idx="minor">
+            <a:schemeClr val="dk1"/>
+          </a:fontRef>
+        </p:style>
+      </p:cxnSp>
+      <p:cxnSp>
+        <p:nvCxnSpPr>
+          <p:cNvPr id="718" name="Elbow Connector 40">
+            <a:extLst>
+              <a:ext uri="{FF2B5EF4-FFF2-40B4-BE49-F238E27FC236}">
+                <a16:creationId xmlns:a16="http://schemas.microsoft.com/office/drawing/2014/main" id="{A3A49A50-DF92-42B5-8404-E99873A159D3}"/>
+              </a:ext>
+            </a:extLst>
+          </p:cNvPr>
+          <p:cNvCxnSpPr>
+            <a:cxnSpLocks/>
+            <a:stCxn id="840" idx="1"/>
+            <a:endCxn id="838" idx="3"/>
+          </p:cNvCxnSpPr>
+          <p:nvPr/>
+        </p:nvCxnSpPr>
+        <p:spPr>
+          <a:xfrm rot="10800000">
+            <a:off x="2947517" y="3590428"/>
+            <a:ext cx="115003" cy="1735"/>
+          </a:xfrm>
+          <a:prstGeom prst="bentConnector3">
+            <a:avLst>
+              <a:gd name="adj1" fmla="val 50000"/>
+            </a:avLst>
+          </a:prstGeom>
+          <a:ln w="19050">
+            <a:solidFill>
+              <a:schemeClr val="bg2">
+                <a:lumMod val="50000"/>
+              </a:schemeClr>
+            </a:solidFill>
+            <a:headEnd type="none" w="med" len="med"/>
+            <a:tailEnd type="arrow" w="med" len="med"/>
+          </a:ln>
+          <a:effectLst/>
+        </p:spPr>
+        <p:style>
+          <a:lnRef idx="1">
+            <a:schemeClr val="accent2"/>
+          </a:lnRef>
+          <a:fillRef idx="2">
+            <a:schemeClr val="accent2"/>
+          </a:fillRef>
+          <a:effectRef idx="1">
+            <a:schemeClr val="accent2"/>
+          </a:effectRef>
+          <a:fontRef idx="minor">
+            <a:schemeClr val="dk1"/>
+          </a:fontRef>
+        </p:style>
+      </p:cxnSp>
+      <p:cxnSp>
+        <p:nvCxnSpPr>
+          <p:cNvPr id="746" name="Elbow Connector 40">
+            <a:extLst>
+              <a:ext uri="{FF2B5EF4-FFF2-40B4-BE49-F238E27FC236}">
+                <a16:creationId xmlns:a16="http://schemas.microsoft.com/office/drawing/2014/main" id="{C0513C8C-ABE7-4332-97F6-E076E44BD170}"/>
+              </a:ext>
+            </a:extLst>
+          </p:cNvPr>
+          <p:cNvCxnSpPr>
+            <a:cxnSpLocks/>
+            <a:endCxn id="116" idx="3"/>
+          </p:cNvCxnSpPr>
+          <p:nvPr/>
+        </p:nvCxnSpPr>
+        <p:spPr>
+          <a:xfrm rot="10800000" flipV="1">
+            <a:off x="1721719" y="3726180"/>
+            <a:ext cx="1681565" cy="1001088"/>
+          </a:xfrm>
+          <a:prstGeom prst="bentConnector3">
+            <a:avLst>
+              <a:gd name="adj1" fmla="val -1489"/>
+            </a:avLst>
+          </a:prstGeom>
+          <a:ln w="19050">
+            <a:solidFill>
+              <a:schemeClr val="bg2">
+                <a:lumMod val="50000"/>
+              </a:schemeClr>
+            </a:solidFill>
+            <a:prstDash val="dash"/>
+            <a:headEnd type="none" w="med" len="med"/>
+            <a:tailEnd type="arrow" w="med" len="med"/>
+          </a:ln>
+          <a:effectLst/>
+        </p:spPr>
+        <p:style>
+          <a:lnRef idx="1">
+            <a:schemeClr val="accent2"/>
+          </a:lnRef>
+          <a:fillRef idx="2">
+            <a:schemeClr val="accent2"/>
+          </a:fillRef>
+          <a:effectRef idx="1">
+            <a:schemeClr val="accent2"/>
+          </a:effectRef>
+          <a:fontRef idx="minor">
+            <a:schemeClr val="dk1"/>
+          </a:fontRef>
+        </p:style>
+      </p:cxnSp>
+      <p:sp>
+        <p:nvSpPr>
+          <p:cNvPr id="772" name="Rectangle 771">
+            <a:extLst>
+              <a:ext uri="{FF2B5EF4-FFF2-40B4-BE49-F238E27FC236}">
+                <a16:creationId xmlns:a16="http://schemas.microsoft.com/office/drawing/2014/main" id="{42EDF28E-6E03-4273-8D89-2DA93B91B5DB}"/>
+              </a:ext>
+            </a:extLst>
+          </p:cNvPr>
+          <p:cNvSpPr/>
+          <p:nvPr/>
+        </p:nvSpPr>
+        <p:spPr>
+          <a:xfrm>
+            <a:off x="2895600" y="2750522"/>
+            <a:ext cx="799168" cy="247958"/>
+          </a:xfrm>
+          <a:prstGeom prst="rect">
+            <a:avLst/>
+          </a:prstGeom>
+          <a:solidFill>
+            <a:srgbClr val="00B050"/>
+          </a:solidFill>
+          <a:ln w="19050">
+            <a:solidFill>
+              <a:srgbClr val="00B050"/>
+            </a:solidFill>
+          </a:ln>
+          <a:effectLst/>
+        </p:spPr>
+        <p:style>
+          <a:lnRef idx="1">
+            <a:schemeClr val="accent2"/>
+          </a:lnRef>
+          <a:fillRef idx="2">
+            <a:schemeClr val="accent2"/>
+          </a:fillRef>
+          <a:effectRef idx="1">
+            <a:schemeClr val="accent2"/>
+          </a:effectRef>
+          <a:fontRef idx="minor">
+            <a:schemeClr val="dk1"/>
+          </a:fontRef>
+        </p:style>
+        <p:txBody>
+          <a:bodyPr rtlCol="0" anchor="ctr"/>
+          <a:lstStyle/>
+          <a:p>
+            <a:pPr algn="ctr"/>
+            <a:r>
+              <a:rPr lang="en-US" sz="788" dirty="0">
+                <a:solidFill>
+                  <a:schemeClr val="bg1"/>
+                </a:solidFill>
+              </a:rPr>
+              <a:t>Message File Paths Storage</a:t>
+            </a:r>
+            <a:endParaRPr lang="en-SG" sz="788" dirty="0">
+              <a:solidFill>
+                <a:schemeClr val="bg1"/>
+              </a:solidFill>
+            </a:endParaRPr>
+          </a:p>
+        </p:txBody>
+      </p:sp>
+      <p:cxnSp>
+        <p:nvCxnSpPr>
+          <p:cNvPr id="773" name="Elbow Connector 40">
+            <a:extLst>
+              <a:ext uri="{FF2B5EF4-FFF2-40B4-BE49-F238E27FC236}">
+                <a16:creationId xmlns:a16="http://schemas.microsoft.com/office/drawing/2014/main" id="{F754BE4B-CF1C-4878-894A-487EBD8174C4}"/>
+              </a:ext>
+            </a:extLst>
+          </p:cNvPr>
+          <p:cNvCxnSpPr>
+            <a:cxnSpLocks/>
+          </p:cNvCxnSpPr>
+          <p:nvPr/>
+        </p:nvCxnSpPr>
+        <p:spPr>
+          <a:xfrm rot="5400000">
+            <a:off x="3539440" y="2663159"/>
+            <a:ext cx="164834" cy="1"/>
+          </a:xfrm>
+          <a:prstGeom prst="bentConnector3">
+            <a:avLst>
+              <a:gd name="adj1" fmla="val 50000"/>
+            </a:avLst>
+          </a:prstGeom>
+          <a:ln w="19050">
+            <a:solidFill>
+              <a:schemeClr val="bg2">
+                <a:lumMod val="50000"/>
+              </a:schemeClr>
+            </a:solidFill>
+            <a:prstDash val="dash"/>
+            <a:headEnd type="none" w="med" len="med"/>
+            <a:tailEnd type="arrow" w="med" len="med"/>
+          </a:ln>
+          <a:effectLst/>
+        </p:spPr>
+        <p:style>
+          <a:lnRef idx="1">
+            <a:schemeClr val="accent2"/>
+          </a:lnRef>
+          <a:fillRef idx="2">
+            <a:schemeClr val="accent2"/>
+          </a:fillRef>
+          <a:effectRef idx="1">
+            <a:schemeClr val="accent2"/>
+          </a:effectRef>
+          <a:fontRef idx="minor">
+            <a:schemeClr val="dk1"/>
+          </a:fontRef>
+        </p:style>
+      </p:cxnSp>
+      <p:sp>
+        <p:nvSpPr>
+          <p:cNvPr id="779" name="Rectangle 778">
+            <a:extLst>
+              <a:ext uri="{FF2B5EF4-FFF2-40B4-BE49-F238E27FC236}">
+                <a16:creationId xmlns:a16="http://schemas.microsoft.com/office/drawing/2014/main" id="{9780DD39-6B15-49DD-A50C-BFA4E780F841}"/>
+              </a:ext>
+            </a:extLst>
+          </p:cNvPr>
+          <p:cNvSpPr/>
+          <p:nvPr/>
+        </p:nvSpPr>
+        <p:spPr>
+          <a:xfrm>
+            <a:off x="3693640" y="3161255"/>
+            <a:ext cx="476042" cy="260070"/>
+          </a:xfrm>
+          <a:prstGeom prst="rect">
+            <a:avLst/>
+          </a:prstGeom>
+          <a:solidFill>
+            <a:schemeClr val="bg2">
+              <a:lumMod val="50000"/>
+            </a:schemeClr>
+          </a:solidFill>
+          <a:ln>
+            <a:solidFill>
+              <a:srgbClr val="0070C0"/>
+            </a:solidFill>
+          </a:ln>
+          <a:effectLst/>
+        </p:spPr>
+        <p:style>
+          <a:lnRef idx="1">
+            <a:schemeClr val="accent1"/>
+          </a:lnRef>
+          <a:fillRef idx="2">
+            <a:schemeClr val="accent1"/>
+          </a:fillRef>
+          <a:effectRef idx="1">
+            <a:schemeClr val="accent1"/>
+          </a:effectRef>
+          <a:fontRef idx="minor">
+            <a:schemeClr val="dk1"/>
+          </a:fontRef>
+        </p:style>
+        <p:txBody>
+          <a:bodyPr rtlCol="0" anchor="ctr"/>
+          <a:lstStyle/>
+          <a:p>
+            <a:pPr algn="ctr"/>
+            <a:r>
+              <a:rPr lang="en-US" sz="788" dirty="0"/>
+              <a:t>Msg</a:t>
+            </a:r>
+            <a:endParaRPr lang="en-SG" sz="788" dirty="0"/>
+          </a:p>
+        </p:txBody>
+      </p:sp>
+      <p:cxnSp>
+        <p:nvCxnSpPr>
+          <p:cNvPr id="781" name="Elbow Connector 40">
+            <a:extLst>
+              <a:ext uri="{FF2B5EF4-FFF2-40B4-BE49-F238E27FC236}">
+                <a16:creationId xmlns:a16="http://schemas.microsoft.com/office/drawing/2014/main" id="{C6C43BB2-7FD6-401B-8852-DB1B56F354FD}"/>
+              </a:ext>
+            </a:extLst>
+          </p:cNvPr>
+          <p:cNvCxnSpPr>
+            <a:cxnSpLocks/>
+          </p:cNvCxnSpPr>
+          <p:nvPr/>
+        </p:nvCxnSpPr>
+        <p:spPr>
+          <a:xfrm rot="10800000">
+            <a:off x="4246064" y="2426435"/>
+            <a:ext cx="235754" cy="1079288"/>
+          </a:xfrm>
+          <a:prstGeom prst="bentConnector3">
+            <a:avLst>
+              <a:gd name="adj1" fmla="val 28183"/>
+            </a:avLst>
+          </a:prstGeom>
+          <a:ln w="19050">
+            <a:solidFill>
+              <a:srgbClr val="0070C0"/>
+            </a:solidFill>
+            <a:headEnd type="none" w="med" len="med"/>
+            <a:tailEnd type="arrow" w="med" len="med"/>
+          </a:ln>
+          <a:effectLst/>
+        </p:spPr>
+        <p:style>
+          <a:lnRef idx="1">
+            <a:schemeClr val="accent2"/>
+          </a:lnRef>
+          <a:fillRef idx="2">
+            <a:schemeClr val="accent2"/>
+          </a:fillRef>
+          <a:effectRef idx="1">
+            <a:schemeClr val="accent2"/>
+          </a:effectRef>
+          <a:fontRef idx="minor">
+            <a:schemeClr val="dk1"/>
+          </a:fontRef>
+        </p:style>
+      </p:cxnSp>
+      <p:cxnSp>
+        <p:nvCxnSpPr>
+          <p:cNvPr id="785" name="Elbow Connector 40">
+            <a:extLst>
+              <a:ext uri="{FF2B5EF4-FFF2-40B4-BE49-F238E27FC236}">
+                <a16:creationId xmlns:a16="http://schemas.microsoft.com/office/drawing/2014/main" id="{7EB53037-4C4A-454F-BEE6-8D8E95651056}"/>
+              </a:ext>
+            </a:extLst>
+          </p:cNvPr>
+          <p:cNvCxnSpPr>
+            <a:cxnSpLocks/>
+          </p:cNvCxnSpPr>
+          <p:nvPr/>
+        </p:nvCxnSpPr>
+        <p:spPr>
+          <a:xfrm rot="16200000" flipH="1">
+            <a:off x="3556236" y="2890922"/>
+            <a:ext cx="538067" cy="2598"/>
+          </a:xfrm>
+          <a:prstGeom prst="bentConnector3">
+            <a:avLst>
+              <a:gd name="adj1" fmla="val 50000"/>
+            </a:avLst>
+          </a:prstGeom>
+          <a:ln w="19050">
+            <a:solidFill>
+              <a:schemeClr val="bg2">
+                <a:lumMod val="50000"/>
+              </a:schemeClr>
+            </a:solidFill>
+            <a:headEnd type="none" w="med" len="med"/>
+            <a:tailEnd type="arrow" w="med" len="med"/>
+          </a:ln>
+          <a:effectLst/>
+        </p:spPr>
+        <p:style>
+          <a:lnRef idx="1">
+            <a:schemeClr val="accent2"/>
+          </a:lnRef>
+          <a:fillRef idx="2">
+            <a:schemeClr val="accent2"/>
+          </a:fillRef>
+          <a:effectRef idx="1">
+            <a:schemeClr val="accent2"/>
+          </a:effectRef>
+          <a:fontRef idx="minor">
+            <a:schemeClr val="dk1"/>
+          </a:fontRef>
+        </p:style>
+      </p:cxnSp>
+      <p:cxnSp>
+        <p:nvCxnSpPr>
+          <p:cNvPr id="794" name="Elbow Connector 40">
+            <a:extLst>
+              <a:ext uri="{FF2B5EF4-FFF2-40B4-BE49-F238E27FC236}">
+                <a16:creationId xmlns:a16="http://schemas.microsoft.com/office/drawing/2014/main" id="{99FDABE2-EE02-4926-8159-72E4EBE70513}"/>
+              </a:ext>
+            </a:extLst>
+          </p:cNvPr>
+          <p:cNvCxnSpPr>
+            <a:cxnSpLocks/>
+          </p:cNvCxnSpPr>
+          <p:nvPr/>
+        </p:nvCxnSpPr>
+        <p:spPr>
+          <a:xfrm rot="5400000" flipH="1" flipV="1">
+            <a:off x="3209898" y="2949191"/>
+            <a:ext cx="855344" cy="224208"/>
+          </a:xfrm>
+          <a:prstGeom prst="bentConnector3">
+            <a:avLst>
+              <a:gd name="adj1" fmla="val 50000"/>
+            </a:avLst>
+          </a:prstGeom>
+          <a:ln w="19050">
+            <a:solidFill>
+              <a:schemeClr val="bg2">
+                <a:lumMod val="50000"/>
+              </a:schemeClr>
+            </a:solidFill>
+            <a:headEnd type="none" w="med" len="med"/>
+            <a:tailEnd type="arrow" w="med" len="med"/>
+          </a:ln>
+          <a:effectLst/>
+        </p:spPr>
+        <p:style>
+          <a:lnRef idx="1">
+            <a:schemeClr val="accent2"/>
+          </a:lnRef>
+          <a:fillRef idx="2">
+            <a:schemeClr val="accent2"/>
+          </a:fillRef>
+          <a:effectRef idx="1">
+            <a:schemeClr val="accent2"/>
+          </a:effectRef>
+          <a:fontRef idx="minor">
+            <a:schemeClr val="dk1"/>
+          </a:fontRef>
+        </p:style>
+      </p:cxnSp>
+      <p:sp>
+        <p:nvSpPr>
+          <p:cNvPr id="822" name="Flowchart: Decision 821">
+            <a:extLst>
+              <a:ext uri="{FF2B5EF4-FFF2-40B4-BE49-F238E27FC236}">
+                <a16:creationId xmlns:a16="http://schemas.microsoft.com/office/drawing/2014/main" id="{A26E365B-3444-4205-B241-6BE8FCF385E1}"/>
+              </a:ext>
+            </a:extLst>
+          </p:cNvPr>
+          <p:cNvSpPr/>
+          <p:nvPr/>
+        </p:nvSpPr>
+        <p:spPr>
+          <a:xfrm>
+            <a:off x="3730753" y="3545034"/>
+            <a:ext cx="177036" cy="130035"/>
+          </a:xfrm>
+          <a:prstGeom prst="flowChartDecision">
+            <a:avLst/>
+          </a:prstGeom>
+          <a:solidFill>
+            <a:schemeClr val="bg2">
+              <a:lumMod val="50000"/>
+            </a:schemeClr>
+          </a:solidFill>
+          <a:ln w="19050">
+            <a:solidFill>
+              <a:schemeClr val="bg2">
+                <a:lumMod val="50000"/>
+              </a:schemeClr>
+            </a:solidFill>
+          </a:ln>
+          <a:effectLst/>
+        </p:spPr>
+        <p:style>
+          <a:lnRef idx="1">
+            <a:schemeClr val="accent6"/>
+          </a:lnRef>
+          <a:fillRef idx="2">
+            <a:schemeClr val="accent6"/>
+          </a:fillRef>
+          <a:effectRef idx="1">
+            <a:schemeClr val="accent6"/>
+          </a:effectRef>
+          <a:fontRef idx="minor">
+            <a:schemeClr val="dk1"/>
+          </a:fontRef>
+        </p:style>
+        <p:txBody>
+          <a:bodyPr rtlCol="0" anchor="ctr"/>
+          <a:lstStyle/>
+          <a:p>
+            <a:pPr algn="ctr"/>
+            <a:endParaRPr lang="en-US" sz="788"/>
+          </a:p>
+        </p:txBody>
+      </p:sp>
+      <p:cxnSp>
+        <p:nvCxnSpPr>
+          <p:cNvPr id="823" name="Elbow Connector 40">
+            <a:extLst>
+              <a:ext uri="{FF2B5EF4-FFF2-40B4-BE49-F238E27FC236}">
+                <a16:creationId xmlns:a16="http://schemas.microsoft.com/office/drawing/2014/main" id="{70A89EFD-4E4F-47A5-81F4-747419001136}"/>
+              </a:ext>
+            </a:extLst>
+          </p:cNvPr>
+          <p:cNvCxnSpPr>
+            <a:cxnSpLocks/>
+          </p:cNvCxnSpPr>
+          <p:nvPr/>
+        </p:nvCxnSpPr>
+        <p:spPr>
+          <a:xfrm rot="5400000" flipH="1" flipV="1">
+            <a:off x="3742821" y="3491445"/>
+            <a:ext cx="152900" cy="1"/>
+          </a:xfrm>
+          <a:prstGeom prst="bentConnector3">
+            <a:avLst>
+              <a:gd name="adj1" fmla="val 36917"/>
+            </a:avLst>
+          </a:prstGeom>
+          <a:ln w="19050">
+            <a:solidFill>
+              <a:schemeClr val="bg2">
+                <a:lumMod val="50000"/>
+              </a:schemeClr>
+            </a:solidFill>
+            <a:headEnd type="none" w="med" len="med"/>
+            <a:tailEnd type="arrow" w="med" len="med"/>
+          </a:ln>
+          <a:effectLst/>
+        </p:spPr>
+        <p:style>
+          <a:lnRef idx="1">
+            <a:schemeClr val="accent2"/>
+          </a:lnRef>
+          <a:fillRef idx="2">
+            <a:schemeClr val="accent2"/>
+          </a:fillRef>
+          <a:effectRef idx="1">
+            <a:schemeClr val="accent2"/>
+          </a:effectRef>
+          <a:fontRef idx="minor">
+            <a:schemeClr val="dk1"/>
+          </a:fontRef>
+        </p:style>
+      </p:cxnSp>
+      <p:sp>
+        <p:nvSpPr>
+          <p:cNvPr id="838" name="Rectangle 837">
+            <a:extLst>
+              <a:ext uri="{FF2B5EF4-FFF2-40B4-BE49-F238E27FC236}">
+                <a16:creationId xmlns:a16="http://schemas.microsoft.com/office/drawing/2014/main" id="{357E0244-5A47-4AE3-9912-8213899527E4}"/>
+              </a:ext>
+            </a:extLst>
+          </p:cNvPr>
+          <p:cNvSpPr/>
+          <p:nvPr/>
+        </p:nvSpPr>
+        <p:spPr>
+          <a:xfrm>
+            <a:off x="2471474" y="3460392"/>
+            <a:ext cx="476042" cy="260070"/>
+          </a:xfrm>
+          <a:prstGeom prst="rect">
+            <a:avLst/>
+          </a:prstGeom>
+          <a:solidFill>
+            <a:schemeClr val="bg2">
+              <a:lumMod val="50000"/>
+            </a:schemeClr>
+          </a:solidFill>
+          <a:ln>
+            <a:solidFill>
+              <a:srgbClr val="0070C0"/>
+            </a:solidFill>
+          </a:ln>
+          <a:effectLst/>
+        </p:spPr>
+        <p:style>
+          <a:lnRef idx="1">
+            <a:schemeClr val="accent1"/>
+          </a:lnRef>
+          <a:fillRef idx="2">
+            <a:schemeClr val="accent1"/>
+          </a:fillRef>
+          <a:effectRef idx="1">
+            <a:schemeClr val="accent1"/>
+          </a:effectRef>
+          <a:fontRef idx="minor">
+            <a:schemeClr val="dk1"/>
+          </a:fontRef>
+        </p:style>
+        <p:txBody>
+          <a:bodyPr rtlCol="0" anchor="ctr"/>
+          <a:lstStyle/>
+          <a:p>
+            <a:pPr algn="ctr"/>
+            <a:r>
+              <a:rPr lang="en-US" sz="788" dirty="0"/>
+              <a:t>Msg</a:t>
+            </a:r>
+            <a:endParaRPr lang="en-SG" sz="788" dirty="0"/>
+          </a:p>
+        </p:txBody>
+      </p:sp>
+      <p:sp>
+        <p:nvSpPr>
+          <p:cNvPr id="840" name="Flowchart: Decision 839">
+            <a:extLst>
+              <a:ext uri="{FF2B5EF4-FFF2-40B4-BE49-F238E27FC236}">
+                <a16:creationId xmlns:a16="http://schemas.microsoft.com/office/drawing/2014/main" id="{5EDAAB02-64FC-4A74-82E9-E2104BDD7505}"/>
+              </a:ext>
+            </a:extLst>
+          </p:cNvPr>
+          <p:cNvSpPr/>
+          <p:nvPr/>
+        </p:nvSpPr>
+        <p:spPr>
+          <a:xfrm>
+            <a:off x="3062519" y="3527144"/>
+            <a:ext cx="177036" cy="130035"/>
+          </a:xfrm>
+          <a:prstGeom prst="flowChartDecision">
+            <a:avLst/>
+          </a:prstGeom>
+          <a:solidFill>
+            <a:schemeClr val="bg2">
+              <a:lumMod val="50000"/>
+            </a:schemeClr>
+          </a:solidFill>
+          <a:ln w="19050">
+            <a:solidFill>
+              <a:schemeClr val="bg2">
+                <a:lumMod val="50000"/>
+              </a:schemeClr>
+            </a:solidFill>
+          </a:ln>
+          <a:effectLst/>
+        </p:spPr>
+        <p:style>
+          <a:lnRef idx="1">
+            <a:schemeClr val="accent6"/>
+          </a:lnRef>
+          <a:fillRef idx="2">
+            <a:schemeClr val="accent6"/>
+          </a:fillRef>
+          <a:effectRef idx="1">
+            <a:schemeClr val="accent6"/>
+          </a:effectRef>
+          <a:fontRef idx="minor">
+            <a:schemeClr val="dk1"/>
+          </a:fontRef>
+        </p:style>
+        <p:txBody>
+          <a:bodyPr rtlCol="0" anchor="ctr"/>
+          <a:lstStyle/>
+          <a:p>
+            <a:pPr algn="ctr"/>
+            <a:endParaRPr lang="en-US" sz="788"/>
+          </a:p>
+        </p:txBody>
+      </p:sp>
+      <p:cxnSp>
+        <p:nvCxnSpPr>
+          <p:cNvPr id="844" name="Elbow Connector 40">
+            <a:extLst>
+              <a:ext uri="{FF2B5EF4-FFF2-40B4-BE49-F238E27FC236}">
+                <a16:creationId xmlns:a16="http://schemas.microsoft.com/office/drawing/2014/main" id="{40299A14-4C08-4195-BDBC-2A9E41E8AF66}"/>
+              </a:ext>
+            </a:extLst>
+          </p:cNvPr>
+          <p:cNvCxnSpPr>
+            <a:cxnSpLocks/>
+          </p:cNvCxnSpPr>
+          <p:nvPr/>
+        </p:nvCxnSpPr>
+        <p:spPr>
+          <a:xfrm rot="16200000" flipV="1">
+            <a:off x="3167968" y="3215827"/>
+            <a:ext cx="334742" cy="303890"/>
+          </a:xfrm>
+          <a:prstGeom prst="bentConnector2">
+            <a:avLst/>
+          </a:prstGeom>
+          <a:ln w="19050">
+            <a:solidFill>
+              <a:schemeClr val="bg2">
+                <a:lumMod val="50000"/>
+              </a:schemeClr>
+            </a:solidFill>
+            <a:headEnd type="none" w="med" len="med"/>
+            <a:tailEnd type="arrow" w="med" len="med"/>
+          </a:ln>
+          <a:effectLst/>
+        </p:spPr>
+        <p:style>
+          <a:lnRef idx="1">
+            <a:schemeClr val="accent2"/>
+          </a:lnRef>
+          <a:fillRef idx="2">
+            <a:schemeClr val="accent2"/>
+          </a:fillRef>
+          <a:effectRef idx="1">
+            <a:schemeClr val="accent2"/>
+          </a:effectRef>
+          <a:fontRef idx="minor">
+            <a:schemeClr val="dk1"/>
+          </a:fontRef>
+        </p:style>
+      </p:cxnSp>
+      <p:cxnSp>
+        <p:nvCxnSpPr>
+          <p:cNvPr id="850" name="Elbow Connector 40">
+            <a:extLst>
+              <a:ext uri="{FF2B5EF4-FFF2-40B4-BE49-F238E27FC236}">
+                <a16:creationId xmlns:a16="http://schemas.microsoft.com/office/drawing/2014/main" id="{F034CB1A-F199-4B33-BB0C-E5F697B4045F}"/>
+              </a:ext>
+            </a:extLst>
+          </p:cNvPr>
+          <p:cNvCxnSpPr>
+            <a:cxnSpLocks/>
+            <a:endCxn id="838" idx="0"/>
+          </p:cNvCxnSpPr>
+          <p:nvPr/>
+        </p:nvCxnSpPr>
+        <p:spPr>
+          <a:xfrm rot="5400000">
+            <a:off x="2621868" y="3372764"/>
+            <a:ext cx="175256" cy="1"/>
+          </a:xfrm>
+          <a:prstGeom prst="bentConnector3">
+            <a:avLst>
+              <a:gd name="adj1" fmla="val 50000"/>
+            </a:avLst>
+          </a:prstGeom>
+          <a:ln w="19050">
+            <a:solidFill>
+              <a:schemeClr val="bg2">
+                <a:lumMod val="50000"/>
+              </a:schemeClr>
+            </a:solidFill>
+            <a:headEnd type="none" w="med" len="med"/>
+            <a:tailEnd type="arrow" w="med" len="med"/>
+          </a:ln>
+          <a:effectLst/>
+        </p:spPr>
+        <p:style>
+          <a:lnRef idx="1">
+            <a:schemeClr val="accent2"/>
+          </a:lnRef>
+          <a:fillRef idx="2">
+            <a:schemeClr val="accent2"/>
+          </a:fillRef>
+          <a:effectRef idx="1">
+            <a:schemeClr val="accent2"/>
+          </a:effectRef>
+          <a:fontRef idx="minor">
+            <a:schemeClr val="dk1"/>
+          </a:fontRef>
+        </p:style>
+      </p:cxnSp>
+      <p:cxnSp>
+        <p:nvCxnSpPr>
+          <p:cNvPr id="891" name="Elbow Connector 50">
+            <a:extLst>
+              <a:ext uri="{FF2B5EF4-FFF2-40B4-BE49-F238E27FC236}">
+                <a16:creationId xmlns:a16="http://schemas.microsoft.com/office/drawing/2014/main" id="{EADE9F6C-283E-4BFB-83EB-F60CADF9166F}"/>
+              </a:ext>
+            </a:extLst>
+          </p:cNvPr>
+          <p:cNvCxnSpPr>
+            <a:cxnSpLocks/>
+            <a:stCxn id="100" idx="3"/>
+            <a:endCxn id="19" idx="1"/>
+          </p:cNvCxnSpPr>
+          <p:nvPr/>
+        </p:nvCxnSpPr>
+        <p:spPr>
+          <a:xfrm flipV="1">
+            <a:off x="7044073" y="2484344"/>
+            <a:ext cx="272003" cy="455175"/>
+          </a:xfrm>
+          <a:prstGeom prst="bentConnector3">
+            <a:avLst>
+              <a:gd name="adj1" fmla="val 25838"/>
+            </a:avLst>
+          </a:prstGeom>
+          <a:ln w="19050">
+            <a:headEnd type="none" w="med" len="med"/>
+            <a:tailEnd type="arrow" w="med" len="med"/>
+          </a:ln>
+          <a:effectLst/>
+        </p:spPr>
+        <p:style>
+          <a:lnRef idx="1">
+            <a:schemeClr val="accent6"/>
+          </a:lnRef>
+          <a:fillRef idx="2">
+            <a:schemeClr val="accent6"/>
+          </a:fillRef>
+          <a:effectRef idx="1">
+            <a:schemeClr val="accent6"/>
+          </a:effectRef>
+          <a:fontRef idx="minor">
+            <a:schemeClr val="dk1"/>
+          </a:fontRef>
+        </p:style>
+      </p:cxnSp>
+      <p:sp>
+        <p:nvSpPr>
+          <p:cNvPr id="914" name="Flowchart: Decision 913">
+            <a:extLst>
+              <a:ext uri="{FF2B5EF4-FFF2-40B4-BE49-F238E27FC236}">
+                <a16:creationId xmlns:a16="http://schemas.microsoft.com/office/drawing/2014/main" id="{CB76A117-F012-4D56-83B3-25AD270210ED}"/>
+              </a:ext>
+            </a:extLst>
+          </p:cNvPr>
+          <p:cNvSpPr/>
+          <p:nvPr/>
+        </p:nvSpPr>
+        <p:spPr>
+          <a:xfrm>
+            <a:off x="6867038" y="2313568"/>
+            <a:ext cx="177036" cy="130035"/>
+          </a:xfrm>
+          <a:prstGeom prst="flowChartDecision">
+            <a:avLst/>
+          </a:prstGeom>
+          <a:noFill/>
+          <a:ln w="19050">
+            <a:solidFill>
+              <a:srgbClr val="00B050"/>
+            </a:solidFill>
+          </a:ln>
+          <a:effectLst/>
+        </p:spPr>
+        <p:style>
+          <a:lnRef idx="1">
+            <a:schemeClr val="accent6"/>
+          </a:lnRef>
+          <a:fillRef idx="2">
+            <a:schemeClr val="accent6"/>
+          </a:fillRef>
+          <a:effectRef idx="1">
+            <a:schemeClr val="accent6"/>
+          </a:effectRef>
+          <a:fontRef idx="minor">
+            <a:schemeClr val="dk1"/>
+          </a:fontRef>
+        </p:style>
+        <p:txBody>
+          <a:bodyPr rtlCol="0" anchor="ctr"/>
+          <a:lstStyle/>
+          <a:p>
+            <a:pPr algn="ctr"/>
+            <a:endParaRPr lang="en-US" sz="788"/>
+          </a:p>
+        </p:txBody>
+      </p:sp>
+      <p:cxnSp>
+        <p:nvCxnSpPr>
+          <p:cNvPr id="915" name="Straight Arrow Connector 914">
+            <a:extLst>
+              <a:ext uri="{FF2B5EF4-FFF2-40B4-BE49-F238E27FC236}">
+                <a16:creationId xmlns:a16="http://schemas.microsoft.com/office/drawing/2014/main" id="{EBFE9FE2-0050-4BE2-9E1F-C0259890AE25}"/>
+              </a:ext>
+            </a:extLst>
+          </p:cNvPr>
+          <p:cNvCxnSpPr>
+            <a:cxnSpLocks/>
+            <a:stCxn id="914" idx="3"/>
+          </p:cNvCxnSpPr>
+          <p:nvPr/>
+        </p:nvCxnSpPr>
+        <p:spPr>
+          <a:xfrm>
+            <a:off x="7044074" y="2378585"/>
+            <a:ext cx="278502" cy="7664"/>
+          </a:xfrm>
+          <a:prstGeom prst="straightConnector1">
+            <a:avLst/>
+          </a:prstGeom>
+          <a:ln w="19050">
+            <a:solidFill>
+              <a:srgbClr val="00B050"/>
+            </a:solidFill>
+            <a:headEnd type="none" w="med" len="med"/>
+            <a:tailEnd type="arrow" w="med" len="med"/>
+          </a:ln>
+          <a:effectLst/>
+        </p:spPr>
+        <p:style>
+          <a:lnRef idx="1">
+            <a:schemeClr val="accent2"/>
+          </a:lnRef>
+          <a:fillRef idx="2">
+            <a:schemeClr val="accent2"/>
+          </a:fillRef>
+          <a:effectRef idx="1">
+            <a:schemeClr val="accent2"/>
+          </a:effectRef>
+          <a:fontRef idx="minor">
+            <a:schemeClr val="dk1"/>
+          </a:fontRef>
+        </p:style>
+      </p:cxnSp>
+      <p:cxnSp>
+        <p:nvCxnSpPr>
+          <p:cNvPr id="920" name="Elbow Connector 50">
+            <a:extLst>
+              <a:ext uri="{FF2B5EF4-FFF2-40B4-BE49-F238E27FC236}">
+                <a16:creationId xmlns:a16="http://schemas.microsoft.com/office/drawing/2014/main" id="{D2CBCC61-A3D9-4266-B435-FD6A9145A5A8}"/>
+              </a:ext>
+            </a:extLst>
+          </p:cNvPr>
+          <p:cNvCxnSpPr>
+            <a:cxnSpLocks/>
+            <a:stCxn id="914" idx="3"/>
+          </p:cNvCxnSpPr>
+          <p:nvPr/>
+        </p:nvCxnSpPr>
+        <p:spPr>
+          <a:xfrm flipV="1">
+            <a:off x="7044074" y="2122499"/>
+            <a:ext cx="265494" cy="256086"/>
+          </a:xfrm>
+          <a:prstGeom prst="bentConnector3">
+            <a:avLst>
+              <a:gd name="adj1" fmla="val 17711"/>
+            </a:avLst>
+          </a:prstGeom>
+          <a:ln w="19050">
+            <a:solidFill>
+              <a:srgbClr val="00B050"/>
+            </a:solidFill>
+            <a:headEnd type="none" w="med" len="med"/>
+            <a:tailEnd type="arrow" w="med" len="med"/>
+          </a:ln>
+          <a:effectLst/>
+        </p:spPr>
+        <p:style>
+          <a:lnRef idx="1">
+            <a:schemeClr val="accent6"/>
+          </a:lnRef>
+          <a:fillRef idx="2">
+            <a:schemeClr val="accent6"/>
+          </a:fillRef>
+          <a:effectRef idx="1">
+            <a:schemeClr val="accent6"/>
+          </a:effectRef>
+          <a:fontRef idx="minor">
+            <a:schemeClr val="dk1"/>
+          </a:fontRef>
+        </p:style>
+      </p:cxnSp>
+      <p:cxnSp>
+        <p:nvCxnSpPr>
+          <p:cNvPr id="925" name="Elbow Connector 40">
+            <a:extLst>
+              <a:ext uri="{FF2B5EF4-FFF2-40B4-BE49-F238E27FC236}">
+                <a16:creationId xmlns:a16="http://schemas.microsoft.com/office/drawing/2014/main" id="{DBF19D4A-13EC-409A-97E5-FF0FF48FFE48}"/>
+              </a:ext>
+            </a:extLst>
+          </p:cNvPr>
+          <p:cNvCxnSpPr>
+            <a:cxnSpLocks/>
+            <a:endCxn id="137" idx="0"/>
+          </p:cNvCxnSpPr>
+          <p:nvPr/>
+        </p:nvCxnSpPr>
+        <p:spPr>
+          <a:xfrm rot="16200000" flipH="1">
+            <a:off x="1809700" y="2923256"/>
+            <a:ext cx="1913358" cy="643698"/>
+          </a:xfrm>
+          <a:prstGeom prst="bentConnector3">
+            <a:avLst>
+              <a:gd name="adj1" fmla="val 76716"/>
+            </a:avLst>
+          </a:prstGeom>
+          <a:ln w="19050">
+            <a:solidFill>
+              <a:srgbClr val="0070C0"/>
+            </a:solidFill>
+            <a:prstDash val="dash"/>
+            <a:headEnd type="none" w="med" len="med"/>
+            <a:tailEnd type="arrow" w="med" len="med"/>
+          </a:ln>
+          <a:effectLst/>
+        </p:spPr>
+        <p:style>
+          <a:lnRef idx="1">
+            <a:schemeClr val="accent2"/>
+          </a:lnRef>
+          <a:fillRef idx="2">
+            <a:schemeClr val="accent2"/>
+          </a:fillRef>
+          <a:effectRef idx="1">
+            <a:schemeClr val="accent2"/>
+          </a:effectRef>
+          <a:fontRef idx="minor">
+            <a:schemeClr val="dk1"/>
+          </a:fontRef>
+        </p:style>
+      </p:cxnSp>
+      <p:sp>
+        <p:nvSpPr>
+          <p:cNvPr id="933" name="Rectangle 932">
+            <a:extLst>
+              <a:ext uri="{FF2B5EF4-FFF2-40B4-BE49-F238E27FC236}">
+                <a16:creationId xmlns:a16="http://schemas.microsoft.com/office/drawing/2014/main" id="{13DBF971-4F77-481B-9EDE-124E062E60E1}"/>
+              </a:ext>
+            </a:extLst>
+          </p:cNvPr>
+          <p:cNvSpPr/>
+          <p:nvPr/>
+        </p:nvSpPr>
+        <p:spPr>
+          <a:xfrm>
+            <a:off x="6123688" y="3140931"/>
+            <a:ext cx="696972" cy="260070"/>
+          </a:xfrm>
+          <a:prstGeom prst="rect">
+            <a:avLst/>
+          </a:prstGeom>
+          <a:solidFill>
+            <a:schemeClr val="bg1"/>
+          </a:solidFill>
+          <a:ln w="19050">
+            <a:solidFill>
+              <a:schemeClr val="bg1">
+                <a:lumMod val="65000"/>
+              </a:schemeClr>
+            </a:solidFill>
+          </a:ln>
+          <a:effectLst/>
+        </p:spPr>
+        <p:style>
+          <a:lnRef idx="1">
+            <a:schemeClr val="accent3"/>
+          </a:lnRef>
+          <a:fillRef idx="2">
+            <a:schemeClr val="accent3"/>
+          </a:fillRef>
+          <a:effectRef idx="1">
+            <a:schemeClr val="accent3"/>
+          </a:effectRef>
+          <a:fontRef idx="minor">
+            <a:schemeClr val="dk1"/>
+          </a:fontRef>
+        </p:style>
+        <p:txBody>
+          <a:bodyPr rtlCol="0" anchor="ctr"/>
+          <a:lstStyle/>
+          <a:p>
+            <a:pPr algn="ctr"/>
+            <a:r>
+              <a:rPr lang="en-US" sz="788" dirty="0">
+                <a:solidFill>
+                  <a:schemeClr val="bg1">
+                    <a:lumMod val="50000"/>
+                  </a:schemeClr>
+                </a:solidFill>
+              </a:rPr>
+              <a:t>Messages</a:t>
+            </a:r>
+            <a:endParaRPr lang="en-SG" sz="788" dirty="0">
+              <a:solidFill>
+                <a:schemeClr val="bg1">
+                  <a:lumMod val="50000"/>
+                </a:schemeClr>
+              </a:solidFill>
+            </a:endParaRPr>
+          </a:p>
+        </p:txBody>
+      </p:sp>
+      <p:sp>
+        <p:nvSpPr>
+          <p:cNvPr id="934" name="Rectangle 933">
+            <a:extLst>
+              <a:ext uri="{FF2B5EF4-FFF2-40B4-BE49-F238E27FC236}">
+                <a16:creationId xmlns:a16="http://schemas.microsoft.com/office/drawing/2014/main" id="{813C63DE-4BFA-4321-82DC-D89514A299A0}"/>
+              </a:ext>
+            </a:extLst>
+          </p:cNvPr>
+          <p:cNvSpPr/>
+          <p:nvPr/>
+        </p:nvSpPr>
+        <p:spPr>
+          <a:xfrm>
+            <a:off x="6123688" y="4182676"/>
+            <a:ext cx="696972" cy="260070"/>
+          </a:xfrm>
+          <a:prstGeom prst="rect">
+            <a:avLst/>
+          </a:prstGeom>
+          <a:solidFill>
+            <a:schemeClr val="bg1"/>
+          </a:solidFill>
+          <a:ln w="19050">
+            <a:solidFill>
+              <a:schemeClr val="bg1">
+                <a:lumMod val="65000"/>
+              </a:schemeClr>
+            </a:solidFill>
+          </a:ln>
+          <a:effectLst/>
+        </p:spPr>
+        <p:style>
+          <a:lnRef idx="1">
+            <a:schemeClr val="accent3"/>
+          </a:lnRef>
+          <a:fillRef idx="2">
+            <a:schemeClr val="accent3"/>
+          </a:fillRef>
+          <a:effectRef idx="1">
+            <a:schemeClr val="accent3"/>
+          </a:effectRef>
+          <a:fontRef idx="minor">
+            <a:schemeClr val="dk1"/>
+          </a:fontRef>
+        </p:style>
+        <p:txBody>
+          <a:bodyPr rtlCol="0" anchor="ctr"/>
+          <a:lstStyle/>
+          <a:p>
+            <a:pPr algn="ctr"/>
+            <a:r>
+              <a:rPr lang="en-US" sz="788" dirty="0">
+                <a:solidFill>
+                  <a:schemeClr val="bg1">
+                    <a:lumMod val="50000"/>
+                  </a:schemeClr>
+                </a:solidFill>
+              </a:rPr>
+              <a:t>Logger</a:t>
+            </a:r>
+            <a:endParaRPr lang="en-SG" sz="788" dirty="0">
+              <a:solidFill>
+                <a:schemeClr val="bg1">
+                  <a:lumMod val="50000"/>
+                </a:schemeClr>
+              </a:solidFill>
+            </a:endParaRPr>
+          </a:p>
+        </p:txBody>
+      </p:sp>
+      <p:cxnSp>
+        <p:nvCxnSpPr>
+          <p:cNvPr id="935" name="Straight Arrow Connector 934">
+            <a:extLst>
+              <a:ext uri="{FF2B5EF4-FFF2-40B4-BE49-F238E27FC236}">
+                <a16:creationId xmlns:a16="http://schemas.microsoft.com/office/drawing/2014/main" id="{A0B336CD-EFC9-44A0-97C7-3714CC4A7D0A}"/>
+              </a:ext>
+            </a:extLst>
+          </p:cNvPr>
+          <p:cNvCxnSpPr/>
+          <p:nvPr/>
+        </p:nvCxnSpPr>
+        <p:spPr>
+          <a:xfrm flipV="1">
+            <a:off x="6352289" y="3384908"/>
+            <a:ext cx="0" cy="228600"/>
+          </a:xfrm>
+          <a:prstGeom prst="straightConnector1">
+            <a:avLst/>
+          </a:prstGeom>
+          <a:ln w="19050">
+            <a:solidFill>
+              <a:schemeClr val="bg1">
+                <a:lumMod val="65000"/>
+              </a:schemeClr>
+            </a:solidFill>
+            <a:prstDash val="dash"/>
+            <a:headEnd type="none" w="med" len="med"/>
+            <a:tailEnd type="arrow" w="med" len="med"/>
+          </a:ln>
+          <a:effectLst/>
+        </p:spPr>
+        <p:style>
+          <a:lnRef idx="1">
+            <a:schemeClr val="accent2"/>
+          </a:lnRef>
+          <a:fillRef idx="2">
+            <a:schemeClr val="accent2"/>
+          </a:fillRef>
+          <a:effectRef idx="1">
+            <a:schemeClr val="accent2"/>
+          </a:effectRef>
+          <a:fontRef idx="minor">
+            <a:schemeClr val="dk1"/>
+          </a:fontRef>
+        </p:style>
+      </p:cxnSp>
+      <p:cxnSp>
+        <p:nvCxnSpPr>
+          <p:cNvPr id="936" name="Straight Arrow Connector 935">
+            <a:extLst>
+              <a:ext uri="{FF2B5EF4-FFF2-40B4-BE49-F238E27FC236}">
+                <a16:creationId xmlns:a16="http://schemas.microsoft.com/office/drawing/2014/main" id="{F9364709-0E6E-4435-AF6D-D239245C9262}"/>
+              </a:ext>
+            </a:extLst>
+          </p:cNvPr>
+          <p:cNvCxnSpPr/>
+          <p:nvPr/>
+        </p:nvCxnSpPr>
+        <p:spPr>
+          <a:xfrm flipV="1">
+            <a:off x="6466589" y="3384908"/>
+            <a:ext cx="0" cy="228600"/>
+          </a:xfrm>
+          <a:prstGeom prst="straightConnector1">
+            <a:avLst/>
+          </a:prstGeom>
+          <a:ln w="19050">
+            <a:solidFill>
+              <a:schemeClr val="bg1">
+                <a:lumMod val="65000"/>
+              </a:schemeClr>
+            </a:solidFill>
+            <a:prstDash val="dash"/>
+            <a:headEnd type="none" w="med" len="med"/>
+            <a:tailEnd type="arrow" w="med" len="med"/>
+          </a:ln>
+          <a:effectLst/>
+        </p:spPr>
+        <p:style>
+          <a:lnRef idx="1">
+            <a:schemeClr val="accent2"/>
+          </a:lnRef>
+          <a:fillRef idx="2">
+            <a:schemeClr val="accent2"/>
+          </a:fillRef>
+          <a:effectRef idx="1">
+            <a:schemeClr val="accent2"/>
+          </a:effectRef>
+          <a:fontRef idx="minor">
+            <a:schemeClr val="dk1"/>
+          </a:fontRef>
+        </p:style>
+      </p:cxnSp>
+      <p:cxnSp>
+        <p:nvCxnSpPr>
+          <p:cNvPr id="937" name="Straight Arrow Connector 936">
+            <a:extLst>
+              <a:ext uri="{FF2B5EF4-FFF2-40B4-BE49-F238E27FC236}">
+                <a16:creationId xmlns:a16="http://schemas.microsoft.com/office/drawing/2014/main" id="{9212EF0A-5630-41D8-9D82-FFB4896323CE}"/>
+              </a:ext>
+            </a:extLst>
+          </p:cNvPr>
+          <p:cNvCxnSpPr/>
+          <p:nvPr/>
+        </p:nvCxnSpPr>
+        <p:spPr>
+          <a:xfrm flipV="1">
+            <a:off x="6580889" y="3384908"/>
+            <a:ext cx="0" cy="228600"/>
+          </a:xfrm>
+          <a:prstGeom prst="straightConnector1">
+            <a:avLst/>
+          </a:prstGeom>
+          <a:ln w="19050">
+            <a:solidFill>
+              <a:schemeClr val="bg1">
+                <a:lumMod val="65000"/>
+              </a:schemeClr>
+            </a:solidFill>
+            <a:prstDash val="dash"/>
+            <a:headEnd type="none" w="med" len="med"/>
+            <a:tailEnd type="arrow" w="med" len="med"/>
+          </a:ln>
+          <a:effectLst/>
+        </p:spPr>
+        <p:style>
+          <a:lnRef idx="1">
+            <a:schemeClr val="accent2"/>
+          </a:lnRef>
+          <a:fillRef idx="2">
+            <a:schemeClr val="accent2"/>
+          </a:fillRef>
+          <a:effectRef idx="1">
+            <a:schemeClr val="accent2"/>
+          </a:effectRef>
+          <a:fontRef idx="minor">
+            <a:schemeClr val="dk1"/>
+          </a:fontRef>
+        </p:style>
+      </p:cxnSp>
+      <p:cxnSp>
+        <p:nvCxnSpPr>
+          <p:cNvPr id="938" name="Straight Arrow Connector 937">
+            <a:extLst>
+              <a:ext uri="{FF2B5EF4-FFF2-40B4-BE49-F238E27FC236}">
+                <a16:creationId xmlns:a16="http://schemas.microsoft.com/office/drawing/2014/main" id="{548693CA-48BD-45B0-8A2A-6079A7F4C39D}"/>
+              </a:ext>
+            </a:extLst>
+          </p:cNvPr>
+          <p:cNvCxnSpPr>
+            <a:cxnSpLocks/>
+          </p:cNvCxnSpPr>
+          <p:nvPr/>
+        </p:nvCxnSpPr>
+        <p:spPr>
+          <a:xfrm flipV="1">
+            <a:off x="6327632" y="4426653"/>
+            <a:ext cx="0" cy="152164"/>
+          </a:xfrm>
+          <a:prstGeom prst="straightConnector1">
+            <a:avLst/>
+          </a:prstGeom>
+          <a:ln w="19050">
+            <a:solidFill>
+              <a:schemeClr val="bg1">
+                <a:lumMod val="65000"/>
+              </a:schemeClr>
+            </a:solidFill>
+            <a:prstDash val="dash"/>
+            <a:headEnd type="none" w="med" len="med"/>
+            <a:tailEnd type="arrow" w="med" len="med"/>
+          </a:ln>
+          <a:effectLst/>
+        </p:spPr>
+        <p:style>
+          <a:lnRef idx="1">
+            <a:schemeClr val="accent2"/>
+          </a:lnRef>
+          <a:fillRef idx="2">
+            <a:schemeClr val="accent2"/>
+          </a:fillRef>
+          <a:effectRef idx="1">
+            <a:schemeClr val="accent2"/>
+          </a:effectRef>
+          <a:fontRef idx="minor">
+            <a:schemeClr val="dk1"/>
+          </a:fontRef>
+        </p:style>
+      </p:cxnSp>
+      <p:cxnSp>
+        <p:nvCxnSpPr>
+          <p:cNvPr id="939" name="Straight Arrow Connector 938">
+            <a:extLst>
+              <a:ext uri="{FF2B5EF4-FFF2-40B4-BE49-F238E27FC236}">
+                <a16:creationId xmlns:a16="http://schemas.microsoft.com/office/drawing/2014/main" id="{5E01E4C8-D49F-460A-BE01-7FD2C48C878B}"/>
+              </a:ext>
+            </a:extLst>
+          </p:cNvPr>
+          <p:cNvCxnSpPr>
+            <a:cxnSpLocks/>
+          </p:cNvCxnSpPr>
+          <p:nvPr/>
+        </p:nvCxnSpPr>
+        <p:spPr>
+          <a:xfrm rot="21420000" flipV="1">
+            <a:off x="6433139" y="4426653"/>
+            <a:ext cx="8793" cy="152164"/>
+          </a:xfrm>
+          <a:prstGeom prst="straightConnector1">
+            <a:avLst/>
+          </a:prstGeom>
+          <a:ln w="19050">
+            <a:solidFill>
+              <a:schemeClr val="bg1">
+                <a:lumMod val="65000"/>
+              </a:schemeClr>
+            </a:solidFill>
+            <a:prstDash val="dash"/>
+            <a:headEnd type="none" w="med" len="med"/>
+            <a:tailEnd type="arrow" w="med" len="med"/>
+          </a:ln>
+          <a:effectLst/>
+        </p:spPr>
+        <p:style>
+          <a:lnRef idx="1">
+            <a:schemeClr val="accent2"/>
+          </a:lnRef>
+          <a:fillRef idx="2">
+            <a:schemeClr val="accent2"/>
+          </a:fillRef>
+          <a:effectRef idx="1">
+            <a:schemeClr val="accent2"/>
+          </a:effectRef>
+          <a:fontRef idx="minor">
+            <a:schemeClr val="dk1"/>
+          </a:fontRef>
+        </p:style>
+      </p:cxnSp>
+      <p:cxnSp>
+        <p:nvCxnSpPr>
+          <p:cNvPr id="940" name="Straight Arrow Connector 939">
+            <a:extLst>
+              <a:ext uri="{FF2B5EF4-FFF2-40B4-BE49-F238E27FC236}">
+                <a16:creationId xmlns:a16="http://schemas.microsoft.com/office/drawing/2014/main" id="{8B43B305-575D-41FA-8B92-82B117D3D231}"/>
+              </a:ext>
+            </a:extLst>
+          </p:cNvPr>
+          <p:cNvCxnSpPr>
+            <a:cxnSpLocks/>
+          </p:cNvCxnSpPr>
+          <p:nvPr/>
+        </p:nvCxnSpPr>
+        <p:spPr>
+          <a:xfrm flipV="1">
+            <a:off x="6556232" y="4426653"/>
+            <a:ext cx="0" cy="152164"/>
+          </a:xfrm>
+          <a:prstGeom prst="straightConnector1">
+            <a:avLst/>
+          </a:prstGeom>
+          <a:ln w="19050">
+            <a:solidFill>
+              <a:schemeClr val="bg1">
+                <a:lumMod val="65000"/>
+              </a:schemeClr>
+            </a:solidFill>
+            <a:prstDash val="dash"/>
+            <a:headEnd type="none" w="med" len="med"/>
+            <a:tailEnd type="arrow" w="med" len="med"/>
+          </a:ln>
+          <a:effectLst/>
+        </p:spPr>
+        <p:style>
+          <a:lnRef idx="1">
+            <a:schemeClr val="accent2"/>
+          </a:lnRef>
+          <a:fillRef idx="2">
+            <a:schemeClr val="accent2"/>
+          </a:fillRef>
+          <a:effectRef idx="1">
+            <a:schemeClr val="accent2"/>
+          </a:effectRef>
+          <a:fontRef idx="minor">
+            <a:schemeClr val="dk1"/>
+          </a:fontRef>
+        </p:style>
+      </p:cxnSp>
+      <p:cxnSp>
+        <p:nvCxnSpPr>
+          <p:cNvPr id="944" name="Elbow Connector 50">
+            <a:extLst>
+              <a:ext uri="{FF2B5EF4-FFF2-40B4-BE49-F238E27FC236}">
+                <a16:creationId xmlns:a16="http://schemas.microsoft.com/office/drawing/2014/main" id="{C5ABE9F6-6008-49C5-AED1-4AD9797F509F}"/>
+              </a:ext>
+            </a:extLst>
+          </p:cNvPr>
+          <p:cNvCxnSpPr>
+            <a:cxnSpLocks/>
+            <a:stCxn id="914" idx="3"/>
+            <a:endCxn id="105" idx="1"/>
+          </p:cNvCxnSpPr>
+          <p:nvPr/>
+        </p:nvCxnSpPr>
+        <p:spPr>
+          <a:xfrm flipV="1">
+            <a:off x="7044074" y="1529054"/>
+            <a:ext cx="265493" cy="849532"/>
+          </a:xfrm>
+          <a:prstGeom prst="bentConnector3">
+            <a:avLst>
+              <a:gd name="adj1" fmla="val 17712"/>
+            </a:avLst>
+          </a:prstGeom>
+          <a:ln w="19050">
+            <a:solidFill>
+              <a:srgbClr val="00B050"/>
+            </a:solidFill>
+            <a:headEnd type="none" w="med" len="med"/>
+            <a:tailEnd type="arrow" w="med" len="med"/>
+          </a:ln>
+          <a:effectLst/>
+        </p:spPr>
+        <p:style>
+          <a:lnRef idx="1">
+            <a:schemeClr val="accent6"/>
+          </a:lnRef>
+          <a:fillRef idx="2">
+            <a:schemeClr val="accent6"/>
+          </a:fillRef>
+          <a:effectRef idx="1">
+            <a:schemeClr val="accent6"/>
+          </a:effectRef>
+          <a:fontRef idx="minor">
+            <a:schemeClr val="dk1"/>
+          </a:fontRef>
+        </p:style>
+      </p:cxnSp>
+      <p:cxnSp>
+        <p:nvCxnSpPr>
+          <p:cNvPr id="958" name="Elbow Connector 81">
+            <a:extLst>
+              <a:ext uri="{FF2B5EF4-FFF2-40B4-BE49-F238E27FC236}">
+                <a16:creationId xmlns:a16="http://schemas.microsoft.com/office/drawing/2014/main" id="{6CF2CF64-608C-4F10-BE21-86EA5EDC9CF3}"/>
+              </a:ext>
+            </a:extLst>
+          </p:cNvPr>
+          <p:cNvCxnSpPr>
+            <a:cxnSpLocks/>
+          </p:cNvCxnSpPr>
+          <p:nvPr/>
+        </p:nvCxnSpPr>
+        <p:spPr>
+          <a:xfrm rot="16200000" flipH="1">
+            <a:off x="5241281" y="1715128"/>
+            <a:ext cx="511622" cy="1001600"/>
+          </a:xfrm>
+          <a:prstGeom prst="bentConnector4">
+            <a:avLst>
+              <a:gd name="adj1" fmla="val -33511"/>
+              <a:gd name="adj2" fmla="val 80174"/>
+            </a:avLst>
+          </a:prstGeom>
+          <a:ln w="19050">
+            <a:solidFill>
+              <a:schemeClr val="accent5"/>
+            </a:solidFill>
+            <a:prstDash val="dash"/>
+            <a:headEnd type="none" w="med" len="med"/>
+            <a:tailEnd type="arrow" w="med" len="med"/>
+          </a:ln>
+          <a:effectLst/>
+        </p:spPr>
+        <p:style>
+          <a:lnRef idx="1">
+            <a:schemeClr val="accent2"/>
+          </a:lnRef>
+          <a:fillRef idx="2">
+            <a:schemeClr val="accent2"/>
+          </a:fillRef>
+          <a:effectRef idx="1">
+            <a:schemeClr val="accent2"/>
+          </a:effectRef>
+          <a:fontRef idx="minor">
+            <a:schemeClr val="dk1"/>
+          </a:fontRef>
+        </p:style>
+      </p:cxnSp>
+      <p:sp>
+        <p:nvSpPr>
+          <p:cNvPr id="977" name="Rectangle 976">
+            <a:extLst>
+              <a:ext uri="{FF2B5EF4-FFF2-40B4-BE49-F238E27FC236}">
+                <a16:creationId xmlns:a16="http://schemas.microsoft.com/office/drawing/2014/main" id="{8782DD78-7A94-40EE-A6C5-9B3BBD7F9802}"/>
+              </a:ext>
+            </a:extLst>
+          </p:cNvPr>
+          <p:cNvSpPr/>
+          <p:nvPr/>
+        </p:nvSpPr>
+        <p:spPr>
+          <a:xfrm>
+            <a:off x="6123688" y="3680999"/>
+            <a:ext cx="696972" cy="260070"/>
+          </a:xfrm>
+          <a:prstGeom prst="rect">
+            <a:avLst/>
+          </a:prstGeom>
+          <a:solidFill>
+            <a:schemeClr val="bg1"/>
+          </a:solidFill>
+          <a:ln w="19050">
+            <a:solidFill>
+              <a:schemeClr val="bg1">
+                <a:lumMod val="65000"/>
+              </a:schemeClr>
+            </a:solidFill>
+          </a:ln>
+          <a:effectLst/>
+        </p:spPr>
+        <p:style>
+          <a:lnRef idx="1">
+            <a:schemeClr val="accent3"/>
+          </a:lnRef>
+          <a:fillRef idx="2">
+            <a:schemeClr val="accent3"/>
+          </a:fillRef>
+          <a:effectRef idx="1">
+            <a:schemeClr val="accent3"/>
+          </a:effectRef>
+          <a:fontRef idx="minor">
+            <a:schemeClr val="dk1"/>
+          </a:fontRef>
+        </p:style>
+        <p:txBody>
+          <a:bodyPr rtlCol="0" anchor="ctr"/>
+          <a:lstStyle/>
+          <a:p>
+            <a:pPr algn="ctr"/>
+            <a:r>
+              <a:rPr lang="en-US" sz="788" dirty="0" err="1">
+                <a:solidFill>
+                  <a:schemeClr val="bg1">
+                    <a:lumMod val="50000"/>
+                  </a:schemeClr>
+                </a:solidFill>
+              </a:rPr>
+              <a:t>Utils</a:t>
+            </a:r>
+            <a:endParaRPr lang="en-SG" sz="788" dirty="0">
+              <a:solidFill>
+                <a:schemeClr val="bg1">
+                  <a:lumMod val="50000"/>
+                </a:schemeClr>
+              </a:solidFill>
+            </a:endParaRPr>
+          </a:p>
+        </p:txBody>
+      </p:sp>
+      <p:cxnSp>
+        <p:nvCxnSpPr>
+          <p:cNvPr id="978" name="Straight Arrow Connector 977">
+            <a:extLst>
+              <a:ext uri="{FF2B5EF4-FFF2-40B4-BE49-F238E27FC236}">
+                <a16:creationId xmlns:a16="http://schemas.microsoft.com/office/drawing/2014/main" id="{1D93F725-D5F5-478F-A295-5A1658AA663E}"/>
+              </a:ext>
+            </a:extLst>
+          </p:cNvPr>
+          <p:cNvCxnSpPr/>
+          <p:nvPr/>
+        </p:nvCxnSpPr>
+        <p:spPr>
+          <a:xfrm flipV="1">
+            <a:off x="6352289" y="3924976"/>
+            <a:ext cx="0" cy="228600"/>
+          </a:xfrm>
+          <a:prstGeom prst="straightConnector1">
+            <a:avLst/>
+          </a:prstGeom>
+          <a:ln w="19050">
+            <a:solidFill>
+              <a:schemeClr val="bg1">
+                <a:lumMod val="65000"/>
+              </a:schemeClr>
+            </a:solidFill>
+            <a:prstDash val="dash"/>
+            <a:headEnd type="none" w="med" len="med"/>
+            <a:tailEnd type="arrow" w="med" len="med"/>
+          </a:ln>
+          <a:effectLst/>
+        </p:spPr>
+        <p:style>
+          <a:lnRef idx="1">
+            <a:schemeClr val="accent2"/>
+          </a:lnRef>
+          <a:fillRef idx="2">
+            <a:schemeClr val="accent2"/>
+          </a:fillRef>
+          <a:effectRef idx="1">
+            <a:schemeClr val="accent2"/>
+          </a:effectRef>
+          <a:fontRef idx="minor">
+            <a:schemeClr val="dk1"/>
+          </a:fontRef>
+        </p:style>
+      </p:cxnSp>
+      <p:cxnSp>
+        <p:nvCxnSpPr>
+          <p:cNvPr id="979" name="Straight Arrow Connector 978">
+            <a:extLst>
+              <a:ext uri="{FF2B5EF4-FFF2-40B4-BE49-F238E27FC236}">
+                <a16:creationId xmlns:a16="http://schemas.microsoft.com/office/drawing/2014/main" id="{7E18EBA4-6455-47A8-9BAA-4ECCD425F468}"/>
+              </a:ext>
+            </a:extLst>
+          </p:cNvPr>
+          <p:cNvCxnSpPr/>
+          <p:nvPr/>
+        </p:nvCxnSpPr>
+        <p:spPr>
+          <a:xfrm flipV="1">
+            <a:off x="6466589" y="3924976"/>
+            <a:ext cx="0" cy="228600"/>
+          </a:xfrm>
+          <a:prstGeom prst="straightConnector1">
+            <a:avLst/>
+          </a:prstGeom>
+          <a:ln w="19050">
+            <a:solidFill>
+              <a:schemeClr val="bg1">
+                <a:lumMod val="65000"/>
+              </a:schemeClr>
+            </a:solidFill>
+            <a:prstDash val="dash"/>
+            <a:headEnd type="none" w="med" len="med"/>
+            <a:tailEnd type="arrow" w="med" len="med"/>
+          </a:ln>
+          <a:effectLst/>
+        </p:spPr>
+        <p:style>
+          <a:lnRef idx="1">
+            <a:schemeClr val="accent2"/>
+          </a:lnRef>
+          <a:fillRef idx="2">
+            <a:schemeClr val="accent2"/>
+          </a:fillRef>
+          <a:effectRef idx="1">
+            <a:schemeClr val="accent2"/>
+          </a:effectRef>
+          <a:fontRef idx="minor">
+            <a:schemeClr val="dk1"/>
+          </a:fontRef>
+        </p:style>
+      </p:cxnSp>
+      <p:cxnSp>
+        <p:nvCxnSpPr>
+          <p:cNvPr id="980" name="Straight Arrow Connector 979">
+            <a:extLst>
+              <a:ext uri="{FF2B5EF4-FFF2-40B4-BE49-F238E27FC236}">
+                <a16:creationId xmlns:a16="http://schemas.microsoft.com/office/drawing/2014/main" id="{20B39C12-BF34-4792-9DBF-DF938D225B19}"/>
+              </a:ext>
+            </a:extLst>
+          </p:cNvPr>
+          <p:cNvCxnSpPr/>
+          <p:nvPr/>
+        </p:nvCxnSpPr>
+        <p:spPr>
+          <a:xfrm flipV="1">
+            <a:off x="6580889" y="3924976"/>
+            <a:ext cx="0" cy="228600"/>
+          </a:xfrm>
+          <a:prstGeom prst="straightConnector1">
+            <a:avLst/>
+          </a:prstGeom>
+          <a:ln w="19050">
+            <a:solidFill>
+              <a:schemeClr val="bg1">
+                <a:lumMod val="65000"/>
+              </a:schemeClr>
+            </a:solidFill>
+            <a:prstDash val="dash"/>
+            <a:headEnd type="none" w="med" len="med"/>
+            <a:tailEnd type="arrow" w="med" len="med"/>
+          </a:ln>
+          <a:effectLst/>
+        </p:spPr>
+        <p:style>
+          <a:lnRef idx="1">
+            <a:schemeClr val="accent2"/>
+          </a:lnRef>
+          <a:fillRef idx="2">
+            <a:schemeClr val="accent2"/>
+          </a:fillRef>
+          <a:effectRef idx="1">
+            <a:schemeClr val="accent2"/>
+          </a:effectRef>
+          <a:fontRef idx="minor">
+            <a:schemeClr val="dk1"/>
+          </a:fontRef>
+        </p:style>
+      </p:cxnSp>
+      <p:sp>
+        <p:nvSpPr>
+          <p:cNvPr id="992" name="Rectangle 991">
+            <a:extLst>
+              <a:ext uri="{FF2B5EF4-FFF2-40B4-BE49-F238E27FC236}">
+                <a16:creationId xmlns:a16="http://schemas.microsoft.com/office/drawing/2014/main" id="{B01395A5-84E6-4430-B315-5D9F7AA57F82}"/>
+              </a:ext>
+            </a:extLst>
+          </p:cNvPr>
+          <p:cNvSpPr/>
+          <p:nvPr/>
+        </p:nvSpPr>
+        <p:spPr>
+          <a:xfrm>
+            <a:off x="3848100" y="2738410"/>
+            <a:ext cx="535646" cy="260070"/>
+          </a:xfrm>
+          <a:prstGeom prst="rect">
+            <a:avLst/>
+          </a:prstGeom>
+          <a:solidFill>
+            <a:schemeClr val="bg2">
+              <a:lumMod val="50000"/>
+            </a:schemeClr>
+          </a:solidFill>
+          <a:ln>
+            <a:solidFill>
+              <a:srgbClr val="0070C0"/>
+            </a:solidFill>
+          </a:ln>
+          <a:effectLst/>
+        </p:spPr>
+        <p:style>
+          <a:lnRef idx="1">
+            <a:schemeClr val="accent1"/>
+          </a:lnRef>
+          <a:fillRef idx="2">
+            <a:schemeClr val="accent1"/>
+          </a:fillRef>
+          <a:effectRef idx="1">
+            <a:schemeClr val="accent1"/>
+          </a:effectRef>
+          <a:fontRef idx="minor">
+            <a:schemeClr val="dk1"/>
+          </a:fontRef>
+        </p:style>
+        <p:txBody>
+          <a:bodyPr rtlCol="0" anchor="ctr"/>
+          <a:lstStyle/>
+          <a:p>
+            <a:pPr algn="ctr"/>
+            <a:r>
+              <a:rPr lang="en-US" sz="788" dirty="0"/>
+              <a:t>Location</a:t>
+            </a:r>
+            <a:endParaRPr lang="en-SG" sz="788" dirty="0"/>
+          </a:p>
+        </p:txBody>
+      </p:sp>
+      <p:cxnSp>
+        <p:nvCxnSpPr>
+          <p:cNvPr id="996" name="Elbow Connector 40">
+            <a:extLst>
+              <a:ext uri="{FF2B5EF4-FFF2-40B4-BE49-F238E27FC236}">
+                <a16:creationId xmlns:a16="http://schemas.microsoft.com/office/drawing/2014/main" id="{E642960A-D092-412A-B710-926AA1C90417}"/>
+              </a:ext>
+            </a:extLst>
+          </p:cNvPr>
+          <p:cNvCxnSpPr>
+            <a:cxnSpLocks/>
+          </p:cNvCxnSpPr>
+          <p:nvPr/>
+        </p:nvCxnSpPr>
+        <p:spPr>
+          <a:xfrm rot="5400000" flipH="1" flipV="1">
+            <a:off x="3902841" y="3071392"/>
+            <a:ext cx="152900" cy="1"/>
+          </a:xfrm>
+          <a:prstGeom prst="bentConnector3">
+            <a:avLst>
+              <a:gd name="adj1" fmla="val 36917"/>
+            </a:avLst>
+          </a:prstGeom>
+          <a:ln w="19050">
+            <a:solidFill>
+              <a:schemeClr val="bg2">
+                <a:lumMod val="50000"/>
+              </a:schemeClr>
+            </a:solidFill>
+            <a:headEnd type="none" w="med" len="med"/>
+            <a:tailEnd type="arrow" w="med" len="med"/>
+          </a:ln>
+          <a:effectLst/>
+        </p:spPr>
+        <p:style>
+          <a:lnRef idx="1">
+            <a:schemeClr val="accent2"/>
+          </a:lnRef>
+          <a:fillRef idx="2">
+            <a:schemeClr val="accent2"/>
+          </a:fillRef>
+          <a:effectRef idx="1">
+            <a:schemeClr val="accent2"/>
+          </a:effectRef>
+          <a:fontRef idx="minor">
+            <a:schemeClr val="dk1"/>
+          </a:fontRef>
+        </p:style>
+      </p:cxnSp>
+      <p:cxnSp>
+        <p:nvCxnSpPr>
+          <p:cNvPr id="184" name="Elbow Connector 59">
+            <a:extLst>
+              <a:ext uri="{FF2B5EF4-FFF2-40B4-BE49-F238E27FC236}">
+                <a16:creationId xmlns:a16="http://schemas.microsoft.com/office/drawing/2014/main" id="{E3642DE9-D7E8-43D3-8B5A-3002C9E619CE}"/>
+              </a:ext>
+            </a:extLst>
+          </p:cNvPr>
+          <p:cNvCxnSpPr>
+            <a:cxnSpLocks/>
+            <a:stCxn id="54" idx="3"/>
+            <a:endCxn id="259" idx="1"/>
+          </p:cNvCxnSpPr>
+          <p:nvPr/>
+        </p:nvCxnSpPr>
+        <p:spPr>
+          <a:xfrm>
+            <a:off x="5168667" y="2045730"/>
+            <a:ext cx="359131" cy="2449871"/>
+          </a:xfrm>
+          <a:prstGeom prst="bentConnector3">
+            <a:avLst>
+              <a:gd name="adj1" fmla="val 130059"/>
+            </a:avLst>
+          </a:prstGeom>
+          <a:noFill/>
+          <a:ln w="19050"/>
+          <a:effectLst/>
+        </p:spPr>
+        <p:style>
+          <a:lnRef idx="1">
+            <a:schemeClr val="accent5"/>
+          </a:lnRef>
+          <a:fillRef idx="2">
+            <a:schemeClr val="accent5"/>
+          </a:fillRef>
+          <a:effectRef idx="1">
+            <a:schemeClr val="accent5"/>
+          </a:effectRef>
+          <a:fontRef idx="minor">
+            <a:schemeClr val="dk1"/>
+          </a:fontRef>
+        </p:style>
+      </p:cxnSp>
+      <p:cxnSp>
+        <p:nvCxnSpPr>
+          <p:cNvPr id="188" name="Elbow Connector 59">
+            <a:extLst>
+              <a:ext uri="{FF2B5EF4-FFF2-40B4-BE49-F238E27FC236}">
+                <a16:creationId xmlns:a16="http://schemas.microsoft.com/office/drawing/2014/main" id="{A648EF14-90C5-4841-89A2-98023509C5BD}"/>
+              </a:ext>
+            </a:extLst>
+          </p:cNvPr>
+          <p:cNvCxnSpPr>
+            <a:cxnSpLocks/>
+            <a:stCxn id="54" idx="3"/>
+            <a:endCxn id="254" idx="1"/>
+          </p:cNvCxnSpPr>
+          <p:nvPr/>
+        </p:nvCxnSpPr>
+        <p:spPr>
+          <a:xfrm>
+            <a:off x="5168667" y="2045730"/>
+            <a:ext cx="358978" cy="2150451"/>
+          </a:xfrm>
+          <a:prstGeom prst="bentConnector3">
+            <a:avLst>
+              <a:gd name="adj1" fmla="val 130072"/>
+            </a:avLst>
+          </a:prstGeom>
+          <a:noFill/>
+          <a:ln w="19050"/>
+          <a:effectLst/>
+        </p:spPr>
+        <p:style>
+          <a:lnRef idx="1">
+            <a:schemeClr val="accent5"/>
+          </a:lnRef>
+          <a:fillRef idx="2">
+            <a:schemeClr val="accent5"/>
+          </a:fillRef>
+          <a:effectRef idx="1">
+            <a:schemeClr val="accent5"/>
+          </a:effectRef>
+          <a:fontRef idx="minor">
+            <a:schemeClr val="dk1"/>
+          </a:fontRef>
+        </p:style>
+      </p:cxnSp>
+      <p:cxnSp>
+        <p:nvCxnSpPr>
+          <p:cNvPr id="192" name="Elbow Connector 59">
+            <a:extLst>
+              <a:ext uri="{FF2B5EF4-FFF2-40B4-BE49-F238E27FC236}">
+                <a16:creationId xmlns:a16="http://schemas.microsoft.com/office/drawing/2014/main" id="{1903B9A4-133E-45D9-A298-87BA9857ED43}"/>
+              </a:ext>
+            </a:extLst>
+          </p:cNvPr>
+          <p:cNvCxnSpPr>
+            <a:cxnSpLocks/>
+            <a:stCxn id="54" idx="3"/>
+            <a:endCxn id="253" idx="1"/>
+          </p:cNvCxnSpPr>
+          <p:nvPr/>
+        </p:nvCxnSpPr>
+        <p:spPr>
+          <a:xfrm>
+            <a:off x="5168667" y="2045730"/>
+            <a:ext cx="366232" cy="1833386"/>
+          </a:xfrm>
+          <a:prstGeom prst="bentConnector3">
+            <a:avLst>
+              <a:gd name="adj1" fmla="val 126008"/>
+            </a:avLst>
+          </a:prstGeom>
+          <a:noFill/>
+          <a:ln w="19050"/>
+          <a:effectLst/>
+        </p:spPr>
+        <p:style>
+          <a:lnRef idx="1">
+            <a:schemeClr val="accent5"/>
+          </a:lnRef>
+          <a:fillRef idx="2">
+            <a:schemeClr val="accent5"/>
+          </a:fillRef>
+          <a:effectRef idx="1">
+            <a:schemeClr val="accent5"/>
+          </a:effectRef>
+          <a:fontRef idx="minor">
+            <a:schemeClr val="dk1"/>
+          </a:fontRef>
+        </p:style>
+      </p:cxnSp>
+      <p:cxnSp>
+        <p:nvCxnSpPr>
+          <p:cNvPr id="196" name="Elbow Connector 59">
+            <a:extLst>
+              <a:ext uri="{FF2B5EF4-FFF2-40B4-BE49-F238E27FC236}">
+                <a16:creationId xmlns:a16="http://schemas.microsoft.com/office/drawing/2014/main" id="{84043473-E11E-4E22-913D-7B59419D2D23}"/>
+              </a:ext>
+            </a:extLst>
+          </p:cNvPr>
+          <p:cNvCxnSpPr>
+            <a:cxnSpLocks/>
+            <a:stCxn id="54" idx="3"/>
+            <a:endCxn id="252" idx="1"/>
+          </p:cNvCxnSpPr>
+          <p:nvPr/>
+        </p:nvCxnSpPr>
+        <p:spPr>
+          <a:xfrm>
+            <a:off x="5168667" y="2045730"/>
+            <a:ext cx="366232" cy="1537145"/>
+          </a:xfrm>
+          <a:prstGeom prst="bentConnector3">
+            <a:avLst>
+              <a:gd name="adj1" fmla="val 126008"/>
+            </a:avLst>
+          </a:prstGeom>
+          <a:noFill/>
+          <a:ln w="19050"/>
+          <a:effectLst/>
+        </p:spPr>
+        <p:style>
+          <a:lnRef idx="1">
+            <a:schemeClr val="accent5"/>
+          </a:lnRef>
+          <a:fillRef idx="2">
+            <a:schemeClr val="accent5"/>
+          </a:fillRef>
+          <a:effectRef idx="1">
+            <a:schemeClr val="accent5"/>
+          </a:effectRef>
+          <a:fontRef idx="minor">
+            <a:schemeClr val="dk1"/>
+          </a:fontRef>
+        </p:style>
+      </p:cxnSp>
+      <p:cxnSp>
+        <p:nvCxnSpPr>
+          <p:cNvPr id="200" name="Elbow Connector 59">
+            <a:extLst>
+              <a:ext uri="{FF2B5EF4-FFF2-40B4-BE49-F238E27FC236}">
+                <a16:creationId xmlns:a16="http://schemas.microsoft.com/office/drawing/2014/main" id="{6740C60B-DC99-4B67-A7A6-B3125D98509B}"/>
+              </a:ext>
+            </a:extLst>
+          </p:cNvPr>
+          <p:cNvCxnSpPr>
+            <a:cxnSpLocks/>
+            <a:stCxn id="54" idx="3"/>
+            <a:endCxn id="251" idx="1"/>
+          </p:cNvCxnSpPr>
+          <p:nvPr/>
+        </p:nvCxnSpPr>
+        <p:spPr>
+          <a:xfrm>
+            <a:off x="5168667" y="2045730"/>
+            <a:ext cx="366232" cy="1240905"/>
+          </a:xfrm>
+          <a:prstGeom prst="bentConnector3">
+            <a:avLst>
+              <a:gd name="adj1" fmla="val 126008"/>
+            </a:avLst>
+          </a:prstGeom>
+          <a:noFill/>
+          <a:ln w="19050"/>
+          <a:effectLst/>
+        </p:spPr>
+        <p:style>
+          <a:lnRef idx="1">
+            <a:schemeClr val="accent5"/>
+          </a:lnRef>
+          <a:fillRef idx="2">
+            <a:schemeClr val="accent5"/>
+          </a:fillRef>
+          <a:effectRef idx="1">
+            <a:schemeClr val="accent5"/>
+          </a:effectRef>
+          <a:fontRef idx="minor">
+            <a:schemeClr val="dk1"/>
+          </a:fontRef>
+        </p:style>
+      </p:cxnSp>
+      <p:cxnSp>
+        <p:nvCxnSpPr>
+          <p:cNvPr id="204" name="Elbow Connector 59">
+            <a:extLst>
+              <a:ext uri="{FF2B5EF4-FFF2-40B4-BE49-F238E27FC236}">
+                <a16:creationId xmlns:a16="http://schemas.microsoft.com/office/drawing/2014/main" id="{12ED0E02-21B0-432A-9698-CA6B649FB614}"/>
+              </a:ext>
+            </a:extLst>
+          </p:cNvPr>
+          <p:cNvCxnSpPr>
+            <a:cxnSpLocks/>
+            <a:stCxn id="54" idx="3"/>
+            <a:endCxn id="53" idx="1"/>
+          </p:cNvCxnSpPr>
+          <p:nvPr/>
+        </p:nvCxnSpPr>
+        <p:spPr>
+          <a:xfrm>
+            <a:off x="5168667" y="2045730"/>
+            <a:ext cx="361762" cy="940461"/>
+          </a:xfrm>
+          <a:prstGeom prst="bentConnector3">
+            <a:avLst>
+              <a:gd name="adj1" fmla="val 129840"/>
+            </a:avLst>
+          </a:prstGeom>
+          <a:noFill/>
+          <a:ln w="19050"/>
+          <a:effectLst/>
+        </p:spPr>
+        <p:style>
+          <a:lnRef idx="1">
+            <a:schemeClr val="accent5"/>
+          </a:lnRef>
+          <a:fillRef idx="2">
+            <a:schemeClr val="accent5"/>
+          </a:fillRef>
+          <a:effectRef idx="1">
+            <a:schemeClr val="accent5"/>
+          </a:effectRef>
+          <a:fontRef idx="minor">
+            <a:schemeClr val="dk1"/>
+          </a:fontRef>
+        </p:style>
+      </p:cxnSp>
+      <p:cxnSp>
+        <p:nvCxnSpPr>
+          <p:cNvPr id="208" name="Elbow Connector 59">
+            <a:extLst>
+              <a:ext uri="{FF2B5EF4-FFF2-40B4-BE49-F238E27FC236}">
+                <a16:creationId xmlns:a16="http://schemas.microsoft.com/office/drawing/2014/main" id="{ED5C1ADF-101D-4EF9-ABC4-5595B73FA748}"/>
+              </a:ext>
+            </a:extLst>
+          </p:cNvPr>
+          <p:cNvCxnSpPr>
+            <a:cxnSpLocks/>
+            <a:stCxn id="54" idx="3"/>
+            <a:endCxn id="52" idx="1"/>
+          </p:cNvCxnSpPr>
+          <p:nvPr/>
+        </p:nvCxnSpPr>
+        <p:spPr>
+          <a:xfrm>
+            <a:off x="5168667" y="2045730"/>
+            <a:ext cx="361762" cy="644221"/>
+          </a:xfrm>
+          <a:prstGeom prst="bentConnector3">
+            <a:avLst>
+              <a:gd name="adj1" fmla="val 129840"/>
+            </a:avLst>
+          </a:prstGeom>
+          <a:noFill/>
+          <a:ln w="19050"/>
+          <a:effectLst/>
+        </p:spPr>
+        <p:style>
+          <a:lnRef idx="1">
+            <a:schemeClr val="accent5"/>
+          </a:lnRef>
+          <a:fillRef idx="2">
+            <a:schemeClr val="accent5"/>
+          </a:fillRef>
+          <a:effectRef idx="1">
+            <a:schemeClr val="accent5"/>
+          </a:effectRef>
+          <a:fontRef idx="minor">
+            <a:schemeClr val="dk1"/>
+          </a:fontRef>
+        </p:style>
+      </p:cxnSp>
+      <p:cxnSp>
+        <p:nvCxnSpPr>
+          <p:cNvPr id="212" name="Elbow Connector 59">
+            <a:extLst>
+              <a:ext uri="{FF2B5EF4-FFF2-40B4-BE49-F238E27FC236}">
+                <a16:creationId xmlns:a16="http://schemas.microsoft.com/office/drawing/2014/main" id="{A597D0E6-27A3-4A44-9E43-3F002B79CBE5}"/>
+              </a:ext>
+            </a:extLst>
+          </p:cNvPr>
+          <p:cNvCxnSpPr>
+            <a:cxnSpLocks/>
+            <a:stCxn id="54" idx="3"/>
+            <a:endCxn id="50" idx="1"/>
+          </p:cNvCxnSpPr>
+          <p:nvPr/>
+        </p:nvCxnSpPr>
+        <p:spPr>
+          <a:xfrm>
+            <a:off x="5168667" y="2045730"/>
+            <a:ext cx="361762" cy="347981"/>
+          </a:xfrm>
+          <a:prstGeom prst="bentConnector3">
+            <a:avLst>
+              <a:gd name="adj1" fmla="val 129840"/>
+            </a:avLst>
+          </a:prstGeom>
+          <a:noFill/>
+          <a:ln w="19050"/>
+          <a:effectLst/>
+        </p:spPr>
+        <p:style>
+          <a:lnRef idx="1">
+            <a:schemeClr val="accent5"/>
+          </a:lnRef>
+          <a:fillRef idx="2">
+            <a:schemeClr val="accent5"/>
+          </a:fillRef>
+          <a:effectRef idx="1">
+            <a:schemeClr val="accent5"/>
+          </a:effectRef>
+          <a:fontRef idx="minor">
+            <a:schemeClr val="dk1"/>
+          </a:fontRef>
+        </p:style>
+      </p:cxnSp>
     </p:spTree>
     <p:extLst>
       <p:ext uri="{BB962C8B-B14F-4D97-AF65-F5344CB8AC3E}">
-        <p14:creationId xmlns:p14="http://schemas.microsoft.com/office/powerpoint/2010/main" val="4275401693"/>
+        <p14:creationId xmlns:p14="http://schemas.microsoft.com/office/powerpoint/2010/main" val="1947508602"/>
       </p:ext>
     </p:extLst>
   </p:cSld>
@@ -7628,6 +15492,331 @@
       </p:grpSpPr>
       <p:sp>
         <p:nvSpPr>
+          <p:cNvPr id="2" name="Rectangle 18"/>
+          <p:cNvSpPr/>
+          <p:nvPr/>
+        </p:nvSpPr>
+        <p:spPr>
+          <a:xfrm>
+            <a:off x="6637708" y="4352685"/>
+            <a:ext cx="929296" cy="346760"/>
+          </a:xfrm>
+          <a:prstGeom prst="rect">
+            <a:avLst/>
+          </a:prstGeom>
+          <a:solidFill>
+            <a:srgbClr val="7030A0"/>
+          </a:solidFill>
+          <a:ln w="19050">
+            <a:solidFill>
+              <a:srgbClr val="7030A0"/>
+            </a:solidFill>
+          </a:ln>
+          <a:effectLst/>
+        </p:spPr>
+        <p:style>
+          <a:lnRef idx="1">
+            <a:schemeClr val="accent6"/>
+          </a:lnRef>
+          <a:fillRef idx="2">
+            <a:schemeClr val="accent6"/>
+          </a:fillRef>
+          <a:effectRef idx="1">
+            <a:schemeClr val="accent6"/>
+          </a:effectRef>
+          <a:fontRef idx="minor">
+            <a:schemeClr val="dk1"/>
+          </a:fontRef>
+        </p:style>
+        <p:txBody>
+          <a:bodyPr rtlCol="0" anchor="ctr"/>
+          <a:lstStyle/>
+          <a:p>
+            <a:pPr algn="ctr"/>
+            <a:r>
+              <a:rPr lang="en-US" sz="1050" dirty="0">
+                <a:solidFill>
+                  <a:schemeClr val="bg1"/>
+                </a:solidFill>
+              </a:rPr>
+              <a:t>Person</a:t>
+            </a:r>
+            <a:endParaRPr lang="en-SG" sz="1050" dirty="0">
+              <a:solidFill>
+                <a:schemeClr val="bg1"/>
+              </a:solidFill>
+            </a:endParaRPr>
+          </a:p>
+        </p:txBody>
+      </p:sp>
+      <p:sp>
+        <p:nvSpPr>
+          <p:cNvPr id="3" name="Rectangle 128"/>
+          <p:cNvSpPr/>
+          <p:nvPr/>
+        </p:nvSpPr>
+        <p:spPr>
+          <a:xfrm>
+            <a:off x="6363802" y="5140408"/>
+            <a:ext cx="1408598" cy="346760"/>
+          </a:xfrm>
+          <a:prstGeom prst="rect">
+            <a:avLst/>
+          </a:prstGeom>
+          <a:ln w="19050"/>
+          <a:effectLst/>
+        </p:spPr>
+        <p:style>
+          <a:lnRef idx="1">
+            <a:schemeClr val="accent4"/>
+          </a:lnRef>
+          <a:fillRef idx="2">
+            <a:schemeClr val="accent4"/>
+          </a:fillRef>
+          <a:effectRef idx="1">
+            <a:schemeClr val="accent4"/>
+          </a:effectRef>
+          <a:fontRef idx="minor">
+            <a:schemeClr val="dk1"/>
+          </a:fontRef>
+        </p:style>
+        <p:txBody>
+          <a:bodyPr rtlCol="0" anchor="ctr"/>
+          <a:lstStyle/>
+          <a:p>
+            <a:pPr algn="ctr"/>
+            <a:r>
+              <a:rPr lang="en-US" sz="1050" dirty="0"/>
+              <a:t>&lt;&lt;interface&gt;&gt;</a:t>
+            </a:r>
+          </a:p>
+          <a:p>
+            <a:pPr algn="ctr"/>
+            <a:r>
+              <a:rPr lang="en-US" sz="1050" dirty="0" err="1"/>
+              <a:t>ReadOnlyPerson</a:t>
+            </a:r>
+            <a:endParaRPr lang="en-SG" sz="1050" dirty="0"/>
+          </a:p>
+        </p:txBody>
+      </p:sp>
+      <p:cxnSp>
+        <p:nvCxnSpPr>
+          <p:cNvPr id="4" name="Elbow Connector 131"/>
+          <p:cNvCxnSpPr>
+            <a:stCxn id="7" idx="2"/>
+            <a:endCxn id="3" idx="1"/>
+          </p:cNvCxnSpPr>
+          <p:nvPr/>
+        </p:nvCxnSpPr>
+        <p:spPr>
+          <a:xfrm rot="16200000" flipH="1">
+            <a:off x="5136573" y="4086558"/>
+            <a:ext cx="614343" cy="1840116"/>
+          </a:xfrm>
+          <a:prstGeom prst="bentConnector2">
+            <a:avLst/>
+          </a:prstGeom>
+          <a:ln w="19050">
+            <a:solidFill>
+              <a:srgbClr val="C00000"/>
+            </a:solidFill>
+            <a:prstDash val="dash"/>
+            <a:headEnd type="none" w="med" len="med"/>
+            <a:tailEnd type="arrow" w="med" len="med"/>
+          </a:ln>
+          <a:effectLst/>
+        </p:spPr>
+        <p:style>
+          <a:lnRef idx="1">
+            <a:schemeClr val="accent2"/>
+          </a:lnRef>
+          <a:fillRef idx="2">
+            <a:schemeClr val="accent2"/>
+          </a:fillRef>
+          <a:effectRef idx="1">
+            <a:schemeClr val="accent2"/>
+          </a:effectRef>
+          <a:fontRef idx="minor">
+            <a:schemeClr val="dk1"/>
+          </a:fontRef>
+        </p:style>
+      </p:cxnSp>
+      <p:sp>
+        <p:nvSpPr>
+          <p:cNvPr id="5" name="Isosceles Triangle 134"/>
+          <p:cNvSpPr/>
+          <p:nvPr/>
+        </p:nvSpPr>
+        <p:spPr>
+          <a:xfrm rot="10800000">
+            <a:off x="6964221" y="4953000"/>
+            <a:ext cx="270504" cy="175523"/>
+          </a:xfrm>
+          <a:prstGeom prst="triangle">
+            <a:avLst/>
+          </a:prstGeom>
+          <a:ln w="19050"/>
+          <a:effectLst/>
+        </p:spPr>
+        <p:style>
+          <a:lnRef idx="1">
+            <a:schemeClr val="accent4"/>
+          </a:lnRef>
+          <a:fillRef idx="2">
+            <a:schemeClr val="accent4"/>
+          </a:fillRef>
+          <a:effectRef idx="1">
+            <a:schemeClr val="accent4"/>
+          </a:effectRef>
+          <a:fontRef idx="minor">
+            <a:schemeClr val="dk1"/>
+          </a:fontRef>
+        </p:style>
+        <p:txBody>
+          <a:bodyPr rtlCol="0" anchor="ctr"/>
+          <a:lstStyle/>
+          <a:p>
+            <a:pPr algn="ctr"/>
+            <a:endParaRPr lang="en-SG" sz="1050"/>
+          </a:p>
+        </p:txBody>
+      </p:sp>
+      <p:cxnSp>
+        <p:nvCxnSpPr>
+          <p:cNvPr id="6" name="Elbow Connector 135"/>
+          <p:cNvCxnSpPr>
+            <a:stCxn id="2" idx="2"/>
+            <a:endCxn id="5" idx="3"/>
+          </p:cNvCxnSpPr>
+          <p:nvPr/>
+        </p:nvCxnSpPr>
+        <p:spPr>
+          <a:xfrm rot="5400000">
+            <a:off x="6974138" y="4824781"/>
+            <a:ext cx="253555" cy="2883"/>
+          </a:xfrm>
+          <a:prstGeom prst="bentConnector3">
+            <a:avLst>
+              <a:gd name="adj1" fmla="val 50000"/>
+            </a:avLst>
+          </a:prstGeom>
+          <a:ln w="19050">
+            <a:solidFill>
+              <a:srgbClr val="7030A0"/>
+            </a:solidFill>
+            <a:prstDash val="dash"/>
+            <a:headEnd type="none" w="med" len="med"/>
+            <a:tailEnd type="none" w="med" len="med"/>
+          </a:ln>
+          <a:effectLst/>
+        </p:spPr>
+        <p:style>
+          <a:lnRef idx="1">
+            <a:schemeClr val="accent6"/>
+          </a:lnRef>
+          <a:fillRef idx="2">
+            <a:schemeClr val="accent6"/>
+          </a:fillRef>
+          <a:effectRef idx="1">
+            <a:schemeClr val="accent6"/>
+          </a:effectRef>
+          <a:fontRef idx="minor">
+            <a:schemeClr val="dk1"/>
+          </a:fontRef>
+        </p:style>
+      </p:cxnSp>
+      <p:sp>
+        <p:nvSpPr>
+          <p:cNvPr id="7" name="Rectangle 62"/>
+          <p:cNvSpPr/>
+          <p:nvPr/>
+        </p:nvSpPr>
+        <p:spPr>
+          <a:xfrm>
+            <a:off x="3650593" y="4352685"/>
+            <a:ext cx="1746186" cy="346760"/>
+          </a:xfrm>
+          <a:prstGeom prst="rect">
+            <a:avLst/>
+          </a:prstGeom>
+          <a:solidFill>
+            <a:srgbClr val="C00000"/>
+          </a:solidFill>
+          <a:ln w="19050">
+            <a:solidFill>
+              <a:srgbClr val="C00000"/>
+            </a:solidFill>
+          </a:ln>
+          <a:effectLst/>
+        </p:spPr>
+        <p:style>
+          <a:lnRef idx="1">
+            <a:schemeClr val="accent2"/>
+          </a:lnRef>
+          <a:fillRef idx="2">
+            <a:schemeClr val="accent2"/>
+          </a:fillRef>
+          <a:effectRef idx="1">
+            <a:schemeClr val="accent2"/>
+          </a:effectRef>
+          <a:fontRef idx="minor">
+            <a:schemeClr val="dk1"/>
+          </a:fontRef>
+        </p:style>
+        <p:txBody>
+          <a:bodyPr rtlCol="0" anchor="ctr"/>
+          <a:lstStyle/>
+          <a:p>
+            <a:pPr algn="ctr"/>
+            <a:r>
+              <a:rPr lang="en-US" sz="1050" dirty="0" err="1">
+                <a:solidFill>
+                  <a:schemeClr val="bg1"/>
+                </a:solidFill>
+              </a:rPr>
+              <a:t>MainWindow</a:t>
+            </a:r>
+            <a:endParaRPr lang="en-SG" sz="1050" dirty="0">
+              <a:solidFill>
+                <a:schemeClr val="bg1"/>
+              </a:solidFill>
+            </a:endParaRPr>
+          </a:p>
+        </p:txBody>
+      </p:sp>
+    </p:spTree>
+    <p:extLst>
+      <p:ext uri="{BB962C8B-B14F-4D97-AF65-F5344CB8AC3E}">
+        <p14:creationId xmlns:p14="http://schemas.microsoft.com/office/powerpoint/2010/main" val="4275401693"/>
+      </p:ext>
+    </p:extLst>
+  </p:cSld>
+  <p:clrMapOvr>
+    <a:masterClrMapping/>
+  </p:clrMapOvr>
+</p:sld>
+</file>
+
+<file path=ppt/slides/slide5.xml><?xml version="1.0" encoding="utf-8"?>
+<p:sld xmlns:a="http://schemas.openxmlformats.org/drawingml/2006/main" xmlns:r="http://schemas.openxmlformats.org/officeDocument/2006/relationships" xmlns:p="http://schemas.openxmlformats.org/presentationml/2006/main">
+  <p:cSld>
+    <p:spTree>
+      <p:nvGrpSpPr>
+        <p:cNvPr id="1" name=""/>
+        <p:cNvGrpSpPr/>
+        <p:nvPr/>
+      </p:nvGrpSpPr>
+      <p:grpSpPr>
+        <a:xfrm>
+          <a:off x="0" y="0"/>
+          <a:ext cx="0" cy="0"/>
+          <a:chOff x="0" y="0"/>
+          <a:chExt cx="0" cy="0"/>
+        </a:xfrm>
+      </p:grpSpPr>
+      <p:sp>
+        <p:nvSpPr>
           <p:cNvPr id="2" name="Rectangle 22"/>
           <p:cNvSpPr/>
           <p:nvPr/>
@@ -10028,7 +18217,7 @@
 </p:sld>
 </file>
 
-<file path=ppt/slides/slide5.xml><?xml version="1.0" encoding="utf-8"?>
+<file path=ppt/slides/slide6.xml><?xml version="1.0" encoding="utf-8"?>
 <p:sld xmlns:a="http://schemas.openxmlformats.org/drawingml/2006/main" xmlns:r="http://schemas.openxmlformats.org/officeDocument/2006/relationships" xmlns:p="http://schemas.openxmlformats.org/presentationml/2006/main">
   <p:cSld>
     <p:spTree>

--- a/docs/Diagrams.pptx
+++ b/docs/Diagrams.pptx
@@ -21,8 +21,8 @@
     <a:defPPr>
       <a:defRPr lang="en-US"/>
     </a:defPPr>
-    <a:lvl1pPr marL="0" algn="l" defTabSz="914400" rtl="0" eaLnBrk="1" latinLnBrk="0" hangingPunct="1">
-      <a:defRPr sz="1800" kern="1200">
+    <a:lvl1pPr marL="0" algn="l" defTabSz="914163" rtl="0" eaLnBrk="1" latinLnBrk="0" hangingPunct="1">
+      <a:defRPr sz="1799" kern="1200">
         <a:solidFill>
           <a:schemeClr val="tx1"/>
         </a:solidFill>
@@ -31,8 +31,8 @@
         <a:cs typeface="+mn-cs"/>
       </a:defRPr>
     </a:lvl1pPr>
-    <a:lvl2pPr marL="457200" algn="l" defTabSz="914400" rtl="0" eaLnBrk="1" latinLnBrk="0" hangingPunct="1">
-      <a:defRPr sz="1800" kern="1200">
+    <a:lvl2pPr marL="457080" algn="l" defTabSz="914163" rtl="0" eaLnBrk="1" latinLnBrk="0" hangingPunct="1">
+      <a:defRPr sz="1799" kern="1200">
         <a:solidFill>
           <a:schemeClr val="tx1"/>
         </a:solidFill>
@@ -41,8 +41,8 @@
         <a:cs typeface="+mn-cs"/>
       </a:defRPr>
     </a:lvl2pPr>
-    <a:lvl3pPr marL="914400" algn="l" defTabSz="914400" rtl="0" eaLnBrk="1" latinLnBrk="0" hangingPunct="1">
-      <a:defRPr sz="1800" kern="1200">
+    <a:lvl3pPr marL="914163" algn="l" defTabSz="914163" rtl="0" eaLnBrk="1" latinLnBrk="0" hangingPunct="1">
+      <a:defRPr sz="1799" kern="1200">
         <a:solidFill>
           <a:schemeClr val="tx1"/>
         </a:solidFill>
@@ -51,8 +51,8 @@
         <a:cs typeface="+mn-cs"/>
       </a:defRPr>
     </a:lvl3pPr>
-    <a:lvl4pPr marL="1371600" algn="l" defTabSz="914400" rtl="0" eaLnBrk="1" latinLnBrk="0" hangingPunct="1">
-      <a:defRPr sz="1800" kern="1200">
+    <a:lvl4pPr marL="1371242" algn="l" defTabSz="914163" rtl="0" eaLnBrk="1" latinLnBrk="0" hangingPunct="1">
+      <a:defRPr sz="1799" kern="1200">
         <a:solidFill>
           <a:schemeClr val="tx1"/>
         </a:solidFill>
@@ -61,8 +61,8 @@
         <a:cs typeface="+mn-cs"/>
       </a:defRPr>
     </a:lvl4pPr>
-    <a:lvl5pPr marL="1828800" algn="l" defTabSz="914400" rtl="0" eaLnBrk="1" latinLnBrk="0" hangingPunct="1">
-      <a:defRPr sz="1800" kern="1200">
+    <a:lvl5pPr marL="1828323" algn="l" defTabSz="914163" rtl="0" eaLnBrk="1" latinLnBrk="0" hangingPunct="1">
+      <a:defRPr sz="1799" kern="1200">
         <a:solidFill>
           <a:schemeClr val="tx1"/>
         </a:solidFill>
@@ -71,8 +71,8 @@
         <a:cs typeface="+mn-cs"/>
       </a:defRPr>
     </a:lvl5pPr>
-    <a:lvl6pPr marL="2286000" algn="l" defTabSz="914400" rtl="0" eaLnBrk="1" latinLnBrk="0" hangingPunct="1">
-      <a:defRPr sz="1800" kern="1200">
+    <a:lvl6pPr marL="2285403" algn="l" defTabSz="914163" rtl="0" eaLnBrk="1" latinLnBrk="0" hangingPunct="1">
+      <a:defRPr sz="1799" kern="1200">
         <a:solidFill>
           <a:schemeClr val="tx1"/>
         </a:solidFill>
@@ -81,8 +81,8 @@
         <a:cs typeface="+mn-cs"/>
       </a:defRPr>
     </a:lvl6pPr>
-    <a:lvl7pPr marL="2743200" algn="l" defTabSz="914400" rtl="0" eaLnBrk="1" latinLnBrk="0" hangingPunct="1">
-      <a:defRPr sz="1800" kern="1200">
+    <a:lvl7pPr marL="2742486" algn="l" defTabSz="914163" rtl="0" eaLnBrk="1" latinLnBrk="0" hangingPunct="1">
+      <a:defRPr sz="1799" kern="1200">
         <a:solidFill>
           <a:schemeClr val="tx1"/>
         </a:solidFill>
@@ -91,8 +91,8 @@
         <a:cs typeface="+mn-cs"/>
       </a:defRPr>
     </a:lvl7pPr>
-    <a:lvl8pPr marL="3200400" algn="l" defTabSz="914400" rtl="0" eaLnBrk="1" latinLnBrk="0" hangingPunct="1">
-      <a:defRPr sz="1800" kern="1200">
+    <a:lvl8pPr marL="3199565" algn="l" defTabSz="914163" rtl="0" eaLnBrk="1" latinLnBrk="0" hangingPunct="1">
+      <a:defRPr sz="1799" kern="1200">
         <a:solidFill>
           <a:schemeClr val="tx1"/>
         </a:solidFill>
@@ -101,8 +101,8 @@
         <a:cs typeface="+mn-cs"/>
       </a:defRPr>
     </a:lvl8pPr>
-    <a:lvl9pPr marL="3657600" algn="l" defTabSz="914400" rtl="0" eaLnBrk="1" latinLnBrk="0" hangingPunct="1">
-      <a:defRPr sz="1800" kern="1200">
+    <a:lvl9pPr marL="3656644" algn="l" defTabSz="914163" rtl="0" eaLnBrk="1" latinLnBrk="0" hangingPunct="1">
+      <a:defRPr sz="1799" kern="1200">
         <a:solidFill>
           <a:schemeClr val="tx1"/>
         </a:solidFill>
@@ -115,12 +115,12 @@
   <p:extLst>
     <p:ext uri="{EFAFB233-063F-42B5-8137-9DF3F51BA10A}">
       <p15:sldGuideLst xmlns:p15="http://schemas.microsoft.com/office/powerpoint/2012/main">
-        <p15:guide id="1" orient="horz" pos="2160">
+        <p15:guide id="1" orient="horz" pos="2161" userDrawn="1">
           <p15:clr>
             <a:srgbClr val="A4A3A4"/>
           </p15:clr>
         </p15:guide>
-        <p15:guide id="2" pos="2880">
+        <p15:guide id="2" pos="2881" userDrawn="1">
           <p15:clr>
             <a:srgbClr val="A4A3A4"/>
           </p15:clr>
@@ -386,7 +386,7 @@
   </p:cSld>
   <p:clrMap bg1="lt1" tx1="dk1" bg2="lt2" tx2="dk2" accent1="accent1" accent2="accent2" accent3="accent3" accent4="accent4" accent5="accent5" accent6="accent6" hlink="hlink" folHlink="folHlink"/>
   <p:notesStyle>
-    <a:lvl1pPr marL="0" algn="l" defTabSz="914400" rtl="0" eaLnBrk="1" latinLnBrk="0" hangingPunct="1">
+    <a:lvl1pPr marL="0" algn="l" defTabSz="914163" rtl="0" eaLnBrk="1" latinLnBrk="0" hangingPunct="1">
       <a:defRPr sz="1200" kern="1200">
         <a:solidFill>
           <a:schemeClr val="tx1"/>
@@ -396,7 +396,7 @@
         <a:cs typeface="+mn-cs"/>
       </a:defRPr>
     </a:lvl1pPr>
-    <a:lvl2pPr marL="457200" algn="l" defTabSz="914400" rtl="0" eaLnBrk="1" latinLnBrk="0" hangingPunct="1">
+    <a:lvl2pPr marL="457080" algn="l" defTabSz="914163" rtl="0" eaLnBrk="1" latinLnBrk="0" hangingPunct="1">
       <a:defRPr sz="1200" kern="1200">
         <a:solidFill>
           <a:schemeClr val="tx1"/>
@@ -406,7 +406,7 @@
         <a:cs typeface="+mn-cs"/>
       </a:defRPr>
     </a:lvl2pPr>
-    <a:lvl3pPr marL="914400" algn="l" defTabSz="914400" rtl="0" eaLnBrk="1" latinLnBrk="0" hangingPunct="1">
+    <a:lvl3pPr marL="914163" algn="l" defTabSz="914163" rtl="0" eaLnBrk="1" latinLnBrk="0" hangingPunct="1">
       <a:defRPr sz="1200" kern="1200">
         <a:solidFill>
           <a:schemeClr val="tx1"/>
@@ -416,7 +416,7 @@
         <a:cs typeface="+mn-cs"/>
       </a:defRPr>
     </a:lvl3pPr>
-    <a:lvl4pPr marL="1371600" algn="l" defTabSz="914400" rtl="0" eaLnBrk="1" latinLnBrk="0" hangingPunct="1">
+    <a:lvl4pPr marL="1371242" algn="l" defTabSz="914163" rtl="0" eaLnBrk="1" latinLnBrk="0" hangingPunct="1">
       <a:defRPr sz="1200" kern="1200">
         <a:solidFill>
           <a:schemeClr val="tx1"/>
@@ -426,7 +426,7 @@
         <a:cs typeface="+mn-cs"/>
       </a:defRPr>
     </a:lvl4pPr>
-    <a:lvl5pPr marL="1828800" algn="l" defTabSz="914400" rtl="0" eaLnBrk="1" latinLnBrk="0" hangingPunct="1">
+    <a:lvl5pPr marL="1828323" algn="l" defTabSz="914163" rtl="0" eaLnBrk="1" latinLnBrk="0" hangingPunct="1">
       <a:defRPr sz="1200" kern="1200">
         <a:solidFill>
           <a:schemeClr val="tx1"/>
@@ -436,7 +436,7 @@
         <a:cs typeface="+mn-cs"/>
       </a:defRPr>
     </a:lvl5pPr>
-    <a:lvl6pPr marL="2286000" algn="l" defTabSz="914400" rtl="0" eaLnBrk="1" latinLnBrk="0" hangingPunct="1">
+    <a:lvl6pPr marL="2285403" algn="l" defTabSz="914163" rtl="0" eaLnBrk="1" latinLnBrk="0" hangingPunct="1">
       <a:defRPr sz="1200" kern="1200">
         <a:solidFill>
           <a:schemeClr val="tx1"/>
@@ -446,7 +446,7 @@
         <a:cs typeface="+mn-cs"/>
       </a:defRPr>
     </a:lvl6pPr>
-    <a:lvl7pPr marL="2743200" algn="l" defTabSz="914400" rtl="0" eaLnBrk="1" latinLnBrk="0" hangingPunct="1">
+    <a:lvl7pPr marL="2742486" algn="l" defTabSz="914163" rtl="0" eaLnBrk="1" latinLnBrk="0" hangingPunct="1">
       <a:defRPr sz="1200" kern="1200">
         <a:solidFill>
           <a:schemeClr val="tx1"/>
@@ -456,7 +456,7 @@
         <a:cs typeface="+mn-cs"/>
       </a:defRPr>
     </a:lvl7pPr>
-    <a:lvl8pPr marL="3200400" algn="l" defTabSz="914400" rtl="0" eaLnBrk="1" latinLnBrk="0" hangingPunct="1">
+    <a:lvl8pPr marL="3199565" algn="l" defTabSz="914163" rtl="0" eaLnBrk="1" latinLnBrk="0" hangingPunct="1">
       <a:defRPr sz="1200" kern="1200">
         <a:solidFill>
           <a:schemeClr val="tx1"/>
@@ -466,7 +466,7 @@
         <a:cs typeface="+mn-cs"/>
       </a:defRPr>
     </a:lvl8pPr>
-    <a:lvl9pPr marL="3657600" algn="l" defTabSz="914400" rtl="0" eaLnBrk="1" latinLnBrk="0" hangingPunct="1">
+    <a:lvl9pPr marL="3656644" algn="l" defTabSz="914163" rtl="0" eaLnBrk="1" latinLnBrk="0" hangingPunct="1">
       <a:defRPr sz="1200" kern="1200">
         <a:solidFill>
           <a:schemeClr val="tx1"/>
@@ -507,7 +507,12 @@
             <p:ph type="sldImg"/>
           </p:nvPr>
         </p:nvSpPr>
-        <p:spPr/>
+        <p:spPr>
+          <a:xfrm>
+            <a:off x="1143000" y="685800"/>
+            <a:ext cx="4572000" cy="3429000"/>
+          </a:xfrm>
+        </p:spPr>
       </p:sp>
       <p:sp>
         <p:nvSpPr>
@@ -591,7 +596,12 @@
             <p:ph type="sldImg"/>
           </p:nvPr>
         </p:nvSpPr>
-        <p:spPr/>
+        <p:spPr>
+          <a:xfrm>
+            <a:off x="1143000" y="685800"/>
+            <a:ext cx="4572000" cy="3429000"/>
+          </a:xfrm>
+        </p:spPr>
       </p:sp>
       <p:sp>
         <p:nvSpPr>
@@ -687,8 +697,8 @@
         </p:nvSpPr>
         <p:spPr>
           <a:xfrm>
-            <a:off x="685800" y="2130425"/>
-            <a:ext cx="7772400" cy="1470025"/>
+            <a:off x="685803" y="2130430"/>
+            <a:ext cx="7772401" cy="1470025"/>
           </a:xfrm>
         </p:spPr>
         <p:txBody>
@@ -714,8 +724,8 @@
         </p:nvSpPr>
         <p:spPr>
           <a:xfrm>
-            <a:off x="1371600" y="3886200"/>
-            <a:ext cx="6400800" cy="1752600"/>
+            <a:off x="1371602" y="3886202"/>
+            <a:ext cx="6400800" cy="1752599"/>
           </a:xfrm>
         </p:spPr>
         <p:txBody>
@@ -731,7 +741,7 @@
                 </a:solidFill>
               </a:defRPr>
             </a:lvl1pPr>
-            <a:lvl2pPr marL="457200" indent="0" algn="ctr">
+            <a:lvl2pPr marL="457242" indent="0" algn="ctr">
               <a:buNone/>
               <a:defRPr>
                 <a:solidFill>
@@ -741,7 +751,7 @@
                 </a:solidFill>
               </a:defRPr>
             </a:lvl2pPr>
-            <a:lvl3pPr marL="914400" indent="0" algn="ctr">
+            <a:lvl3pPr marL="914483" indent="0" algn="ctr">
               <a:buNone/>
               <a:defRPr>
                 <a:solidFill>
@@ -751,7 +761,7 @@
                 </a:solidFill>
               </a:defRPr>
             </a:lvl3pPr>
-            <a:lvl4pPr marL="1371600" indent="0" algn="ctr">
+            <a:lvl4pPr marL="1371726" indent="0" algn="ctr">
               <a:buNone/>
               <a:defRPr>
                 <a:solidFill>
@@ -761,7 +771,7 @@
                 </a:solidFill>
               </a:defRPr>
             </a:lvl4pPr>
-            <a:lvl5pPr marL="1828800" indent="0" algn="ctr">
+            <a:lvl5pPr marL="1828967" indent="0" algn="ctr">
               <a:buNone/>
               <a:defRPr>
                 <a:solidFill>
@@ -771,7 +781,7 @@
                 </a:solidFill>
               </a:defRPr>
             </a:lvl5pPr>
-            <a:lvl6pPr marL="2286000" indent="0" algn="ctr">
+            <a:lvl6pPr marL="2286209" indent="0" algn="ctr">
               <a:buNone/>
               <a:defRPr>
                 <a:solidFill>
@@ -781,7 +791,7 @@
                 </a:solidFill>
               </a:defRPr>
             </a:lvl6pPr>
-            <a:lvl7pPr marL="2743200" indent="0" algn="ctr">
+            <a:lvl7pPr marL="2743450" indent="0" algn="ctr">
               <a:buNone/>
               <a:defRPr>
                 <a:solidFill>
@@ -791,7 +801,7 @@
                 </a:solidFill>
               </a:defRPr>
             </a:lvl7pPr>
-            <a:lvl8pPr marL="3200400" indent="0" algn="ctr">
+            <a:lvl8pPr marL="3200692" indent="0" algn="ctr">
               <a:buNone/>
               <a:defRPr>
                 <a:solidFill>
@@ -801,7 +811,7 @@
                 </a:solidFill>
               </a:defRPr>
             </a:lvl8pPr>
-            <a:lvl9pPr marL="3657600" indent="0" algn="ctr">
+            <a:lvl9pPr marL="3657934" indent="0" algn="ctr">
               <a:buNone/>
               <a:defRPr>
                 <a:solidFill>
@@ -1095,7 +1105,7 @@
         </p:nvSpPr>
         <p:spPr>
           <a:xfrm>
-            <a:off x="6629400" y="274638"/>
+            <a:off x="6629399" y="274639"/>
             <a:ext cx="2057400" cy="5851525"/>
           </a:xfrm>
         </p:spPr>
@@ -1122,7 +1132,7 @@
         </p:nvSpPr>
         <p:spPr>
           <a:xfrm>
-            <a:off x="457200" y="274638"/>
+            <a:off x="457199" y="274639"/>
             <a:ext cx="6019800" cy="5851525"/>
           </a:xfrm>
         </p:spPr>
@@ -1441,8 +1451,8 @@
         </p:nvSpPr>
         <p:spPr>
           <a:xfrm>
-            <a:off x="722313" y="4406900"/>
-            <a:ext cx="7772400" cy="1362075"/>
+            <a:off x="722314" y="4406902"/>
+            <a:ext cx="7772401" cy="1362074"/>
           </a:xfrm>
         </p:spPr>
         <p:txBody>
@@ -1472,8 +1482,8 @@
         </p:nvSpPr>
         <p:spPr>
           <a:xfrm>
-            <a:off x="722313" y="2906713"/>
-            <a:ext cx="7772400" cy="1500187"/>
+            <a:off x="722314" y="2906717"/>
+            <a:ext cx="7772401" cy="1500187"/>
           </a:xfrm>
         </p:spPr>
         <p:txBody>
@@ -1489,9 +1499,9 @@
                 </a:solidFill>
               </a:defRPr>
             </a:lvl1pPr>
-            <a:lvl2pPr marL="457200" indent="0">
+            <a:lvl2pPr marL="457242" indent="0">
               <a:buNone/>
-              <a:defRPr sz="1800">
+              <a:defRPr sz="1802">
                 <a:solidFill>
                   <a:schemeClr val="tx1">
                     <a:tint val="75000"/>
@@ -1499,7 +1509,7 @@
                 </a:solidFill>
               </a:defRPr>
             </a:lvl2pPr>
-            <a:lvl3pPr marL="914400" indent="0">
+            <a:lvl3pPr marL="914483" indent="0">
               <a:buNone/>
               <a:defRPr sz="1600">
                 <a:solidFill>
@@ -1509,7 +1519,7 @@
                 </a:solidFill>
               </a:defRPr>
             </a:lvl3pPr>
-            <a:lvl4pPr marL="1371600" indent="0">
+            <a:lvl4pPr marL="1371726" indent="0">
               <a:buNone/>
               <a:defRPr sz="1400">
                 <a:solidFill>
@@ -1519,7 +1529,7 @@
                 </a:solidFill>
               </a:defRPr>
             </a:lvl4pPr>
-            <a:lvl5pPr marL="1828800" indent="0">
+            <a:lvl5pPr marL="1828967" indent="0">
               <a:buNone/>
               <a:defRPr sz="1400">
                 <a:solidFill>
@@ -1529,7 +1539,7 @@
                 </a:solidFill>
               </a:defRPr>
             </a:lvl5pPr>
-            <a:lvl6pPr marL="2286000" indent="0">
+            <a:lvl6pPr marL="2286209" indent="0">
               <a:buNone/>
               <a:defRPr sz="1400">
                 <a:solidFill>
@@ -1539,7 +1549,7 @@
                 </a:solidFill>
               </a:defRPr>
             </a:lvl6pPr>
-            <a:lvl7pPr marL="2743200" indent="0">
+            <a:lvl7pPr marL="2743450" indent="0">
               <a:buNone/>
               <a:defRPr sz="1400">
                 <a:solidFill>
@@ -1549,7 +1559,7 @@
                 </a:solidFill>
               </a:defRPr>
             </a:lvl7pPr>
-            <a:lvl8pPr marL="3200400" indent="0">
+            <a:lvl8pPr marL="3200692" indent="0">
               <a:buNone/>
               <a:defRPr sz="1400">
                 <a:solidFill>
@@ -1559,7 +1569,7 @@
                 </a:solidFill>
               </a:defRPr>
             </a:lvl8pPr>
-            <a:lvl9pPr marL="3657600" indent="0">
+            <a:lvl9pPr marL="3657934" indent="0">
               <a:buNone/>
               <a:defRPr sz="1400">
                 <a:solidFill>
@@ -1708,8 +1718,8 @@
         </p:nvSpPr>
         <p:spPr>
           <a:xfrm>
-            <a:off x="457200" y="1600200"/>
-            <a:ext cx="4038600" cy="4525963"/>
+            <a:off x="457202" y="1600201"/>
+            <a:ext cx="4038600" cy="4525962"/>
           </a:xfrm>
         </p:spPr>
         <p:txBody>
@@ -1725,22 +1735,22 @@
               <a:defRPr sz="2000"/>
             </a:lvl3pPr>
             <a:lvl4pPr>
-              <a:defRPr sz="1800"/>
+              <a:defRPr sz="1802"/>
             </a:lvl4pPr>
             <a:lvl5pPr>
-              <a:defRPr sz="1800"/>
+              <a:defRPr sz="1802"/>
             </a:lvl5pPr>
             <a:lvl6pPr>
-              <a:defRPr sz="1800"/>
+              <a:defRPr sz="1802"/>
             </a:lvl6pPr>
             <a:lvl7pPr>
-              <a:defRPr sz="1800"/>
+              <a:defRPr sz="1802"/>
             </a:lvl7pPr>
             <a:lvl8pPr>
-              <a:defRPr sz="1800"/>
+              <a:defRPr sz="1802"/>
             </a:lvl8pPr>
             <a:lvl9pPr>
-              <a:defRPr sz="1800"/>
+              <a:defRPr sz="1802"/>
             </a:lvl9pPr>
           </a:lstStyle>
           <a:p>
@@ -1792,8 +1802,8 @@
         </p:nvSpPr>
         <p:spPr>
           <a:xfrm>
-            <a:off x="4648200" y="1600200"/>
-            <a:ext cx="4038600" cy="4525963"/>
+            <a:off x="4648200" y="1600201"/>
+            <a:ext cx="4038600" cy="4525962"/>
           </a:xfrm>
         </p:spPr>
         <p:txBody>
@@ -1809,22 +1819,22 @@
               <a:defRPr sz="2000"/>
             </a:lvl3pPr>
             <a:lvl4pPr>
-              <a:defRPr sz="1800"/>
+              <a:defRPr sz="1802"/>
             </a:lvl4pPr>
             <a:lvl5pPr>
-              <a:defRPr sz="1800"/>
+              <a:defRPr sz="1802"/>
             </a:lvl5pPr>
             <a:lvl6pPr>
-              <a:defRPr sz="1800"/>
+              <a:defRPr sz="1802"/>
             </a:lvl6pPr>
             <a:lvl7pPr>
-              <a:defRPr sz="1800"/>
+              <a:defRPr sz="1802"/>
             </a:lvl7pPr>
             <a:lvl8pPr>
-              <a:defRPr sz="1800"/>
+              <a:defRPr sz="1802"/>
             </a:lvl8pPr>
             <a:lvl9pPr>
-              <a:defRPr sz="1800"/>
+              <a:defRPr sz="1802"/>
             </a:lvl9pPr>
           </a:lstStyle>
           <a:p>
@@ -1997,7 +2007,7 @@
         </p:nvSpPr>
         <p:spPr>
           <a:xfrm>
-            <a:off x="457200" y="1535113"/>
+            <a:off x="457203" y="1535113"/>
             <a:ext cx="4040188" cy="639762"/>
           </a:xfrm>
         </p:spPr>
@@ -2008,35 +2018,35 @@
               <a:buNone/>
               <a:defRPr sz="2400" b="1"/>
             </a:lvl1pPr>
-            <a:lvl2pPr marL="457200" indent="0">
+            <a:lvl2pPr marL="457242" indent="0">
               <a:buNone/>
               <a:defRPr sz="2000" b="1"/>
             </a:lvl2pPr>
-            <a:lvl3pPr marL="914400" indent="0">
+            <a:lvl3pPr marL="914483" indent="0">
               <a:buNone/>
-              <a:defRPr sz="1800" b="1"/>
+              <a:defRPr sz="1802" b="1"/>
             </a:lvl3pPr>
-            <a:lvl4pPr marL="1371600" indent="0">
+            <a:lvl4pPr marL="1371726" indent="0">
               <a:buNone/>
               <a:defRPr sz="1600" b="1"/>
             </a:lvl4pPr>
-            <a:lvl5pPr marL="1828800" indent="0">
+            <a:lvl5pPr marL="1828967" indent="0">
               <a:buNone/>
               <a:defRPr sz="1600" b="1"/>
             </a:lvl5pPr>
-            <a:lvl6pPr marL="2286000" indent="0">
+            <a:lvl6pPr marL="2286209" indent="0">
               <a:buNone/>
               <a:defRPr sz="1600" b="1"/>
             </a:lvl6pPr>
-            <a:lvl7pPr marL="2743200" indent="0">
+            <a:lvl7pPr marL="2743450" indent="0">
               <a:buNone/>
               <a:defRPr sz="1600" b="1"/>
             </a:lvl7pPr>
-            <a:lvl8pPr marL="3200400" indent="0">
+            <a:lvl8pPr marL="3200692" indent="0">
               <a:buNone/>
               <a:defRPr sz="1600" b="1"/>
             </a:lvl8pPr>
-            <a:lvl9pPr marL="3657600" indent="0">
+            <a:lvl9pPr marL="3657934" indent="0">
               <a:buNone/>
               <a:defRPr sz="1600" b="1"/>
             </a:lvl9pPr>
@@ -2062,7 +2072,7 @@
         </p:nvSpPr>
         <p:spPr>
           <a:xfrm>
-            <a:off x="457200" y="2174875"/>
+            <a:off x="457203" y="2174876"/>
             <a:ext cx="4040188" cy="3951288"/>
           </a:xfrm>
         </p:spPr>
@@ -2076,7 +2086,7 @@
               <a:defRPr sz="2000"/>
             </a:lvl2pPr>
             <a:lvl3pPr>
-              <a:defRPr sz="1800"/>
+              <a:defRPr sz="1802"/>
             </a:lvl3pPr>
             <a:lvl4pPr>
               <a:defRPr sz="1600"/>
@@ -2146,7 +2156,7 @@
         </p:nvSpPr>
         <p:spPr>
           <a:xfrm>
-            <a:off x="4645025" y="1535113"/>
+            <a:off x="4645029" y="1535113"/>
             <a:ext cx="4041775" cy="639762"/>
           </a:xfrm>
         </p:spPr>
@@ -2157,35 +2167,35 @@
               <a:buNone/>
               <a:defRPr sz="2400" b="1"/>
             </a:lvl1pPr>
-            <a:lvl2pPr marL="457200" indent="0">
+            <a:lvl2pPr marL="457242" indent="0">
               <a:buNone/>
               <a:defRPr sz="2000" b="1"/>
             </a:lvl2pPr>
-            <a:lvl3pPr marL="914400" indent="0">
+            <a:lvl3pPr marL="914483" indent="0">
               <a:buNone/>
-              <a:defRPr sz="1800" b="1"/>
+              <a:defRPr sz="1802" b="1"/>
             </a:lvl3pPr>
-            <a:lvl4pPr marL="1371600" indent="0">
+            <a:lvl4pPr marL="1371726" indent="0">
               <a:buNone/>
               <a:defRPr sz="1600" b="1"/>
             </a:lvl4pPr>
-            <a:lvl5pPr marL="1828800" indent="0">
+            <a:lvl5pPr marL="1828967" indent="0">
               <a:buNone/>
               <a:defRPr sz="1600" b="1"/>
             </a:lvl5pPr>
-            <a:lvl6pPr marL="2286000" indent="0">
+            <a:lvl6pPr marL="2286209" indent="0">
               <a:buNone/>
               <a:defRPr sz="1600" b="1"/>
             </a:lvl6pPr>
-            <a:lvl7pPr marL="2743200" indent="0">
+            <a:lvl7pPr marL="2743450" indent="0">
               <a:buNone/>
               <a:defRPr sz="1600" b="1"/>
             </a:lvl7pPr>
-            <a:lvl8pPr marL="3200400" indent="0">
+            <a:lvl8pPr marL="3200692" indent="0">
               <a:buNone/>
               <a:defRPr sz="1600" b="1"/>
             </a:lvl8pPr>
-            <a:lvl9pPr marL="3657600" indent="0">
+            <a:lvl9pPr marL="3657934" indent="0">
               <a:buNone/>
               <a:defRPr sz="1600" b="1"/>
             </a:lvl9pPr>
@@ -2211,7 +2221,7 @@
         </p:nvSpPr>
         <p:spPr>
           <a:xfrm>
-            <a:off x="4645025" y="2174875"/>
+            <a:off x="4645029" y="2174876"/>
             <a:ext cx="4041775" cy="3951288"/>
           </a:xfrm>
         </p:spPr>
@@ -2225,7 +2235,7 @@
               <a:defRPr sz="2000"/>
             </a:lvl2pPr>
             <a:lvl3pPr>
-              <a:defRPr sz="1800"/>
+              <a:defRPr sz="1802"/>
             </a:lvl3pPr>
             <a:lvl4pPr>
               <a:defRPr sz="1600"/>
@@ -2602,8 +2612,8 @@
         </p:nvSpPr>
         <p:spPr>
           <a:xfrm>
-            <a:off x="457200" y="273050"/>
-            <a:ext cx="3008313" cy="1162050"/>
+            <a:off x="457204" y="273052"/>
+            <a:ext cx="3008312" cy="1162050"/>
           </a:xfrm>
         </p:spPr>
         <p:txBody>
@@ -2633,8 +2643,8 @@
         </p:nvSpPr>
         <p:spPr>
           <a:xfrm>
-            <a:off x="3575050" y="273050"/>
-            <a:ext cx="5111750" cy="5853113"/>
+            <a:off x="3575053" y="273054"/>
+            <a:ext cx="5111751" cy="5853112"/>
           </a:xfrm>
         </p:spPr>
         <p:txBody>
@@ -2717,8 +2727,8 @@
         </p:nvSpPr>
         <p:spPr>
           <a:xfrm>
-            <a:off x="457200" y="1435100"/>
-            <a:ext cx="3008313" cy="4691063"/>
+            <a:off x="457204" y="1435101"/>
+            <a:ext cx="3008312" cy="4691062"/>
           </a:xfrm>
         </p:spPr>
         <p:txBody>
@@ -2728,35 +2738,35 @@
               <a:buNone/>
               <a:defRPr sz="1400"/>
             </a:lvl1pPr>
-            <a:lvl2pPr marL="457200" indent="0">
+            <a:lvl2pPr marL="457242" indent="0">
               <a:buNone/>
               <a:defRPr sz="1200"/>
             </a:lvl2pPr>
-            <a:lvl3pPr marL="914400" indent="0">
+            <a:lvl3pPr marL="914483" indent="0">
               <a:buNone/>
               <a:defRPr sz="1000"/>
             </a:lvl3pPr>
-            <a:lvl4pPr marL="1371600" indent="0">
+            <a:lvl4pPr marL="1371726" indent="0">
               <a:buNone/>
               <a:defRPr sz="900"/>
             </a:lvl4pPr>
-            <a:lvl5pPr marL="1828800" indent="0">
+            <a:lvl5pPr marL="1828967" indent="0">
               <a:buNone/>
               <a:defRPr sz="900"/>
             </a:lvl5pPr>
-            <a:lvl6pPr marL="2286000" indent="0">
+            <a:lvl6pPr marL="2286209" indent="0">
               <a:buNone/>
               <a:defRPr sz="900"/>
             </a:lvl6pPr>
-            <a:lvl7pPr marL="2743200" indent="0">
+            <a:lvl7pPr marL="2743450" indent="0">
               <a:buNone/>
               <a:defRPr sz="900"/>
             </a:lvl7pPr>
-            <a:lvl8pPr marL="3200400" indent="0">
+            <a:lvl8pPr marL="3200692" indent="0">
               <a:buNone/>
               <a:defRPr sz="900"/>
             </a:lvl8pPr>
-            <a:lvl9pPr marL="3657600" indent="0">
+            <a:lvl9pPr marL="3657934" indent="0">
               <a:buNone/>
               <a:defRPr sz="900"/>
             </a:lvl9pPr>
@@ -2877,8 +2887,8 @@
         </p:nvSpPr>
         <p:spPr>
           <a:xfrm>
-            <a:off x="1792288" y="4800600"/>
-            <a:ext cx="5486400" cy="566738"/>
+            <a:off x="1792289" y="4800599"/>
+            <a:ext cx="5486400" cy="566739"/>
           </a:xfrm>
         </p:spPr>
         <p:txBody>
@@ -2908,7 +2918,7 @@
         </p:nvSpPr>
         <p:spPr>
           <a:xfrm>
-            <a:off x="1792288" y="612775"/>
+            <a:off x="1792289" y="612779"/>
             <a:ext cx="5486400" cy="4114800"/>
           </a:xfrm>
         </p:spPr>
@@ -2919,35 +2929,35 @@
               <a:buNone/>
               <a:defRPr sz="3200"/>
             </a:lvl1pPr>
-            <a:lvl2pPr marL="457200" indent="0">
+            <a:lvl2pPr marL="457242" indent="0">
               <a:buNone/>
               <a:defRPr sz="2800"/>
             </a:lvl2pPr>
-            <a:lvl3pPr marL="914400" indent="0">
+            <a:lvl3pPr marL="914483" indent="0">
               <a:buNone/>
               <a:defRPr sz="2400"/>
             </a:lvl3pPr>
-            <a:lvl4pPr marL="1371600" indent="0">
+            <a:lvl4pPr marL="1371726" indent="0">
               <a:buNone/>
               <a:defRPr sz="2000"/>
             </a:lvl4pPr>
-            <a:lvl5pPr marL="1828800" indent="0">
+            <a:lvl5pPr marL="1828967" indent="0">
               <a:buNone/>
               <a:defRPr sz="2000"/>
             </a:lvl5pPr>
-            <a:lvl6pPr marL="2286000" indent="0">
+            <a:lvl6pPr marL="2286209" indent="0">
               <a:buNone/>
               <a:defRPr sz="2000"/>
             </a:lvl6pPr>
-            <a:lvl7pPr marL="2743200" indent="0">
+            <a:lvl7pPr marL="2743450" indent="0">
               <a:buNone/>
               <a:defRPr sz="2000"/>
             </a:lvl7pPr>
-            <a:lvl8pPr marL="3200400" indent="0">
+            <a:lvl8pPr marL="3200692" indent="0">
               <a:buNone/>
               <a:defRPr sz="2000"/>
             </a:lvl8pPr>
-            <a:lvl9pPr marL="3657600" indent="0">
+            <a:lvl9pPr marL="3657934" indent="0">
               <a:buNone/>
               <a:defRPr sz="2000"/>
             </a:lvl9pPr>
@@ -2969,7 +2979,7 @@
         </p:nvSpPr>
         <p:spPr>
           <a:xfrm>
-            <a:off x="1792288" y="5367338"/>
+            <a:off x="1792289" y="5367338"/>
             <a:ext cx="5486400" cy="804862"/>
           </a:xfrm>
         </p:spPr>
@@ -2980,35 +2990,35 @@
               <a:buNone/>
               <a:defRPr sz="1400"/>
             </a:lvl1pPr>
-            <a:lvl2pPr marL="457200" indent="0">
+            <a:lvl2pPr marL="457242" indent="0">
               <a:buNone/>
               <a:defRPr sz="1200"/>
             </a:lvl2pPr>
-            <a:lvl3pPr marL="914400" indent="0">
+            <a:lvl3pPr marL="914483" indent="0">
               <a:buNone/>
               <a:defRPr sz="1000"/>
             </a:lvl3pPr>
-            <a:lvl4pPr marL="1371600" indent="0">
+            <a:lvl4pPr marL="1371726" indent="0">
               <a:buNone/>
               <a:defRPr sz="900"/>
             </a:lvl4pPr>
-            <a:lvl5pPr marL="1828800" indent="0">
+            <a:lvl5pPr marL="1828967" indent="0">
               <a:buNone/>
               <a:defRPr sz="900"/>
             </a:lvl5pPr>
-            <a:lvl6pPr marL="2286000" indent="0">
+            <a:lvl6pPr marL="2286209" indent="0">
               <a:buNone/>
               <a:defRPr sz="900"/>
             </a:lvl6pPr>
-            <a:lvl7pPr marL="2743200" indent="0">
+            <a:lvl7pPr marL="2743450" indent="0">
               <a:buNone/>
               <a:defRPr sz="900"/>
             </a:lvl7pPr>
-            <a:lvl8pPr marL="3200400" indent="0">
+            <a:lvl8pPr marL="3200692" indent="0">
               <a:buNone/>
               <a:defRPr sz="900"/>
             </a:lvl8pPr>
-            <a:lvl9pPr marL="3657600" indent="0">
+            <a:lvl9pPr marL="3657934" indent="0">
               <a:buNone/>
               <a:defRPr sz="900"/>
             </a:lvl9pPr>
@@ -3134,8 +3144,8 @@
         </p:nvSpPr>
         <p:spPr>
           <a:xfrm>
-            <a:off x="457200" y="274638"/>
-            <a:ext cx="8229600" cy="1143000"/>
+            <a:off x="457202" y="274641"/>
+            <a:ext cx="8229600" cy="1143001"/>
           </a:xfrm>
           <a:prstGeom prst="rect">
             <a:avLst/>
@@ -3166,8 +3176,8 @@
         </p:nvSpPr>
         <p:spPr>
           <a:xfrm>
-            <a:off x="457200" y="1600200"/>
-            <a:ext cx="8229600" cy="4525963"/>
+            <a:off x="457202" y="1600201"/>
+            <a:ext cx="8229600" cy="4525962"/>
           </a:xfrm>
           <a:prstGeom prst="rect">
             <a:avLst/>
@@ -3227,8 +3237,8 @@
         </p:nvSpPr>
         <p:spPr>
           <a:xfrm>
-            <a:off x="457200" y="6356350"/>
-            <a:ext cx="2133600" cy="365125"/>
+            <a:off x="457202" y="6356352"/>
+            <a:ext cx="2133601" cy="365126"/>
           </a:xfrm>
           <a:prstGeom prst="rect">
             <a:avLst/>
@@ -3268,8 +3278,8 @@
         </p:nvSpPr>
         <p:spPr>
           <a:xfrm>
-            <a:off x="3124200" y="6356350"/>
-            <a:ext cx="2895600" cy="365125"/>
+            <a:off x="3124200" y="6356352"/>
+            <a:ext cx="2895600" cy="365126"/>
           </a:xfrm>
           <a:prstGeom prst="rect">
             <a:avLst/>
@@ -3305,8 +3315,8 @@
         </p:nvSpPr>
         <p:spPr>
           <a:xfrm>
-            <a:off x="6553200" y="6356350"/>
-            <a:ext cx="2133600" cy="365125"/>
+            <a:off x="6553202" y="6356352"/>
+            <a:ext cx="2133601" cy="365126"/>
           </a:xfrm>
           <a:prstGeom prst="rect">
             <a:avLst/>
@@ -3357,7 +3367,7 @@
   </p:sldLayoutIdLst>
   <p:txStyles>
     <p:titleStyle>
-      <a:lvl1pPr algn="ctr" defTabSz="914400" rtl="0" eaLnBrk="1" latinLnBrk="0" hangingPunct="1">
+      <a:lvl1pPr algn="ctr" defTabSz="914483" rtl="0" eaLnBrk="1" latinLnBrk="0" hangingPunct="1">
         <a:spcBef>
           <a:spcPct val="0"/>
         </a:spcBef>
@@ -3373,7 +3383,7 @@
       </a:lvl1pPr>
     </p:titleStyle>
     <p:bodyStyle>
-      <a:lvl1pPr marL="342900" indent="-342900" algn="l" defTabSz="914400" rtl="0" eaLnBrk="1" latinLnBrk="0" hangingPunct="1">
+      <a:lvl1pPr marL="342931" indent="-342931" algn="l" defTabSz="914483" rtl="0" eaLnBrk="1" latinLnBrk="0" hangingPunct="1">
         <a:spcBef>
           <a:spcPct val="20000"/>
         </a:spcBef>
@@ -3388,7 +3398,7 @@
           <a:cs typeface="+mn-cs"/>
         </a:defRPr>
       </a:lvl1pPr>
-      <a:lvl2pPr marL="742950" indent="-285750" algn="l" defTabSz="914400" rtl="0" eaLnBrk="1" latinLnBrk="0" hangingPunct="1">
+      <a:lvl2pPr marL="743017" indent="-285776" algn="l" defTabSz="914483" rtl="0" eaLnBrk="1" latinLnBrk="0" hangingPunct="1">
         <a:spcBef>
           <a:spcPct val="20000"/>
         </a:spcBef>
@@ -3403,7 +3413,7 @@
           <a:cs typeface="+mn-cs"/>
         </a:defRPr>
       </a:lvl2pPr>
-      <a:lvl3pPr marL="1143000" indent="-228600" algn="l" defTabSz="914400" rtl="0" eaLnBrk="1" latinLnBrk="0" hangingPunct="1">
+      <a:lvl3pPr marL="1143105" indent="-228620" algn="l" defTabSz="914483" rtl="0" eaLnBrk="1" latinLnBrk="0" hangingPunct="1">
         <a:spcBef>
           <a:spcPct val="20000"/>
         </a:spcBef>
@@ -3418,7 +3428,7 @@
           <a:cs typeface="+mn-cs"/>
         </a:defRPr>
       </a:lvl3pPr>
-      <a:lvl4pPr marL="1600200" indent="-228600" algn="l" defTabSz="914400" rtl="0" eaLnBrk="1" latinLnBrk="0" hangingPunct="1">
+      <a:lvl4pPr marL="1600346" indent="-228620" algn="l" defTabSz="914483" rtl="0" eaLnBrk="1" latinLnBrk="0" hangingPunct="1">
         <a:spcBef>
           <a:spcPct val="20000"/>
         </a:spcBef>
@@ -3433,7 +3443,7 @@
           <a:cs typeface="+mn-cs"/>
         </a:defRPr>
       </a:lvl4pPr>
-      <a:lvl5pPr marL="2057400" indent="-228600" algn="l" defTabSz="914400" rtl="0" eaLnBrk="1" latinLnBrk="0" hangingPunct="1">
+      <a:lvl5pPr marL="2057588" indent="-228620" algn="l" defTabSz="914483" rtl="0" eaLnBrk="1" latinLnBrk="0" hangingPunct="1">
         <a:spcBef>
           <a:spcPct val="20000"/>
         </a:spcBef>
@@ -3448,7 +3458,7 @@
           <a:cs typeface="+mn-cs"/>
         </a:defRPr>
       </a:lvl5pPr>
-      <a:lvl6pPr marL="2514600" indent="-228600" algn="l" defTabSz="914400" rtl="0" eaLnBrk="1" latinLnBrk="0" hangingPunct="1">
+      <a:lvl6pPr marL="2514829" indent="-228620" algn="l" defTabSz="914483" rtl="0" eaLnBrk="1" latinLnBrk="0" hangingPunct="1">
         <a:spcBef>
           <a:spcPct val="20000"/>
         </a:spcBef>
@@ -3463,7 +3473,7 @@
           <a:cs typeface="+mn-cs"/>
         </a:defRPr>
       </a:lvl6pPr>
-      <a:lvl7pPr marL="2971800" indent="-228600" algn="l" defTabSz="914400" rtl="0" eaLnBrk="1" latinLnBrk="0" hangingPunct="1">
+      <a:lvl7pPr marL="2972071" indent="-228620" algn="l" defTabSz="914483" rtl="0" eaLnBrk="1" latinLnBrk="0" hangingPunct="1">
         <a:spcBef>
           <a:spcPct val="20000"/>
         </a:spcBef>
@@ -3478,7 +3488,7 @@
           <a:cs typeface="+mn-cs"/>
         </a:defRPr>
       </a:lvl7pPr>
-      <a:lvl8pPr marL="3429000" indent="-228600" algn="l" defTabSz="914400" rtl="0" eaLnBrk="1" latinLnBrk="0" hangingPunct="1">
+      <a:lvl8pPr marL="3429313" indent="-228620" algn="l" defTabSz="914483" rtl="0" eaLnBrk="1" latinLnBrk="0" hangingPunct="1">
         <a:spcBef>
           <a:spcPct val="20000"/>
         </a:spcBef>
@@ -3493,7 +3503,7 @@
           <a:cs typeface="+mn-cs"/>
         </a:defRPr>
       </a:lvl8pPr>
-      <a:lvl9pPr marL="3886200" indent="-228600" algn="l" defTabSz="914400" rtl="0" eaLnBrk="1" latinLnBrk="0" hangingPunct="1">
+      <a:lvl9pPr marL="3886554" indent="-228620" algn="l" defTabSz="914483" rtl="0" eaLnBrk="1" latinLnBrk="0" hangingPunct="1">
         <a:spcBef>
           <a:spcPct val="20000"/>
         </a:spcBef>
@@ -3513,8 +3523,8 @@
       <a:defPPr>
         <a:defRPr lang="en-US"/>
       </a:defPPr>
-      <a:lvl1pPr marL="0" algn="l" defTabSz="914400" rtl="0" eaLnBrk="1" latinLnBrk="0" hangingPunct="1">
-        <a:defRPr sz="1800" kern="1200">
+      <a:lvl1pPr marL="0" algn="l" defTabSz="914483" rtl="0" eaLnBrk="1" latinLnBrk="0" hangingPunct="1">
+        <a:defRPr sz="1802" kern="1200">
           <a:solidFill>
             <a:schemeClr val="tx1"/>
           </a:solidFill>
@@ -3523,8 +3533,8 @@
           <a:cs typeface="+mn-cs"/>
         </a:defRPr>
       </a:lvl1pPr>
-      <a:lvl2pPr marL="457200" algn="l" defTabSz="914400" rtl="0" eaLnBrk="1" latinLnBrk="0" hangingPunct="1">
-        <a:defRPr sz="1800" kern="1200">
+      <a:lvl2pPr marL="457242" algn="l" defTabSz="914483" rtl="0" eaLnBrk="1" latinLnBrk="0" hangingPunct="1">
+        <a:defRPr sz="1802" kern="1200">
           <a:solidFill>
             <a:schemeClr val="tx1"/>
           </a:solidFill>
@@ -3533,8 +3543,8 @@
           <a:cs typeface="+mn-cs"/>
         </a:defRPr>
       </a:lvl2pPr>
-      <a:lvl3pPr marL="914400" algn="l" defTabSz="914400" rtl="0" eaLnBrk="1" latinLnBrk="0" hangingPunct="1">
-        <a:defRPr sz="1800" kern="1200">
+      <a:lvl3pPr marL="914483" algn="l" defTabSz="914483" rtl="0" eaLnBrk="1" latinLnBrk="0" hangingPunct="1">
+        <a:defRPr sz="1802" kern="1200">
           <a:solidFill>
             <a:schemeClr val="tx1"/>
           </a:solidFill>
@@ -3543,8 +3553,8 @@
           <a:cs typeface="+mn-cs"/>
         </a:defRPr>
       </a:lvl3pPr>
-      <a:lvl4pPr marL="1371600" algn="l" defTabSz="914400" rtl="0" eaLnBrk="1" latinLnBrk="0" hangingPunct="1">
-        <a:defRPr sz="1800" kern="1200">
+      <a:lvl4pPr marL="1371726" algn="l" defTabSz="914483" rtl="0" eaLnBrk="1" latinLnBrk="0" hangingPunct="1">
+        <a:defRPr sz="1802" kern="1200">
           <a:solidFill>
             <a:schemeClr val="tx1"/>
           </a:solidFill>
@@ -3553,8 +3563,8 @@
           <a:cs typeface="+mn-cs"/>
         </a:defRPr>
       </a:lvl4pPr>
-      <a:lvl5pPr marL="1828800" algn="l" defTabSz="914400" rtl="0" eaLnBrk="1" latinLnBrk="0" hangingPunct="1">
-        <a:defRPr sz="1800" kern="1200">
+      <a:lvl5pPr marL="1828967" algn="l" defTabSz="914483" rtl="0" eaLnBrk="1" latinLnBrk="0" hangingPunct="1">
+        <a:defRPr sz="1802" kern="1200">
           <a:solidFill>
             <a:schemeClr val="tx1"/>
           </a:solidFill>
@@ -3563,8 +3573,8 @@
           <a:cs typeface="+mn-cs"/>
         </a:defRPr>
       </a:lvl5pPr>
-      <a:lvl6pPr marL="2286000" algn="l" defTabSz="914400" rtl="0" eaLnBrk="1" latinLnBrk="0" hangingPunct="1">
-        <a:defRPr sz="1800" kern="1200">
+      <a:lvl6pPr marL="2286209" algn="l" defTabSz="914483" rtl="0" eaLnBrk="1" latinLnBrk="0" hangingPunct="1">
+        <a:defRPr sz="1802" kern="1200">
           <a:solidFill>
             <a:schemeClr val="tx1"/>
           </a:solidFill>
@@ -3573,8 +3583,8 @@
           <a:cs typeface="+mn-cs"/>
         </a:defRPr>
       </a:lvl6pPr>
-      <a:lvl7pPr marL="2743200" algn="l" defTabSz="914400" rtl="0" eaLnBrk="1" latinLnBrk="0" hangingPunct="1">
-        <a:defRPr sz="1800" kern="1200">
+      <a:lvl7pPr marL="2743450" algn="l" defTabSz="914483" rtl="0" eaLnBrk="1" latinLnBrk="0" hangingPunct="1">
+        <a:defRPr sz="1802" kern="1200">
           <a:solidFill>
             <a:schemeClr val="tx1"/>
           </a:solidFill>
@@ -3583,8 +3593,8 @@
           <a:cs typeface="+mn-cs"/>
         </a:defRPr>
       </a:lvl7pPr>
-      <a:lvl8pPr marL="3200400" algn="l" defTabSz="914400" rtl="0" eaLnBrk="1" latinLnBrk="0" hangingPunct="1">
-        <a:defRPr sz="1800" kern="1200">
+      <a:lvl8pPr marL="3200692" algn="l" defTabSz="914483" rtl="0" eaLnBrk="1" latinLnBrk="0" hangingPunct="1">
+        <a:defRPr sz="1802" kern="1200">
           <a:solidFill>
             <a:schemeClr val="tx1"/>
           </a:solidFill>
@@ -3593,8 +3603,8 @@
           <a:cs typeface="+mn-cs"/>
         </a:defRPr>
       </a:lvl8pPr>
-      <a:lvl9pPr marL="3657600" algn="l" defTabSz="914400" rtl="0" eaLnBrk="1" latinLnBrk="0" hangingPunct="1">
-        <a:defRPr sz="1800" kern="1200">
+      <a:lvl9pPr marL="3657934" algn="l" defTabSz="914483" rtl="0" eaLnBrk="1" latinLnBrk="0" hangingPunct="1">
+        <a:defRPr sz="1802" kern="1200">
           <a:solidFill>
             <a:schemeClr val="tx1"/>
           </a:solidFill>
@@ -3718,7 +3728,7 @@
         </p:nvCxnSpPr>
         <p:spPr>
           <a:xfrm rot="5400000" flipH="1" flipV="1">
-            <a:off x="2922972" y="2062094"/>
+            <a:off x="2922976" y="2062098"/>
             <a:ext cx="1412641" cy="711571"/>
           </a:xfrm>
           <a:prstGeom prst="bentConnector2">
@@ -3765,7 +3775,7 @@
         </p:nvCxnSpPr>
         <p:spPr>
           <a:xfrm rot="5400000">
-            <a:off x="6978413" y="3401936"/>
+            <a:off x="6978417" y="3401940"/>
             <a:ext cx="253555" cy="2883"/>
           </a:xfrm>
           <a:prstGeom prst="bentConnector3">
@@ -3806,7 +3816,7 @@
         </p:nvSpPr>
         <p:spPr>
           <a:xfrm>
-            <a:off x="339022" y="3929555"/>
+            <a:off x="339024" y="3929555"/>
             <a:ext cx="400979" cy="346760"/>
           </a:xfrm>
           <a:prstGeom prst="rect">
@@ -3865,7 +3875,7 @@
         </p:nvSpPr>
         <p:spPr>
           <a:xfrm>
-            <a:off x="1143973" y="3913809"/>
+            <a:off x="1143975" y="3913809"/>
             <a:ext cx="581331" cy="346760"/>
           </a:xfrm>
           <a:prstGeom prst="rect">
@@ -3979,7 +3989,7 @@
         </p:nvSpPr>
         <p:spPr>
           <a:xfrm>
-            <a:off x="2956145" y="2991149"/>
+            <a:off x="2956149" y="2991149"/>
             <a:ext cx="634723" cy="346760"/>
           </a:xfrm>
           <a:prstGeom prst="rect">
@@ -4269,7 +4279,7 @@
         </p:nvSpPr>
         <p:spPr>
           <a:xfrm>
-            <a:off x="2410207" y="4460471"/>
+            <a:off x="2410211" y="4460471"/>
             <a:ext cx="790193" cy="346760"/>
           </a:xfrm>
           <a:prstGeom prst="rect">
@@ -4331,7 +4341,7 @@
         </p:nvCxnSpPr>
         <p:spPr>
           <a:xfrm rot="10800000" flipV="1">
-            <a:off x="740001" y="4087189"/>
+            <a:off x="740001" y="4087191"/>
             <a:ext cx="403972" cy="15746"/>
           </a:xfrm>
           <a:prstGeom prst="bentConnector3">
@@ -4371,7 +4381,7 @@
         </p:nvCxnSpPr>
         <p:spPr>
           <a:xfrm rot="5400000" flipH="1" flipV="1">
-            <a:off x="2962964" y="3498849"/>
+            <a:off x="2962966" y="3498851"/>
             <a:ext cx="342611" cy="12700"/>
           </a:xfrm>
           <a:prstGeom prst="bentConnector3">
@@ -4415,7 +4425,7 @@
         </p:nvCxnSpPr>
         <p:spPr>
           <a:xfrm>
-            <a:off x="4648442" y="3918486"/>
+            <a:off x="4648446" y="3918488"/>
             <a:ext cx="424477" cy="607579"/>
           </a:xfrm>
           <a:prstGeom prst="bentConnector3">
@@ -4455,7 +4465,7 @@
         </p:nvCxnSpPr>
         <p:spPr>
           <a:xfrm rot="5400000" flipH="1" flipV="1">
-            <a:off x="7436346" y="3758388"/>
+            <a:off x="9128621" y="3758392"/>
             <a:ext cx="1323414" cy="203993"/>
           </a:xfrm>
           <a:prstGeom prst="bentConnector2">
@@ -4539,7 +4549,7 @@
         </p:nvCxnSpPr>
         <p:spPr>
           <a:xfrm>
-            <a:off x="7803052" y="4522091"/>
+            <a:off x="7803052" y="4522093"/>
             <a:ext cx="396998" cy="147089"/>
           </a:xfrm>
           <a:prstGeom prst="bentConnector3">
@@ -4622,7 +4632,7 @@
         </p:nvSpPr>
         <p:spPr>
           <a:xfrm>
-            <a:off x="7567004" y="4435401"/>
+            <a:off x="7567006" y="4435401"/>
             <a:ext cx="236048" cy="173380"/>
           </a:xfrm>
           <a:prstGeom prst="flowChartDecision">
@@ -4657,11 +4667,7 @@
           <a:lstStyle/>
           <a:p>
             <a:pPr algn="ctr"/>
-            <a:endParaRPr lang="en-US" sz="1050">
-              <a:solidFill>
-                <a:schemeClr val="dk1"/>
-              </a:solidFill>
-            </a:endParaRPr>
+            <a:endParaRPr lang="en-US" sz="1050"/>
           </a:p>
         </p:txBody>
       </p:sp>
@@ -4673,7 +4679,7 @@
         </p:nvSpPr>
         <p:spPr>
           <a:xfrm>
-            <a:off x="5992191" y="4439375"/>
+            <a:off x="5992193" y="4439375"/>
             <a:ext cx="236048" cy="173380"/>
           </a:xfrm>
           <a:prstGeom prst="flowChartDecision">
@@ -4760,7 +4766,7 @@
         </p:nvCxnSpPr>
         <p:spPr>
           <a:xfrm>
-            <a:off x="6228239" y="4526065"/>
+            <a:off x="6228241" y="4526065"/>
             <a:ext cx="409469" cy="0"/>
           </a:xfrm>
           <a:prstGeom prst="straightConnector1">
@@ -4848,7 +4854,7 @@
         </p:nvCxnSpPr>
         <p:spPr>
           <a:xfrm>
-            <a:off x="304800" y="3006041"/>
+            <a:off x="304800" y="3006043"/>
             <a:ext cx="6059002" cy="2307747"/>
           </a:xfrm>
           <a:prstGeom prst="bentConnector3">
@@ -4889,7 +4895,7 @@
         </p:nvSpPr>
         <p:spPr>
           <a:xfrm rot="10800000">
-            <a:off x="6964221" y="4953000"/>
+            <a:off x="6964221" y="4953002"/>
             <a:ext cx="270504" cy="175523"/>
           </a:xfrm>
           <a:prstGeom prst="triangle">
@@ -4932,7 +4938,7 @@
         </p:nvCxnSpPr>
         <p:spPr>
           <a:xfrm rot="5400000">
-            <a:off x="6974138" y="4824781"/>
+            <a:off x="6974142" y="4824785"/>
             <a:ext cx="253555" cy="2883"/>
           </a:xfrm>
           <a:prstGeom prst="bentConnector3">
@@ -4973,7 +4979,7 @@
         </p:nvSpPr>
         <p:spPr>
           <a:xfrm>
-            <a:off x="3985078" y="1356188"/>
+            <a:off x="3985080" y="1356190"/>
             <a:ext cx="1611867" cy="444640"/>
           </a:xfrm>
           <a:prstGeom prst="rect">
@@ -5135,7 +5141,7 @@
         </p:nvSpPr>
         <p:spPr>
           <a:xfrm flipH="1">
-            <a:off x="6142650" y="1849054"/>
+            <a:off x="6142652" y="1849054"/>
             <a:ext cx="1404109" cy="346760"/>
           </a:xfrm>
           <a:prstGeom prst="rect">
@@ -5179,7 +5185,7 @@
         </p:nvSpPr>
         <p:spPr>
           <a:xfrm rot="16200000">
-            <a:off x="5549453" y="1571491"/>
+            <a:off x="5549453" y="1571493"/>
             <a:ext cx="270504" cy="175523"/>
           </a:xfrm>
           <a:prstGeom prst="triangle">
@@ -5222,7 +5228,7 @@
         </p:nvCxnSpPr>
         <p:spPr>
           <a:xfrm flipV="1">
-            <a:off x="5772467" y="1627447"/>
+            <a:off x="5772469" y="1627447"/>
             <a:ext cx="370183" cy="31806"/>
           </a:xfrm>
           <a:prstGeom prst="bentConnector3">
@@ -5260,7 +5266,7 @@
         </p:nvCxnSpPr>
         <p:spPr>
           <a:xfrm flipV="1">
-            <a:off x="5772467" y="1232460"/>
+            <a:off x="5772469" y="1232462"/>
             <a:ext cx="370183" cy="426793"/>
           </a:xfrm>
           <a:prstGeom prst="bentConnector3">
@@ -5298,7 +5304,7 @@
         </p:nvCxnSpPr>
         <p:spPr>
           <a:xfrm>
-            <a:off x="5772467" y="1659253"/>
+            <a:off x="5772469" y="1659255"/>
             <a:ext cx="370183" cy="363181"/>
           </a:xfrm>
           <a:prstGeom prst="bentConnector3">
@@ -5333,7 +5339,7 @@
         </p:nvSpPr>
         <p:spPr>
           <a:xfrm flipH="1">
-            <a:off x="6142650" y="2244040"/>
+            <a:off x="6142652" y="2244040"/>
             <a:ext cx="1404109" cy="346760"/>
           </a:xfrm>
           <a:prstGeom prst="rect">
@@ -5380,7 +5386,7 @@
         </p:nvCxnSpPr>
         <p:spPr>
           <a:xfrm>
-            <a:off x="5772467" y="1659253"/>
+            <a:off x="5772469" y="1659255"/>
             <a:ext cx="370183" cy="758167"/>
           </a:xfrm>
           <a:prstGeom prst="bentConnector3">
@@ -5417,7 +5423,7 @@
         </p:nvCxnSpPr>
         <p:spPr>
           <a:xfrm rot="5400000" flipH="1" flipV="1">
-            <a:off x="2379866" y="2052366"/>
+            <a:off x="2379868" y="2052370"/>
             <a:ext cx="2132160" cy="1078307"/>
           </a:xfrm>
           <a:prstGeom prst="bentConnector2">
@@ -5456,7 +5462,7 @@
         </p:nvCxnSpPr>
         <p:spPr>
           <a:xfrm rot="5400000">
-            <a:off x="3213414" y="2790743"/>
+            <a:off x="3213416" y="2790743"/>
             <a:ext cx="1889726" cy="6348"/>
           </a:xfrm>
           <a:prstGeom prst="bentConnector3">
@@ -5497,7 +5503,7 @@
         </p:nvSpPr>
         <p:spPr>
           <a:xfrm flipH="1">
-            <a:off x="2637450" y="720040"/>
+            <a:off x="2637452" y="720040"/>
             <a:ext cx="1404109" cy="346760"/>
           </a:xfrm>
           <a:prstGeom prst="rect">
@@ -5544,7 +5550,7 @@
         </p:nvCxnSpPr>
         <p:spPr>
           <a:xfrm rot="16200000" flipV="1">
-            <a:off x="4184902" y="750077"/>
+            <a:off x="4184904" y="750079"/>
             <a:ext cx="462768" cy="749453"/>
           </a:xfrm>
           <a:prstGeom prst="bentConnector2">
@@ -5585,7 +5591,7 @@
         </p:nvCxnSpPr>
         <p:spPr>
           <a:xfrm flipV="1">
-            <a:off x="304800" y="893420"/>
+            <a:off x="304800" y="893422"/>
             <a:ext cx="2332650" cy="1763378"/>
           </a:xfrm>
           <a:prstGeom prst="bentConnector3">
@@ -5887,7 +5893,7 @@
         </p:nvSpPr>
         <p:spPr>
           <a:xfrm>
-            <a:off x="3775013" y="4455640"/>
+            <a:off x="3775012" y="4455640"/>
             <a:ext cx="929296" cy="346760"/>
           </a:xfrm>
           <a:prstGeom prst="rect">
@@ -5938,7 +5944,7 @@
         </p:nvCxnSpPr>
         <p:spPr>
           <a:xfrm flipV="1">
-            <a:off x="3200400" y="4629020"/>
+            <a:off x="3200404" y="4629024"/>
             <a:ext cx="574613" cy="4831"/>
           </a:xfrm>
           <a:prstGeom prst="bentConnector3">
@@ -5979,7 +5985,7 @@
         </p:nvCxnSpPr>
         <p:spPr>
           <a:xfrm flipV="1">
-            <a:off x="8107853" y="1199445"/>
+            <a:off x="8107853" y="1199447"/>
             <a:ext cx="0" cy="304800"/>
           </a:xfrm>
           <a:prstGeom prst="straightConnector1">
@@ -6020,7 +6026,7 @@
         </p:nvCxnSpPr>
         <p:spPr>
           <a:xfrm flipV="1">
-            <a:off x="8260253" y="1199445"/>
+            <a:off x="8260253" y="1199447"/>
             <a:ext cx="0" cy="304800"/>
           </a:xfrm>
           <a:prstGeom prst="straightConnector1">
@@ -6061,7 +6067,7 @@
         </p:nvCxnSpPr>
         <p:spPr>
           <a:xfrm flipV="1">
-            <a:off x="8412653" y="1199445"/>
+            <a:off x="8412653" y="1199447"/>
             <a:ext cx="0" cy="304800"/>
           </a:xfrm>
           <a:prstGeom prst="straightConnector1">
@@ -6225,7 +6231,7 @@
         </p:nvSpPr>
         <p:spPr>
           <a:xfrm>
-            <a:off x="228600" y="2656798"/>
+            <a:off x="228602" y="2656798"/>
             <a:ext cx="1746186" cy="346760"/>
           </a:xfrm>
           <a:prstGeom prst="rect">
@@ -6286,7 +6292,7 @@
         </p:nvCxnSpPr>
         <p:spPr>
           <a:xfrm rot="5400000" flipH="1" flipV="1">
-            <a:off x="88595" y="3478638"/>
+            <a:off x="88595" y="3478640"/>
             <a:ext cx="901834" cy="1"/>
           </a:xfrm>
           <a:prstGeom prst="bentConnector3">
@@ -6326,7 +6332,7 @@
         </p:nvSpPr>
         <p:spPr>
           <a:xfrm>
-            <a:off x="2410208" y="3700884"/>
+            <a:off x="2410208" y="3700886"/>
             <a:ext cx="790192" cy="442612"/>
           </a:xfrm>
           <a:prstGeom prst="rect">
@@ -6388,7 +6394,7 @@
         </p:nvCxnSpPr>
         <p:spPr>
           <a:xfrm>
-            <a:off x="2803553" y="4125851"/>
+            <a:off x="2803557" y="4125853"/>
             <a:ext cx="1751" cy="334620"/>
           </a:xfrm>
           <a:prstGeom prst="straightConnector1">
@@ -6426,7 +6432,7 @@
         </p:nvSpPr>
         <p:spPr>
           <a:xfrm>
-            <a:off x="386361" y="1995549"/>
+            <a:off x="386363" y="1995549"/>
             <a:ext cx="756639" cy="346760"/>
           </a:xfrm>
           <a:prstGeom prst="rect">
@@ -6566,7 +6572,7 @@
         </p:nvCxnSpPr>
         <p:spPr>
           <a:xfrm rot="5400000" flipH="1" flipV="1">
-            <a:off x="1024192" y="3114383"/>
+            <a:off x="1024194" y="3114383"/>
             <a:ext cx="192567" cy="6999"/>
           </a:xfrm>
           <a:prstGeom prst="bentConnector3">
@@ -6650,8 +6656,8 @@
         </p:nvCxnSpPr>
         <p:spPr>
           <a:xfrm rot="16200000" flipH="1">
-            <a:off x="1344934" y="3824104"/>
-            <a:ext cx="176402" cy="3007"/>
+            <a:off x="1344934" y="3824107"/>
+            <a:ext cx="176402" cy="3006"/>
           </a:xfrm>
           <a:prstGeom prst="bentConnector3">
             <a:avLst>
@@ -6693,7 +6699,7 @@
         </p:nvCxnSpPr>
         <p:spPr>
           <a:xfrm flipV="1">
-            <a:off x="1725304" y="4087188"/>
+            <a:off x="1725304" y="4087192"/>
             <a:ext cx="684904" cy="1"/>
           </a:xfrm>
           <a:prstGeom prst="bentConnector3">
@@ -6791,7 +6797,7 @@
         <p:spPr>
           <a:xfrm>
             <a:off x="7945556" y="2928939"/>
-            <a:ext cx="88232" cy="369332"/>
+            <a:ext cx="88232" cy="369204"/>
           </a:xfrm>
           <a:prstGeom prst="rect">
             <a:avLst/>
@@ -6805,7 +6811,7 @@
           <a:lstStyle/>
           <a:p>
             <a:r>
-              <a:rPr lang="en-US" dirty="0">
+              <a:rPr lang="en-US" sz="1781" dirty="0">
                 <a:solidFill>
                   <a:srgbClr val="7030A0"/>
                 </a:solidFill>
@@ -6949,7 +6955,7 @@
         </p:nvCxnSpPr>
         <p:spPr>
           <a:xfrm flipV="1">
-            <a:off x="4648200" y="3307690"/>
+            <a:off x="4648204" y="3307692"/>
             <a:ext cx="424477" cy="607579"/>
           </a:xfrm>
           <a:prstGeom prst="bentConnector3">
@@ -7049,7 +7055,7 @@
         </p:nvSpPr>
         <p:spPr>
           <a:xfrm>
-            <a:off x="6024672" y="3245130"/>
+            <a:off x="6024674" y="3245132"/>
             <a:ext cx="236048" cy="173380"/>
           </a:xfrm>
           <a:prstGeom prst="flowChartDecision">
@@ -7099,7 +7105,7 @@
         </p:nvCxnSpPr>
         <p:spPr>
           <a:xfrm rot="16200000" flipH="1">
-            <a:off x="6160964" y="3418691"/>
+            <a:off x="6160964" y="3418693"/>
             <a:ext cx="561296" cy="386423"/>
           </a:xfrm>
           <a:prstGeom prst="bentConnector2">
@@ -7208,7 +7214,7 @@
         </p:nvSpPr>
         <p:spPr>
           <a:xfrm rot="10800000">
-            <a:off x="6968496" y="3530155"/>
+            <a:off x="6968496" y="3530157"/>
             <a:ext cx="270504" cy="175523"/>
           </a:xfrm>
           <a:prstGeom prst="triangle">
@@ -7254,8 +7260,8 @@
         </p:nvSpPr>
         <p:spPr>
           <a:xfrm>
-            <a:off x="7960690" y="3440668"/>
-            <a:ext cx="88232" cy="369332"/>
+            <a:off x="7960690" y="3440670"/>
+            <a:ext cx="88232" cy="369204"/>
           </a:xfrm>
           <a:prstGeom prst="rect">
             <a:avLst/>
@@ -7269,7 +7275,7 @@
           <a:lstStyle/>
           <a:p>
             <a:r>
-              <a:rPr lang="en-US" dirty="0">
+              <a:rPr lang="en-US" sz="1781" dirty="0">
                 <a:solidFill>
                   <a:srgbClr val="7030A0"/>
                 </a:solidFill>
@@ -7407,7 +7413,7 @@
         </p:nvSpPr>
         <p:spPr>
           <a:xfrm>
-            <a:off x="1797214" y="2208798"/>
+            <a:off x="1797218" y="2208798"/>
             <a:ext cx="859535" cy="395870"/>
           </a:xfrm>
           <a:prstGeom prst="rect">
@@ -7521,7 +7527,7 @@
         </p:nvCxnSpPr>
         <p:spPr>
           <a:xfrm rot="16200000" flipH="1">
-            <a:off x="1614772" y="3838415"/>
+            <a:off x="1614774" y="3838415"/>
             <a:ext cx="1141903" cy="448967"/>
           </a:xfrm>
           <a:prstGeom prst="bentConnector2">
@@ -7565,7 +7571,7 @@
         </p:nvSpPr>
         <p:spPr>
           <a:xfrm>
-            <a:off x="1619032" y="4912420"/>
+            <a:off x="1619034" y="4912420"/>
             <a:ext cx="790193" cy="346760"/>
           </a:xfrm>
           <a:prstGeom prst="rect">
@@ -7630,7 +7636,7 @@
         </p:nvSpPr>
         <p:spPr>
           <a:xfrm>
-            <a:off x="2979453" y="4916258"/>
+            <a:off x="2979458" y="4916258"/>
             <a:ext cx="790193" cy="346760"/>
           </a:xfrm>
           <a:prstGeom prst="rect">
@@ -7747,7 +7753,7 @@
         </p:nvCxnSpPr>
         <p:spPr>
           <a:xfrm rot="10800000" flipH="1" flipV="1">
-            <a:off x="485524" y="1258184"/>
+            <a:off x="485526" y="1258184"/>
             <a:ext cx="1133507" cy="3827615"/>
           </a:xfrm>
           <a:prstGeom prst="bentConnector3">
@@ -7796,7 +7802,7 @@
         </p:nvCxnSpPr>
         <p:spPr>
           <a:xfrm rot="5400000" flipH="1" flipV="1">
-            <a:off x="1318343" y="1780688"/>
+            <a:off x="1318345" y="1780690"/>
             <a:ext cx="1303641" cy="489717"/>
           </a:xfrm>
           <a:prstGeom prst="bentConnector3">
@@ -7842,7 +7848,7 @@
         </p:nvSpPr>
         <p:spPr>
           <a:xfrm>
-            <a:off x="1799268" y="3081186"/>
+            <a:off x="1799272" y="3081186"/>
             <a:ext cx="859535" cy="395870"/>
           </a:xfrm>
           <a:prstGeom prst="rect">
@@ -7955,7 +7961,7 @@
         </p:nvSpPr>
         <p:spPr>
           <a:xfrm>
-            <a:off x="1785254" y="1373725"/>
+            <a:off x="1785256" y="1373725"/>
             <a:ext cx="859535" cy="395870"/>
           </a:xfrm>
           <a:prstGeom prst="rect">
@@ -8070,7 +8076,7 @@
         </p:nvCxnSpPr>
         <p:spPr>
           <a:xfrm>
-            <a:off x="2644789" y="1571660"/>
+            <a:off x="2644791" y="1571661"/>
             <a:ext cx="160515" cy="2129224"/>
           </a:xfrm>
           <a:prstGeom prst="bentConnector2">
@@ -8114,7 +8120,7 @@
         </p:nvSpPr>
         <p:spPr>
           <a:xfrm>
-            <a:off x="4589077" y="2208511"/>
+            <a:off x="4589081" y="2208511"/>
             <a:ext cx="634723" cy="346760"/>
           </a:xfrm>
           <a:prstGeom prst="rect">
@@ -8468,7 +8474,7 @@
         </p:nvCxnSpPr>
         <p:spPr>
           <a:xfrm rot="5400000" flipH="1" flipV="1">
-            <a:off x="1483237" y="2630634"/>
+            <a:off x="1483237" y="2630636"/>
             <a:ext cx="676376" cy="1"/>
           </a:xfrm>
           <a:prstGeom prst="bentConnector3">
@@ -8511,7 +8517,7 @@
         </p:nvCxnSpPr>
         <p:spPr>
           <a:xfrm>
-            <a:off x="3602504" y="2165896"/>
+            <a:off x="3602505" y="2165896"/>
             <a:ext cx="211370" cy="9488"/>
           </a:xfrm>
           <a:prstGeom prst="bentConnector3">
@@ -8562,7 +8568,7 @@
         </p:nvCxnSpPr>
         <p:spPr>
           <a:xfrm rot="5400000">
-            <a:off x="7633248" y="1683896"/>
+            <a:off x="7633250" y="1683898"/>
             <a:ext cx="81899" cy="32285"/>
           </a:xfrm>
           <a:prstGeom prst="bentConnector3">
@@ -8603,7 +8609,7 @@
         </p:nvSpPr>
         <p:spPr>
           <a:xfrm>
-            <a:off x="1097791" y="1582873"/>
+            <a:off x="1097793" y="1582873"/>
             <a:ext cx="322645" cy="260070"/>
           </a:xfrm>
           <a:prstGeom prst="rect">
@@ -8721,7 +8727,7 @@
         </p:nvSpPr>
         <p:spPr>
           <a:xfrm>
-            <a:off x="4800600" y="1394628"/>
+            <a:off x="4800602" y="1394628"/>
             <a:ext cx="761711" cy="260070"/>
           </a:xfrm>
           <a:prstGeom prst="rect">
@@ -8776,7 +8782,7 @@
         </p:nvSpPr>
         <p:spPr>
           <a:xfrm>
-            <a:off x="3126462" y="2035861"/>
+            <a:off x="3126464" y="2035863"/>
             <a:ext cx="476042" cy="260070"/>
           </a:xfrm>
           <a:prstGeom prst="rect">
@@ -8824,7 +8830,7 @@
         </p:nvSpPr>
         <p:spPr>
           <a:xfrm>
-            <a:off x="6007946" y="2807616"/>
+            <a:off x="6007950" y="2807616"/>
             <a:ext cx="854117" cy="260070"/>
           </a:xfrm>
           <a:prstGeom prst="rect">
@@ -8875,7 +8881,7 @@
         </p:nvSpPr>
         <p:spPr>
           <a:xfrm>
-            <a:off x="7316076" y="2354309"/>
+            <a:off x="7316076" y="2354311"/>
             <a:ext cx="696972" cy="260070"/>
           </a:xfrm>
           <a:prstGeom prst="rect">
@@ -8934,7 +8940,7 @@
         </p:nvSpPr>
         <p:spPr>
           <a:xfrm>
-            <a:off x="7190168" y="3604423"/>
+            <a:off x="7190168" y="3604425"/>
             <a:ext cx="696972" cy="260070"/>
           </a:xfrm>
           <a:prstGeom prst="rect">
@@ -8978,7 +8984,7 @@
         </p:nvSpPr>
         <p:spPr>
           <a:xfrm>
-            <a:off x="7190168" y="3949065"/>
+            <a:off x="7190168" y="3949067"/>
             <a:ext cx="696972" cy="260070"/>
           </a:xfrm>
           <a:prstGeom prst="rect">
@@ -9066,7 +9072,7 @@
         </p:nvSpPr>
         <p:spPr>
           <a:xfrm>
-            <a:off x="2115504" y="4201784"/>
+            <a:off x="2115508" y="4201784"/>
             <a:ext cx="638001" cy="260070"/>
           </a:xfrm>
           <a:prstGeom prst="rect">
@@ -9127,7 +9133,7 @@
         </p:nvCxnSpPr>
         <p:spPr>
           <a:xfrm rot="10800000" flipV="1">
-            <a:off x="1398527" y="1643367"/>
+            <a:off x="1398529" y="1643367"/>
             <a:ext cx="207517" cy="2453"/>
           </a:xfrm>
           <a:prstGeom prst="bentConnector3">
@@ -9170,7 +9176,7 @@
         </p:nvCxnSpPr>
         <p:spPr>
           <a:xfrm>
-            <a:off x="2902489" y="2165144"/>
+            <a:off x="2902493" y="2165144"/>
             <a:ext cx="223973" cy="752"/>
           </a:xfrm>
           <a:prstGeom prst="bentConnector3">
@@ -9256,7 +9262,7 @@
         </p:nvCxnSpPr>
         <p:spPr>
           <a:xfrm rot="5400000">
-            <a:off x="7670932" y="3026668"/>
+            <a:off x="7670934" y="3026668"/>
             <a:ext cx="551371" cy="118954"/>
           </a:xfrm>
           <a:prstGeom prst="bentConnector2">
@@ -9336,7 +9342,7 @@
         </p:nvSpPr>
         <p:spPr>
           <a:xfrm rot="5400000">
-            <a:off x="7917575" y="2656924"/>
+            <a:off x="7917577" y="2656926"/>
             <a:ext cx="177036" cy="130035"/>
           </a:xfrm>
           <a:prstGeom prst="flowChartDecision">
@@ -9383,7 +9389,7 @@
         </p:nvSpPr>
         <p:spPr>
           <a:xfrm>
-            <a:off x="6867038" y="2874501"/>
+            <a:off x="6867040" y="2874505"/>
             <a:ext cx="177036" cy="130035"/>
           </a:xfrm>
           <a:prstGeom prst="flowChartDecision">
@@ -9424,7 +9430,7 @@
         </p:nvSpPr>
         <p:spPr>
           <a:xfrm>
-            <a:off x="5578577" y="1458767"/>
+            <a:off x="5578579" y="1458769"/>
             <a:ext cx="177036" cy="130035"/>
           </a:xfrm>
           <a:prstGeom prst="flowChartDecision">
@@ -9467,7 +9473,7 @@
         </p:nvSpPr>
         <p:spPr>
           <a:xfrm>
-            <a:off x="6386642" y="4650130"/>
+            <a:off x="6386646" y="4650132"/>
             <a:ext cx="1056449" cy="260070"/>
           </a:xfrm>
           <a:prstGeom prst="rect">
@@ -9521,7 +9527,7 @@
         </p:nvCxnSpPr>
         <p:spPr>
           <a:xfrm>
-            <a:off x="1842391" y="3049355"/>
+            <a:off x="1842391" y="3049357"/>
             <a:ext cx="5072476" cy="1860845"/>
           </a:xfrm>
           <a:prstGeom prst="bentConnector4">
@@ -9563,7 +9569,7 @@
         </p:nvSpPr>
         <p:spPr>
           <a:xfrm rot="16200000">
-            <a:off x="7405040" y="4714344"/>
+            <a:off x="7405042" y="4714344"/>
             <a:ext cx="202878" cy="131642"/>
           </a:xfrm>
           <a:prstGeom prst="triangle">
@@ -9607,7 +9613,7 @@
         </p:nvCxnSpPr>
         <p:spPr>
           <a:xfrm flipH="1">
-            <a:off x="7572300" y="2484344"/>
+            <a:off x="7572300" y="2484346"/>
             <a:ext cx="440748" cy="2295821"/>
           </a:xfrm>
           <a:prstGeom prst="bentConnector3">
@@ -9648,7 +9654,7 @@
         </p:nvSpPr>
         <p:spPr>
           <a:xfrm>
-            <a:off x="3811770" y="1874391"/>
+            <a:off x="3811772" y="1874393"/>
             <a:ext cx="1208900" cy="333480"/>
           </a:xfrm>
           <a:prstGeom prst="rect">
@@ -9722,7 +9728,7 @@
         </p:nvSpPr>
         <p:spPr>
           <a:xfrm flipH="1">
-            <a:off x="4477347" y="2263676"/>
+            <a:off x="4477347" y="2263678"/>
             <a:ext cx="1053082" cy="260070"/>
           </a:xfrm>
           <a:prstGeom prst="rect">
@@ -9854,7 +9860,7 @@
         </p:nvSpPr>
         <p:spPr>
           <a:xfrm rot="16200000">
-            <a:off x="5001407" y="1979909"/>
+            <a:off x="5001409" y="1979909"/>
             <a:ext cx="202878" cy="131642"/>
           </a:xfrm>
           <a:prstGeom prst="triangle">
@@ -9894,7 +9900,7 @@
         </p:nvSpPr>
         <p:spPr>
           <a:xfrm flipH="1">
-            <a:off x="4478654" y="4664834"/>
+            <a:off x="4478656" y="4664836"/>
             <a:ext cx="1053082" cy="260070"/>
           </a:xfrm>
           <a:prstGeom prst="rect">
@@ -9942,7 +9948,7 @@
         </p:nvCxnSpPr>
         <p:spPr>
           <a:xfrm>
-            <a:off x="5168668" y="2045730"/>
+            <a:off x="5168668" y="2045732"/>
             <a:ext cx="363068" cy="2749139"/>
           </a:xfrm>
           <a:prstGeom prst="bentConnector3">
@@ -9979,7 +9985,7 @@
         </p:nvCxnSpPr>
         <p:spPr>
           <a:xfrm>
-            <a:off x="2912274" y="2001331"/>
+            <a:off x="2912274" y="2001335"/>
             <a:ext cx="899512" cy="9525"/>
           </a:xfrm>
           <a:prstGeom prst="bentConnector3">
@@ -10023,7 +10029,7 @@
         </p:nvCxnSpPr>
         <p:spPr>
           <a:xfrm rot="5400000" flipH="1" flipV="1">
-            <a:off x="4495745" y="1566885"/>
+            <a:off x="4495745" y="1566887"/>
             <a:ext cx="347077" cy="262634"/>
           </a:xfrm>
           <a:prstGeom prst="bentConnector2">
@@ -10109,7 +10115,7 @@
         </p:nvCxnSpPr>
         <p:spPr>
           <a:xfrm rot="16200000" flipV="1">
-            <a:off x="3961637" y="1419809"/>
+            <a:off x="3961639" y="1419809"/>
             <a:ext cx="347076" cy="562090"/>
           </a:xfrm>
           <a:prstGeom prst="bentConnector2">
@@ -10150,7 +10156,7 @@
         </p:nvCxnSpPr>
         <p:spPr>
           <a:xfrm flipV="1">
-            <a:off x="1051560" y="1527315"/>
+            <a:off x="1051562" y="1527315"/>
             <a:ext cx="1749488" cy="1322534"/>
           </a:xfrm>
           <a:prstGeom prst="bentConnector3">
@@ -10191,7 +10197,7 @@
         </p:nvSpPr>
         <p:spPr>
           <a:xfrm>
-            <a:off x="7190168" y="3231795"/>
+            <a:off x="7190168" y="3231797"/>
             <a:ext cx="696972" cy="260070"/>
           </a:xfrm>
           <a:prstGeom prst="rect">
@@ -10235,7 +10241,7 @@
         </p:nvSpPr>
         <p:spPr>
           <a:xfrm>
-            <a:off x="6001278" y="1874391"/>
+            <a:off x="6001282" y="1874393"/>
             <a:ext cx="854117" cy="260070"/>
           </a:xfrm>
           <a:prstGeom prst="rect">
@@ -10279,7 +10285,7 @@
         </p:nvSpPr>
         <p:spPr>
           <a:xfrm>
-            <a:off x="2082800" y="3797490"/>
+            <a:off x="2082802" y="3797490"/>
             <a:ext cx="696972" cy="260070"/>
           </a:xfrm>
           <a:prstGeom prst="rect">
@@ -10331,7 +10337,7 @@
         </p:nvCxnSpPr>
         <p:spPr>
           <a:xfrm rot="16200000" flipV="1">
-            <a:off x="2360784" y="4128062"/>
+            <a:off x="2360784" y="4128064"/>
             <a:ext cx="144224" cy="3219"/>
           </a:xfrm>
           <a:prstGeom prst="bentConnector3">
@@ -10372,8 +10378,8 @@
         </p:nvSpPr>
         <p:spPr>
           <a:xfrm>
-            <a:off x="994410" y="2849849"/>
-            <a:ext cx="1309640" cy="260070"/>
+            <a:off x="994411" y="2849851"/>
+            <a:ext cx="1309641" cy="260070"/>
           </a:xfrm>
           <a:prstGeom prst="rect">
             <a:avLst/>
@@ -10431,7 +10437,7 @@
         </p:nvSpPr>
         <p:spPr>
           <a:xfrm>
-            <a:off x="2272874" y="1939319"/>
+            <a:off x="2272874" y="1939323"/>
             <a:ext cx="592644" cy="331959"/>
           </a:xfrm>
           <a:prstGeom prst="rect">
@@ -10492,7 +10498,7 @@
         </p:nvCxnSpPr>
         <p:spPr>
           <a:xfrm>
-            <a:off x="2569197" y="2259848"/>
+            <a:off x="2569197" y="2259852"/>
             <a:ext cx="1550" cy="122433"/>
           </a:xfrm>
           <a:prstGeom prst="straightConnector1">
@@ -10531,7 +10537,7 @@
         </p:nvSpPr>
         <p:spPr>
           <a:xfrm>
-            <a:off x="1166887" y="2415636"/>
+            <a:off x="1166887" y="2415638"/>
             <a:ext cx="603390" cy="260070"/>
           </a:xfrm>
           <a:prstGeom prst="rect">
@@ -10619,7 +10625,7 @@
         </p:nvSpPr>
         <p:spPr>
           <a:xfrm>
-            <a:off x="1238594" y="2032486"/>
+            <a:off x="1238595" y="2032486"/>
             <a:ext cx="803447" cy="260070"/>
           </a:xfrm>
           <a:prstGeom prst="rect">
@@ -10670,7 +10676,7 @@
         </p:nvSpPr>
         <p:spPr>
           <a:xfrm flipV="1">
-            <a:off x="1411043" y="1896868"/>
+            <a:off x="1411045" y="1896868"/>
             <a:ext cx="202878" cy="131642"/>
           </a:xfrm>
           <a:prstGeom prst="triangle">
@@ -10714,7 +10720,7 @@
         </p:nvCxnSpPr>
         <p:spPr>
           <a:xfrm rot="10800000" flipV="1">
-            <a:off x="1512482" y="1710455"/>
+            <a:off x="1512484" y="1710457"/>
             <a:ext cx="93561" cy="186412"/>
           </a:xfrm>
           <a:prstGeom prst="bentConnector2">
@@ -10756,7 +10762,7 @@
         </p:nvCxnSpPr>
         <p:spPr>
           <a:xfrm>
-            <a:off x="2004521" y="1690578"/>
+            <a:off x="2004523" y="1690580"/>
             <a:ext cx="564676" cy="248741"/>
           </a:xfrm>
           <a:prstGeom prst="bentConnector2">
@@ -10801,7 +10807,7 @@
         </p:nvSpPr>
         <p:spPr>
           <a:xfrm>
-            <a:off x="7190168" y="2846188"/>
+            <a:off x="7190168" y="2846190"/>
             <a:ext cx="696972" cy="260070"/>
           </a:xfrm>
           <a:prstGeom prst="rect">
@@ -10852,7 +10858,7 @@
         <p:spPr>
           <a:xfrm>
             <a:off x="7861300" y="2743200"/>
-            <a:ext cx="66174" cy="300082"/>
+            <a:ext cx="66174" cy="304899"/>
           </a:xfrm>
           <a:prstGeom prst="rect">
             <a:avLst/>
@@ -10890,7 +10896,7 @@
         </p:nvSpPr>
         <p:spPr>
           <a:xfrm>
-            <a:off x="7314330" y="1880821"/>
+            <a:off x="7314332" y="1880821"/>
             <a:ext cx="696972" cy="260070"/>
           </a:xfrm>
           <a:prstGeom prst="rect">
@@ -10961,7 +10967,7 @@
         </p:nvCxnSpPr>
         <p:spPr>
           <a:xfrm rot="16200000" flipH="1">
-            <a:off x="7556981" y="2246726"/>
+            <a:off x="7556981" y="2246725"/>
             <a:ext cx="213418" cy="1746"/>
           </a:xfrm>
           <a:prstGeom prst="bentConnector3">
@@ -11055,7 +11061,7 @@
         </p:nvSpPr>
         <p:spPr>
           <a:xfrm>
-            <a:off x="6016483" y="1381874"/>
+            <a:off x="6016485" y="1381876"/>
             <a:ext cx="854117" cy="283880"/>
           </a:xfrm>
           <a:prstGeom prst="rect">
@@ -11105,7 +11111,7 @@
         </p:nvSpPr>
         <p:spPr>
           <a:xfrm>
-            <a:off x="6890143" y="1380101"/>
+            <a:off x="6890145" y="1380103"/>
             <a:ext cx="177036" cy="130035"/>
           </a:xfrm>
           <a:prstGeom prst="flowChartDecision">
@@ -11155,7 +11161,7 @@
         </p:nvCxnSpPr>
         <p:spPr>
           <a:xfrm flipV="1">
-            <a:off x="7067179" y="1444096"/>
+            <a:off x="7067181" y="1444096"/>
             <a:ext cx="242389" cy="1022"/>
           </a:xfrm>
           <a:prstGeom prst="bentConnector3">
@@ -11198,7 +11204,7 @@
         </p:nvSpPr>
         <p:spPr>
           <a:xfrm>
-            <a:off x="7309567" y="1399019"/>
+            <a:off x="7309569" y="1399019"/>
             <a:ext cx="761543" cy="260070"/>
           </a:xfrm>
           <a:prstGeom prst="rect">
@@ -11312,8 +11318,8 @@
         </p:nvSpPr>
         <p:spPr>
           <a:xfrm>
-            <a:off x="7865993" y="3124200"/>
-            <a:ext cx="66174" cy="300082"/>
+            <a:off x="7865993" y="3124201"/>
+            <a:ext cx="66174" cy="304899"/>
           </a:xfrm>
           <a:prstGeom prst="rect">
             <a:avLst/>
@@ -11464,7 +11470,7 @@
         </p:nvSpPr>
         <p:spPr>
           <a:xfrm>
-            <a:off x="1235449" y="3759200"/>
+            <a:off x="1235451" y="3759202"/>
             <a:ext cx="644651" cy="296903"/>
           </a:xfrm>
           <a:prstGeom prst="rect">
@@ -11532,7 +11538,7 @@
         </p:nvCxnSpPr>
         <p:spPr>
           <a:xfrm rot="5400000" flipH="1" flipV="1">
-            <a:off x="1809698" y="2416947"/>
+            <a:off x="1809698" y="2416952"/>
             <a:ext cx="774824" cy="151529"/>
           </a:xfrm>
           <a:prstGeom prst="bentConnector2">
@@ -11579,7 +11585,7 @@
         </p:nvCxnSpPr>
         <p:spPr>
           <a:xfrm>
-            <a:off x="1840094" y="4438863"/>
+            <a:off x="1840098" y="4438867"/>
             <a:ext cx="594411" cy="22991"/>
           </a:xfrm>
           <a:prstGeom prst="bentConnector4">
@@ -11626,7 +11632,7 @@
         </p:nvSpPr>
         <p:spPr>
           <a:xfrm>
-            <a:off x="2791905" y="4201784"/>
+            <a:off x="2791908" y="4201784"/>
             <a:ext cx="592645" cy="260070"/>
           </a:xfrm>
           <a:prstGeom prst="rect">
@@ -11691,7 +11697,7 @@
         </p:nvSpPr>
         <p:spPr>
           <a:xfrm>
-            <a:off x="2552154" y="2378585"/>
+            <a:off x="2552154" y="2378587"/>
             <a:ext cx="799168" cy="247958"/>
           </a:xfrm>
           <a:prstGeom prst="rect">
@@ -11759,7 +11765,7 @@
         </p:nvCxnSpPr>
         <p:spPr>
           <a:xfrm rot="5400000">
-            <a:off x="1231596" y="3155188"/>
+            <a:off x="1231596" y="3155190"/>
             <a:ext cx="2060540" cy="292723"/>
           </a:xfrm>
           <a:prstGeom prst="bentConnector4">
@@ -11967,7 +11973,7 @@
         </p:nvSpPr>
         <p:spPr>
           <a:xfrm>
-            <a:off x="1235630" y="3340516"/>
+            <a:off x="1235632" y="3340518"/>
             <a:ext cx="644651" cy="296903"/>
           </a:xfrm>
           <a:prstGeom prst="rect">
@@ -12036,7 +12042,7 @@
         </p:nvCxnSpPr>
         <p:spPr>
           <a:xfrm flipH="1">
-            <a:off x="1557775" y="3637419"/>
+            <a:off x="1557775" y="3637421"/>
             <a:ext cx="181" cy="121781"/>
           </a:xfrm>
           <a:prstGeom prst="straightConnector1">
@@ -12083,7 +12089,7 @@
         </p:nvCxnSpPr>
         <p:spPr>
           <a:xfrm flipV="1">
-            <a:off x="1880281" y="2275254"/>
+            <a:off x="1880281" y="2275256"/>
             <a:ext cx="472826" cy="1213713"/>
           </a:xfrm>
           <a:prstGeom prst="bentConnector2">
@@ -12129,7 +12135,7 @@
         </p:nvCxnSpPr>
         <p:spPr>
           <a:xfrm rot="5400000">
-            <a:off x="624566" y="2356410"/>
+            <a:off x="624568" y="2356410"/>
             <a:ext cx="1009219" cy="2"/>
           </a:xfrm>
           <a:prstGeom prst="bentConnector3">
@@ -12178,7 +12184,7 @@
         </p:nvCxnSpPr>
         <p:spPr>
           <a:xfrm rot="16200000" flipH="1">
-            <a:off x="1453096" y="3235657"/>
+            <a:off x="1453098" y="3235659"/>
             <a:ext cx="209537" cy="182"/>
           </a:xfrm>
           <a:prstGeom prst="bentConnector3">
@@ -12228,7 +12234,7 @@
         </p:nvCxnSpPr>
         <p:spPr>
           <a:xfrm rot="5400000">
-            <a:off x="7484617" y="3212982"/>
+            <a:off x="7484619" y="3212984"/>
             <a:ext cx="923999" cy="118954"/>
           </a:xfrm>
           <a:prstGeom prst="bentConnector2">
@@ -12270,14 +12276,14 @@
           <p:cNvCxnSpPr>
             <a:cxnSpLocks/>
             <a:stCxn id="90" idx="3"/>
-            <a:endCxn id="21" idx="3"/>
+            <a:endCxn id="22" idx="3"/>
           </p:cNvCxnSpPr>
           <p:nvPr/>
         </p:nvCxnSpPr>
         <p:spPr>
           <a:xfrm rot="5400000">
-            <a:off x="7312297" y="3385303"/>
-            <a:ext cx="1268641" cy="118954"/>
+            <a:off x="7140849" y="3556754"/>
+            <a:ext cx="1611538" cy="118955"/>
           </a:xfrm>
           <a:prstGeom prst="bentConnector2">
             <a:avLst/>
@@ -12318,14 +12324,14 @@
           <p:cNvCxnSpPr>
             <a:cxnSpLocks/>
             <a:stCxn id="90" idx="3"/>
-            <a:endCxn id="22" idx="3"/>
+            <a:endCxn id="21" idx="3"/>
           </p:cNvCxnSpPr>
           <p:nvPr/>
         </p:nvCxnSpPr>
         <p:spPr>
           <a:xfrm rot="5400000">
-            <a:off x="7140847" y="3556753"/>
-            <a:ext cx="1611541" cy="118954"/>
+            <a:off x="7312298" y="3385305"/>
+            <a:ext cx="1268640" cy="118955"/>
           </a:xfrm>
           <a:prstGeom prst="bentConnector2">
             <a:avLst/>
@@ -12418,7 +12424,7 @@
         </p:nvCxnSpPr>
         <p:spPr>
           <a:xfrm rot="10800000" flipV="1">
-            <a:off x="1420439" y="1920970"/>
+            <a:off x="1420441" y="1920972"/>
             <a:ext cx="3541703" cy="2954750"/>
           </a:xfrm>
           <a:prstGeom prst="bentConnector4">
@@ -12466,7 +12472,7 @@
         </p:nvSpPr>
         <p:spPr>
           <a:xfrm flipH="1">
-            <a:off x="4481817" y="3156600"/>
+            <a:off x="4481819" y="3156602"/>
             <a:ext cx="1053082" cy="260070"/>
           </a:xfrm>
           <a:prstGeom prst="rect">
@@ -12528,7 +12534,7 @@
         </p:nvSpPr>
         <p:spPr>
           <a:xfrm flipH="1">
-            <a:off x="4481817" y="3452840"/>
+            <a:off x="4481819" y="3452840"/>
             <a:ext cx="1053082" cy="260070"/>
           </a:xfrm>
           <a:prstGeom prst="rect">
@@ -12578,7 +12584,7 @@
         </p:nvSpPr>
         <p:spPr>
           <a:xfrm flipH="1">
-            <a:off x="4481817" y="3749081"/>
+            <a:off x="4481819" y="3749081"/>
             <a:ext cx="1053082" cy="260070"/>
           </a:xfrm>
           <a:prstGeom prst="rect">
@@ -12681,7 +12687,7 @@
         </p:nvSpPr>
         <p:spPr>
           <a:xfrm flipH="1">
-            <a:off x="4474716" y="4365566"/>
+            <a:off x="4474718" y="4365568"/>
             <a:ext cx="1053082" cy="260070"/>
           </a:xfrm>
           <a:prstGeom prst="rect">
@@ -12731,7 +12737,7 @@
         </p:nvSpPr>
         <p:spPr>
           <a:xfrm>
-            <a:off x="3249262" y="3489843"/>
+            <a:off x="3249264" y="3489845"/>
             <a:ext cx="476042" cy="260070"/>
           </a:xfrm>
           <a:prstGeom prst="rect">
@@ -12790,7 +12796,7 @@
         </p:nvSpPr>
         <p:spPr>
           <a:xfrm>
-            <a:off x="2522485" y="3025066"/>
+            <a:off x="2522485" y="3025068"/>
             <a:ext cx="660908" cy="260070"/>
           </a:xfrm>
           <a:prstGeom prst="rect">
@@ -12849,7 +12855,7 @@
         </p:nvSpPr>
         <p:spPr>
           <a:xfrm>
-            <a:off x="3507555" y="2373553"/>
+            <a:off x="3507557" y="2373555"/>
             <a:ext cx="738508" cy="260070"/>
           </a:xfrm>
           <a:prstGeom prst="rect">
@@ -12911,7 +12917,7 @@
         </p:nvCxnSpPr>
         <p:spPr>
           <a:xfrm rot="16200000" flipV="1">
-            <a:off x="2607401" y="2779528"/>
+            <a:off x="2607403" y="2779530"/>
             <a:ext cx="391643" cy="99434"/>
           </a:xfrm>
           <a:prstGeom prst="bentConnector3">
@@ -12962,7 +12968,7 @@
         </p:nvCxnSpPr>
         <p:spPr>
           <a:xfrm rot="10800000">
-            <a:off x="4246064" y="2426437"/>
+            <a:off x="4246066" y="2426441"/>
             <a:ext cx="235754" cy="783047"/>
           </a:xfrm>
           <a:prstGeom prst="bentConnector3">
@@ -13012,7 +13018,7 @@
         </p:nvCxnSpPr>
         <p:spPr>
           <a:xfrm rot="10800000">
-            <a:off x="3487284" y="3749913"/>
+            <a:off x="3487284" y="3749915"/>
             <a:ext cx="994534" cy="129203"/>
           </a:xfrm>
           <a:prstGeom prst="bentConnector2">
@@ -13056,7 +13062,7 @@
         </p:nvSpPr>
         <p:spPr>
           <a:xfrm>
-            <a:off x="6006081" y="2340188"/>
+            <a:off x="6006085" y="2340190"/>
             <a:ext cx="854117" cy="260070"/>
           </a:xfrm>
           <a:prstGeom prst="rect">
@@ -13125,7 +13131,7 @@
         </p:nvCxnSpPr>
         <p:spPr>
           <a:xfrm rot="10800000">
-            <a:off x="3487283" y="3749913"/>
+            <a:off x="3487287" y="3749913"/>
             <a:ext cx="987279" cy="446268"/>
           </a:xfrm>
           <a:prstGeom prst="bentConnector2">
@@ -13221,7 +13227,7 @@
         </p:nvCxnSpPr>
         <p:spPr>
           <a:xfrm rot="10800000">
-            <a:off x="3351323" y="2502565"/>
+            <a:off x="3351327" y="2502565"/>
             <a:ext cx="156233" cy="1024"/>
           </a:xfrm>
           <a:prstGeom prst="bentConnector3">
@@ -13274,7 +13280,7 @@
         </p:nvCxnSpPr>
         <p:spPr>
           <a:xfrm rot="10800000">
-            <a:off x="2947517" y="3590428"/>
+            <a:off x="2947519" y="3590432"/>
             <a:ext cx="115003" cy="1735"/>
           </a:xfrm>
           <a:prstGeom prst="bentConnector3">
@@ -13325,7 +13331,7 @@
         </p:nvCxnSpPr>
         <p:spPr>
           <a:xfrm rot="10800000" flipV="1">
-            <a:off x="1721719" y="3726180"/>
+            <a:off x="1721723" y="3726180"/>
             <a:ext cx="1681565" cy="1001088"/>
           </a:xfrm>
           <a:prstGeom prst="bentConnector3">
@@ -13374,7 +13380,7 @@
         </p:nvSpPr>
         <p:spPr>
           <a:xfrm>
-            <a:off x="2895600" y="2750522"/>
+            <a:off x="2895600" y="2750524"/>
             <a:ext cx="799168" cy="247958"/>
           </a:xfrm>
           <a:prstGeom prst="rect">
@@ -13441,7 +13447,7 @@
         </p:nvCxnSpPr>
         <p:spPr>
           <a:xfrm rot="5400000">
-            <a:off x="3539440" y="2663159"/>
+            <a:off x="3539440" y="2663163"/>
             <a:ext cx="164834" cy="1"/>
           </a:xfrm>
           <a:prstGeom prst="bentConnector3">
@@ -13490,7 +13496,7 @@
         </p:nvSpPr>
         <p:spPr>
           <a:xfrm>
-            <a:off x="3693640" y="3161255"/>
+            <a:off x="3693642" y="3161255"/>
             <a:ext cx="476042" cy="260070"/>
           </a:xfrm>
           <a:prstGeom prst="rect">
@@ -13551,7 +13557,7 @@
         </p:nvCxnSpPr>
         <p:spPr>
           <a:xfrm rot="10800000">
-            <a:off x="4246064" y="2426435"/>
+            <a:off x="4246066" y="2426435"/>
             <a:ext cx="235754" cy="1079288"/>
           </a:xfrm>
           <a:prstGeom prst="bentConnector3">
@@ -13599,7 +13605,7 @@
         </p:nvCxnSpPr>
         <p:spPr>
           <a:xfrm rot="16200000" flipH="1">
-            <a:off x="3556236" y="2890922"/>
+            <a:off x="3556238" y="2890924"/>
             <a:ext cx="538067" cy="2598"/>
           </a:xfrm>
           <a:prstGeom prst="bentConnector3">
@@ -13697,7 +13703,7 @@
         </p:nvSpPr>
         <p:spPr>
           <a:xfrm>
-            <a:off x="3730753" y="3545034"/>
+            <a:off x="3730755" y="3545038"/>
             <a:ext cx="177036" cy="130035"/>
           </a:xfrm>
           <a:prstGeom prst="flowChartDecision">
@@ -13756,7 +13762,7 @@
         </p:nvCxnSpPr>
         <p:spPr>
           <a:xfrm rot="5400000" flipH="1" flipV="1">
-            <a:off x="3742821" y="3491445"/>
+            <a:off x="3742821" y="3491449"/>
             <a:ext cx="152900" cy="1"/>
           </a:xfrm>
           <a:prstGeom prst="bentConnector3">
@@ -13863,7 +13869,7 @@
         </p:nvSpPr>
         <p:spPr>
           <a:xfrm>
-            <a:off x="3062519" y="3527144"/>
+            <a:off x="3062521" y="3527148"/>
             <a:ext cx="177036" cy="130035"/>
           </a:xfrm>
           <a:prstGeom prst="flowChartDecision">
@@ -13922,7 +13928,7 @@
         </p:nvCxnSpPr>
         <p:spPr>
           <a:xfrm rot="16200000" flipV="1">
-            <a:off x="3167968" y="3215827"/>
+            <a:off x="3167968" y="3215829"/>
             <a:ext cx="334742" cy="303890"/>
           </a:xfrm>
           <a:prstGeom prst="bentConnector2">
@@ -13971,7 +13977,7 @@
         </p:nvCxnSpPr>
         <p:spPr>
           <a:xfrm rot="5400000">
-            <a:off x="2621868" y="3372764"/>
+            <a:off x="2621868" y="3372768"/>
             <a:ext cx="175256" cy="1"/>
           </a:xfrm>
           <a:prstGeom prst="bentConnector3">
@@ -14023,7 +14029,7 @@
         </p:nvCxnSpPr>
         <p:spPr>
           <a:xfrm flipV="1">
-            <a:off x="7044073" y="2484344"/>
+            <a:off x="7044075" y="2484348"/>
             <a:ext cx="272003" cy="455175"/>
           </a:xfrm>
           <a:prstGeom prst="bentConnector3">
@@ -14066,7 +14072,7 @@
         </p:nvSpPr>
         <p:spPr>
           <a:xfrm>
-            <a:off x="6867038" y="2313568"/>
+            <a:off x="6867040" y="2313572"/>
             <a:ext cx="177036" cy="130035"/>
           </a:xfrm>
           <a:prstGeom prst="flowChartDecision">
@@ -14597,7 +14603,7 @@
         </p:nvCxnSpPr>
         <p:spPr>
           <a:xfrm rot="21420000" flipV="1">
-            <a:off x="6433139" y="4426653"/>
+            <a:off x="6433141" y="4426653"/>
             <a:ext cx="8793" cy="152164"/>
           </a:xfrm>
           <a:prstGeom prst="straightConnector1">
@@ -14697,7 +14703,7 @@
         </p:nvCxnSpPr>
         <p:spPr>
           <a:xfrm flipV="1">
-            <a:off x="7044074" y="1529054"/>
+            <a:off x="7044076" y="1529054"/>
             <a:ext cx="265493" cy="849532"/>
           </a:xfrm>
           <a:prstGeom prst="bentConnector3">
@@ -14793,7 +14799,7 @@
         </p:nvSpPr>
         <p:spPr>
           <a:xfrm>
-            <a:off x="6123688" y="3680999"/>
+            <a:off x="6123688" y="3681001"/>
             <a:ext cx="696972" cy="260070"/>
           </a:xfrm>
           <a:prstGeom prst="rect">
@@ -15066,7 +15072,7 @@
         </p:nvCxnSpPr>
         <p:spPr>
           <a:xfrm rot="5400000" flipH="1" flipV="1">
-            <a:off x="3902841" y="3071392"/>
+            <a:off x="3902841" y="3071396"/>
             <a:ext cx="152900" cy="1"/>
           </a:xfrm>
           <a:prstGeom prst="bentConnector3">
@@ -15118,7 +15124,7 @@
         </p:nvCxnSpPr>
         <p:spPr>
           <a:xfrm>
-            <a:off x="5168667" y="2045730"/>
+            <a:off x="5168671" y="2045732"/>
             <a:ext cx="359131" cy="2449871"/>
           </a:xfrm>
           <a:prstGeom prst="bentConnector3">
@@ -15163,7 +15169,7 @@
         </p:nvCxnSpPr>
         <p:spPr>
           <a:xfrm>
-            <a:off x="5168667" y="2045730"/>
+            <a:off x="5168667" y="2045734"/>
             <a:ext cx="358978" cy="2150451"/>
           </a:xfrm>
           <a:prstGeom prst="bentConnector3">
@@ -15208,7 +15214,7 @@
         </p:nvCxnSpPr>
         <p:spPr>
           <a:xfrm>
-            <a:off x="5168667" y="2045730"/>
+            <a:off x="5168667" y="2045732"/>
             <a:ext cx="366232" cy="1833386"/>
           </a:xfrm>
           <a:prstGeom prst="bentConnector3">
@@ -15253,7 +15259,7 @@
         </p:nvCxnSpPr>
         <p:spPr>
           <a:xfrm>
-            <a:off x="5168667" y="2045730"/>
+            <a:off x="5168667" y="2045732"/>
             <a:ext cx="366232" cy="1537145"/>
           </a:xfrm>
           <a:prstGeom prst="bentConnector3">
@@ -15298,7 +15304,7 @@
         </p:nvCxnSpPr>
         <p:spPr>
           <a:xfrm>
-            <a:off x="5168667" y="2045730"/>
+            <a:off x="5168667" y="2045732"/>
             <a:ext cx="366232" cy="1240905"/>
           </a:xfrm>
           <a:prstGeom prst="bentConnector3">
@@ -15343,7 +15349,7 @@
         </p:nvCxnSpPr>
         <p:spPr>
           <a:xfrm>
-            <a:off x="5168667" y="2045730"/>
+            <a:off x="5168667" y="2045734"/>
             <a:ext cx="361762" cy="940461"/>
           </a:xfrm>
           <a:prstGeom prst="bentConnector3">
@@ -15388,7 +15394,7 @@
         </p:nvCxnSpPr>
         <p:spPr>
           <a:xfrm>
-            <a:off x="5168667" y="2045730"/>
+            <a:off x="5168667" y="2045734"/>
             <a:ext cx="361762" cy="644221"/>
           </a:xfrm>
           <a:prstGeom prst="bentConnector3">
@@ -15433,7 +15439,7 @@
         </p:nvCxnSpPr>
         <p:spPr>
           <a:xfrm>
-            <a:off x="5168667" y="2045730"/>
+            <a:off x="5168667" y="2045734"/>
             <a:ext cx="361762" cy="347981"/>
           </a:xfrm>
           <a:prstGeom prst="bentConnector3">
@@ -15611,7 +15617,7 @@
         </p:nvCxnSpPr>
         <p:spPr>
           <a:xfrm rot="16200000" flipH="1">
-            <a:off x="5136573" y="4086558"/>
+            <a:off x="5136577" y="4086558"/>
             <a:ext cx="614343" cy="1840116"/>
           </a:xfrm>
           <a:prstGeom prst="bentConnector2">
@@ -15650,7 +15656,7 @@
         </p:nvSpPr>
         <p:spPr>
           <a:xfrm rot="10800000">
-            <a:off x="6964221" y="4953000"/>
+            <a:off x="6964221" y="4953002"/>
             <a:ext cx="270504" cy="175523"/>
           </a:xfrm>
           <a:prstGeom prst="triangle">
@@ -15693,7 +15699,7 @@
         </p:nvCxnSpPr>
         <p:spPr>
           <a:xfrm rot="5400000">
-            <a:off x="6974138" y="4824781"/>
+            <a:off x="6974142" y="4824785"/>
             <a:ext cx="253555" cy="2883"/>
           </a:xfrm>
           <a:prstGeom prst="bentConnector3">
@@ -15734,7 +15740,7 @@
         </p:nvSpPr>
         <p:spPr>
           <a:xfrm>
-            <a:off x="3650593" y="4352685"/>
+            <a:off x="3650595" y="4352685"/>
             <a:ext cx="1746186" cy="346760"/>
           </a:xfrm>
           <a:prstGeom prst="rect">
@@ -15823,7 +15829,7 @@
         </p:nvSpPr>
         <p:spPr>
           <a:xfrm>
-            <a:off x="1804246" y="4363150"/>
+            <a:off x="1804250" y="4363150"/>
             <a:ext cx="790193" cy="346760"/>
           </a:xfrm>
           <a:prstGeom prst="rect">
@@ -15885,7 +15891,7 @@
         </p:nvCxnSpPr>
         <p:spPr>
           <a:xfrm rot="16200000" flipH="1">
-            <a:off x="2040855" y="4204661"/>
+            <a:off x="2040859" y="4204665"/>
             <a:ext cx="316975" cy="1"/>
           </a:xfrm>
           <a:prstGeom prst="bentConnector3">
@@ -16038,7 +16044,7 @@
         </p:nvCxnSpPr>
         <p:spPr>
           <a:xfrm flipV="1">
-            <a:off x="1094012" y="3824869"/>
+            <a:off x="1094014" y="3824871"/>
             <a:ext cx="710234" cy="6349"/>
           </a:xfrm>
           <a:prstGeom prst="bentConnector3">
@@ -16082,7 +16088,7 @@
         </p:nvCxnSpPr>
         <p:spPr>
           <a:xfrm rot="16200000" flipH="1">
-            <a:off x="1009578" y="3741862"/>
+            <a:off x="1009579" y="3741862"/>
             <a:ext cx="484006" cy="1105330"/>
           </a:xfrm>
           <a:prstGeom prst="bentConnector2">
@@ -16121,7 +16127,7 @@
         </p:nvSpPr>
         <p:spPr>
           <a:xfrm>
-            <a:off x="5220211" y="4341874"/>
+            <a:off x="5220215" y="4341874"/>
             <a:ext cx="790193" cy="346760"/>
           </a:xfrm>
           <a:prstGeom prst="rect">
@@ -16198,7 +16204,7 @@
         </p:nvCxnSpPr>
         <p:spPr>
           <a:xfrm rot="16200000" flipH="1">
-            <a:off x="5456820" y="4183385"/>
+            <a:off x="5456824" y="4183389"/>
             <a:ext cx="316975" cy="1"/>
           </a:xfrm>
           <a:prstGeom prst="bentConnector3">
@@ -16351,7 +16357,7 @@
         </p:nvCxnSpPr>
         <p:spPr>
           <a:xfrm flipV="1">
-            <a:off x="4334003" y="3803593"/>
+            <a:off x="4334003" y="3803597"/>
             <a:ext cx="886208" cy="6349"/>
           </a:xfrm>
           <a:prstGeom prst="bentConnector3">
@@ -16395,7 +16401,7 @@
         </p:nvCxnSpPr>
         <p:spPr>
           <a:xfrm rot="16200000" flipH="1">
-            <a:off x="3502918" y="4467237"/>
+            <a:off x="3502922" y="4467237"/>
             <a:ext cx="1162683" cy="290704"/>
           </a:xfrm>
           <a:prstGeom prst="bentConnector2">
@@ -16434,7 +16440,7 @@
         </p:nvSpPr>
         <p:spPr>
           <a:xfrm>
-            <a:off x="4229611" y="5020551"/>
+            <a:off x="4229615" y="5020551"/>
             <a:ext cx="865573" cy="346760"/>
           </a:xfrm>
           <a:prstGeom prst="rect">
@@ -16491,7 +16497,7 @@
         </p:nvSpPr>
         <p:spPr>
           <a:xfrm>
-            <a:off x="5153247" y="5020551"/>
+            <a:off x="5153251" y="5020551"/>
             <a:ext cx="865573" cy="346760"/>
           </a:xfrm>
           <a:prstGeom prst="rect">
@@ -16550,7 +16556,7 @@
         </p:nvSpPr>
         <p:spPr>
           <a:xfrm rot="10800000" flipV="1">
-            <a:off x="5453083" y="4688634"/>
+            <a:off x="5453083" y="4688638"/>
             <a:ext cx="270504" cy="175523"/>
           </a:xfrm>
           <a:prstGeom prst="triangle">
@@ -16597,7 +16603,7 @@
         </p:nvCxnSpPr>
         <p:spPr>
           <a:xfrm rot="5400000">
-            <a:off x="5047170" y="4479386"/>
+            <a:off x="5047170" y="4479388"/>
             <a:ext cx="156394" cy="925937"/>
           </a:xfrm>
           <a:prstGeom prst="bentConnector3">
@@ -16641,7 +16647,7 @@
         </p:nvCxnSpPr>
         <p:spPr>
           <a:xfrm rot="5400000">
-            <a:off x="5508988" y="4941204"/>
+            <a:off x="5508990" y="4941208"/>
             <a:ext cx="156394" cy="2301"/>
           </a:xfrm>
           <a:prstGeom prst="bentConnector3">
@@ -16682,7 +16688,7 @@
         </p:nvSpPr>
         <p:spPr>
           <a:xfrm>
-            <a:off x="2894620" y="4024899"/>
+            <a:off x="2894620" y="4024903"/>
             <a:ext cx="304800" cy="269627"/>
           </a:xfrm>
           <a:prstGeom prst="stripedRightArrow">
@@ -16718,7 +16724,7 @@
           <a:lstStyle/>
           <a:p>
             <a:pPr algn="ctr"/>
-            <a:endParaRPr lang="en-SG"/>
+            <a:endParaRPr lang="en-SG" sz="1781"/>
           </a:p>
         </p:txBody>
       </p:sp>
@@ -16730,7 +16736,7 @@
         </p:nvSpPr>
         <p:spPr>
           <a:xfrm>
-            <a:off x="757986" y="1325725"/>
+            <a:off x="757988" y="1325725"/>
             <a:ext cx="790193" cy="346760"/>
           </a:xfrm>
           <a:prstGeom prst="rect">
@@ -16792,7 +16798,7 @@
         </p:nvCxnSpPr>
         <p:spPr>
           <a:xfrm rot="16200000" flipH="1">
-            <a:off x="994595" y="1167236"/>
+            <a:off x="994597" y="1167238"/>
             <a:ext cx="316975" cy="1"/>
           </a:xfrm>
           <a:prstGeom prst="bentConnector3">
@@ -16891,7 +16897,7 @@
         </p:nvSpPr>
         <p:spPr>
           <a:xfrm>
-            <a:off x="2818655" y="1295371"/>
+            <a:off x="2818657" y="1295371"/>
             <a:ext cx="790193" cy="346760"/>
           </a:xfrm>
           <a:prstGeom prst="rect">
@@ -16968,7 +16974,7 @@
         </p:nvCxnSpPr>
         <p:spPr>
           <a:xfrm rot="16200000" flipH="1">
-            <a:off x="3055264" y="1136882"/>
+            <a:off x="3055266" y="1136884"/>
             <a:ext cx="316975" cy="1"/>
           </a:xfrm>
           <a:prstGeom prst="bentConnector3">
@@ -17008,7 +17014,7 @@
         </p:nvSpPr>
         <p:spPr>
           <a:xfrm>
-            <a:off x="2818655" y="535784"/>
+            <a:off x="2818655" y="535786"/>
             <a:ext cx="790192" cy="442612"/>
           </a:xfrm>
           <a:prstGeom prst="rect">
@@ -17067,7 +17073,7 @@
         </p:nvSpPr>
         <p:spPr>
           <a:xfrm>
-            <a:off x="2780965" y="1974048"/>
+            <a:off x="2780967" y="1974048"/>
             <a:ext cx="865573" cy="346760"/>
           </a:xfrm>
           <a:prstGeom prst="rect">
@@ -17126,7 +17132,7 @@
         </p:nvSpPr>
         <p:spPr>
           <a:xfrm rot="10800000" flipV="1">
-            <a:off x="3078499" y="1642131"/>
+            <a:off x="3078499" y="1642133"/>
             <a:ext cx="270504" cy="175523"/>
           </a:xfrm>
           <a:prstGeom prst="triangle">
@@ -17173,7 +17179,7 @@
         </p:nvCxnSpPr>
         <p:spPr>
           <a:xfrm rot="16200000" flipH="1">
-            <a:off x="3135554" y="1895850"/>
+            <a:off x="3135556" y="1895854"/>
             <a:ext cx="156394" cy="1"/>
           </a:xfrm>
           <a:prstGeom prst="bentConnector3">
@@ -17214,7 +17220,7 @@
         </p:nvSpPr>
         <p:spPr>
           <a:xfrm>
-            <a:off x="2046943" y="978396"/>
+            <a:off x="2046943" y="978398"/>
             <a:ext cx="304800" cy="269627"/>
           </a:xfrm>
           <a:prstGeom prst="stripedRightArrow">
@@ -17250,7 +17256,7 @@
           <a:lstStyle/>
           <a:p>
             <a:pPr algn="ctr"/>
-            <a:endParaRPr lang="en-SG"/>
+            <a:endParaRPr lang="en-SG" sz="1781"/>
           </a:p>
         </p:txBody>
       </p:sp>
@@ -17262,7 +17268,7 @@
         </p:nvSpPr>
         <p:spPr>
           <a:xfrm>
-            <a:off x="8142313" y="4319444"/>
+            <a:off x="8142316" y="4319444"/>
             <a:ext cx="790193" cy="346760"/>
           </a:xfrm>
           <a:prstGeom prst="rect">
@@ -17324,7 +17330,7 @@
         </p:nvCxnSpPr>
         <p:spPr>
           <a:xfrm rot="16200000" flipH="1">
-            <a:off x="8378922" y="4160955"/>
+            <a:off x="8378925" y="4160957"/>
             <a:ext cx="316975" cy="1"/>
           </a:xfrm>
           <a:prstGeom prst="bentConnector3">
@@ -17364,7 +17370,7 @@
         </p:nvSpPr>
         <p:spPr>
           <a:xfrm>
-            <a:off x="8142313" y="3559857"/>
+            <a:off x="8142313" y="3559859"/>
             <a:ext cx="790192" cy="442612"/>
           </a:xfrm>
           <a:prstGeom prst="rect">
@@ -17423,7 +17429,7 @@
         </p:nvSpPr>
         <p:spPr>
           <a:xfrm>
-            <a:off x="6465913" y="3566206"/>
+            <a:off x="6465913" y="3566207"/>
             <a:ext cx="790192" cy="442612"/>
           </a:xfrm>
           <a:prstGeom prst="rect">
@@ -17477,7 +17483,7 @@
         </p:nvCxnSpPr>
         <p:spPr>
           <a:xfrm flipV="1">
-            <a:off x="7256105" y="3781163"/>
+            <a:off x="7256107" y="3781167"/>
             <a:ext cx="886208" cy="6349"/>
           </a:xfrm>
           <a:prstGeom prst="bentConnector3">
@@ -17521,7 +17527,7 @@
         </p:nvCxnSpPr>
         <p:spPr>
           <a:xfrm rot="16200000" flipH="1">
-            <a:off x="6888571" y="3981256"/>
+            <a:off x="6888575" y="3981256"/>
             <a:ext cx="1162683" cy="1217806"/>
           </a:xfrm>
           <a:prstGeom prst="bentConnector2">
@@ -17560,7 +17566,7 @@
         </p:nvSpPr>
         <p:spPr>
           <a:xfrm>
-            <a:off x="8078815" y="4998121"/>
+            <a:off x="8078817" y="4998121"/>
             <a:ext cx="865573" cy="346760"/>
           </a:xfrm>
           <a:prstGeom prst="rect">
@@ -17664,7 +17670,7 @@
         </p:nvCxnSpPr>
         <p:spPr>
           <a:xfrm rot="16200000" flipH="1">
-            <a:off x="8432822" y="4919341"/>
+            <a:off x="8432822" y="4919343"/>
             <a:ext cx="156394" cy="1165"/>
           </a:xfrm>
           <a:prstGeom prst="bentConnector3">
@@ -17705,7 +17711,7 @@
         </p:nvSpPr>
         <p:spPr>
           <a:xfrm>
-            <a:off x="6325375" y="1210641"/>
+            <a:off x="6325375" y="1210643"/>
             <a:ext cx="1868998" cy="327923"/>
           </a:xfrm>
           <a:prstGeom prst="rect">
@@ -17880,7 +17886,7 @@
         </p:nvSpPr>
         <p:spPr>
           <a:xfrm rot="5400000">
-            <a:off x="6089483" y="1339999"/>
+            <a:off x="6089483" y="1340001"/>
             <a:ext cx="270504" cy="175523"/>
           </a:xfrm>
           <a:prstGeom prst="triangle">
@@ -17962,7 +17968,7 @@
         </p:nvCxnSpPr>
         <p:spPr>
           <a:xfrm rot="10800000">
-            <a:off x="5603816" y="1254381"/>
+            <a:off x="5603816" y="1254383"/>
             <a:ext cx="533159" cy="173380"/>
           </a:xfrm>
           <a:prstGeom prst="bentConnector3">
@@ -18160,7 +18166,7 @@
         </p:nvSpPr>
         <p:spPr>
           <a:xfrm>
-            <a:off x="6325375" y="1656858"/>
+            <a:off x="6325375" y="1656860"/>
             <a:ext cx="1868998" cy="271943"/>
           </a:xfrm>
           <a:prstGeom prst="rect">
@@ -18248,7 +18254,7 @@
         </p:nvSpPr>
         <p:spPr>
           <a:xfrm>
-            <a:off x="1143001" y="4094654"/>
+            <a:off x="1143003" y="4094656"/>
             <a:ext cx="5048121" cy="1612181"/>
           </a:xfrm>
           <a:prstGeom prst="rect">
@@ -18282,7 +18288,7 @@
           <a:lstStyle/>
           <a:p>
             <a:pPr algn="ctr"/>
-            <a:endParaRPr lang="en-SG">
+            <a:endParaRPr lang="en-SG" sz="1781">
               <a:solidFill>
                 <a:schemeClr val="accent4">
                   <a:lumMod val="75000"/>
@@ -18310,7 +18316,7 @@
         </p:nvCxnSpPr>
         <p:spPr>
           <a:xfrm>
-            <a:off x="1143001" y="4900745"/>
+            <a:off x="1143003" y="4900745"/>
             <a:ext cx="5048121" cy="0"/>
           </a:xfrm>
           <a:prstGeom prst="line">
@@ -18351,7 +18357,7 @@
         </p:nvSpPr>
         <p:spPr>
           <a:xfrm>
-            <a:off x="1295400" y="762000"/>
+            <a:off x="1295402" y="762002"/>
             <a:ext cx="2514600" cy="609600"/>
           </a:xfrm>
           <a:prstGeom prst="rect">
@@ -18494,7 +18500,7 @@
         </p:nvSpPr>
         <p:spPr>
           <a:xfrm rot="5400000">
-            <a:off x="568475" y="3845106"/>
+            <a:off x="568477" y="3845106"/>
             <a:ext cx="3930304" cy="266664"/>
           </a:xfrm>
           <a:prstGeom prst="rect">
@@ -18523,7 +18529,7 @@
           <a:lstStyle/>
           <a:p>
             <a:pPr algn="ctr"/>
-            <a:endParaRPr lang="en-SG" dirty="0"/>
+            <a:endParaRPr lang="en-SG" sz="1781" dirty="0"/>
           </a:p>
         </p:txBody>
       </p:sp>
@@ -18543,7 +18549,7 @@
         </p:nvCxnSpPr>
         <p:spPr>
           <a:xfrm>
-            <a:off x="457200" y="1981200"/>
+            <a:off x="457202" y="1981200"/>
             <a:ext cx="1943099" cy="0"/>
           </a:xfrm>
           <a:prstGeom prst="line">
@@ -18588,7 +18594,7 @@
         <p:spPr>
           <a:xfrm>
             <a:off x="609600" y="1611868"/>
-            <a:ext cx="1752595" cy="369332"/>
+            <a:ext cx="1752595" cy="369204"/>
           </a:xfrm>
           <a:prstGeom prst="rect">
             <a:avLst/>
@@ -18605,7 +18611,7 @@
           <a:lstStyle/>
           <a:p>
             <a:r>
-              <a:rPr lang="en-SG" dirty="0" err="1">
+              <a:rPr lang="en-SG" sz="1781" dirty="0" err="1">
                 <a:solidFill>
                   <a:srgbClr val="00B050"/>
                 </a:solidFill>
@@ -18613,7 +18619,7 @@
               <a:t>AddCommand</a:t>
             </a:r>
             <a:r>
-              <a:rPr lang="en-SG" dirty="0">
+              <a:rPr lang="en-SG" sz="1781" dirty="0">
                 <a:solidFill>
                   <a:srgbClr val="00B050"/>
                 </a:solidFill>
@@ -18639,7 +18645,7 @@
         </p:nvCxnSpPr>
         <p:spPr>
           <a:xfrm>
-            <a:off x="2666959" y="2133600"/>
+            <a:off x="2666963" y="2133600"/>
             <a:ext cx="2514641" cy="0"/>
           </a:xfrm>
           <a:prstGeom prst="line">
@@ -18685,8 +18691,8 @@
         </p:nvSpPr>
         <p:spPr>
           <a:xfrm>
-            <a:off x="3257552" y="1676400"/>
-            <a:ext cx="1371596" cy="461665"/>
+            <a:off x="3257552" y="1676402"/>
+            <a:ext cx="1371596" cy="469076"/>
           </a:xfrm>
           <a:prstGeom prst="rect">
             <a:avLst/>
@@ -18729,7 +18735,7 @@
         </p:nvSpPr>
         <p:spPr>
           <a:xfrm rot="5400000">
-            <a:off x="6253453" y="2547683"/>
+            <a:off x="6253457" y="2547685"/>
             <a:ext cx="485229" cy="266662"/>
           </a:xfrm>
           <a:prstGeom prst="rect">
@@ -18785,7 +18791,7 @@
         </p:nvCxnSpPr>
         <p:spPr>
           <a:xfrm>
-            <a:off x="6491874" y="4058467"/>
+            <a:off x="6491874" y="4058471"/>
             <a:ext cx="0" cy="2647133"/>
           </a:xfrm>
           <a:prstGeom prst="line">
@@ -18967,7 +18973,7 @@
         </p:nvSpPr>
         <p:spPr>
           <a:xfrm>
-            <a:off x="2845428" y="3581400"/>
+            <a:off x="2845428" y="3581404"/>
             <a:ext cx="2514600" cy="513255"/>
           </a:xfrm>
           <a:prstGeom prst="rect">
@@ -19033,7 +19039,7 @@
         </p:nvSpPr>
         <p:spPr>
           <a:xfrm rot="5400000">
-            <a:off x="3759887" y="4228025"/>
+            <a:off x="3759887" y="4228027"/>
             <a:ext cx="533400" cy="266661"/>
           </a:xfrm>
           <a:prstGeom prst="rect">
@@ -19089,7 +19095,7 @@
         </p:nvCxnSpPr>
         <p:spPr>
           <a:xfrm flipH="1">
-            <a:off x="2666959" y="4648200"/>
+            <a:off x="2666963" y="4648200"/>
             <a:ext cx="1226297" cy="0"/>
           </a:xfrm>
           <a:prstGeom prst="line">
@@ -19137,7 +19143,7 @@
         </p:nvCxnSpPr>
         <p:spPr>
           <a:xfrm>
-            <a:off x="4038600" y="4640179"/>
+            <a:off x="4038600" y="4640184"/>
             <a:ext cx="0" cy="389021"/>
           </a:xfrm>
           <a:prstGeom prst="line">
@@ -19237,7 +19243,7 @@
         </p:nvCxnSpPr>
         <p:spPr>
           <a:xfrm flipH="1">
-            <a:off x="2666959" y="5574724"/>
+            <a:off x="2666961" y="5574724"/>
             <a:ext cx="1226297" cy="0"/>
           </a:xfrm>
           <a:prstGeom prst="line">
@@ -19318,7 +19324,7 @@
           <a:p>
             <a:pPr algn="ctr"/>
             <a:r>
-              <a:rPr lang="en-SG" dirty="0">
+              <a:rPr lang="en-SG" sz="1781" dirty="0">
                 <a:solidFill>
                   <a:schemeClr val="accent6"/>
                 </a:solidFill>
@@ -19342,7 +19348,7 @@
         </p:nvSpPr>
         <p:spPr>
           <a:xfrm>
-            <a:off x="4336243" y="4416623"/>
+            <a:off x="4336243" y="4416625"/>
             <a:ext cx="1619248" cy="307777"/>
           </a:xfrm>
           <a:prstGeom prst="rect">
@@ -19384,8 +19390,8 @@
         </p:nvSpPr>
         <p:spPr>
           <a:xfrm>
-            <a:off x="4146867" y="5209401"/>
-            <a:ext cx="2330133" cy="276999"/>
+            <a:off x="4146867" y="5209404"/>
+            <a:ext cx="2330133" cy="281445"/>
           </a:xfrm>
           <a:prstGeom prst="rect">
             <a:avLst/>
@@ -19472,7 +19478,7 @@
         </p:nvSpPr>
         <p:spPr>
           <a:xfrm rot="5400000">
-            <a:off x="6253451" y="3686640"/>
+            <a:off x="6253455" y="3686642"/>
             <a:ext cx="485229" cy="266662"/>
           </a:xfrm>
           <a:prstGeom prst="rect">
@@ -19528,7 +19534,7 @@
         </p:nvCxnSpPr>
         <p:spPr>
           <a:xfrm flipH="1">
-            <a:off x="2666959" y="2919572"/>
+            <a:off x="2666963" y="2919572"/>
             <a:ext cx="3705815" cy="0"/>
           </a:xfrm>
           <a:prstGeom prst="line">
@@ -19574,8 +19580,8 @@
         </p:nvSpPr>
         <p:spPr>
           <a:xfrm>
-            <a:off x="4958847" y="4169489"/>
-            <a:ext cx="497798" cy="307777"/>
+            <a:off x="4958849" y="4169492"/>
+            <a:ext cx="497798" cy="312718"/>
           </a:xfrm>
           <a:prstGeom prst="rect">
             <a:avLst/>
@@ -19616,8 +19622,8 @@
         </p:nvSpPr>
         <p:spPr>
           <a:xfrm>
-            <a:off x="4864579" y="4940752"/>
-            <a:ext cx="657211" cy="307777"/>
+            <a:off x="4864581" y="4940756"/>
+            <a:ext cx="657211" cy="312718"/>
           </a:xfrm>
           <a:prstGeom prst="rect">
             <a:avLst/>

--- a/docs/Diagrams.pptx
+++ b/docs/Diagrams.pptx
@@ -213,7 +213,7 @@
           <a:p>
             <a:fld id="{F5CC4B3F-88C1-4FFA-B1B6-F41C21DC6924}" type="datetimeFigureOut">
               <a:rPr lang="en-US" smtClean="0"/>
-              <a:t>11/11/2018</a:t>
+              <a:t>11/12/2018</a:t>
             </a:fld>
             <a:endParaRPr lang="en-US"/>
           </a:p>
@@ -847,7 +847,7 @@
           <a:p>
             <a:fld id="{78C97017-6FC3-485B-9764-EAC9E56C1D49}" type="datetimeFigureOut">
               <a:rPr lang="en-US" smtClean="0"/>
-              <a:t>11/11/2018</a:t>
+              <a:t>11/12/2018</a:t>
             </a:fld>
             <a:endParaRPr lang="en-US"/>
           </a:p>
@@ -1015,7 +1015,7 @@
           <a:p>
             <a:fld id="{78C97017-6FC3-485B-9764-EAC9E56C1D49}" type="datetimeFigureOut">
               <a:rPr lang="en-US" smtClean="0"/>
-              <a:t>11/11/2018</a:t>
+              <a:t>11/12/2018</a:t>
             </a:fld>
             <a:endParaRPr lang="en-US"/>
           </a:p>
@@ -1193,7 +1193,7 @@
           <a:p>
             <a:fld id="{78C97017-6FC3-485B-9764-EAC9E56C1D49}" type="datetimeFigureOut">
               <a:rPr lang="en-US" smtClean="0"/>
-              <a:t>11/11/2018</a:t>
+              <a:t>11/12/2018</a:t>
             </a:fld>
             <a:endParaRPr lang="en-US"/>
           </a:p>
@@ -1361,7 +1361,7 @@
           <a:p>
             <a:fld id="{78C97017-6FC3-485B-9764-EAC9E56C1D49}" type="datetimeFigureOut">
               <a:rPr lang="en-US" smtClean="0"/>
-              <a:t>11/11/2018</a:t>
+              <a:t>11/12/2018</a:t>
             </a:fld>
             <a:endParaRPr lang="en-US"/>
           </a:p>
@@ -1606,7 +1606,7 @@
           <a:p>
             <a:fld id="{78C97017-6FC3-485B-9764-EAC9E56C1D49}" type="datetimeFigureOut">
               <a:rPr lang="en-US" smtClean="0"/>
-              <a:t>11/11/2018</a:t>
+              <a:t>11/12/2018</a:t>
             </a:fld>
             <a:endParaRPr lang="en-US"/>
           </a:p>
@@ -1891,7 +1891,7 @@
           <a:p>
             <a:fld id="{78C97017-6FC3-485B-9764-EAC9E56C1D49}" type="datetimeFigureOut">
               <a:rPr lang="en-US" smtClean="0"/>
-              <a:t>11/11/2018</a:t>
+              <a:t>11/12/2018</a:t>
             </a:fld>
             <a:endParaRPr lang="en-US"/>
           </a:p>
@@ -2310,7 +2310,7 @@
           <a:p>
             <a:fld id="{78C97017-6FC3-485B-9764-EAC9E56C1D49}" type="datetimeFigureOut">
               <a:rPr lang="en-US" smtClean="0"/>
-              <a:t>11/11/2018</a:t>
+              <a:t>11/12/2018</a:t>
             </a:fld>
             <a:endParaRPr lang="en-US"/>
           </a:p>
@@ -2427,7 +2427,7 @@
           <a:p>
             <a:fld id="{78C97017-6FC3-485B-9764-EAC9E56C1D49}" type="datetimeFigureOut">
               <a:rPr lang="en-US" smtClean="0"/>
-              <a:t>11/11/2018</a:t>
+              <a:t>11/12/2018</a:t>
             </a:fld>
             <a:endParaRPr lang="en-US"/>
           </a:p>
@@ -2522,7 +2522,7 @@
           <a:p>
             <a:fld id="{78C97017-6FC3-485B-9764-EAC9E56C1D49}" type="datetimeFigureOut">
               <a:rPr lang="en-US" smtClean="0"/>
-              <a:t>11/11/2018</a:t>
+              <a:t>11/12/2018</a:t>
             </a:fld>
             <a:endParaRPr lang="en-US"/>
           </a:p>
@@ -2797,7 +2797,7 @@
           <a:p>
             <a:fld id="{78C97017-6FC3-485B-9764-EAC9E56C1D49}" type="datetimeFigureOut">
               <a:rPr lang="en-US" smtClean="0"/>
-              <a:t>11/11/2018</a:t>
+              <a:t>11/12/2018</a:t>
             </a:fld>
             <a:endParaRPr lang="en-US"/>
           </a:p>
@@ -3049,7 +3049,7 @@
           <a:p>
             <a:fld id="{78C97017-6FC3-485B-9764-EAC9E56C1D49}" type="datetimeFigureOut">
               <a:rPr lang="en-US" smtClean="0"/>
-              <a:t>11/11/2018</a:t>
+              <a:t>11/12/2018</a:t>
             </a:fld>
             <a:endParaRPr lang="en-US"/>
           </a:p>
@@ -3260,7 +3260,7 @@
           <a:p>
             <a:fld id="{78C97017-6FC3-485B-9764-EAC9E56C1D49}" type="datetimeFigureOut">
               <a:rPr lang="en-US" smtClean="0"/>
-              <a:t>11/11/2018</a:t>
+              <a:t>11/12/2018</a:t>
             </a:fld>
             <a:endParaRPr lang="en-US"/>
           </a:p>
@@ -9802,7 +9802,7 @@
             <a:pPr algn="ctr"/>
             <a:r>
               <a:rPr lang="en-US" sz="788" dirty="0" err="1"/>
-              <a:t>CrearCommand</a:t>
+              <a:t>ClearCommand</a:t>
             </a:r>
             <a:endParaRPr lang="en-SG" sz="788" dirty="0"/>
           </a:p>

--- a/docs/Diagrams.pptx
+++ b/docs/Diagrams.pptx
@@ -5082,7 +5082,7 @@
           <a:p>
             <a:pPr algn="ctr"/>
             <a:r>
-              <a:rPr lang="en-US" sz="1050" dirty="0" err="1"/>
+              <a:rPr lang="en-US" sz="1050" dirty="0"/>
               <a:t>AddCommand</a:t>
             </a:r>
             <a:endParaRPr lang="en-SG" sz="1050" dirty="0"/>
@@ -5170,7 +5170,7 @@
           <a:p>
             <a:pPr algn="ctr"/>
             <a:r>
-              <a:rPr lang="en-US" sz="1050" dirty="0" err="1"/>
+              <a:rPr lang="en-US" sz="1050" dirty="0"/>
               <a:t>IncorrectCommand</a:t>
             </a:r>
             <a:endParaRPr lang="en-SG" sz="1050" dirty="0"/>
@@ -9757,7 +9757,7 @@
           <a:p>
             <a:pPr algn="ctr"/>
             <a:r>
-              <a:rPr lang="en-US" sz="788" dirty="0" err="1"/>
+              <a:rPr lang="en-US" sz="788" dirty="0"/>
               <a:t>AddCommand</a:t>
             </a:r>
             <a:endParaRPr lang="en-SG" sz="788" dirty="0"/>
@@ -9801,7 +9801,7 @@
           <a:p>
             <a:pPr algn="ctr"/>
             <a:r>
-              <a:rPr lang="en-US" sz="788" dirty="0" err="1"/>
+              <a:rPr lang="en-US" sz="788" dirty="0"/>
               <a:t>ClearCommand</a:t>
             </a:r>
             <a:endParaRPr lang="en-SG" sz="788" dirty="0"/>
@@ -9845,7 +9845,7 @@
           <a:p>
             <a:pPr algn="ctr"/>
             <a:r>
-              <a:rPr lang="en-US" sz="788" dirty="0" err="1"/>
+              <a:rPr lang="en-US" sz="788" dirty="0"/>
               <a:t>IncorrectCommand</a:t>
             </a:r>
             <a:endParaRPr lang="en-SG" sz="788" dirty="0"/>
@@ -12501,20 +12501,8 @@
           <a:p>
             <a:pPr algn="ctr"/>
             <a:r>
-              <a:rPr lang="en-US" sz="788" dirty="0" err="1"/>
-              <a:t>RequestBackup</a:t>
-            </a:r>
-            <a:r>
               <a:rPr lang="en-US" sz="788" dirty="0"/>
-              <a:t> (</a:t>
-            </a:r>
-            <a:r>
-              <a:rPr lang="en-US" sz="788" dirty="0" err="1"/>
-              <a:t>rb</a:t>
-            </a:r>
-            <a:r>
-              <a:rPr lang="en-US" sz="788" dirty="0"/>
-              <a:t>) Command</a:t>
+              <a:t>RequestBackup (rb) Command</a:t>
             </a:r>
             <a:endParaRPr lang="en-SG" sz="788" dirty="0"/>
           </a:p>
@@ -12563,10 +12551,9 @@
           <a:p>
             <a:pPr algn="ctr"/>
             <a:r>
-              <a:rPr lang="en-SG" sz="788" dirty="0" err="1"/>
+              <a:rPr lang="en-SG" sz="788" dirty="0"/>
               <a:t>DispatchCommand</a:t>
             </a:r>
-            <a:endParaRPr lang="en-SG" sz="788" dirty="0"/>
           </a:p>
         </p:txBody>
       </p:sp>
@@ -12613,12 +12600,8 @@
           <a:p>
             <a:pPr algn="ctr"/>
             <a:r>
-              <a:rPr lang="en-SG" sz="788" dirty="0" err="1"/>
-              <a:t>ShowUnread</a:t>
-            </a:r>
-            <a:r>
               <a:rPr lang="en-SG" sz="788" dirty="0"/>
-              <a:t> Command</a:t>
+              <a:t>ShowUnread Command</a:t>
             </a:r>
           </a:p>
         </p:txBody>
@@ -12666,10 +12649,9 @@
           <a:p>
             <a:pPr algn="ctr"/>
             <a:r>
-              <a:rPr lang="en-SG" sz="788" dirty="0" err="1"/>
+              <a:rPr lang="en-SG" sz="788" dirty="0"/>
               <a:t>InboxCommand</a:t>
             </a:r>
-            <a:endParaRPr lang="en-SG" sz="788" dirty="0"/>
           </a:p>
         </p:txBody>
       </p:sp>
@@ -12716,10 +12698,9 @@
           <a:p>
             <a:pPr algn="ctr"/>
             <a:r>
-              <a:rPr lang="en-SG" sz="788" dirty="0" err="1"/>
+              <a:rPr lang="en-SG" sz="788" dirty="0"/>
               <a:t>ReadCommand</a:t>
             </a:r>
-            <a:endParaRPr lang="en-SG" sz="788" dirty="0"/>
           </a:p>
         </p:txBody>
       </p:sp>
